--- a/Documentation/2023_10_26_SBD_Präsentation.pptx
+++ b/Documentation/2023_10_26_SBD_Präsentation.pptx
@@ -116,7 +116,41 @@
       </a:defRPr>
     </a:lvl9pPr>
   </p:defaultTextStyle>
+  <p:extLst>
+    <p:ext uri="{EFAFB233-063F-42B5-8137-9DF3F51BA10A}">
+      <p15:sldGuideLst xmlns:p15="http://schemas.microsoft.com/office/powerpoint/2012/main"/>
+    </p:ext>
+  </p:extLst>
 </p:presentation>
+</file>
+
+<file path=ppt/changesInfos/changesInfo1.xml><?xml version="1.0" encoding="utf-8"?>
+<pc:chgInfo xmlns:a="http://schemas.openxmlformats.org/drawingml/2006/main" xmlns:r="http://schemas.openxmlformats.org/officeDocument/2006/relationships" xmlns:ac="http://schemas.microsoft.com/office/drawing/2013/main/command" xmlns:pc="http://schemas.microsoft.com/office/powerpoint/2013/main/command">
+  <pc:docChgLst>
+    <pc:chgData name="Cynthia Winkler" userId="27a9486f12ba6550" providerId="LiveId" clId="{633517F0-5287-4297-89D0-192BD711ED64}"/>
+    <pc:docChg chg="undo custSel modSld">
+      <pc:chgData name="Cynthia Winkler" userId="27a9486f12ba6550" providerId="LiveId" clId="{633517F0-5287-4297-89D0-192BD711ED64}" dt="2023-10-25T17:27:59.350" v="1" actId="20577"/>
+      <pc:docMkLst>
+        <pc:docMk/>
+      </pc:docMkLst>
+      <pc:sldChg chg="modSp mod">
+        <pc:chgData name="Cynthia Winkler" userId="27a9486f12ba6550" providerId="LiveId" clId="{633517F0-5287-4297-89D0-192BD711ED64}" dt="2023-10-25T17:27:59.350" v="1" actId="20577"/>
+        <pc:sldMkLst>
+          <pc:docMk/>
+          <pc:sldMk cId="693519000" sldId="266"/>
+        </pc:sldMkLst>
+        <pc:spChg chg="mod">
+          <ac:chgData name="Cynthia Winkler" userId="27a9486f12ba6550" providerId="LiveId" clId="{633517F0-5287-4297-89D0-192BD711ED64}" dt="2023-10-25T17:27:59.350" v="1" actId="20577"/>
+          <ac:spMkLst>
+            <pc:docMk/>
+            <pc:sldMk cId="693519000" sldId="266"/>
+            <ac:spMk id="10" creationId="{53E98A35-3415-6762-F2CD-504EDA8656A6}"/>
+          </ac:spMkLst>
+        </pc:spChg>
+      </pc:sldChg>
+    </pc:docChg>
+  </pc:docChgLst>
+</pc:chgInfo>
 </file>
 
 <file path=ppt/slideLayouts/slideLayout1.xml><?xml version="1.0" encoding="utf-8"?>
@@ -169,7 +203,7 @@
           <a:noFill/>
           <a:extLst>
             <a:ext uri="{909E8E84-426E-40dd-AFC4-6F175D3DCCD1}">
-              <a14:hiddenFill xmlns:a14="http://schemas.microsoft.com/office/drawing/2010/main" xmlns="">
+              <a14:hiddenFill xmlns="" xmlns:a14="http://schemas.microsoft.com/office/drawing/2010/main">
                 <a:solidFill>
                   <a:srgbClr val="FFFFFF"/>
                 </a:solidFill>
@@ -229,7 +263,7 @@
             </a:ln>
             <a:extLst>
               <a:ext uri="{91240B29-F687-4f45-9708-019B960494DF}">
-                <a14:hiddenLine xmlns:a14="http://schemas.microsoft.com/office/drawing/2010/main" xmlns="" w="9525">
+                <a14:hiddenLine xmlns="" xmlns:a14="http://schemas.microsoft.com/office/drawing/2010/main" w="9525">
                   <a:solidFill>
                     <a:srgbClr val="000000"/>
                   </a:solidFill>
@@ -319,7 +353,7 @@
             </a:ln>
             <a:extLst>
               <a:ext uri="{91240B29-F687-4f45-9708-019B960494DF}">
-                <a14:hiddenLine xmlns:a14="http://schemas.microsoft.com/office/drawing/2010/main" xmlns="" w="9525">
+                <a14:hiddenLine xmlns="" xmlns:a14="http://schemas.microsoft.com/office/drawing/2010/main" w="9525">
                   <a:solidFill>
                     <a:srgbClr val="000000"/>
                   </a:solidFill>
@@ -409,7 +443,7 @@
             </a:ln>
             <a:extLst>
               <a:ext uri="{91240B29-F687-4f45-9708-019B960494DF}">
-                <a14:hiddenLine xmlns:a14="http://schemas.microsoft.com/office/drawing/2010/main" xmlns="" w="9525">
+                <a14:hiddenLine xmlns="" xmlns:a14="http://schemas.microsoft.com/office/drawing/2010/main" w="9525">
                   <a:solidFill>
                     <a:srgbClr val="000000"/>
                   </a:solidFill>
@@ -443,7 +477,7 @@
             </a:ln>
             <a:extLst>
               <a:ext uri="{91240B29-F687-4f45-9708-019B960494DF}">
-                <a14:hiddenLine xmlns:a14="http://schemas.microsoft.com/office/drawing/2010/main" xmlns="" w="9525">
+                <a14:hiddenLine xmlns="" xmlns:a14="http://schemas.microsoft.com/office/drawing/2010/main" w="9525">
                   <a:solidFill>
                     <a:srgbClr val="000000"/>
                   </a:solidFill>
@@ -533,7 +567,7 @@
             </a:ln>
             <a:extLst>
               <a:ext uri="{91240B29-F687-4f45-9708-019B960494DF}">
-                <a14:hiddenLine xmlns:a14="http://schemas.microsoft.com/office/drawing/2010/main" xmlns="" w="9525">
+                <a14:hiddenLine xmlns="" xmlns:a14="http://schemas.microsoft.com/office/drawing/2010/main" w="9525">
                   <a:solidFill>
                     <a:srgbClr val="000000"/>
                   </a:solidFill>
@@ -595,7 +629,7 @@
             </a:ln>
             <a:extLst>
               <a:ext uri="{91240B29-F687-4f45-9708-019B960494DF}">
-                <a14:hiddenLine xmlns:a14="http://schemas.microsoft.com/office/drawing/2010/main" xmlns="" w="9525">
+                <a14:hiddenLine xmlns="" xmlns:a14="http://schemas.microsoft.com/office/drawing/2010/main" w="9525">
                   <a:solidFill>
                     <a:srgbClr val="000000"/>
                   </a:solidFill>
@@ -657,7 +691,7 @@
             </a:ln>
             <a:extLst>
               <a:ext uri="{91240B29-F687-4f45-9708-019B960494DF}">
-                <a14:hiddenLine xmlns:a14="http://schemas.microsoft.com/office/drawing/2010/main" xmlns="" w="9525">
+                <a14:hiddenLine xmlns="" xmlns:a14="http://schemas.microsoft.com/office/drawing/2010/main" w="9525">
                   <a:solidFill>
                     <a:srgbClr val="000000"/>
                   </a:solidFill>
@@ -747,7 +781,7 @@
             </a:ln>
             <a:extLst>
               <a:ext uri="{91240B29-F687-4f45-9708-019B960494DF}">
-                <a14:hiddenLine xmlns:a14="http://schemas.microsoft.com/office/drawing/2010/main" xmlns="" w="9525">
+                <a14:hiddenLine xmlns="" xmlns:a14="http://schemas.microsoft.com/office/drawing/2010/main" w="9525">
                   <a:solidFill>
                     <a:srgbClr val="000000"/>
                   </a:solidFill>
@@ -809,7 +843,7 @@
             </a:ln>
             <a:extLst>
               <a:ext uri="{91240B29-F687-4f45-9708-019B960494DF}">
-                <a14:hiddenLine xmlns:a14="http://schemas.microsoft.com/office/drawing/2010/main" xmlns="" w="9525">
+                <a14:hiddenLine xmlns="" xmlns:a14="http://schemas.microsoft.com/office/drawing/2010/main" w="9525">
                   <a:solidFill>
                     <a:srgbClr val="000000"/>
                   </a:solidFill>
@@ -871,7 +905,7 @@
             </a:ln>
             <a:extLst>
               <a:ext uri="{91240B29-F687-4f45-9708-019B960494DF}">
-                <a14:hiddenLine xmlns:a14="http://schemas.microsoft.com/office/drawing/2010/main" xmlns="" w="9525">
+                <a14:hiddenLine xmlns="" xmlns:a14="http://schemas.microsoft.com/office/drawing/2010/main" w="9525">
                   <a:solidFill>
                     <a:srgbClr val="000000"/>
                   </a:solidFill>
@@ -961,7 +995,7 @@
             </a:ln>
             <a:extLst>
               <a:ext uri="{91240B29-F687-4f45-9708-019B960494DF}">
-                <a14:hiddenLine xmlns:a14="http://schemas.microsoft.com/office/drawing/2010/main" xmlns="" w="9525">
+                <a14:hiddenLine xmlns="" xmlns:a14="http://schemas.microsoft.com/office/drawing/2010/main" w="9525">
                   <a:solidFill>
                     <a:srgbClr val="000000"/>
                   </a:solidFill>
@@ -1051,7 +1085,7 @@
             </a:ln>
             <a:extLst>
               <a:ext uri="{91240B29-F687-4f45-9708-019B960494DF}">
-                <a14:hiddenLine xmlns:a14="http://schemas.microsoft.com/office/drawing/2010/main" xmlns="" w="9525">
+                <a14:hiddenLine xmlns="" xmlns:a14="http://schemas.microsoft.com/office/drawing/2010/main" w="9525">
                   <a:solidFill>
                     <a:srgbClr val="000000"/>
                   </a:solidFill>
@@ -1113,7 +1147,7 @@
             </a:ln>
             <a:extLst>
               <a:ext uri="{91240B29-F687-4f45-9708-019B960494DF}">
-                <a14:hiddenLine xmlns:a14="http://schemas.microsoft.com/office/drawing/2010/main" xmlns="" w="9525">
+                <a14:hiddenLine xmlns="" xmlns:a14="http://schemas.microsoft.com/office/drawing/2010/main" w="9525">
                   <a:solidFill>
                     <a:srgbClr val="000000"/>
                   </a:solidFill>
@@ -1223,7 +1257,7 @@
             </a:ln>
             <a:extLst>
               <a:ext uri="{91240B29-F687-4f45-9708-019B960494DF}">
-                <a14:hiddenLine xmlns:a14="http://schemas.microsoft.com/office/drawing/2010/main" xmlns="" w="9525">
+                <a14:hiddenLine xmlns="" xmlns:a14="http://schemas.microsoft.com/office/drawing/2010/main" w="9525">
                   <a:solidFill>
                     <a:srgbClr val="000000"/>
                   </a:solidFill>
@@ -1285,7 +1319,7 @@
             </a:ln>
             <a:extLst>
               <a:ext uri="{91240B29-F687-4f45-9708-019B960494DF}">
-                <a14:hiddenLine xmlns:a14="http://schemas.microsoft.com/office/drawing/2010/main" xmlns="" w="9525">
+                <a14:hiddenLine xmlns="" xmlns:a14="http://schemas.microsoft.com/office/drawing/2010/main" w="9525">
                   <a:solidFill>
                     <a:srgbClr val="000000"/>
                   </a:solidFill>
@@ -1375,7 +1409,7 @@
             </a:ln>
             <a:extLst>
               <a:ext uri="{91240B29-F687-4f45-9708-019B960494DF}">
-                <a14:hiddenLine xmlns:a14="http://schemas.microsoft.com/office/drawing/2010/main" xmlns="" w="9525">
+                <a14:hiddenLine xmlns="" xmlns:a14="http://schemas.microsoft.com/office/drawing/2010/main" w="9525">
                   <a:solidFill>
                     <a:srgbClr val="000000"/>
                   </a:solidFill>
@@ -1465,7 +1499,7 @@
             </a:ln>
             <a:extLst>
               <a:ext uri="{91240B29-F687-4f45-9708-019B960494DF}">
-                <a14:hiddenLine xmlns:a14="http://schemas.microsoft.com/office/drawing/2010/main" xmlns="" w="9525">
+                <a14:hiddenLine xmlns="" xmlns:a14="http://schemas.microsoft.com/office/drawing/2010/main" w="9525">
                   <a:solidFill>
                     <a:srgbClr val="000000"/>
                   </a:solidFill>
@@ -1527,7 +1561,7 @@
             </a:ln>
             <a:extLst>
               <a:ext uri="{91240B29-F687-4f45-9708-019B960494DF}">
-                <a14:hiddenLine xmlns:a14="http://schemas.microsoft.com/office/drawing/2010/main" xmlns="" w="9525">
+                <a14:hiddenLine xmlns="" xmlns:a14="http://schemas.microsoft.com/office/drawing/2010/main" w="9525">
                   <a:solidFill>
                     <a:srgbClr val="000000"/>
                   </a:solidFill>
@@ -1617,7 +1651,7 @@
             </a:ln>
             <a:extLst>
               <a:ext uri="{91240B29-F687-4f45-9708-019B960494DF}">
-                <a14:hiddenLine xmlns:a14="http://schemas.microsoft.com/office/drawing/2010/main" xmlns="" w="9525">
+                <a14:hiddenLine xmlns="" xmlns:a14="http://schemas.microsoft.com/office/drawing/2010/main" w="9525">
                   <a:solidFill>
                     <a:srgbClr val="000000"/>
                   </a:solidFill>
@@ -1707,7 +1741,7 @@
             </a:ln>
             <a:extLst>
               <a:ext uri="{91240B29-F687-4f45-9708-019B960494DF}">
-                <a14:hiddenLine xmlns:a14="http://schemas.microsoft.com/office/drawing/2010/main" xmlns="" w="9525">
+                <a14:hiddenLine xmlns="" xmlns:a14="http://schemas.microsoft.com/office/drawing/2010/main" w="9525">
                   <a:solidFill>
                     <a:srgbClr val="000000"/>
                   </a:solidFill>
@@ -1763,7 +1797,7 @@
             </a:ln>
             <a:extLst>
               <a:ext uri="{91240B29-F687-4f45-9708-019B960494DF}">
-                <a14:hiddenLine xmlns:a14="http://schemas.microsoft.com/office/drawing/2010/main" xmlns="" w="9525">
+                <a14:hiddenLine xmlns="" xmlns:a14="http://schemas.microsoft.com/office/drawing/2010/main" w="9525">
                   <a:solidFill>
                     <a:srgbClr val="000000"/>
                   </a:solidFill>
@@ -1853,7 +1887,7 @@
             </a:ln>
             <a:extLst>
               <a:ext uri="{91240B29-F687-4f45-9708-019B960494DF}">
-                <a14:hiddenLine xmlns:a14="http://schemas.microsoft.com/office/drawing/2010/main" xmlns="" w="9525">
+                <a14:hiddenLine xmlns="" xmlns:a14="http://schemas.microsoft.com/office/drawing/2010/main" w="9525">
                   <a:solidFill>
                     <a:srgbClr val="000000"/>
                   </a:solidFill>
@@ -1909,7 +1943,7 @@
             </a:ln>
             <a:extLst>
               <a:ext uri="{91240B29-F687-4f45-9708-019B960494DF}">
-                <a14:hiddenLine xmlns:a14="http://schemas.microsoft.com/office/drawing/2010/main" xmlns="" w="9525">
+                <a14:hiddenLine xmlns="" xmlns:a14="http://schemas.microsoft.com/office/drawing/2010/main" w="9525">
                   <a:solidFill>
                     <a:srgbClr val="000000"/>
                   </a:solidFill>
@@ -1999,7 +2033,7 @@
             </a:ln>
             <a:extLst>
               <a:ext uri="{91240B29-F687-4f45-9708-019B960494DF}">
-                <a14:hiddenLine xmlns:a14="http://schemas.microsoft.com/office/drawing/2010/main" xmlns="" w="9525">
+                <a14:hiddenLine xmlns="" xmlns:a14="http://schemas.microsoft.com/office/drawing/2010/main" w="9525">
                   <a:solidFill>
                     <a:srgbClr val="000000"/>
                   </a:solidFill>
@@ -2067,7 +2101,7 @@
             </a:ln>
             <a:extLst>
               <a:ext uri="{91240B29-F687-4f45-9708-019B960494DF}">
-                <a14:hiddenLine xmlns:a14="http://schemas.microsoft.com/office/drawing/2010/main" xmlns="" w="9525">
+                <a14:hiddenLine xmlns="" xmlns:a14="http://schemas.microsoft.com/office/drawing/2010/main" w="9525">
                   <a:solidFill>
                     <a:srgbClr val="000000"/>
                   </a:solidFill>
@@ -2157,7 +2191,7 @@
             </a:ln>
             <a:extLst>
               <a:ext uri="{91240B29-F687-4f45-9708-019B960494DF}">
-                <a14:hiddenLine xmlns:a14="http://schemas.microsoft.com/office/drawing/2010/main" xmlns="" w="9525">
+                <a14:hiddenLine xmlns="" xmlns:a14="http://schemas.microsoft.com/office/drawing/2010/main" w="9525">
                   <a:solidFill>
                     <a:srgbClr val="000000"/>
                   </a:solidFill>
@@ -2225,7 +2259,7 @@
             </a:ln>
             <a:extLst>
               <a:ext uri="{91240B29-F687-4f45-9708-019B960494DF}">
-                <a14:hiddenLine xmlns:a14="http://schemas.microsoft.com/office/drawing/2010/main" xmlns="" w="9525">
+                <a14:hiddenLine xmlns="" xmlns:a14="http://schemas.microsoft.com/office/drawing/2010/main" w="9525">
                   <a:solidFill>
                     <a:srgbClr val="000000"/>
                   </a:solidFill>
@@ -2315,7 +2349,7 @@
             </a:ln>
             <a:extLst>
               <a:ext uri="{91240B29-F687-4f45-9708-019B960494DF}">
-                <a14:hiddenLine xmlns:a14="http://schemas.microsoft.com/office/drawing/2010/main" xmlns="" w="9525">
+                <a14:hiddenLine xmlns="" xmlns:a14="http://schemas.microsoft.com/office/drawing/2010/main" w="9525">
                   <a:solidFill>
                     <a:srgbClr val="000000"/>
                   </a:solidFill>
@@ -2349,7 +2383,7 @@
             </a:ln>
             <a:extLst>
               <a:ext uri="{91240B29-F687-4f45-9708-019B960494DF}">
-                <a14:hiddenLine xmlns:a14="http://schemas.microsoft.com/office/drawing/2010/main" xmlns="" w="9525">
+                <a14:hiddenLine xmlns="" xmlns:a14="http://schemas.microsoft.com/office/drawing/2010/main" w="9525">
                   <a:solidFill>
                     <a:srgbClr val="000000"/>
                   </a:solidFill>
@@ -2439,7 +2473,7 @@
             </a:ln>
             <a:extLst>
               <a:ext uri="{91240B29-F687-4f45-9708-019B960494DF}">
-                <a14:hiddenLine xmlns:a14="http://schemas.microsoft.com/office/drawing/2010/main" xmlns="" w="9525">
+                <a14:hiddenLine xmlns="" xmlns:a14="http://schemas.microsoft.com/office/drawing/2010/main" w="9525">
                   <a:solidFill>
                     <a:srgbClr val="000000"/>
                   </a:solidFill>
@@ -2501,7 +2535,7 @@
             </a:ln>
             <a:extLst>
               <a:ext uri="{91240B29-F687-4f45-9708-019B960494DF}">
-                <a14:hiddenLine xmlns:a14="http://schemas.microsoft.com/office/drawing/2010/main" xmlns="" w="9525">
+                <a14:hiddenLine xmlns="" xmlns:a14="http://schemas.microsoft.com/office/drawing/2010/main" w="9525">
                   <a:solidFill>
                     <a:srgbClr val="000000"/>
                   </a:solidFill>
@@ -2563,7 +2597,7 @@
             </a:ln>
             <a:extLst>
               <a:ext uri="{91240B29-F687-4f45-9708-019B960494DF}">
-                <a14:hiddenLine xmlns:a14="http://schemas.microsoft.com/office/drawing/2010/main" xmlns="" w="9525">
+                <a14:hiddenLine xmlns="" xmlns:a14="http://schemas.microsoft.com/office/drawing/2010/main" w="9525">
                   <a:solidFill>
                     <a:srgbClr val="000000"/>
                   </a:solidFill>
@@ -2653,7 +2687,7 @@
             </a:ln>
             <a:extLst>
               <a:ext uri="{91240B29-F687-4f45-9708-019B960494DF}">
-                <a14:hiddenLine xmlns:a14="http://schemas.microsoft.com/office/drawing/2010/main" xmlns="" w="9525">
+                <a14:hiddenLine xmlns="" xmlns:a14="http://schemas.microsoft.com/office/drawing/2010/main" w="9525">
                   <a:solidFill>
                     <a:srgbClr val="000000"/>
                   </a:solidFill>
@@ -2721,7 +2755,7 @@
             </a:ln>
             <a:extLst>
               <a:ext uri="{91240B29-F687-4f45-9708-019B960494DF}">
-                <a14:hiddenLine xmlns:a14="http://schemas.microsoft.com/office/drawing/2010/main" xmlns="" w="9525">
+                <a14:hiddenLine xmlns="" xmlns:a14="http://schemas.microsoft.com/office/drawing/2010/main" w="9525">
                   <a:solidFill>
                     <a:srgbClr val="000000"/>
                   </a:solidFill>
@@ -2783,7 +2817,7 @@
             </a:ln>
             <a:extLst>
               <a:ext uri="{91240B29-F687-4f45-9708-019B960494DF}">
-                <a14:hiddenLine xmlns:a14="http://schemas.microsoft.com/office/drawing/2010/main" xmlns="" w="9525">
+                <a14:hiddenLine xmlns="" xmlns:a14="http://schemas.microsoft.com/office/drawing/2010/main" w="9525">
                   <a:solidFill>
                     <a:srgbClr val="000000"/>
                   </a:solidFill>
@@ -2873,7 +2907,7 @@
             </a:ln>
             <a:extLst>
               <a:ext uri="{91240B29-F687-4f45-9708-019B960494DF}">
-                <a14:hiddenLine xmlns:a14="http://schemas.microsoft.com/office/drawing/2010/main" xmlns="" w="9525">
+                <a14:hiddenLine xmlns="" xmlns:a14="http://schemas.microsoft.com/office/drawing/2010/main" w="9525">
                   <a:solidFill>
                     <a:srgbClr val="000000"/>
                   </a:solidFill>
@@ -2935,7 +2969,7 @@
             </a:ln>
             <a:extLst>
               <a:ext uri="{91240B29-F687-4f45-9708-019B960494DF}">
-                <a14:hiddenLine xmlns:a14="http://schemas.microsoft.com/office/drawing/2010/main" xmlns="" w="9525">
+                <a14:hiddenLine xmlns="" xmlns:a14="http://schemas.microsoft.com/office/drawing/2010/main" w="9525">
                   <a:solidFill>
                     <a:srgbClr val="000000"/>
                   </a:solidFill>
@@ -3025,7 +3059,7 @@
             </a:ln>
             <a:extLst>
               <a:ext uri="{91240B29-F687-4f45-9708-019B960494DF}">
-                <a14:hiddenLine xmlns:a14="http://schemas.microsoft.com/office/drawing/2010/main" xmlns="" w="9525">
+                <a14:hiddenLine xmlns="" xmlns:a14="http://schemas.microsoft.com/office/drawing/2010/main" w="9525">
                   <a:solidFill>
                     <a:srgbClr val="000000"/>
                   </a:solidFill>
@@ -3087,7 +3121,7 @@
             </a:ln>
             <a:extLst>
               <a:ext uri="{91240B29-F687-4f45-9708-019B960494DF}">
-                <a14:hiddenLine xmlns:a14="http://schemas.microsoft.com/office/drawing/2010/main" xmlns="" w="9525">
+                <a14:hiddenLine xmlns="" xmlns:a14="http://schemas.microsoft.com/office/drawing/2010/main" w="9525">
                   <a:solidFill>
                     <a:srgbClr val="000000"/>
                   </a:solidFill>
@@ -3177,7 +3211,7 @@
             </a:ln>
             <a:extLst>
               <a:ext uri="{91240B29-F687-4f45-9708-019B960494DF}">
-                <a14:hiddenLine xmlns:a14="http://schemas.microsoft.com/office/drawing/2010/main" xmlns="" w="9525">
+                <a14:hiddenLine xmlns="" xmlns:a14="http://schemas.microsoft.com/office/drawing/2010/main" w="9525">
                   <a:solidFill>
                     <a:srgbClr val="000000"/>
                   </a:solidFill>
@@ -3211,7 +3245,7 @@
             </a:ln>
             <a:extLst>
               <a:ext uri="{91240B29-F687-4f45-9708-019B960494DF}">
-                <a14:hiddenLine xmlns:a14="http://schemas.microsoft.com/office/drawing/2010/main" xmlns="" w="9525">
+                <a14:hiddenLine xmlns="" xmlns:a14="http://schemas.microsoft.com/office/drawing/2010/main" w="9525">
                   <a:solidFill>
                     <a:srgbClr val="000000"/>
                   </a:solidFill>
@@ -3276,7 +3310,7 @@
             </a:ln>
             <a:extLst>
               <a:ext uri="{91240B29-F687-4f45-9708-019B960494DF}">
-                <a14:hiddenLine xmlns:a14="http://schemas.microsoft.com/office/drawing/2010/main" xmlns="" w="9525">
+                <a14:hiddenLine xmlns="" xmlns:a14="http://schemas.microsoft.com/office/drawing/2010/main" w="9525">
                   <a:solidFill>
                     <a:srgbClr val="000000"/>
                   </a:solidFill>
@@ -3366,7 +3400,7 @@
             </a:ln>
             <a:extLst>
               <a:ext uri="{91240B29-F687-4f45-9708-019B960494DF}">
-                <a14:hiddenLine xmlns:a14="http://schemas.microsoft.com/office/drawing/2010/main" xmlns="" w="9525">
+                <a14:hiddenLine xmlns="" xmlns:a14="http://schemas.microsoft.com/office/drawing/2010/main" w="9525">
                   <a:solidFill>
                     <a:srgbClr val="000000"/>
                   </a:solidFill>
@@ -3428,7 +3462,7 @@
             </a:ln>
             <a:extLst>
               <a:ext uri="{91240B29-F687-4f45-9708-019B960494DF}">
-                <a14:hiddenLine xmlns:a14="http://schemas.microsoft.com/office/drawing/2010/main" xmlns="" w="9525">
+                <a14:hiddenLine xmlns="" xmlns:a14="http://schemas.microsoft.com/office/drawing/2010/main" w="9525">
                   <a:solidFill>
                     <a:srgbClr val="000000"/>
                   </a:solidFill>
@@ -3518,7 +3552,7 @@
             </a:ln>
             <a:extLst>
               <a:ext uri="{91240B29-F687-4f45-9708-019B960494DF}">
-                <a14:hiddenLine xmlns:a14="http://schemas.microsoft.com/office/drawing/2010/main" xmlns="" w="9525">
+                <a14:hiddenLine xmlns="" xmlns:a14="http://schemas.microsoft.com/office/drawing/2010/main" w="9525">
                   <a:solidFill>
                     <a:srgbClr val="000000"/>
                   </a:solidFill>
@@ -3608,7 +3642,7 @@
             </a:ln>
             <a:extLst>
               <a:ext uri="{91240B29-F687-4f45-9708-019B960494DF}">
-                <a14:hiddenLine xmlns:a14="http://schemas.microsoft.com/office/drawing/2010/main" xmlns="" w="9525">
+                <a14:hiddenLine xmlns="" xmlns:a14="http://schemas.microsoft.com/office/drawing/2010/main" w="9525">
                   <a:solidFill>
                     <a:srgbClr val="000000"/>
                   </a:solidFill>
@@ -3673,7 +3707,7 @@
             </a:ln>
             <a:extLst>
               <a:ext uri="{91240B29-F687-4f45-9708-019B960494DF}">
-                <a14:hiddenLine xmlns:a14="http://schemas.microsoft.com/office/drawing/2010/main" xmlns="" w="9525">
+                <a14:hiddenLine xmlns="" xmlns:a14="http://schemas.microsoft.com/office/drawing/2010/main" w="9525">
                   <a:solidFill>
                     <a:srgbClr val="000000"/>
                   </a:solidFill>
@@ -3735,7 +3769,7 @@
             </a:ln>
             <a:extLst>
               <a:ext uri="{91240B29-F687-4f45-9708-019B960494DF}">
-                <a14:hiddenLine xmlns:a14="http://schemas.microsoft.com/office/drawing/2010/main" xmlns="" w="9525">
+                <a14:hiddenLine xmlns="" xmlns:a14="http://schemas.microsoft.com/office/drawing/2010/main" w="9525">
                   <a:solidFill>
                     <a:srgbClr val="000000"/>
                   </a:solidFill>
@@ -3825,7 +3859,7 @@
             </a:ln>
             <a:extLst>
               <a:ext uri="{91240B29-F687-4f45-9708-019B960494DF}">
-                <a14:hiddenLine xmlns:a14="http://schemas.microsoft.com/office/drawing/2010/main" xmlns="" w="9525">
+                <a14:hiddenLine xmlns="" xmlns:a14="http://schemas.microsoft.com/office/drawing/2010/main" w="9525">
                   <a:solidFill>
                     <a:srgbClr val="000000"/>
                   </a:solidFill>
@@ -3915,7 +3949,7 @@
             </a:ln>
             <a:extLst>
               <a:ext uri="{91240B29-F687-4f45-9708-019B960494DF}">
-                <a14:hiddenLine xmlns:a14="http://schemas.microsoft.com/office/drawing/2010/main" xmlns="" w="9525">
+                <a14:hiddenLine xmlns="" xmlns:a14="http://schemas.microsoft.com/office/drawing/2010/main" w="9525">
                   <a:solidFill>
                     <a:srgbClr val="000000"/>
                   </a:solidFill>
@@ -3977,7 +4011,7 @@
             </a:ln>
             <a:extLst>
               <a:ext uri="{91240B29-F687-4f45-9708-019B960494DF}">
-                <a14:hiddenLine xmlns:a14="http://schemas.microsoft.com/office/drawing/2010/main" xmlns="" w="9525">
+                <a14:hiddenLine xmlns="" xmlns:a14="http://schemas.microsoft.com/office/drawing/2010/main" w="9525">
                   <a:solidFill>
                     <a:srgbClr val="000000"/>
                   </a:solidFill>
@@ -4097,7 +4131,7 @@
             </a:ln>
             <a:extLst>
               <a:ext uri="{91240B29-F687-4f45-9708-019B960494DF}">
-                <a14:hiddenLine xmlns:a14="http://schemas.microsoft.com/office/drawing/2010/main" xmlns="" w="9525">
+                <a14:hiddenLine xmlns="" xmlns:a14="http://schemas.microsoft.com/office/drawing/2010/main" w="9525">
                   <a:solidFill>
                     <a:srgbClr val="000000"/>
                   </a:solidFill>
@@ -4165,7 +4199,7 @@
             </a:ln>
             <a:extLst>
               <a:ext uri="{91240B29-F687-4f45-9708-019B960494DF}">
-                <a14:hiddenLine xmlns:a14="http://schemas.microsoft.com/office/drawing/2010/main" xmlns="" w="9525">
+                <a14:hiddenLine xmlns="" xmlns:a14="http://schemas.microsoft.com/office/drawing/2010/main" w="9525">
                   <a:solidFill>
                     <a:srgbClr val="000000"/>
                   </a:solidFill>
@@ -4255,7 +4289,7 @@
             </a:ln>
             <a:extLst>
               <a:ext uri="{91240B29-F687-4f45-9708-019B960494DF}">
-                <a14:hiddenLine xmlns:a14="http://schemas.microsoft.com/office/drawing/2010/main" xmlns="" w="9525">
+                <a14:hiddenLine xmlns="" xmlns:a14="http://schemas.microsoft.com/office/drawing/2010/main" w="9525">
                   <a:solidFill>
                     <a:srgbClr val="000000"/>
                   </a:solidFill>
@@ -4395,7 +4429,7 @@
           <a:p>
             <a:fld id="{48A87A34-81AB-432B-8DAE-1953F412C126}" type="datetimeFigureOut">
               <a:rPr lang="en-US" dirty="0"/>
-              <a:t>10/24/23</a:t>
+              <a:t>10/25/2023</a:t>
             </a:fld>
             <a:endParaRPr lang="en-US" dirty="0"/>
           </a:p>
@@ -4657,7 +4691,7 @@
           <a:p>
             <a:fld id="{48A87A34-81AB-432B-8DAE-1953F412C126}" type="datetimeFigureOut">
               <a:rPr lang="en-US" dirty="0"/>
-              <a:t>10/24/23</a:t>
+              <a:t>10/25/2023</a:t>
             </a:fld>
             <a:endParaRPr lang="en-US" dirty="0"/>
           </a:p>
@@ -4848,7 +4882,7 @@
           <a:p>
             <a:fld id="{48A87A34-81AB-432B-8DAE-1953F412C126}" type="datetimeFigureOut">
               <a:rPr lang="en-US" dirty="0"/>
-              <a:t>10/24/23</a:t>
+              <a:t>10/25/2023</a:t>
             </a:fld>
             <a:endParaRPr lang="en-US" dirty="0"/>
           </a:p>
@@ -5106,7 +5140,7 @@
           <a:p>
             <a:fld id="{48A87A34-81AB-432B-8DAE-1953F412C126}" type="datetimeFigureOut">
               <a:rPr lang="en-US" dirty="0"/>
-              <a:t>10/24/23</a:t>
+              <a:t>10/25/2023</a:t>
             </a:fld>
             <a:endParaRPr lang="en-US" dirty="0"/>
           </a:p>
@@ -5535,7 +5569,7 @@
           <a:p>
             <a:fld id="{48A87A34-81AB-432B-8DAE-1953F412C126}" type="datetimeFigureOut">
               <a:rPr lang="en-US" dirty="0"/>
-              <a:t>10/24/23</a:t>
+              <a:t>10/25/2023</a:t>
             </a:fld>
             <a:endParaRPr lang="en-US" dirty="0"/>
           </a:p>
@@ -6076,7 +6110,7 @@
           <a:p>
             <a:fld id="{48A87A34-81AB-432B-8DAE-1953F412C126}" type="datetimeFigureOut">
               <a:rPr lang="en-US" dirty="0"/>
-              <a:t>10/24/23</a:t>
+              <a:t>10/25/2023</a:t>
             </a:fld>
             <a:endParaRPr lang="en-US" dirty="0"/>
           </a:p>
@@ -6791,7 +6825,7 @@
           <a:p>
             <a:fld id="{48A87A34-81AB-432B-8DAE-1953F412C126}" type="datetimeFigureOut">
               <a:rPr lang="en-US" dirty="0"/>
-              <a:t>10/24/23</a:t>
+              <a:t>10/25/2023</a:t>
             </a:fld>
             <a:endParaRPr lang="en-US" dirty="0"/>
           </a:p>
@@ -6956,7 +6990,7 @@
           <a:p>
             <a:fld id="{48A87A34-81AB-432B-8DAE-1953F412C126}" type="datetimeFigureOut">
               <a:rPr lang="en-US" dirty="0"/>
-              <a:t>10/24/23</a:t>
+              <a:t>10/25/2023</a:t>
             </a:fld>
             <a:endParaRPr lang="en-US" dirty="0"/>
           </a:p>
@@ -7131,7 +7165,7 @@
           <a:p>
             <a:fld id="{48A87A34-81AB-432B-8DAE-1953F412C126}" type="datetimeFigureOut">
               <a:rPr lang="en-US" dirty="0"/>
-              <a:t>10/24/23</a:t>
+              <a:t>10/25/2023</a:t>
             </a:fld>
             <a:endParaRPr lang="en-US" dirty="0"/>
           </a:p>
@@ -7296,7 +7330,7 @@
           <a:p>
             <a:fld id="{48A87A34-81AB-432B-8DAE-1953F412C126}" type="datetimeFigureOut">
               <a:rPr lang="en-US" dirty="0"/>
-              <a:t>10/24/23</a:t>
+              <a:t>10/25/2023</a:t>
             </a:fld>
             <a:endParaRPr lang="en-US" dirty="0"/>
           </a:p>
@@ -7541,7 +7575,7 @@
           <a:p>
             <a:fld id="{48A87A34-81AB-432B-8DAE-1953F412C126}" type="datetimeFigureOut">
               <a:rPr lang="en-US" dirty="0"/>
-              <a:t>10/24/23</a:t>
+              <a:t>10/25/2023</a:t>
             </a:fld>
             <a:endParaRPr lang="en-US" dirty="0"/>
           </a:p>
@@ -7768,7 +7802,7 @@
           <a:p>
             <a:fld id="{48A87A34-81AB-432B-8DAE-1953F412C126}" type="datetimeFigureOut">
               <a:rPr lang="en-US" dirty="0"/>
-              <a:t>10/24/23</a:t>
+              <a:t>10/25/2023</a:t>
             </a:fld>
             <a:endParaRPr lang="en-US" dirty="0"/>
           </a:p>
@@ -8144,7 +8178,7 @@
           <a:p>
             <a:fld id="{48A87A34-81AB-432B-8DAE-1953F412C126}" type="datetimeFigureOut">
               <a:rPr lang="en-US" dirty="0"/>
-              <a:t>10/24/23</a:t>
+              <a:t>10/25/2023</a:t>
             </a:fld>
             <a:endParaRPr lang="en-US" dirty="0"/>
           </a:p>
@@ -8257,7 +8291,7 @@
           <a:p>
             <a:fld id="{48A87A34-81AB-432B-8DAE-1953F412C126}" type="datetimeFigureOut">
               <a:rPr lang="en-US" dirty="0"/>
-              <a:t>10/24/23</a:t>
+              <a:t>10/25/2023</a:t>
             </a:fld>
             <a:endParaRPr lang="en-US" dirty="0"/>
           </a:p>
@@ -8347,7 +8381,7 @@
           <a:p>
             <a:fld id="{48A87A34-81AB-432B-8DAE-1953F412C126}" type="datetimeFigureOut">
               <a:rPr lang="en-US" dirty="0"/>
-              <a:t>10/24/23</a:t>
+              <a:t>10/25/2023</a:t>
             </a:fld>
             <a:endParaRPr lang="en-US" dirty="0"/>
           </a:p>
@@ -8591,7 +8625,7 @@
           <a:p>
             <a:fld id="{48A87A34-81AB-432B-8DAE-1953F412C126}" type="datetimeFigureOut">
               <a:rPr lang="en-US" dirty="0"/>
-              <a:t>10/24/23</a:t>
+              <a:t>10/25/2023</a:t>
             </a:fld>
             <a:endParaRPr lang="en-US" dirty="0"/>
           </a:p>
@@ -8866,7 +8900,7 @@
           <a:p>
             <a:fld id="{48A87A34-81AB-432B-8DAE-1953F412C126}" type="datetimeFigureOut">
               <a:rPr lang="en-US" dirty="0"/>
-              <a:t>10/24/23</a:t>
+              <a:t>10/25/2023</a:t>
             </a:fld>
             <a:endParaRPr lang="en-US" dirty="0"/>
           </a:p>
@@ -8977,7 +9011,7 @@
           <a:noFill/>
           <a:extLst>
             <a:ext uri="{909E8E84-426E-40dd-AFC4-6F175D3DCCD1}">
-              <a14:hiddenFill xmlns:a14="http://schemas.microsoft.com/office/drawing/2010/main" xmlns="">
+              <a14:hiddenFill xmlns="" xmlns:a14="http://schemas.microsoft.com/office/drawing/2010/main">
                 <a:solidFill>
                   <a:srgbClr val="FFFFFF"/>
                 </a:solidFill>
@@ -9051,7 +9085,7 @@
               </a:ln>
               <a:extLst>
                 <a:ext uri="{91240B29-F687-4f45-9708-019B960494DF}">
-                  <a14:hiddenLine xmlns:a14="http://schemas.microsoft.com/office/drawing/2010/main" xmlns="" w="9525">
+                  <a14:hiddenLine xmlns="" xmlns:a14="http://schemas.microsoft.com/office/drawing/2010/main" w="9525">
                     <a:solidFill>
                       <a:srgbClr val="000000"/>
                     </a:solidFill>
@@ -9141,7 +9175,7 @@
               </a:ln>
               <a:extLst>
                 <a:ext uri="{91240B29-F687-4f45-9708-019B960494DF}">
-                  <a14:hiddenLine xmlns:a14="http://schemas.microsoft.com/office/drawing/2010/main" xmlns="" w="9525">
+                  <a14:hiddenLine xmlns="" xmlns:a14="http://schemas.microsoft.com/office/drawing/2010/main" w="9525">
                     <a:solidFill>
                       <a:srgbClr val="000000"/>
                     </a:solidFill>
@@ -9231,7 +9265,7 @@
               </a:ln>
               <a:extLst>
                 <a:ext uri="{91240B29-F687-4f45-9708-019B960494DF}">
-                  <a14:hiddenLine xmlns:a14="http://schemas.microsoft.com/office/drawing/2010/main" xmlns="" w="9525">
+                  <a14:hiddenLine xmlns="" xmlns:a14="http://schemas.microsoft.com/office/drawing/2010/main" w="9525">
                     <a:solidFill>
                       <a:srgbClr val="000000"/>
                     </a:solidFill>
@@ -9293,7 +9327,7 @@
               </a:ln>
               <a:extLst>
                 <a:ext uri="{91240B29-F687-4f45-9708-019B960494DF}">
-                  <a14:hiddenLine xmlns:a14="http://schemas.microsoft.com/office/drawing/2010/main" xmlns="" w="9525">
+                  <a14:hiddenLine xmlns="" xmlns:a14="http://schemas.microsoft.com/office/drawing/2010/main" w="9525">
                     <a:solidFill>
                       <a:srgbClr val="000000"/>
                     </a:solidFill>
@@ -9383,7 +9417,7 @@
               </a:ln>
               <a:extLst>
                 <a:ext uri="{91240B29-F687-4f45-9708-019B960494DF}">
-                  <a14:hiddenLine xmlns:a14="http://schemas.microsoft.com/office/drawing/2010/main" xmlns="" w="9525">
+                  <a14:hiddenLine xmlns="" xmlns:a14="http://schemas.microsoft.com/office/drawing/2010/main" w="9525">
                     <a:solidFill>
                       <a:srgbClr val="000000"/>
                     </a:solidFill>
@@ -9445,7 +9479,7 @@
               </a:ln>
               <a:extLst>
                 <a:ext uri="{91240B29-F687-4f45-9708-019B960494DF}">
-                  <a14:hiddenLine xmlns:a14="http://schemas.microsoft.com/office/drawing/2010/main" xmlns="" w="9525">
+                  <a14:hiddenLine xmlns="" xmlns:a14="http://schemas.microsoft.com/office/drawing/2010/main" w="9525">
                     <a:solidFill>
                       <a:srgbClr val="000000"/>
                     </a:solidFill>
@@ -9507,7 +9541,7 @@
               </a:ln>
               <a:extLst>
                 <a:ext uri="{91240B29-F687-4f45-9708-019B960494DF}">
-                  <a14:hiddenLine xmlns:a14="http://schemas.microsoft.com/office/drawing/2010/main" xmlns="" w="9525">
+                  <a14:hiddenLine xmlns="" xmlns:a14="http://schemas.microsoft.com/office/drawing/2010/main" w="9525">
                     <a:solidFill>
                       <a:srgbClr val="000000"/>
                     </a:solidFill>
@@ -9597,7 +9631,7 @@
               </a:ln>
               <a:extLst>
                 <a:ext uri="{91240B29-F687-4f45-9708-019B960494DF}">
-                  <a14:hiddenLine xmlns:a14="http://schemas.microsoft.com/office/drawing/2010/main" xmlns="" w="9525">
+                  <a14:hiddenLine xmlns="" xmlns:a14="http://schemas.microsoft.com/office/drawing/2010/main" w="9525">
                     <a:solidFill>
                       <a:srgbClr val="000000"/>
                     </a:solidFill>
@@ -9687,7 +9721,7 @@
               </a:ln>
               <a:extLst>
                 <a:ext uri="{91240B29-F687-4f45-9708-019B960494DF}">
-                  <a14:hiddenLine xmlns:a14="http://schemas.microsoft.com/office/drawing/2010/main" xmlns="" w="9525">
+                  <a14:hiddenLine xmlns="" xmlns:a14="http://schemas.microsoft.com/office/drawing/2010/main" w="9525">
                     <a:solidFill>
                       <a:srgbClr val="000000"/>
                     </a:solidFill>
@@ -9749,7 +9783,7 @@
               </a:ln>
               <a:extLst>
                 <a:ext uri="{91240B29-F687-4f45-9708-019B960494DF}">
-                  <a14:hiddenLine xmlns:a14="http://schemas.microsoft.com/office/drawing/2010/main" xmlns="" w="9525">
+                  <a14:hiddenLine xmlns="" xmlns:a14="http://schemas.microsoft.com/office/drawing/2010/main" w="9525">
                     <a:solidFill>
                       <a:srgbClr val="000000"/>
                     </a:solidFill>
@@ -9859,7 +9893,7 @@
               </a:ln>
               <a:extLst>
                 <a:ext uri="{91240B29-F687-4f45-9708-019B960494DF}">
-                  <a14:hiddenLine xmlns:a14="http://schemas.microsoft.com/office/drawing/2010/main" xmlns="" w="9525">
+                  <a14:hiddenLine xmlns="" xmlns:a14="http://schemas.microsoft.com/office/drawing/2010/main" w="9525">
                     <a:solidFill>
                       <a:srgbClr val="000000"/>
                     </a:solidFill>
@@ -9943,7 +9977,7 @@
               </a:ln>
               <a:extLst>
                 <a:ext uri="{91240B29-F687-4f45-9708-019B960494DF}">
-                  <a14:hiddenLine xmlns:a14="http://schemas.microsoft.com/office/drawing/2010/main" xmlns="" w="9525">
+                  <a14:hiddenLine xmlns="" xmlns:a14="http://schemas.microsoft.com/office/drawing/2010/main" w="9525">
                     <a:solidFill>
                       <a:srgbClr val="000000"/>
                     </a:solidFill>
@@ -10005,7 +10039,7 @@
               </a:ln>
               <a:extLst>
                 <a:ext uri="{91240B29-F687-4f45-9708-019B960494DF}">
-                  <a14:hiddenLine xmlns:a14="http://schemas.microsoft.com/office/drawing/2010/main" xmlns="" w="9525">
+                  <a14:hiddenLine xmlns="" xmlns:a14="http://schemas.microsoft.com/office/drawing/2010/main" w="9525">
                     <a:solidFill>
                       <a:srgbClr val="000000"/>
                     </a:solidFill>
@@ -10067,7 +10101,7 @@
               </a:ln>
               <a:extLst>
                 <a:ext uri="{91240B29-F687-4f45-9708-019B960494DF}">
-                  <a14:hiddenLine xmlns:a14="http://schemas.microsoft.com/office/drawing/2010/main" xmlns="" w="9525">
+                  <a14:hiddenLine xmlns="" xmlns:a14="http://schemas.microsoft.com/office/drawing/2010/main" w="9525">
                     <a:solidFill>
                       <a:srgbClr val="000000"/>
                     </a:solidFill>
@@ -10157,7 +10191,7 @@
               </a:ln>
               <a:extLst>
                 <a:ext uri="{91240B29-F687-4f45-9708-019B960494DF}">
-                  <a14:hiddenLine xmlns:a14="http://schemas.microsoft.com/office/drawing/2010/main" xmlns="" w="9525">
+                  <a14:hiddenLine xmlns="" xmlns:a14="http://schemas.microsoft.com/office/drawing/2010/main" w="9525">
                     <a:solidFill>
                       <a:srgbClr val="000000"/>
                     </a:solidFill>
@@ -10191,7 +10225,7 @@
               </a:ln>
               <a:extLst>
                 <a:ext uri="{91240B29-F687-4f45-9708-019B960494DF}">
-                  <a14:hiddenLine xmlns:a14="http://schemas.microsoft.com/office/drawing/2010/main" xmlns="" w="9525">
+                  <a14:hiddenLine xmlns="" xmlns:a14="http://schemas.microsoft.com/office/drawing/2010/main" w="9525">
                     <a:solidFill>
                       <a:srgbClr val="000000"/>
                     </a:solidFill>
@@ -10256,7 +10290,7 @@
               </a:ln>
               <a:extLst>
                 <a:ext uri="{91240B29-F687-4f45-9708-019B960494DF}">
-                  <a14:hiddenLine xmlns:a14="http://schemas.microsoft.com/office/drawing/2010/main" xmlns="" w="9525">
+                  <a14:hiddenLine xmlns="" xmlns:a14="http://schemas.microsoft.com/office/drawing/2010/main" w="9525">
                     <a:solidFill>
                       <a:srgbClr val="000000"/>
                     </a:solidFill>
@@ -10346,7 +10380,7 @@
               </a:ln>
               <a:extLst>
                 <a:ext uri="{91240B29-F687-4f45-9708-019B960494DF}">
-                  <a14:hiddenLine xmlns:a14="http://schemas.microsoft.com/office/drawing/2010/main" xmlns="" w="9525">
+                  <a14:hiddenLine xmlns="" xmlns:a14="http://schemas.microsoft.com/office/drawing/2010/main" w="9525">
                     <a:solidFill>
                       <a:srgbClr val="000000"/>
                     </a:solidFill>
@@ -10408,7 +10442,7 @@
               </a:ln>
               <a:extLst>
                 <a:ext uri="{91240B29-F687-4f45-9708-019B960494DF}">
-                  <a14:hiddenLine xmlns:a14="http://schemas.microsoft.com/office/drawing/2010/main" xmlns="" w="9525">
+                  <a14:hiddenLine xmlns="" xmlns:a14="http://schemas.microsoft.com/office/drawing/2010/main" w="9525">
                     <a:solidFill>
                       <a:srgbClr val="000000"/>
                     </a:solidFill>
@@ -10498,7 +10532,7 @@
               </a:ln>
               <a:extLst>
                 <a:ext uri="{91240B29-F687-4f45-9708-019B960494DF}">
-                  <a14:hiddenLine xmlns:a14="http://schemas.microsoft.com/office/drawing/2010/main" xmlns="" w="9525">
+                  <a14:hiddenLine xmlns="" xmlns:a14="http://schemas.microsoft.com/office/drawing/2010/main" w="9525">
                     <a:solidFill>
                       <a:srgbClr val="000000"/>
                     </a:solidFill>
@@ -10563,7 +10597,7 @@
               </a:ln>
               <a:extLst>
                 <a:ext uri="{91240B29-F687-4f45-9708-019B960494DF}">
-                  <a14:hiddenLine xmlns:a14="http://schemas.microsoft.com/office/drawing/2010/main" xmlns="" w="9525">
+                  <a14:hiddenLine xmlns="" xmlns:a14="http://schemas.microsoft.com/office/drawing/2010/main" w="9525">
                     <a:solidFill>
                       <a:srgbClr val="000000"/>
                     </a:solidFill>
@@ -10625,7 +10659,7 @@
               </a:ln>
               <a:extLst>
                 <a:ext uri="{91240B29-F687-4f45-9708-019B960494DF}">
-                  <a14:hiddenLine xmlns:a14="http://schemas.microsoft.com/office/drawing/2010/main" xmlns="" w="9525">
+                  <a14:hiddenLine xmlns="" xmlns:a14="http://schemas.microsoft.com/office/drawing/2010/main" w="9525">
                     <a:solidFill>
                       <a:srgbClr val="000000"/>
                     </a:solidFill>
@@ -10715,7 +10749,7 @@
               </a:ln>
               <a:extLst>
                 <a:ext uri="{91240B29-F687-4f45-9708-019B960494DF}">
-                  <a14:hiddenLine xmlns:a14="http://schemas.microsoft.com/office/drawing/2010/main" xmlns="" w="9525">
+                  <a14:hiddenLine xmlns="" xmlns:a14="http://schemas.microsoft.com/office/drawing/2010/main" w="9525">
                     <a:solidFill>
                       <a:srgbClr val="000000"/>
                     </a:solidFill>
@@ -10805,7 +10839,7 @@
               </a:ln>
               <a:extLst>
                 <a:ext uri="{91240B29-F687-4f45-9708-019B960494DF}">
-                  <a14:hiddenLine xmlns:a14="http://schemas.microsoft.com/office/drawing/2010/main" xmlns="" w="9525">
+                  <a14:hiddenLine xmlns="" xmlns:a14="http://schemas.microsoft.com/office/drawing/2010/main" w="9525">
                     <a:solidFill>
                       <a:srgbClr val="000000"/>
                     </a:solidFill>
@@ -10870,7 +10904,7 @@
               </a:ln>
               <a:extLst>
                 <a:ext uri="{91240B29-F687-4f45-9708-019B960494DF}">
-                  <a14:hiddenLine xmlns:a14="http://schemas.microsoft.com/office/drawing/2010/main" xmlns="" w="9525">
+                  <a14:hiddenLine xmlns="" xmlns:a14="http://schemas.microsoft.com/office/drawing/2010/main" w="9525">
                     <a:solidFill>
                       <a:srgbClr val="000000"/>
                     </a:solidFill>
@@ -10990,7 +11024,7 @@
               </a:ln>
               <a:extLst>
                 <a:ext uri="{91240B29-F687-4f45-9708-019B960494DF}">
-                  <a14:hiddenLine xmlns:a14="http://schemas.microsoft.com/office/drawing/2010/main" xmlns="" w="9525">
+                  <a14:hiddenLine xmlns="" xmlns:a14="http://schemas.microsoft.com/office/drawing/2010/main" w="9525">
                     <a:solidFill>
                       <a:srgbClr val="000000"/>
                     </a:solidFill>
@@ -11088,7 +11122,7 @@
               </a:ln>
               <a:extLst>
                 <a:ext uri="{91240B29-F687-4f45-9708-019B960494DF}">
-                  <a14:hiddenLine xmlns:a14="http://schemas.microsoft.com/office/drawing/2010/main" xmlns="" w="9525">
+                  <a14:hiddenLine xmlns="" xmlns:a14="http://schemas.microsoft.com/office/drawing/2010/main" w="9525">
                     <a:solidFill>
                       <a:srgbClr val="000000"/>
                     </a:solidFill>
@@ -11203,7 +11237,7 @@
               </a:ln>
               <a:extLst>
                 <a:ext uri="{91240B29-F687-4f45-9708-019B960494DF}">
-                  <a14:hiddenLine xmlns:a14="http://schemas.microsoft.com/office/drawing/2010/main" xmlns="" w="9525">
+                  <a14:hiddenLine xmlns="" xmlns:a14="http://schemas.microsoft.com/office/drawing/2010/main" w="9525">
                     <a:solidFill>
                       <a:srgbClr val="000000"/>
                     </a:solidFill>
@@ -11293,7 +11327,7 @@
               </a:ln>
               <a:extLst>
                 <a:ext uri="{91240B29-F687-4f45-9708-019B960494DF}">
-                  <a14:hiddenLine xmlns:a14="http://schemas.microsoft.com/office/drawing/2010/main" xmlns="" w="9525">
+                  <a14:hiddenLine xmlns="" xmlns:a14="http://schemas.microsoft.com/office/drawing/2010/main" w="9525">
                     <a:solidFill>
                       <a:srgbClr val="000000"/>
                     </a:solidFill>
@@ -11358,7 +11392,7 @@
               </a:ln>
               <a:extLst>
                 <a:ext uri="{91240B29-F687-4f45-9708-019B960494DF}">
-                  <a14:hiddenLine xmlns:a14="http://schemas.microsoft.com/office/drawing/2010/main" xmlns="" w="9525">
+                  <a14:hiddenLine xmlns="" xmlns:a14="http://schemas.microsoft.com/office/drawing/2010/main" w="9525">
                     <a:solidFill>
                       <a:srgbClr val="000000"/>
                     </a:solidFill>
@@ -11448,7 +11482,7 @@
               </a:ln>
               <a:extLst>
                 <a:ext uri="{91240B29-F687-4f45-9708-019B960494DF}">
-                  <a14:hiddenLine xmlns:a14="http://schemas.microsoft.com/office/drawing/2010/main" xmlns="" w="9525">
+                  <a14:hiddenLine xmlns="" xmlns:a14="http://schemas.microsoft.com/office/drawing/2010/main" w="9525">
                     <a:solidFill>
                       <a:srgbClr val="000000"/>
                     </a:solidFill>
@@ -11516,7 +11550,7 @@
               </a:ln>
               <a:extLst>
                 <a:ext uri="{91240B29-F687-4f45-9708-019B960494DF}">
-                  <a14:hiddenLine xmlns:a14="http://schemas.microsoft.com/office/drawing/2010/main" xmlns="" w="9525">
+                  <a14:hiddenLine xmlns="" xmlns:a14="http://schemas.microsoft.com/office/drawing/2010/main" w="9525">
                     <a:solidFill>
                       <a:srgbClr val="000000"/>
                     </a:solidFill>
@@ -11606,7 +11640,7 @@
               </a:ln>
               <a:extLst>
                 <a:ext uri="{91240B29-F687-4f45-9708-019B960494DF}">
-                  <a14:hiddenLine xmlns:a14="http://schemas.microsoft.com/office/drawing/2010/main" xmlns="" w="9525">
+                  <a14:hiddenLine xmlns="" xmlns:a14="http://schemas.microsoft.com/office/drawing/2010/main" w="9525">
                     <a:solidFill>
                       <a:srgbClr val="000000"/>
                     </a:solidFill>
@@ -11674,7 +11708,7 @@
               </a:ln>
               <a:extLst>
                 <a:ext uri="{91240B29-F687-4f45-9708-019B960494DF}">
-                  <a14:hiddenLine xmlns:a14="http://schemas.microsoft.com/office/drawing/2010/main" xmlns="" w="9525">
+                  <a14:hiddenLine xmlns="" xmlns:a14="http://schemas.microsoft.com/office/drawing/2010/main" w="9525">
                     <a:solidFill>
                       <a:srgbClr val="000000"/>
                     </a:solidFill>
@@ -11764,7 +11798,7 @@
               </a:ln>
               <a:extLst>
                 <a:ext uri="{91240B29-F687-4f45-9708-019B960494DF}">
-                  <a14:hiddenLine xmlns:a14="http://schemas.microsoft.com/office/drawing/2010/main" xmlns="" w="9525">
+                  <a14:hiddenLine xmlns="" xmlns:a14="http://schemas.microsoft.com/office/drawing/2010/main" w="9525">
                     <a:solidFill>
                       <a:srgbClr val="000000"/>
                     </a:solidFill>
@@ -11798,7 +11832,7 @@
               </a:ln>
               <a:extLst>
                 <a:ext uri="{91240B29-F687-4f45-9708-019B960494DF}">
-                  <a14:hiddenLine xmlns:a14="http://schemas.microsoft.com/office/drawing/2010/main" xmlns="" w="9525">
+                  <a14:hiddenLine xmlns="" xmlns:a14="http://schemas.microsoft.com/office/drawing/2010/main" w="9525">
                     <a:solidFill>
                       <a:srgbClr val="000000"/>
                     </a:solidFill>
@@ -11939,7 +11973,7 @@
             <a:fld id="{48A87A34-81AB-432B-8DAE-1953F412C126}" type="datetimeFigureOut">
               <a:rPr lang="en-US" dirty="0"/>
               <a:pPr/>
-              <a:t>10/24/23</a:t>
+              <a:t>10/25/2023</a:t>
             </a:fld>
             <a:endParaRPr lang="en-US" dirty="0"/>
           </a:p>

--- a/Documentation/2023_10_26_SBD_Präsentation.pptx
+++ b/Documentation/2023_10_26_SBD_Präsentation.pptx
@@ -8,16 +8,17 @@
     <p:sldId id="256" r:id="rId2"/>
     <p:sldId id="257" r:id="rId3"/>
     <p:sldId id="258" r:id="rId4"/>
-    <p:sldId id="259" r:id="rId5"/>
-    <p:sldId id="260" r:id="rId6"/>
-    <p:sldId id="261" r:id="rId7"/>
-    <p:sldId id="262" r:id="rId8"/>
-    <p:sldId id="263" r:id="rId9"/>
-    <p:sldId id="264" r:id="rId10"/>
-    <p:sldId id="266" r:id="rId11"/>
-    <p:sldId id="267" r:id="rId12"/>
-    <p:sldId id="268" r:id="rId13"/>
-    <p:sldId id="269" r:id="rId14"/>
+    <p:sldId id="272" r:id="rId5"/>
+    <p:sldId id="271" r:id="rId6"/>
+    <p:sldId id="270" r:id="rId7"/>
+    <p:sldId id="261" r:id="rId8"/>
+    <p:sldId id="262" r:id="rId9"/>
+    <p:sldId id="263" r:id="rId10"/>
+    <p:sldId id="264" r:id="rId11"/>
+    <p:sldId id="266" r:id="rId12"/>
+    <p:sldId id="267" r:id="rId13"/>
+    <p:sldId id="268" r:id="rId14"/>
+    <p:sldId id="269" r:id="rId15"/>
   </p:sldIdLst>
   <p:sldSz cx="12192000" cy="6858000"/>
   <p:notesSz cx="6858000" cy="9144000"/>
@@ -116,6 +117,11 @@
       </a:defRPr>
     </a:lvl9pPr>
   </p:defaultTextStyle>
+  <p:extLst>
+    <p:ext uri="{EFAFB233-063F-42B5-8137-9DF3F51BA10A}">
+      <p15:sldGuideLst xmlns:p15="http://schemas.microsoft.com/office/powerpoint/2012/main"/>
+    </p:ext>
+  </p:extLst>
 </p:presentation>
 </file>
 
@@ -169,7 +175,7 @@
           <a:noFill/>
           <a:extLst>
             <a:ext uri="{909E8E84-426E-40dd-AFC4-6F175D3DCCD1}">
-              <a14:hiddenFill xmlns:a14="http://schemas.microsoft.com/office/drawing/2010/main" xmlns="">
+              <a14:hiddenFill xmlns="" xmlns:a14="http://schemas.microsoft.com/office/drawing/2010/main">
                 <a:solidFill>
                   <a:srgbClr val="FFFFFF"/>
                 </a:solidFill>
@@ -229,7 +235,7 @@
             </a:ln>
             <a:extLst>
               <a:ext uri="{91240B29-F687-4f45-9708-019B960494DF}">
-                <a14:hiddenLine xmlns:a14="http://schemas.microsoft.com/office/drawing/2010/main" xmlns="" w="9525">
+                <a14:hiddenLine xmlns="" xmlns:a14="http://schemas.microsoft.com/office/drawing/2010/main" w="9525">
                   <a:solidFill>
                     <a:srgbClr val="000000"/>
                   </a:solidFill>
@@ -319,7 +325,7 @@
             </a:ln>
             <a:extLst>
               <a:ext uri="{91240B29-F687-4f45-9708-019B960494DF}">
-                <a14:hiddenLine xmlns:a14="http://schemas.microsoft.com/office/drawing/2010/main" xmlns="" w="9525">
+                <a14:hiddenLine xmlns="" xmlns:a14="http://schemas.microsoft.com/office/drawing/2010/main" w="9525">
                   <a:solidFill>
                     <a:srgbClr val="000000"/>
                   </a:solidFill>
@@ -409,7 +415,7 @@
             </a:ln>
             <a:extLst>
               <a:ext uri="{91240B29-F687-4f45-9708-019B960494DF}">
-                <a14:hiddenLine xmlns:a14="http://schemas.microsoft.com/office/drawing/2010/main" xmlns="" w="9525">
+                <a14:hiddenLine xmlns="" xmlns:a14="http://schemas.microsoft.com/office/drawing/2010/main" w="9525">
                   <a:solidFill>
                     <a:srgbClr val="000000"/>
                   </a:solidFill>
@@ -443,7 +449,7 @@
             </a:ln>
             <a:extLst>
               <a:ext uri="{91240B29-F687-4f45-9708-019B960494DF}">
-                <a14:hiddenLine xmlns:a14="http://schemas.microsoft.com/office/drawing/2010/main" xmlns="" w="9525">
+                <a14:hiddenLine xmlns="" xmlns:a14="http://schemas.microsoft.com/office/drawing/2010/main" w="9525">
                   <a:solidFill>
                     <a:srgbClr val="000000"/>
                   </a:solidFill>
@@ -533,7 +539,7 @@
             </a:ln>
             <a:extLst>
               <a:ext uri="{91240B29-F687-4f45-9708-019B960494DF}">
-                <a14:hiddenLine xmlns:a14="http://schemas.microsoft.com/office/drawing/2010/main" xmlns="" w="9525">
+                <a14:hiddenLine xmlns="" xmlns:a14="http://schemas.microsoft.com/office/drawing/2010/main" w="9525">
                   <a:solidFill>
                     <a:srgbClr val="000000"/>
                   </a:solidFill>
@@ -595,7 +601,7 @@
             </a:ln>
             <a:extLst>
               <a:ext uri="{91240B29-F687-4f45-9708-019B960494DF}">
-                <a14:hiddenLine xmlns:a14="http://schemas.microsoft.com/office/drawing/2010/main" xmlns="" w="9525">
+                <a14:hiddenLine xmlns="" xmlns:a14="http://schemas.microsoft.com/office/drawing/2010/main" w="9525">
                   <a:solidFill>
                     <a:srgbClr val="000000"/>
                   </a:solidFill>
@@ -657,7 +663,7 @@
             </a:ln>
             <a:extLst>
               <a:ext uri="{91240B29-F687-4f45-9708-019B960494DF}">
-                <a14:hiddenLine xmlns:a14="http://schemas.microsoft.com/office/drawing/2010/main" xmlns="" w="9525">
+                <a14:hiddenLine xmlns="" xmlns:a14="http://schemas.microsoft.com/office/drawing/2010/main" w="9525">
                   <a:solidFill>
                     <a:srgbClr val="000000"/>
                   </a:solidFill>
@@ -747,7 +753,7 @@
             </a:ln>
             <a:extLst>
               <a:ext uri="{91240B29-F687-4f45-9708-019B960494DF}">
-                <a14:hiddenLine xmlns:a14="http://schemas.microsoft.com/office/drawing/2010/main" xmlns="" w="9525">
+                <a14:hiddenLine xmlns="" xmlns:a14="http://schemas.microsoft.com/office/drawing/2010/main" w="9525">
                   <a:solidFill>
                     <a:srgbClr val="000000"/>
                   </a:solidFill>
@@ -809,7 +815,7 @@
             </a:ln>
             <a:extLst>
               <a:ext uri="{91240B29-F687-4f45-9708-019B960494DF}">
-                <a14:hiddenLine xmlns:a14="http://schemas.microsoft.com/office/drawing/2010/main" xmlns="" w="9525">
+                <a14:hiddenLine xmlns="" xmlns:a14="http://schemas.microsoft.com/office/drawing/2010/main" w="9525">
                   <a:solidFill>
                     <a:srgbClr val="000000"/>
                   </a:solidFill>
@@ -871,7 +877,7 @@
             </a:ln>
             <a:extLst>
               <a:ext uri="{91240B29-F687-4f45-9708-019B960494DF}">
-                <a14:hiddenLine xmlns:a14="http://schemas.microsoft.com/office/drawing/2010/main" xmlns="" w="9525">
+                <a14:hiddenLine xmlns="" xmlns:a14="http://schemas.microsoft.com/office/drawing/2010/main" w="9525">
                   <a:solidFill>
                     <a:srgbClr val="000000"/>
                   </a:solidFill>
@@ -961,7 +967,7 @@
             </a:ln>
             <a:extLst>
               <a:ext uri="{91240B29-F687-4f45-9708-019B960494DF}">
-                <a14:hiddenLine xmlns:a14="http://schemas.microsoft.com/office/drawing/2010/main" xmlns="" w="9525">
+                <a14:hiddenLine xmlns="" xmlns:a14="http://schemas.microsoft.com/office/drawing/2010/main" w="9525">
                   <a:solidFill>
                     <a:srgbClr val="000000"/>
                   </a:solidFill>
@@ -1051,7 +1057,7 @@
             </a:ln>
             <a:extLst>
               <a:ext uri="{91240B29-F687-4f45-9708-019B960494DF}">
-                <a14:hiddenLine xmlns:a14="http://schemas.microsoft.com/office/drawing/2010/main" xmlns="" w="9525">
+                <a14:hiddenLine xmlns="" xmlns:a14="http://schemas.microsoft.com/office/drawing/2010/main" w="9525">
                   <a:solidFill>
                     <a:srgbClr val="000000"/>
                   </a:solidFill>
@@ -1113,7 +1119,7 @@
             </a:ln>
             <a:extLst>
               <a:ext uri="{91240B29-F687-4f45-9708-019B960494DF}">
-                <a14:hiddenLine xmlns:a14="http://schemas.microsoft.com/office/drawing/2010/main" xmlns="" w="9525">
+                <a14:hiddenLine xmlns="" xmlns:a14="http://schemas.microsoft.com/office/drawing/2010/main" w="9525">
                   <a:solidFill>
                     <a:srgbClr val="000000"/>
                   </a:solidFill>
@@ -1223,7 +1229,7 @@
             </a:ln>
             <a:extLst>
               <a:ext uri="{91240B29-F687-4f45-9708-019B960494DF}">
-                <a14:hiddenLine xmlns:a14="http://schemas.microsoft.com/office/drawing/2010/main" xmlns="" w="9525">
+                <a14:hiddenLine xmlns="" xmlns:a14="http://schemas.microsoft.com/office/drawing/2010/main" w="9525">
                   <a:solidFill>
                     <a:srgbClr val="000000"/>
                   </a:solidFill>
@@ -1285,7 +1291,7 @@
             </a:ln>
             <a:extLst>
               <a:ext uri="{91240B29-F687-4f45-9708-019B960494DF}">
-                <a14:hiddenLine xmlns:a14="http://schemas.microsoft.com/office/drawing/2010/main" xmlns="" w="9525">
+                <a14:hiddenLine xmlns="" xmlns:a14="http://schemas.microsoft.com/office/drawing/2010/main" w="9525">
                   <a:solidFill>
                     <a:srgbClr val="000000"/>
                   </a:solidFill>
@@ -1375,7 +1381,7 @@
             </a:ln>
             <a:extLst>
               <a:ext uri="{91240B29-F687-4f45-9708-019B960494DF}">
-                <a14:hiddenLine xmlns:a14="http://schemas.microsoft.com/office/drawing/2010/main" xmlns="" w="9525">
+                <a14:hiddenLine xmlns="" xmlns:a14="http://schemas.microsoft.com/office/drawing/2010/main" w="9525">
                   <a:solidFill>
                     <a:srgbClr val="000000"/>
                   </a:solidFill>
@@ -1465,7 +1471,7 @@
             </a:ln>
             <a:extLst>
               <a:ext uri="{91240B29-F687-4f45-9708-019B960494DF}">
-                <a14:hiddenLine xmlns:a14="http://schemas.microsoft.com/office/drawing/2010/main" xmlns="" w="9525">
+                <a14:hiddenLine xmlns="" xmlns:a14="http://schemas.microsoft.com/office/drawing/2010/main" w="9525">
                   <a:solidFill>
                     <a:srgbClr val="000000"/>
                   </a:solidFill>
@@ -1527,7 +1533,7 @@
             </a:ln>
             <a:extLst>
               <a:ext uri="{91240B29-F687-4f45-9708-019B960494DF}">
-                <a14:hiddenLine xmlns:a14="http://schemas.microsoft.com/office/drawing/2010/main" xmlns="" w="9525">
+                <a14:hiddenLine xmlns="" xmlns:a14="http://schemas.microsoft.com/office/drawing/2010/main" w="9525">
                   <a:solidFill>
                     <a:srgbClr val="000000"/>
                   </a:solidFill>
@@ -1617,7 +1623,7 @@
             </a:ln>
             <a:extLst>
               <a:ext uri="{91240B29-F687-4f45-9708-019B960494DF}">
-                <a14:hiddenLine xmlns:a14="http://schemas.microsoft.com/office/drawing/2010/main" xmlns="" w="9525">
+                <a14:hiddenLine xmlns="" xmlns:a14="http://schemas.microsoft.com/office/drawing/2010/main" w="9525">
                   <a:solidFill>
                     <a:srgbClr val="000000"/>
                   </a:solidFill>
@@ -1707,7 +1713,7 @@
             </a:ln>
             <a:extLst>
               <a:ext uri="{91240B29-F687-4f45-9708-019B960494DF}">
-                <a14:hiddenLine xmlns:a14="http://schemas.microsoft.com/office/drawing/2010/main" xmlns="" w="9525">
+                <a14:hiddenLine xmlns="" xmlns:a14="http://schemas.microsoft.com/office/drawing/2010/main" w="9525">
                   <a:solidFill>
                     <a:srgbClr val="000000"/>
                   </a:solidFill>
@@ -1763,7 +1769,7 @@
             </a:ln>
             <a:extLst>
               <a:ext uri="{91240B29-F687-4f45-9708-019B960494DF}">
-                <a14:hiddenLine xmlns:a14="http://schemas.microsoft.com/office/drawing/2010/main" xmlns="" w="9525">
+                <a14:hiddenLine xmlns="" xmlns:a14="http://schemas.microsoft.com/office/drawing/2010/main" w="9525">
                   <a:solidFill>
                     <a:srgbClr val="000000"/>
                   </a:solidFill>
@@ -1853,7 +1859,7 @@
             </a:ln>
             <a:extLst>
               <a:ext uri="{91240B29-F687-4f45-9708-019B960494DF}">
-                <a14:hiddenLine xmlns:a14="http://schemas.microsoft.com/office/drawing/2010/main" xmlns="" w="9525">
+                <a14:hiddenLine xmlns="" xmlns:a14="http://schemas.microsoft.com/office/drawing/2010/main" w="9525">
                   <a:solidFill>
                     <a:srgbClr val="000000"/>
                   </a:solidFill>
@@ -1909,7 +1915,7 @@
             </a:ln>
             <a:extLst>
               <a:ext uri="{91240B29-F687-4f45-9708-019B960494DF}">
-                <a14:hiddenLine xmlns:a14="http://schemas.microsoft.com/office/drawing/2010/main" xmlns="" w="9525">
+                <a14:hiddenLine xmlns="" xmlns:a14="http://schemas.microsoft.com/office/drawing/2010/main" w="9525">
                   <a:solidFill>
                     <a:srgbClr val="000000"/>
                   </a:solidFill>
@@ -1999,7 +2005,7 @@
             </a:ln>
             <a:extLst>
               <a:ext uri="{91240B29-F687-4f45-9708-019B960494DF}">
-                <a14:hiddenLine xmlns:a14="http://schemas.microsoft.com/office/drawing/2010/main" xmlns="" w="9525">
+                <a14:hiddenLine xmlns="" xmlns:a14="http://schemas.microsoft.com/office/drawing/2010/main" w="9525">
                   <a:solidFill>
                     <a:srgbClr val="000000"/>
                   </a:solidFill>
@@ -2067,7 +2073,7 @@
             </a:ln>
             <a:extLst>
               <a:ext uri="{91240B29-F687-4f45-9708-019B960494DF}">
-                <a14:hiddenLine xmlns:a14="http://schemas.microsoft.com/office/drawing/2010/main" xmlns="" w="9525">
+                <a14:hiddenLine xmlns="" xmlns:a14="http://schemas.microsoft.com/office/drawing/2010/main" w="9525">
                   <a:solidFill>
                     <a:srgbClr val="000000"/>
                   </a:solidFill>
@@ -2157,7 +2163,7 @@
             </a:ln>
             <a:extLst>
               <a:ext uri="{91240B29-F687-4f45-9708-019B960494DF}">
-                <a14:hiddenLine xmlns:a14="http://schemas.microsoft.com/office/drawing/2010/main" xmlns="" w="9525">
+                <a14:hiddenLine xmlns="" xmlns:a14="http://schemas.microsoft.com/office/drawing/2010/main" w="9525">
                   <a:solidFill>
                     <a:srgbClr val="000000"/>
                   </a:solidFill>
@@ -2225,7 +2231,7 @@
             </a:ln>
             <a:extLst>
               <a:ext uri="{91240B29-F687-4f45-9708-019B960494DF}">
-                <a14:hiddenLine xmlns:a14="http://schemas.microsoft.com/office/drawing/2010/main" xmlns="" w="9525">
+                <a14:hiddenLine xmlns="" xmlns:a14="http://schemas.microsoft.com/office/drawing/2010/main" w="9525">
                   <a:solidFill>
                     <a:srgbClr val="000000"/>
                   </a:solidFill>
@@ -2315,7 +2321,7 @@
             </a:ln>
             <a:extLst>
               <a:ext uri="{91240B29-F687-4f45-9708-019B960494DF}">
-                <a14:hiddenLine xmlns:a14="http://schemas.microsoft.com/office/drawing/2010/main" xmlns="" w="9525">
+                <a14:hiddenLine xmlns="" xmlns:a14="http://schemas.microsoft.com/office/drawing/2010/main" w="9525">
                   <a:solidFill>
                     <a:srgbClr val="000000"/>
                   </a:solidFill>
@@ -2349,7 +2355,7 @@
             </a:ln>
             <a:extLst>
               <a:ext uri="{91240B29-F687-4f45-9708-019B960494DF}">
-                <a14:hiddenLine xmlns:a14="http://schemas.microsoft.com/office/drawing/2010/main" xmlns="" w="9525">
+                <a14:hiddenLine xmlns="" xmlns:a14="http://schemas.microsoft.com/office/drawing/2010/main" w="9525">
                   <a:solidFill>
                     <a:srgbClr val="000000"/>
                   </a:solidFill>
@@ -2439,7 +2445,7 @@
             </a:ln>
             <a:extLst>
               <a:ext uri="{91240B29-F687-4f45-9708-019B960494DF}">
-                <a14:hiddenLine xmlns:a14="http://schemas.microsoft.com/office/drawing/2010/main" xmlns="" w="9525">
+                <a14:hiddenLine xmlns="" xmlns:a14="http://schemas.microsoft.com/office/drawing/2010/main" w="9525">
                   <a:solidFill>
                     <a:srgbClr val="000000"/>
                   </a:solidFill>
@@ -2501,7 +2507,7 @@
             </a:ln>
             <a:extLst>
               <a:ext uri="{91240B29-F687-4f45-9708-019B960494DF}">
-                <a14:hiddenLine xmlns:a14="http://schemas.microsoft.com/office/drawing/2010/main" xmlns="" w="9525">
+                <a14:hiddenLine xmlns="" xmlns:a14="http://schemas.microsoft.com/office/drawing/2010/main" w="9525">
                   <a:solidFill>
                     <a:srgbClr val="000000"/>
                   </a:solidFill>
@@ -2563,7 +2569,7 @@
             </a:ln>
             <a:extLst>
               <a:ext uri="{91240B29-F687-4f45-9708-019B960494DF}">
-                <a14:hiddenLine xmlns:a14="http://schemas.microsoft.com/office/drawing/2010/main" xmlns="" w="9525">
+                <a14:hiddenLine xmlns="" xmlns:a14="http://schemas.microsoft.com/office/drawing/2010/main" w="9525">
                   <a:solidFill>
                     <a:srgbClr val="000000"/>
                   </a:solidFill>
@@ -2653,7 +2659,7 @@
             </a:ln>
             <a:extLst>
               <a:ext uri="{91240B29-F687-4f45-9708-019B960494DF}">
-                <a14:hiddenLine xmlns:a14="http://schemas.microsoft.com/office/drawing/2010/main" xmlns="" w="9525">
+                <a14:hiddenLine xmlns="" xmlns:a14="http://schemas.microsoft.com/office/drawing/2010/main" w="9525">
                   <a:solidFill>
                     <a:srgbClr val="000000"/>
                   </a:solidFill>
@@ -2721,7 +2727,7 @@
             </a:ln>
             <a:extLst>
               <a:ext uri="{91240B29-F687-4f45-9708-019B960494DF}">
-                <a14:hiddenLine xmlns:a14="http://schemas.microsoft.com/office/drawing/2010/main" xmlns="" w="9525">
+                <a14:hiddenLine xmlns="" xmlns:a14="http://schemas.microsoft.com/office/drawing/2010/main" w="9525">
                   <a:solidFill>
                     <a:srgbClr val="000000"/>
                   </a:solidFill>
@@ -2783,7 +2789,7 @@
             </a:ln>
             <a:extLst>
               <a:ext uri="{91240B29-F687-4f45-9708-019B960494DF}">
-                <a14:hiddenLine xmlns:a14="http://schemas.microsoft.com/office/drawing/2010/main" xmlns="" w="9525">
+                <a14:hiddenLine xmlns="" xmlns:a14="http://schemas.microsoft.com/office/drawing/2010/main" w="9525">
                   <a:solidFill>
                     <a:srgbClr val="000000"/>
                   </a:solidFill>
@@ -2873,7 +2879,7 @@
             </a:ln>
             <a:extLst>
               <a:ext uri="{91240B29-F687-4f45-9708-019B960494DF}">
-                <a14:hiddenLine xmlns:a14="http://schemas.microsoft.com/office/drawing/2010/main" xmlns="" w="9525">
+                <a14:hiddenLine xmlns="" xmlns:a14="http://schemas.microsoft.com/office/drawing/2010/main" w="9525">
                   <a:solidFill>
                     <a:srgbClr val="000000"/>
                   </a:solidFill>
@@ -2935,7 +2941,7 @@
             </a:ln>
             <a:extLst>
               <a:ext uri="{91240B29-F687-4f45-9708-019B960494DF}">
-                <a14:hiddenLine xmlns:a14="http://schemas.microsoft.com/office/drawing/2010/main" xmlns="" w="9525">
+                <a14:hiddenLine xmlns="" xmlns:a14="http://schemas.microsoft.com/office/drawing/2010/main" w="9525">
                   <a:solidFill>
                     <a:srgbClr val="000000"/>
                   </a:solidFill>
@@ -3025,7 +3031,7 @@
             </a:ln>
             <a:extLst>
               <a:ext uri="{91240B29-F687-4f45-9708-019B960494DF}">
-                <a14:hiddenLine xmlns:a14="http://schemas.microsoft.com/office/drawing/2010/main" xmlns="" w="9525">
+                <a14:hiddenLine xmlns="" xmlns:a14="http://schemas.microsoft.com/office/drawing/2010/main" w="9525">
                   <a:solidFill>
                     <a:srgbClr val="000000"/>
                   </a:solidFill>
@@ -3087,7 +3093,7 @@
             </a:ln>
             <a:extLst>
               <a:ext uri="{91240B29-F687-4f45-9708-019B960494DF}">
-                <a14:hiddenLine xmlns:a14="http://schemas.microsoft.com/office/drawing/2010/main" xmlns="" w="9525">
+                <a14:hiddenLine xmlns="" xmlns:a14="http://schemas.microsoft.com/office/drawing/2010/main" w="9525">
                   <a:solidFill>
                     <a:srgbClr val="000000"/>
                   </a:solidFill>
@@ -3177,7 +3183,7 @@
             </a:ln>
             <a:extLst>
               <a:ext uri="{91240B29-F687-4f45-9708-019B960494DF}">
-                <a14:hiddenLine xmlns:a14="http://schemas.microsoft.com/office/drawing/2010/main" xmlns="" w="9525">
+                <a14:hiddenLine xmlns="" xmlns:a14="http://schemas.microsoft.com/office/drawing/2010/main" w="9525">
                   <a:solidFill>
                     <a:srgbClr val="000000"/>
                   </a:solidFill>
@@ -3211,7 +3217,7 @@
             </a:ln>
             <a:extLst>
               <a:ext uri="{91240B29-F687-4f45-9708-019B960494DF}">
-                <a14:hiddenLine xmlns:a14="http://schemas.microsoft.com/office/drawing/2010/main" xmlns="" w="9525">
+                <a14:hiddenLine xmlns="" xmlns:a14="http://schemas.microsoft.com/office/drawing/2010/main" w="9525">
                   <a:solidFill>
                     <a:srgbClr val="000000"/>
                   </a:solidFill>
@@ -3276,7 +3282,7 @@
             </a:ln>
             <a:extLst>
               <a:ext uri="{91240B29-F687-4f45-9708-019B960494DF}">
-                <a14:hiddenLine xmlns:a14="http://schemas.microsoft.com/office/drawing/2010/main" xmlns="" w="9525">
+                <a14:hiddenLine xmlns="" xmlns:a14="http://schemas.microsoft.com/office/drawing/2010/main" w="9525">
                   <a:solidFill>
                     <a:srgbClr val="000000"/>
                   </a:solidFill>
@@ -3366,7 +3372,7 @@
             </a:ln>
             <a:extLst>
               <a:ext uri="{91240B29-F687-4f45-9708-019B960494DF}">
-                <a14:hiddenLine xmlns:a14="http://schemas.microsoft.com/office/drawing/2010/main" xmlns="" w="9525">
+                <a14:hiddenLine xmlns="" xmlns:a14="http://schemas.microsoft.com/office/drawing/2010/main" w="9525">
                   <a:solidFill>
                     <a:srgbClr val="000000"/>
                   </a:solidFill>
@@ -3428,7 +3434,7 @@
             </a:ln>
             <a:extLst>
               <a:ext uri="{91240B29-F687-4f45-9708-019B960494DF}">
-                <a14:hiddenLine xmlns:a14="http://schemas.microsoft.com/office/drawing/2010/main" xmlns="" w="9525">
+                <a14:hiddenLine xmlns="" xmlns:a14="http://schemas.microsoft.com/office/drawing/2010/main" w="9525">
                   <a:solidFill>
                     <a:srgbClr val="000000"/>
                   </a:solidFill>
@@ -3518,7 +3524,7 @@
             </a:ln>
             <a:extLst>
               <a:ext uri="{91240B29-F687-4f45-9708-019B960494DF}">
-                <a14:hiddenLine xmlns:a14="http://schemas.microsoft.com/office/drawing/2010/main" xmlns="" w="9525">
+                <a14:hiddenLine xmlns="" xmlns:a14="http://schemas.microsoft.com/office/drawing/2010/main" w="9525">
                   <a:solidFill>
                     <a:srgbClr val="000000"/>
                   </a:solidFill>
@@ -3608,7 +3614,7 @@
             </a:ln>
             <a:extLst>
               <a:ext uri="{91240B29-F687-4f45-9708-019B960494DF}">
-                <a14:hiddenLine xmlns:a14="http://schemas.microsoft.com/office/drawing/2010/main" xmlns="" w="9525">
+                <a14:hiddenLine xmlns="" xmlns:a14="http://schemas.microsoft.com/office/drawing/2010/main" w="9525">
                   <a:solidFill>
                     <a:srgbClr val="000000"/>
                   </a:solidFill>
@@ -3673,7 +3679,7 @@
             </a:ln>
             <a:extLst>
               <a:ext uri="{91240B29-F687-4f45-9708-019B960494DF}">
-                <a14:hiddenLine xmlns:a14="http://schemas.microsoft.com/office/drawing/2010/main" xmlns="" w="9525">
+                <a14:hiddenLine xmlns="" xmlns:a14="http://schemas.microsoft.com/office/drawing/2010/main" w="9525">
                   <a:solidFill>
                     <a:srgbClr val="000000"/>
                   </a:solidFill>
@@ -3735,7 +3741,7 @@
             </a:ln>
             <a:extLst>
               <a:ext uri="{91240B29-F687-4f45-9708-019B960494DF}">
-                <a14:hiddenLine xmlns:a14="http://schemas.microsoft.com/office/drawing/2010/main" xmlns="" w="9525">
+                <a14:hiddenLine xmlns="" xmlns:a14="http://schemas.microsoft.com/office/drawing/2010/main" w="9525">
                   <a:solidFill>
                     <a:srgbClr val="000000"/>
                   </a:solidFill>
@@ -3825,7 +3831,7 @@
             </a:ln>
             <a:extLst>
               <a:ext uri="{91240B29-F687-4f45-9708-019B960494DF}">
-                <a14:hiddenLine xmlns:a14="http://schemas.microsoft.com/office/drawing/2010/main" xmlns="" w="9525">
+                <a14:hiddenLine xmlns="" xmlns:a14="http://schemas.microsoft.com/office/drawing/2010/main" w="9525">
                   <a:solidFill>
                     <a:srgbClr val="000000"/>
                   </a:solidFill>
@@ -3915,7 +3921,7 @@
             </a:ln>
             <a:extLst>
               <a:ext uri="{91240B29-F687-4f45-9708-019B960494DF}">
-                <a14:hiddenLine xmlns:a14="http://schemas.microsoft.com/office/drawing/2010/main" xmlns="" w="9525">
+                <a14:hiddenLine xmlns="" xmlns:a14="http://schemas.microsoft.com/office/drawing/2010/main" w="9525">
                   <a:solidFill>
                     <a:srgbClr val="000000"/>
                   </a:solidFill>
@@ -3977,7 +3983,7 @@
             </a:ln>
             <a:extLst>
               <a:ext uri="{91240B29-F687-4f45-9708-019B960494DF}">
-                <a14:hiddenLine xmlns:a14="http://schemas.microsoft.com/office/drawing/2010/main" xmlns="" w="9525">
+                <a14:hiddenLine xmlns="" xmlns:a14="http://schemas.microsoft.com/office/drawing/2010/main" w="9525">
                   <a:solidFill>
                     <a:srgbClr val="000000"/>
                   </a:solidFill>
@@ -4097,7 +4103,7 @@
             </a:ln>
             <a:extLst>
               <a:ext uri="{91240B29-F687-4f45-9708-019B960494DF}">
-                <a14:hiddenLine xmlns:a14="http://schemas.microsoft.com/office/drawing/2010/main" xmlns="" w="9525">
+                <a14:hiddenLine xmlns="" xmlns:a14="http://schemas.microsoft.com/office/drawing/2010/main" w="9525">
                   <a:solidFill>
                     <a:srgbClr val="000000"/>
                   </a:solidFill>
@@ -4165,7 +4171,7 @@
             </a:ln>
             <a:extLst>
               <a:ext uri="{91240B29-F687-4f45-9708-019B960494DF}">
-                <a14:hiddenLine xmlns:a14="http://schemas.microsoft.com/office/drawing/2010/main" xmlns="" w="9525">
+                <a14:hiddenLine xmlns="" xmlns:a14="http://schemas.microsoft.com/office/drawing/2010/main" w="9525">
                   <a:solidFill>
                     <a:srgbClr val="000000"/>
                   </a:solidFill>
@@ -4255,7 +4261,7 @@
             </a:ln>
             <a:extLst>
               <a:ext uri="{91240B29-F687-4f45-9708-019B960494DF}">
-                <a14:hiddenLine xmlns:a14="http://schemas.microsoft.com/office/drawing/2010/main" xmlns="" w="9525">
+                <a14:hiddenLine xmlns="" xmlns:a14="http://schemas.microsoft.com/office/drawing/2010/main" w="9525">
                   <a:solidFill>
                     <a:srgbClr val="000000"/>
                   </a:solidFill>
@@ -4395,7 +4401,7 @@
           <a:p>
             <a:fld id="{48A87A34-81AB-432B-8DAE-1953F412C126}" type="datetimeFigureOut">
               <a:rPr lang="en-US" dirty="0"/>
-              <a:t>10/24/23</a:t>
+              <a:t>10/25/23</a:t>
             </a:fld>
             <a:endParaRPr lang="en-US" dirty="0"/>
           </a:p>
@@ -4657,7 +4663,7 @@
           <a:p>
             <a:fld id="{48A87A34-81AB-432B-8DAE-1953F412C126}" type="datetimeFigureOut">
               <a:rPr lang="en-US" dirty="0"/>
-              <a:t>10/24/23</a:t>
+              <a:t>10/25/23</a:t>
             </a:fld>
             <a:endParaRPr lang="en-US" dirty="0"/>
           </a:p>
@@ -4848,7 +4854,7 @@
           <a:p>
             <a:fld id="{48A87A34-81AB-432B-8DAE-1953F412C126}" type="datetimeFigureOut">
               <a:rPr lang="en-US" dirty="0"/>
-              <a:t>10/24/23</a:t>
+              <a:t>10/25/23</a:t>
             </a:fld>
             <a:endParaRPr lang="en-US" dirty="0"/>
           </a:p>
@@ -5106,7 +5112,7 @@
           <a:p>
             <a:fld id="{48A87A34-81AB-432B-8DAE-1953F412C126}" type="datetimeFigureOut">
               <a:rPr lang="en-US" dirty="0"/>
-              <a:t>10/24/23</a:t>
+              <a:t>10/25/23</a:t>
             </a:fld>
             <a:endParaRPr lang="en-US" dirty="0"/>
           </a:p>
@@ -5535,7 +5541,7 @@
           <a:p>
             <a:fld id="{48A87A34-81AB-432B-8DAE-1953F412C126}" type="datetimeFigureOut">
               <a:rPr lang="en-US" dirty="0"/>
-              <a:t>10/24/23</a:t>
+              <a:t>10/25/23</a:t>
             </a:fld>
             <a:endParaRPr lang="en-US" dirty="0"/>
           </a:p>
@@ -6076,7 +6082,7 @@
           <a:p>
             <a:fld id="{48A87A34-81AB-432B-8DAE-1953F412C126}" type="datetimeFigureOut">
               <a:rPr lang="en-US" dirty="0"/>
-              <a:t>10/24/23</a:t>
+              <a:t>10/25/23</a:t>
             </a:fld>
             <a:endParaRPr lang="en-US" dirty="0"/>
           </a:p>
@@ -6791,7 +6797,7 @@
           <a:p>
             <a:fld id="{48A87A34-81AB-432B-8DAE-1953F412C126}" type="datetimeFigureOut">
               <a:rPr lang="en-US" dirty="0"/>
-              <a:t>10/24/23</a:t>
+              <a:t>10/25/23</a:t>
             </a:fld>
             <a:endParaRPr lang="en-US" dirty="0"/>
           </a:p>
@@ -6956,7 +6962,7 @@
           <a:p>
             <a:fld id="{48A87A34-81AB-432B-8DAE-1953F412C126}" type="datetimeFigureOut">
               <a:rPr lang="en-US" dirty="0"/>
-              <a:t>10/24/23</a:t>
+              <a:t>10/25/23</a:t>
             </a:fld>
             <a:endParaRPr lang="en-US" dirty="0"/>
           </a:p>
@@ -7131,7 +7137,7 @@
           <a:p>
             <a:fld id="{48A87A34-81AB-432B-8DAE-1953F412C126}" type="datetimeFigureOut">
               <a:rPr lang="en-US" dirty="0"/>
-              <a:t>10/24/23</a:t>
+              <a:t>10/25/23</a:t>
             </a:fld>
             <a:endParaRPr lang="en-US" dirty="0"/>
           </a:p>
@@ -7296,7 +7302,7 @@
           <a:p>
             <a:fld id="{48A87A34-81AB-432B-8DAE-1953F412C126}" type="datetimeFigureOut">
               <a:rPr lang="en-US" dirty="0"/>
-              <a:t>10/24/23</a:t>
+              <a:t>10/25/23</a:t>
             </a:fld>
             <a:endParaRPr lang="en-US" dirty="0"/>
           </a:p>
@@ -7541,7 +7547,7 @@
           <a:p>
             <a:fld id="{48A87A34-81AB-432B-8DAE-1953F412C126}" type="datetimeFigureOut">
               <a:rPr lang="en-US" dirty="0"/>
-              <a:t>10/24/23</a:t>
+              <a:t>10/25/23</a:t>
             </a:fld>
             <a:endParaRPr lang="en-US" dirty="0"/>
           </a:p>
@@ -7768,7 +7774,7 @@
           <a:p>
             <a:fld id="{48A87A34-81AB-432B-8DAE-1953F412C126}" type="datetimeFigureOut">
               <a:rPr lang="en-US" dirty="0"/>
-              <a:t>10/24/23</a:t>
+              <a:t>10/25/23</a:t>
             </a:fld>
             <a:endParaRPr lang="en-US" dirty="0"/>
           </a:p>
@@ -8144,7 +8150,7 @@
           <a:p>
             <a:fld id="{48A87A34-81AB-432B-8DAE-1953F412C126}" type="datetimeFigureOut">
               <a:rPr lang="en-US" dirty="0"/>
-              <a:t>10/24/23</a:t>
+              <a:t>10/25/23</a:t>
             </a:fld>
             <a:endParaRPr lang="en-US" dirty="0"/>
           </a:p>
@@ -8257,7 +8263,7 @@
           <a:p>
             <a:fld id="{48A87A34-81AB-432B-8DAE-1953F412C126}" type="datetimeFigureOut">
               <a:rPr lang="en-US" dirty="0"/>
-              <a:t>10/24/23</a:t>
+              <a:t>10/25/23</a:t>
             </a:fld>
             <a:endParaRPr lang="en-US" dirty="0"/>
           </a:p>
@@ -8347,7 +8353,7 @@
           <a:p>
             <a:fld id="{48A87A34-81AB-432B-8DAE-1953F412C126}" type="datetimeFigureOut">
               <a:rPr lang="en-US" dirty="0"/>
-              <a:t>10/24/23</a:t>
+              <a:t>10/25/23</a:t>
             </a:fld>
             <a:endParaRPr lang="en-US" dirty="0"/>
           </a:p>
@@ -8591,7 +8597,7 @@
           <a:p>
             <a:fld id="{48A87A34-81AB-432B-8DAE-1953F412C126}" type="datetimeFigureOut">
               <a:rPr lang="en-US" dirty="0"/>
-              <a:t>10/24/23</a:t>
+              <a:t>10/25/23</a:t>
             </a:fld>
             <a:endParaRPr lang="en-US" dirty="0"/>
           </a:p>
@@ -8866,7 +8872,7 @@
           <a:p>
             <a:fld id="{48A87A34-81AB-432B-8DAE-1953F412C126}" type="datetimeFigureOut">
               <a:rPr lang="en-US" dirty="0"/>
-              <a:t>10/24/23</a:t>
+              <a:t>10/25/23</a:t>
             </a:fld>
             <a:endParaRPr lang="en-US" dirty="0"/>
           </a:p>
@@ -8977,7 +8983,7 @@
           <a:noFill/>
           <a:extLst>
             <a:ext uri="{909E8E84-426E-40dd-AFC4-6F175D3DCCD1}">
-              <a14:hiddenFill xmlns:a14="http://schemas.microsoft.com/office/drawing/2010/main" xmlns="">
+              <a14:hiddenFill xmlns="" xmlns:a14="http://schemas.microsoft.com/office/drawing/2010/main">
                 <a:solidFill>
                   <a:srgbClr val="FFFFFF"/>
                 </a:solidFill>
@@ -9051,7 +9057,7 @@
               </a:ln>
               <a:extLst>
                 <a:ext uri="{91240B29-F687-4f45-9708-019B960494DF}">
-                  <a14:hiddenLine xmlns:a14="http://schemas.microsoft.com/office/drawing/2010/main" xmlns="" w="9525">
+                  <a14:hiddenLine xmlns="" xmlns:a14="http://schemas.microsoft.com/office/drawing/2010/main" w="9525">
                     <a:solidFill>
                       <a:srgbClr val="000000"/>
                     </a:solidFill>
@@ -9141,7 +9147,7 @@
               </a:ln>
               <a:extLst>
                 <a:ext uri="{91240B29-F687-4f45-9708-019B960494DF}">
-                  <a14:hiddenLine xmlns:a14="http://schemas.microsoft.com/office/drawing/2010/main" xmlns="" w="9525">
+                  <a14:hiddenLine xmlns="" xmlns:a14="http://schemas.microsoft.com/office/drawing/2010/main" w="9525">
                     <a:solidFill>
                       <a:srgbClr val="000000"/>
                     </a:solidFill>
@@ -9231,7 +9237,7 @@
               </a:ln>
               <a:extLst>
                 <a:ext uri="{91240B29-F687-4f45-9708-019B960494DF}">
-                  <a14:hiddenLine xmlns:a14="http://schemas.microsoft.com/office/drawing/2010/main" xmlns="" w="9525">
+                  <a14:hiddenLine xmlns="" xmlns:a14="http://schemas.microsoft.com/office/drawing/2010/main" w="9525">
                     <a:solidFill>
                       <a:srgbClr val="000000"/>
                     </a:solidFill>
@@ -9293,7 +9299,7 @@
               </a:ln>
               <a:extLst>
                 <a:ext uri="{91240B29-F687-4f45-9708-019B960494DF}">
-                  <a14:hiddenLine xmlns:a14="http://schemas.microsoft.com/office/drawing/2010/main" xmlns="" w="9525">
+                  <a14:hiddenLine xmlns="" xmlns:a14="http://schemas.microsoft.com/office/drawing/2010/main" w="9525">
                     <a:solidFill>
                       <a:srgbClr val="000000"/>
                     </a:solidFill>
@@ -9383,7 +9389,7 @@
               </a:ln>
               <a:extLst>
                 <a:ext uri="{91240B29-F687-4f45-9708-019B960494DF}">
-                  <a14:hiddenLine xmlns:a14="http://schemas.microsoft.com/office/drawing/2010/main" xmlns="" w="9525">
+                  <a14:hiddenLine xmlns="" xmlns:a14="http://schemas.microsoft.com/office/drawing/2010/main" w="9525">
                     <a:solidFill>
                       <a:srgbClr val="000000"/>
                     </a:solidFill>
@@ -9445,7 +9451,7 @@
               </a:ln>
               <a:extLst>
                 <a:ext uri="{91240B29-F687-4f45-9708-019B960494DF}">
-                  <a14:hiddenLine xmlns:a14="http://schemas.microsoft.com/office/drawing/2010/main" xmlns="" w="9525">
+                  <a14:hiddenLine xmlns="" xmlns:a14="http://schemas.microsoft.com/office/drawing/2010/main" w="9525">
                     <a:solidFill>
                       <a:srgbClr val="000000"/>
                     </a:solidFill>
@@ -9507,7 +9513,7 @@
               </a:ln>
               <a:extLst>
                 <a:ext uri="{91240B29-F687-4f45-9708-019B960494DF}">
-                  <a14:hiddenLine xmlns:a14="http://schemas.microsoft.com/office/drawing/2010/main" xmlns="" w="9525">
+                  <a14:hiddenLine xmlns="" xmlns:a14="http://schemas.microsoft.com/office/drawing/2010/main" w="9525">
                     <a:solidFill>
                       <a:srgbClr val="000000"/>
                     </a:solidFill>
@@ -9597,7 +9603,7 @@
               </a:ln>
               <a:extLst>
                 <a:ext uri="{91240B29-F687-4f45-9708-019B960494DF}">
-                  <a14:hiddenLine xmlns:a14="http://schemas.microsoft.com/office/drawing/2010/main" xmlns="" w="9525">
+                  <a14:hiddenLine xmlns="" xmlns:a14="http://schemas.microsoft.com/office/drawing/2010/main" w="9525">
                     <a:solidFill>
                       <a:srgbClr val="000000"/>
                     </a:solidFill>
@@ -9687,7 +9693,7 @@
               </a:ln>
               <a:extLst>
                 <a:ext uri="{91240B29-F687-4f45-9708-019B960494DF}">
-                  <a14:hiddenLine xmlns:a14="http://schemas.microsoft.com/office/drawing/2010/main" xmlns="" w="9525">
+                  <a14:hiddenLine xmlns="" xmlns:a14="http://schemas.microsoft.com/office/drawing/2010/main" w="9525">
                     <a:solidFill>
                       <a:srgbClr val="000000"/>
                     </a:solidFill>
@@ -9749,7 +9755,7 @@
               </a:ln>
               <a:extLst>
                 <a:ext uri="{91240B29-F687-4f45-9708-019B960494DF}">
-                  <a14:hiddenLine xmlns:a14="http://schemas.microsoft.com/office/drawing/2010/main" xmlns="" w="9525">
+                  <a14:hiddenLine xmlns="" xmlns:a14="http://schemas.microsoft.com/office/drawing/2010/main" w="9525">
                     <a:solidFill>
                       <a:srgbClr val="000000"/>
                     </a:solidFill>
@@ -9859,7 +9865,7 @@
               </a:ln>
               <a:extLst>
                 <a:ext uri="{91240B29-F687-4f45-9708-019B960494DF}">
-                  <a14:hiddenLine xmlns:a14="http://schemas.microsoft.com/office/drawing/2010/main" xmlns="" w="9525">
+                  <a14:hiddenLine xmlns="" xmlns:a14="http://schemas.microsoft.com/office/drawing/2010/main" w="9525">
                     <a:solidFill>
                       <a:srgbClr val="000000"/>
                     </a:solidFill>
@@ -9943,7 +9949,7 @@
               </a:ln>
               <a:extLst>
                 <a:ext uri="{91240B29-F687-4f45-9708-019B960494DF}">
-                  <a14:hiddenLine xmlns:a14="http://schemas.microsoft.com/office/drawing/2010/main" xmlns="" w="9525">
+                  <a14:hiddenLine xmlns="" xmlns:a14="http://schemas.microsoft.com/office/drawing/2010/main" w="9525">
                     <a:solidFill>
                       <a:srgbClr val="000000"/>
                     </a:solidFill>
@@ -10005,7 +10011,7 @@
               </a:ln>
               <a:extLst>
                 <a:ext uri="{91240B29-F687-4f45-9708-019B960494DF}">
-                  <a14:hiddenLine xmlns:a14="http://schemas.microsoft.com/office/drawing/2010/main" xmlns="" w="9525">
+                  <a14:hiddenLine xmlns="" xmlns:a14="http://schemas.microsoft.com/office/drawing/2010/main" w="9525">
                     <a:solidFill>
                       <a:srgbClr val="000000"/>
                     </a:solidFill>
@@ -10067,7 +10073,7 @@
               </a:ln>
               <a:extLst>
                 <a:ext uri="{91240B29-F687-4f45-9708-019B960494DF}">
-                  <a14:hiddenLine xmlns:a14="http://schemas.microsoft.com/office/drawing/2010/main" xmlns="" w="9525">
+                  <a14:hiddenLine xmlns="" xmlns:a14="http://schemas.microsoft.com/office/drawing/2010/main" w="9525">
                     <a:solidFill>
                       <a:srgbClr val="000000"/>
                     </a:solidFill>
@@ -10157,7 +10163,7 @@
               </a:ln>
               <a:extLst>
                 <a:ext uri="{91240B29-F687-4f45-9708-019B960494DF}">
-                  <a14:hiddenLine xmlns:a14="http://schemas.microsoft.com/office/drawing/2010/main" xmlns="" w="9525">
+                  <a14:hiddenLine xmlns="" xmlns:a14="http://schemas.microsoft.com/office/drawing/2010/main" w="9525">
                     <a:solidFill>
                       <a:srgbClr val="000000"/>
                     </a:solidFill>
@@ -10191,7 +10197,7 @@
               </a:ln>
               <a:extLst>
                 <a:ext uri="{91240B29-F687-4f45-9708-019B960494DF}">
-                  <a14:hiddenLine xmlns:a14="http://schemas.microsoft.com/office/drawing/2010/main" xmlns="" w="9525">
+                  <a14:hiddenLine xmlns="" xmlns:a14="http://schemas.microsoft.com/office/drawing/2010/main" w="9525">
                     <a:solidFill>
                       <a:srgbClr val="000000"/>
                     </a:solidFill>
@@ -10256,7 +10262,7 @@
               </a:ln>
               <a:extLst>
                 <a:ext uri="{91240B29-F687-4f45-9708-019B960494DF}">
-                  <a14:hiddenLine xmlns:a14="http://schemas.microsoft.com/office/drawing/2010/main" xmlns="" w="9525">
+                  <a14:hiddenLine xmlns="" xmlns:a14="http://schemas.microsoft.com/office/drawing/2010/main" w="9525">
                     <a:solidFill>
                       <a:srgbClr val="000000"/>
                     </a:solidFill>
@@ -10346,7 +10352,7 @@
               </a:ln>
               <a:extLst>
                 <a:ext uri="{91240B29-F687-4f45-9708-019B960494DF}">
-                  <a14:hiddenLine xmlns:a14="http://schemas.microsoft.com/office/drawing/2010/main" xmlns="" w="9525">
+                  <a14:hiddenLine xmlns="" xmlns:a14="http://schemas.microsoft.com/office/drawing/2010/main" w="9525">
                     <a:solidFill>
                       <a:srgbClr val="000000"/>
                     </a:solidFill>
@@ -10408,7 +10414,7 @@
               </a:ln>
               <a:extLst>
                 <a:ext uri="{91240B29-F687-4f45-9708-019B960494DF}">
-                  <a14:hiddenLine xmlns:a14="http://schemas.microsoft.com/office/drawing/2010/main" xmlns="" w="9525">
+                  <a14:hiddenLine xmlns="" xmlns:a14="http://schemas.microsoft.com/office/drawing/2010/main" w="9525">
                     <a:solidFill>
                       <a:srgbClr val="000000"/>
                     </a:solidFill>
@@ -10498,7 +10504,7 @@
               </a:ln>
               <a:extLst>
                 <a:ext uri="{91240B29-F687-4f45-9708-019B960494DF}">
-                  <a14:hiddenLine xmlns:a14="http://schemas.microsoft.com/office/drawing/2010/main" xmlns="" w="9525">
+                  <a14:hiddenLine xmlns="" xmlns:a14="http://schemas.microsoft.com/office/drawing/2010/main" w="9525">
                     <a:solidFill>
                       <a:srgbClr val="000000"/>
                     </a:solidFill>
@@ -10563,7 +10569,7 @@
               </a:ln>
               <a:extLst>
                 <a:ext uri="{91240B29-F687-4f45-9708-019B960494DF}">
-                  <a14:hiddenLine xmlns:a14="http://schemas.microsoft.com/office/drawing/2010/main" xmlns="" w="9525">
+                  <a14:hiddenLine xmlns="" xmlns:a14="http://schemas.microsoft.com/office/drawing/2010/main" w="9525">
                     <a:solidFill>
                       <a:srgbClr val="000000"/>
                     </a:solidFill>
@@ -10625,7 +10631,7 @@
               </a:ln>
               <a:extLst>
                 <a:ext uri="{91240B29-F687-4f45-9708-019B960494DF}">
-                  <a14:hiddenLine xmlns:a14="http://schemas.microsoft.com/office/drawing/2010/main" xmlns="" w="9525">
+                  <a14:hiddenLine xmlns="" xmlns:a14="http://schemas.microsoft.com/office/drawing/2010/main" w="9525">
                     <a:solidFill>
                       <a:srgbClr val="000000"/>
                     </a:solidFill>
@@ -10715,7 +10721,7 @@
               </a:ln>
               <a:extLst>
                 <a:ext uri="{91240B29-F687-4f45-9708-019B960494DF}">
-                  <a14:hiddenLine xmlns:a14="http://schemas.microsoft.com/office/drawing/2010/main" xmlns="" w="9525">
+                  <a14:hiddenLine xmlns="" xmlns:a14="http://schemas.microsoft.com/office/drawing/2010/main" w="9525">
                     <a:solidFill>
                       <a:srgbClr val="000000"/>
                     </a:solidFill>
@@ -10805,7 +10811,7 @@
               </a:ln>
               <a:extLst>
                 <a:ext uri="{91240B29-F687-4f45-9708-019B960494DF}">
-                  <a14:hiddenLine xmlns:a14="http://schemas.microsoft.com/office/drawing/2010/main" xmlns="" w="9525">
+                  <a14:hiddenLine xmlns="" xmlns:a14="http://schemas.microsoft.com/office/drawing/2010/main" w="9525">
                     <a:solidFill>
                       <a:srgbClr val="000000"/>
                     </a:solidFill>
@@ -10870,7 +10876,7 @@
               </a:ln>
               <a:extLst>
                 <a:ext uri="{91240B29-F687-4f45-9708-019B960494DF}">
-                  <a14:hiddenLine xmlns:a14="http://schemas.microsoft.com/office/drawing/2010/main" xmlns="" w="9525">
+                  <a14:hiddenLine xmlns="" xmlns:a14="http://schemas.microsoft.com/office/drawing/2010/main" w="9525">
                     <a:solidFill>
                       <a:srgbClr val="000000"/>
                     </a:solidFill>
@@ -10990,7 +10996,7 @@
               </a:ln>
               <a:extLst>
                 <a:ext uri="{91240B29-F687-4f45-9708-019B960494DF}">
-                  <a14:hiddenLine xmlns:a14="http://schemas.microsoft.com/office/drawing/2010/main" xmlns="" w="9525">
+                  <a14:hiddenLine xmlns="" xmlns:a14="http://schemas.microsoft.com/office/drawing/2010/main" w="9525">
                     <a:solidFill>
                       <a:srgbClr val="000000"/>
                     </a:solidFill>
@@ -11088,7 +11094,7 @@
               </a:ln>
               <a:extLst>
                 <a:ext uri="{91240B29-F687-4f45-9708-019B960494DF}">
-                  <a14:hiddenLine xmlns:a14="http://schemas.microsoft.com/office/drawing/2010/main" xmlns="" w="9525">
+                  <a14:hiddenLine xmlns="" xmlns:a14="http://schemas.microsoft.com/office/drawing/2010/main" w="9525">
                     <a:solidFill>
                       <a:srgbClr val="000000"/>
                     </a:solidFill>
@@ -11203,7 +11209,7 @@
               </a:ln>
               <a:extLst>
                 <a:ext uri="{91240B29-F687-4f45-9708-019B960494DF}">
-                  <a14:hiddenLine xmlns:a14="http://schemas.microsoft.com/office/drawing/2010/main" xmlns="" w="9525">
+                  <a14:hiddenLine xmlns="" xmlns:a14="http://schemas.microsoft.com/office/drawing/2010/main" w="9525">
                     <a:solidFill>
                       <a:srgbClr val="000000"/>
                     </a:solidFill>
@@ -11293,7 +11299,7 @@
               </a:ln>
               <a:extLst>
                 <a:ext uri="{91240B29-F687-4f45-9708-019B960494DF}">
-                  <a14:hiddenLine xmlns:a14="http://schemas.microsoft.com/office/drawing/2010/main" xmlns="" w="9525">
+                  <a14:hiddenLine xmlns="" xmlns:a14="http://schemas.microsoft.com/office/drawing/2010/main" w="9525">
                     <a:solidFill>
                       <a:srgbClr val="000000"/>
                     </a:solidFill>
@@ -11358,7 +11364,7 @@
               </a:ln>
               <a:extLst>
                 <a:ext uri="{91240B29-F687-4f45-9708-019B960494DF}">
-                  <a14:hiddenLine xmlns:a14="http://schemas.microsoft.com/office/drawing/2010/main" xmlns="" w="9525">
+                  <a14:hiddenLine xmlns="" xmlns:a14="http://schemas.microsoft.com/office/drawing/2010/main" w="9525">
                     <a:solidFill>
                       <a:srgbClr val="000000"/>
                     </a:solidFill>
@@ -11448,7 +11454,7 @@
               </a:ln>
               <a:extLst>
                 <a:ext uri="{91240B29-F687-4f45-9708-019B960494DF}">
-                  <a14:hiddenLine xmlns:a14="http://schemas.microsoft.com/office/drawing/2010/main" xmlns="" w="9525">
+                  <a14:hiddenLine xmlns="" xmlns:a14="http://schemas.microsoft.com/office/drawing/2010/main" w="9525">
                     <a:solidFill>
                       <a:srgbClr val="000000"/>
                     </a:solidFill>
@@ -11516,7 +11522,7 @@
               </a:ln>
               <a:extLst>
                 <a:ext uri="{91240B29-F687-4f45-9708-019B960494DF}">
-                  <a14:hiddenLine xmlns:a14="http://schemas.microsoft.com/office/drawing/2010/main" xmlns="" w="9525">
+                  <a14:hiddenLine xmlns="" xmlns:a14="http://schemas.microsoft.com/office/drawing/2010/main" w="9525">
                     <a:solidFill>
                       <a:srgbClr val="000000"/>
                     </a:solidFill>
@@ -11606,7 +11612,7 @@
               </a:ln>
               <a:extLst>
                 <a:ext uri="{91240B29-F687-4f45-9708-019B960494DF}">
-                  <a14:hiddenLine xmlns:a14="http://schemas.microsoft.com/office/drawing/2010/main" xmlns="" w="9525">
+                  <a14:hiddenLine xmlns="" xmlns:a14="http://schemas.microsoft.com/office/drawing/2010/main" w="9525">
                     <a:solidFill>
                       <a:srgbClr val="000000"/>
                     </a:solidFill>
@@ -11674,7 +11680,7 @@
               </a:ln>
               <a:extLst>
                 <a:ext uri="{91240B29-F687-4f45-9708-019B960494DF}">
-                  <a14:hiddenLine xmlns:a14="http://schemas.microsoft.com/office/drawing/2010/main" xmlns="" w="9525">
+                  <a14:hiddenLine xmlns="" xmlns:a14="http://schemas.microsoft.com/office/drawing/2010/main" w="9525">
                     <a:solidFill>
                       <a:srgbClr val="000000"/>
                     </a:solidFill>
@@ -11764,7 +11770,7 @@
               </a:ln>
               <a:extLst>
                 <a:ext uri="{91240B29-F687-4f45-9708-019B960494DF}">
-                  <a14:hiddenLine xmlns:a14="http://schemas.microsoft.com/office/drawing/2010/main" xmlns="" w="9525">
+                  <a14:hiddenLine xmlns="" xmlns:a14="http://schemas.microsoft.com/office/drawing/2010/main" w="9525">
                     <a:solidFill>
                       <a:srgbClr val="000000"/>
                     </a:solidFill>
@@ -11798,7 +11804,7 @@
               </a:ln>
               <a:extLst>
                 <a:ext uri="{91240B29-F687-4f45-9708-019B960494DF}">
-                  <a14:hiddenLine xmlns:a14="http://schemas.microsoft.com/office/drawing/2010/main" xmlns="" w="9525">
+                  <a14:hiddenLine xmlns="" xmlns:a14="http://schemas.microsoft.com/office/drawing/2010/main" w="9525">
                     <a:solidFill>
                       <a:srgbClr val="000000"/>
                     </a:solidFill>
@@ -11939,7 +11945,7 @@
             <a:fld id="{48A87A34-81AB-432B-8DAE-1953F412C126}" type="datetimeFigureOut">
               <a:rPr lang="en-US" dirty="0"/>
               <a:pPr/>
-              <a:t>10/24/23</a:t>
+              <a:t>10/25/23</a:t>
             </a:fld>
             <a:endParaRPr lang="en-US" dirty="0"/>
           </a:p>
@@ -12451,6 +12457,84 @@
       </p:grpSpPr>
       <p:sp>
         <p:nvSpPr>
+          <p:cNvPr id="3" name="Inhaltsplatzhalter 2">
+            <a:extLst>
+              <a:ext uri="{FF2B5EF4-FFF2-40B4-BE49-F238E27FC236}">
+                <a16:creationId xmlns:a16="http://schemas.microsoft.com/office/drawing/2014/main" id="{5512088A-9C6B-2370-886E-BF4620E5C241}"/>
+              </a:ext>
+            </a:extLst>
+          </p:cNvPr>
+          <p:cNvSpPr>
+            <a:spLocks noGrp="1"/>
+          </p:cNvSpPr>
+          <p:nvPr>
+            <p:ph idx="1"/>
+          </p:nvPr>
+        </p:nvSpPr>
+        <p:spPr>
+          <a:xfrm>
+            <a:off x="0" y="2785241"/>
+            <a:ext cx="12192000" cy="809297"/>
+          </a:xfrm>
+        </p:spPr>
+        <p:txBody>
+          <a:bodyPr>
+            <a:normAutofit fontScale="92500"/>
+          </a:bodyPr>
+          <a:lstStyle/>
+          <a:p>
+            <a:pPr marL="0" indent="0" algn="ctr">
+              <a:lnSpc>
+                <a:spcPct val="90000"/>
+              </a:lnSpc>
+              <a:spcBef>
+                <a:spcPct val="0"/>
+              </a:spcBef>
+              <a:buNone/>
+            </a:pPr>
+            <a:r>
+              <a:rPr lang="de-DE" sz="4800" cap="all" dirty="0">
+                <a:latin typeface="+mj-lt"/>
+                <a:ea typeface="+mj-ea"/>
+                <a:cs typeface="+mj-cs"/>
+              </a:rPr>
+              <a:t>2. Implementierung, Plattform, Komponenten</a:t>
+            </a:r>
+          </a:p>
+        </p:txBody>
+      </p:sp>
+    </p:spTree>
+    <p:extLst>
+      <p:ext uri="{BB962C8B-B14F-4D97-AF65-F5344CB8AC3E}">
+        <p14:creationId xmlns:p14="http://schemas.microsoft.com/office/powerpoint/2010/main" val="989712216"/>
+      </p:ext>
+    </p:extLst>
+  </p:cSld>
+  <p:clrMapOvr>
+    <a:masterClrMapping/>
+  </p:clrMapOvr>
+</p:sld>
+</file>
+
+<file path=ppt/slides/slide11.xml><?xml version="1.0" encoding="utf-8"?>
+<p:sld xmlns:a="http://schemas.openxmlformats.org/drawingml/2006/main" xmlns:r="http://schemas.openxmlformats.org/officeDocument/2006/relationships" xmlns:p="http://schemas.openxmlformats.org/presentationml/2006/main">
+  <p:cSld>
+    <p:spTree>
+      <p:nvGrpSpPr>
+        <p:cNvPr id="1" name=""/>
+        <p:cNvGrpSpPr/>
+        <p:nvPr/>
+      </p:nvGrpSpPr>
+      <p:grpSpPr>
+        <a:xfrm>
+          <a:off x="0" y="0"/>
+          <a:ext cx="0" cy="0"/>
+          <a:chOff x="0" y="0"/>
+          <a:chExt cx="0" cy="0"/>
+        </a:xfrm>
+      </p:grpSpPr>
+      <p:sp>
+        <p:nvSpPr>
           <p:cNvPr id="2" name="Titel 1">
             <a:extLst>
               <a:ext uri="{FF2B5EF4-FFF2-40B4-BE49-F238E27FC236}">
@@ -12570,86 +12654,44 @@
           <a:prstGeom prst="rect">
             <a:avLst/>
           </a:prstGeom>
-          <a:noFill/>
-          <a:ln w="57150">
+          <a:gradFill flip="none" rotWithShape="1">
+            <a:gsLst>
+              <a:gs pos="0">
+                <a:schemeClr val="accent5">
+                  <a:lumMod val="60000"/>
+                  <a:lumOff val="40000"/>
+                  <a:shade val="30000"/>
+                  <a:satMod val="115000"/>
+                  <a:alpha val="3783"/>
+                </a:schemeClr>
+              </a:gs>
+              <a:gs pos="50000">
+                <a:schemeClr val="accent5">
+                  <a:lumMod val="60000"/>
+                  <a:lumOff val="40000"/>
+                  <a:shade val="67500"/>
+                  <a:satMod val="115000"/>
+                </a:schemeClr>
+              </a:gs>
+              <a:gs pos="100000">
+                <a:schemeClr val="accent5">
+                  <a:lumMod val="60000"/>
+                  <a:lumOff val="40000"/>
+                  <a:shade val="100000"/>
+                  <a:satMod val="115000"/>
+                </a:schemeClr>
+              </a:gs>
+            </a:gsLst>
+            <a:lin ang="16200000" scaled="1"/>
+            <a:tileRect/>
+          </a:gradFill>
+          <a:ln>
             <a:solidFill>
-              <a:schemeClr val="accent5">
-                <a:lumMod val="60000"/>
-                <a:lumOff val="40000"/>
-                <a:alpha val="50000"/>
+              <a:schemeClr val="bg2">
+                <a:lumMod val="40000"/>
+                <a:lumOff val="60000"/>
               </a:schemeClr>
             </a:solidFill>
-            <a:extLst>
-              <a:ext uri="{C807C97D-BFC1-408E-A445-0C87EB9F89A2}">
-                <ask:lineSketchStyleProps xmlns:ask="http://schemas.microsoft.com/office/drawing/2018/sketchyshapes" sd="264327539">
-                  <a:custGeom>
-                    <a:avLst/>
-                    <a:gdLst>
-                      <a:gd name="connsiteX0" fmla="*/ 0 w 1408385"/>
-                      <a:gd name="connsiteY0" fmla="*/ 0 h 1106214"/>
-                      <a:gd name="connsiteX1" fmla="*/ 1408385 w 1408385"/>
-                      <a:gd name="connsiteY1" fmla="*/ 0 h 1106214"/>
-                      <a:gd name="connsiteX2" fmla="*/ 1408385 w 1408385"/>
-                      <a:gd name="connsiteY2" fmla="*/ 1106214 h 1106214"/>
-                      <a:gd name="connsiteX3" fmla="*/ 0 w 1408385"/>
-                      <a:gd name="connsiteY3" fmla="*/ 1106214 h 1106214"/>
-                      <a:gd name="connsiteX4" fmla="*/ 0 w 1408385"/>
-                      <a:gd name="connsiteY4" fmla="*/ 0 h 1106214"/>
-                    </a:gdLst>
-                    <a:ahLst/>
-                    <a:cxnLst>
-                      <a:cxn ang="0">
-                        <a:pos x="connsiteX0" y="connsiteY0"/>
-                      </a:cxn>
-                      <a:cxn ang="0">
-                        <a:pos x="connsiteX1" y="connsiteY1"/>
-                      </a:cxn>
-                      <a:cxn ang="0">
-                        <a:pos x="connsiteX2" y="connsiteY2"/>
-                      </a:cxn>
-                      <a:cxn ang="0">
-                        <a:pos x="connsiteX3" y="connsiteY3"/>
-                      </a:cxn>
-                      <a:cxn ang="0">
-                        <a:pos x="connsiteX4" y="connsiteY4"/>
-                      </a:cxn>
-                    </a:cxnLst>
-                    <a:rect l="l" t="t" r="r" b="b"/>
-                    <a:pathLst>
-                      <a:path w="1408385" h="1106214" extrusionOk="0">
-                        <a:moveTo>
-                          <a:pt x="0" y="0"/>
-                        </a:moveTo>
-                        <a:cubicBezTo>
-                          <a:pt x="533084" y="-58580"/>
-                          <a:pt x="957162" y="-93300"/>
-                          <a:pt x="1408385" y="0"/>
-                        </a:cubicBezTo>
-                        <a:cubicBezTo>
-                          <a:pt x="1426541" y="354273"/>
-                          <a:pt x="1470375" y="981859"/>
-                          <a:pt x="1408385" y="1106214"/>
-                        </a:cubicBezTo>
-                        <a:cubicBezTo>
-                          <a:pt x="772537" y="1017410"/>
-                          <a:pt x="456830" y="1007613"/>
-                          <a:pt x="0" y="1106214"/>
-                        </a:cubicBezTo>
-                        <a:cubicBezTo>
-                          <a:pt x="-93166" y="903065"/>
-                          <a:pt x="54928" y="122032"/>
-                          <a:pt x="0" y="0"/>
-                        </a:cubicBezTo>
-                        <a:close/>
-                      </a:path>
-                    </a:pathLst>
-                  </a:custGeom>
-                  <ask:type>
-                    <ask:lineSketchNone/>
-                  </ask:type>
-                </ask:lineSketchStyleProps>
-              </a:ext>
-            </a:extLst>
           </a:ln>
         </p:spPr>
         <p:style>
@@ -12669,31 +12711,65 @@
           </a:fontRef>
         </p:style>
         <p:txBody>
-          <a:bodyPr rtlCol="0" anchor="ctr"/>
+          <a:bodyPr rtlCol="0" anchor="t"/>
           <a:lstStyle/>
           <a:p>
-            <a:pPr algn="ctr"/>
+            <a:pPr algn="ctr" fontAlgn="base"/>
             <a:r>
-              <a:rPr lang="de-DE" dirty="0"/>
+              <a:rPr lang="de-DE" sz="1400" b="1" dirty="0">
+                <a:solidFill>
+                  <a:schemeClr val="tx1"/>
+                </a:solidFill>
+                <a:latin typeface="Arial" panose="020B0604020202020204" pitchFamily="34" charset="0"/>
+              </a:rPr>
               <a:t>Frontend</a:t>
             </a:r>
           </a:p>
           <a:p>
-            <a:pPr algn="ctr"/>
-            <a:endParaRPr lang="de-DE" dirty="0"/>
+            <a:pPr algn="ctr" fontAlgn="base"/>
+            <a:endParaRPr lang="de-DE" sz="1400" b="1" dirty="0">
+              <a:solidFill>
+                <a:schemeClr val="tx1"/>
+              </a:solidFill>
+              <a:latin typeface="Arial" panose="020B0604020202020204" pitchFamily="34" charset="0"/>
+            </a:endParaRPr>
           </a:p>
           <a:p>
-            <a:pPr algn="ctr"/>
+            <a:pPr algn="ctr" fontAlgn="base"/>
+            <a:endParaRPr lang="de-DE" sz="1400" b="1" dirty="0">
+              <a:solidFill>
+                <a:schemeClr val="tx1"/>
+              </a:solidFill>
+              <a:latin typeface="Arial" panose="020B0604020202020204" pitchFamily="34" charset="0"/>
+            </a:endParaRPr>
+          </a:p>
+          <a:p>
+            <a:pPr algn="ctr" fontAlgn="base"/>
             <a:r>
-              <a:rPr lang="de-DE" dirty="0" err="1"/>
+              <a:rPr lang="de-DE" sz="1400" b="1" dirty="0" err="1">
+                <a:solidFill>
+                  <a:schemeClr val="tx1"/>
+                </a:solidFill>
+                <a:latin typeface="Arial" panose="020B0604020202020204" pitchFamily="34" charset="0"/>
+              </a:rPr>
               <a:t>React.js</a:t>
             </a:r>
-            <a:endParaRPr lang="de-DE" dirty="0"/>
+            <a:endParaRPr lang="de-DE" sz="1400" b="1" dirty="0">
+              <a:solidFill>
+                <a:schemeClr val="tx1"/>
+              </a:solidFill>
+              <a:latin typeface="Arial" panose="020B0604020202020204" pitchFamily="34" charset="0"/>
+            </a:endParaRPr>
           </a:p>
           <a:p>
-            <a:pPr algn="ctr"/>
+            <a:pPr algn="ctr" fontAlgn="base"/>
             <a:r>
-              <a:rPr lang="de-DE" dirty="0"/>
+              <a:rPr lang="de-DE" sz="1400" b="1" dirty="0">
+                <a:solidFill>
+                  <a:schemeClr val="tx1"/>
+                </a:solidFill>
+                <a:latin typeface="Arial" panose="020B0604020202020204" pitchFamily="34" charset="0"/>
+              </a:rPr>
               <a:t>Bootstrap</a:t>
             </a:r>
           </a:p>
@@ -12719,86 +12795,44 @@
           <a:prstGeom prst="rect">
             <a:avLst/>
           </a:prstGeom>
-          <a:noFill/>
-          <a:ln w="57150">
+          <a:gradFill flip="none" rotWithShape="1">
+            <a:gsLst>
+              <a:gs pos="0">
+                <a:schemeClr val="accent5">
+                  <a:lumMod val="60000"/>
+                  <a:lumOff val="40000"/>
+                  <a:shade val="30000"/>
+                  <a:satMod val="115000"/>
+                  <a:alpha val="3783"/>
+                </a:schemeClr>
+              </a:gs>
+              <a:gs pos="50000">
+                <a:schemeClr val="accent5">
+                  <a:lumMod val="60000"/>
+                  <a:lumOff val="40000"/>
+                  <a:shade val="67500"/>
+                  <a:satMod val="115000"/>
+                </a:schemeClr>
+              </a:gs>
+              <a:gs pos="100000">
+                <a:schemeClr val="accent5">
+                  <a:lumMod val="60000"/>
+                  <a:lumOff val="40000"/>
+                  <a:shade val="100000"/>
+                  <a:satMod val="115000"/>
+                </a:schemeClr>
+              </a:gs>
+            </a:gsLst>
+            <a:lin ang="16200000" scaled="1"/>
+            <a:tileRect/>
+          </a:gradFill>
+          <a:ln>
             <a:solidFill>
-              <a:schemeClr val="accent5">
-                <a:lumMod val="60000"/>
-                <a:lumOff val="40000"/>
-                <a:alpha val="50000"/>
+              <a:schemeClr val="bg2">
+                <a:lumMod val="40000"/>
+                <a:lumOff val="60000"/>
               </a:schemeClr>
             </a:solidFill>
-            <a:extLst>
-              <a:ext uri="{C807C97D-BFC1-408E-A445-0C87EB9F89A2}">
-                <ask:lineSketchStyleProps xmlns:ask="http://schemas.microsoft.com/office/drawing/2018/sketchyshapes" sd="1219033472">
-                  <a:custGeom>
-                    <a:avLst/>
-                    <a:gdLst>
-                      <a:gd name="connsiteX0" fmla="*/ 0 w 1408385"/>
-                      <a:gd name="connsiteY0" fmla="*/ 0 h 1106213"/>
-                      <a:gd name="connsiteX1" fmla="*/ 1408385 w 1408385"/>
-                      <a:gd name="connsiteY1" fmla="*/ 0 h 1106213"/>
-                      <a:gd name="connsiteX2" fmla="*/ 1408385 w 1408385"/>
-                      <a:gd name="connsiteY2" fmla="*/ 1106213 h 1106213"/>
-                      <a:gd name="connsiteX3" fmla="*/ 0 w 1408385"/>
-                      <a:gd name="connsiteY3" fmla="*/ 1106213 h 1106213"/>
-                      <a:gd name="connsiteX4" fmla="*/ 0 w 1408385"/>
-                      <a:gd name="connsiteY4" fmla="*/ 0 h 1106213"/>
-                    </a:gdLst>
-                    <a:ahLst/>
-                    <a:cxnLst>
-                      <a:cxn ang="0">
-                        <a:pos x="connsiteX0" y="connsiteY0"/>
-                      </a:cxn>
-                      <a:cxn ang="0">
-                        <a:pos x="connsiteX1" y="connsiteY1"/>
-                      </a:cxn>
-                      <a:cxn ang="0">
-                        <a:pos x="connsiteX2" y="connsiteY2"/>
-                      </a:cxn>
-                      <a:cxn ang="0">
-                        <a:pos x="connsiteX3" y="connsiteY3"/>
-                      </a:cxn>
-                      <a:cxn ang="0">
-                        <a:pos x="connsiteX4" y="connsiteY4"/>
-                      </a:cxn>
-                    </a:cxnLst>
-                    <a:rect l="l" t="t" r="r" b="b"/>
-                    <a:pathLst>
-                      <a:path w="1408385" h="1106213" extrusionOk="0">
-                        <a:moveTo>
-                          <a:pt x="0" y="0"/>
-                        </a:moveTo>
-                        <a:cubicBezTo>
-                          <a:pt x="444012" y="102625"/>
-                          <a:pt x="766505" y="69395"/>
-                          <a:pt x="1408385" y="0"/>
-                        </a:cubicBezTo>
-                        <a:cubicBezTo>
-                          <a:pt x="1411695" y="119801"/>
-                          <a:pt x="1375949" y="913965"/>
-                          <a:pt x="1408385" y="1106213"/>
-                        </a:cubicBezTo>
-                        <a:cubicBezTo>
-                          <a:pt x="1159533" y="1206721"/>
-                          <a:pt x="521002" y="1113625"/>
-                          <a:pt x="0" y="1106213"/>
-                        </a:cubicBezTo>
-                        <a:cubicBezTo>
-                          <a:pt x="36982" y="737824"/>
-                          <a:pt x="-5" y="446299"/>
-                          <a:pt x="0" y="0"/>
-                        </a:cubicBezTo>
-                        <a:close/>
-                      </a:path>
-                    </a:pathLst>
-                  </a:custGeom>
-                  <ask:type>
-                    <ask:lineSketchNone/>
-                  </ask:type>
-                </ask:lineSketchStyleProps>
-              </a:ext>
-            </a:extLst>
           </a:ln>
         </p:spPr>
         <p:style>
@@ -12818,26 +12852,55 @@
           </a:fontRef>
         </p:style>
         <p:txBody>
-          <a:bodyPr rtlCol="0" anchor="ctr"/>
+          <a:bodyPr rtlCol="0" anchor="t"/>
           <a:lstStyle/>
           <a:p>
-            <a:pPr algn="ctr"/>
+            <a:pPr algn="ctr" fontAlgn="base"/>
             <a:r>
-              <a:rPr lang="de-DE" dirty="0"/>
+              <a:rPr lang="de-DE" sz="1400" b="1" dirty="0">
+                <a:solidFill>
+                  <a:schemeClr val="tx1"/>
+                </a:solidFill>
+                <a:latin typeface="Arial" panose="020B0604020202020204" pitchFamily="34" charset="0"/>
+              </a:rPr>
               <a:t>Backend</a:t>
             </a:r>
           </a:p>
           <a:p>
-            <a:pPr algn="ctr"/>
+            <a:pPr algn="ctr" fontAlgn="base"/>
             <a:br>
-              <a:rPr lang="de-DE" dirty="0"/>
+              <a:rPr lang="de-DE" sz="1400" b="1" dirty="0">
+                <a:solidFill>
+                  <a:schemeClr val="tx1"/>
+                </a:solidFill>
+                <a:latin typeface="Arial" panose="020B0604020202020204" pitchFamily="34" charset="0"/>
+              </a:rPr>
             </a:br>
-            <a:endParaRPr lang="de-DE" dirty="0"/>
+            <a:endParaRPr lang="de-DE" sz="1400" b="1" dirty="0">
+              <a:solidFill>
+                <a:schemeClr val="tx1"/>
+              </a:solidFill>
+              <a:latin typeface="Arial" panose="020B0604020202020204" pitchFamily="34" charset="0"/>
+            </a:endParaRPr>
           </a:p>
           <a:p>
-            <a:pPr algn="ctr"/>
+            <a:pPr algn="ctr" fontAlgn="base"/>
+            <a:endParaRPr lang="de-DE" sz="1400" b="1" dirty="0">
+              <a:solidFill>
+                <a:schemeClr val="tx1"/>
+              </a:solidFill>
+              <a:latin typeface="Arial" panose="020B0604020202020204" pitchFamily="34" charset="0"/>
+            </a:endParaRPr>
+          </a:p>
+          <a:p>
+            <a:pPr algn="ctr" fontAlgn="base"/>
             <a:r>
-              <a:rPr lang="de-DE" dirty="0"/>
+              <a:rPr lang="de-DE" sz="1400" b="1" dirty="0">
+                <a:solidFill>
+                  <a:schemeClr val="tx1"/>
+                </a:solidFill>
+                <a:latin typeface="Arial" panose="020B0604020202020204" pitchFamily="34" charset="0"/>
+              </a:rPr>
               <a:t>Django</a:t>
             </a:r>
           </a:p>
@@ -12863,86 +12926,44 @@
           <a:prstGeom prst="rect">
             <a:avLst/>
           </a:prstGeom>
-          <a:noFill/>
-          <a:ln w="57150">
+          <a:gradFill flip="none" rotWithShape="1">
+            <a:gsLst>
+              <a:gs pos="0">
+                <a:schemeClr val="accent5">
+                  <a:lumMod val="60000"/>
+                  <a:lumOff val="40000"/>
+                  <a:shade val="30000"/>
+                  <a:satMod val="115000"/>
+                  <a:alpha val="3783"/>
+                </a:schemeClr>
+              </a:gs>
+              <a:gs pos="50000">
+                <a:schemeClr val="accent5">
+                  <a:lumMod val="60000"/>
+                  <a:lumOff val="40000"/>
+                  <a:shade val="67500"/>
+                  <a:satMod val="115000"/>
+                </a:schemeClr>
+              </a:gs>
+              <a:gs pos="100000">
+                <a:schemeClr val="accent5">
+                  <a:lumMod val="60000"/>
+                  <a:lumOff val="40000"/>
+                  <a:shade val="100000"/>
+                  <a:satMod val="115000"/>
+                </a:schemeClr>
+              </a:gs>
+            </a:gsLst>
+            <a:lin ang="16200000" scaled="1"/>
+            <a:tileRect/>
+          </a:gradFill>
+          <a:ln>
             <a:solidFill>
-              <a:schemeClr val="accent5">
-                <a:lumMod val="60000"/>
-                <a:lumOff val="40000"/>
-                <a:alpha val="50000"/>
+              <a:schemeClr val="bg2">
+                <a:lumMod val="40000"/>
+                <a:lumOff val="60000"/>
               </a:schemeClr>
             </a:solidFill>
-            <a:extLst>
-              <a:ext uri="{C807C97D-BFC1-408E-A445-0C87EB9F89A2}">
-                <ask:lineSketchStyleProps xmlns:ask="http://schemas.microsoft.com/office/drawing/2018/sketchyshapes" sd="2650216993">
-                  <a:custGeom>
-                    <a:avLst/>
-                    <a:gdLst>
-                      <a:gd name="connsiteX0" fmla="*/ 0 w 1408385"/>
-                      <a:gd name="connsiteY0" fmla="*/ 0 h 1106212"/>
-                      <a:gd name="connsiteX1" fmla="*/ 1408385 w 1408385"/>
-                      <a:gd name="connsiteY1" fmla="*/ 0 h 1106212"/>
-                      <a:gd name="connsiteX2" fmla="*/ 1408385 w 1408385"/>
-                      <a:gd name="connsiteY2" fmla="*/ 1106212 h 1106212"/>
-                      <a:gd name="connsiteX3" fmla="*/ 0 w 1408385"/>
-                      <a:gd name="connsiteY3" fmla="*/ 1106212 h 1106212"/>
-                      <a:gd name="connsiteX4" fmla="*/ 0 w 1408385"/>
-                      <a:gd name="connsiteY4" fmla="*/ 0 h 1106212"/>
-                    </a:gdLst>
-                    <a:ahLst/>
-                    <a:cxnLst>
-                      <a:cxn ang="0">
-                        <a:pos x="connsiteX0" y="connsiteY0"/>
-                      </a:cxn>
-                      <a:cxn ang="0">
-                        <a:pos x="connsiteX1" y="connsiteY1"/>
-                      </a:cxn>
-                      <a:cxn ang="0">
-                        <a:pos x="connsiteX2" y="connsiteY2"/>
-                      </a:cxn>
-                      <a:cxn ang="0">
-                        <a:pos x="connsiteX3" y="connsiteY3"/>
-                      </a:cxn>
-                      <a:cxn ang="0">
-                        <a:pos x="connsiteX4" y="connsiteY4"/>
-                      </a:cxn>
-                    </a:cxnLst>
-                    <a:rect l="l" t="t" r="r" b="b"/>
-                    <a:pathLst>
-                      <a:path w="1408385" h="1106212" extrusionOk="0">
-                        <a:moveTo>
-                          <a:pt x="0" y="0"/>
-                        </a:moveTo>
-                        <a:cubicBezTo>
-                          <a:pt x="415507" y="31299"/>
-                          <a:pt x="979154" y="-79299"/>
-                          <a:pt x="1408385" y="0"/>
-                        </a:cubicBezTo>
-                        <a:cubicBezTo>
-                          <a:pt x="1435720" y="421602"/>
-                          <a:pt x="1459012" y="637143"/>
-                          <a:pt x="1408385" y="1106212"/>
-                        </a:cubicBezTo>
-                        <a:cubicBezTo>
-                          <a:pt x="1156263" y="1180007"/>
-                          <a:pt x="310317" y="1083442"/>
-                          <a:pt x="0" y="1106212"/>
-                        </a:cubicBezTo>
-                        <a:cubicBezTo>
-                          <a:pt x="50779" y="590203"/>
-                          <a:pt x="92500" y="232625"/>
-                          <a:pt x="0" y="0"/>
-                        </a:cubicBezTo>
-                        <a:close/>
-                      </a:path>
-                    </a:pathLst>
-                  </a:custGeom>
-                  <ask:type>
-                    <ask:lineSketchNone/>
-                  </ask:type>
-                </ask:lineSketchStyleProps>
-              </a:ext>
-            </a:extLst>
           </a:ln>
         </p:spPr>
         <p:style>
@@ -12962,35 +12983,79 @@
           </a:fontRef>
         </p:style>
         <p:txBody>
-          <a:bodyPr rtlCol="0" anchor="ctr"/>
+          <a:bodyPr rtlCol="0" anchor="t"/>
           <a:lstStyle/>
           <a:p>
-            <a:pPr algn="ctr"/>
+            <a:pPr algn="ctr" fontAlgn="base"/>
             <a:r>
-              <a:rPr lang="de-DE" dirty="0" err="1"/>
+              <a:rPr lang="de-DE" sz="1400" b="1" dirty="0" err="1">
+                <a:solidFill>
+                  <a:schemeClr val="tx1"/>
+                </a:solidFill>
+                <a:latin typeface="Arial" panose="020B0604020202020204" pitchFamily="34" charset="0"/>
+              </a:rPr>
               <a:t>Entwicklungs</a:t>
             </a:r>
             <a:r>
-              <a:rPr lang="de-DE" dirty="0"/>
+              <a:rPr lang="de-DE" sz="1400" b="1" dirty="0">
+                <a:solidFill>
+                  <a:schemeClr val="tx1"/>
+                </a:solidFill>
+                <a:latin typeface="Arial" panose="020B0604020202020204" pitchFamily="34" charset="0"/>
+              </a:rPr>
               <a:t>–</a:t>
             </a:r>
             <a:br>
-              <a:rPr lang="de-DE" dirty="0"/>
+              <a:rPr lang="de-DE" sz="1400" b="1" dirty="0">
+                <a:solidFill>
+                  <a:schemeClr val="tx1"/>
+                </a:solidFill>
+                <a:latin typeface="Arial" panose="020B0604020202020204" pitchFamily="34" charset="0"/>
+              </a:rPr>
             </a:br>
             <a:r>
-              <a:rPr lang="de-DE" dirty="0" err="1"/>
+              <a:rPr lang="de-DE" sz="1400" b="1" dirty="0" err="1">
+                <a:solidFill>
+                  <a:schemeClr val="tx1"/>
+                </a:solidFill>
+                <a:latin typeface="Arial" panose="020B0604020202020204" pitchFamily="34" charset="0"/>
+              </a:rPr>
               <a:t>umgebung</a:t>
             </a:r>
-            <a:endParaRPr lang="de-DE" dirty="0"/>
+            <a:endParaRPr lang="de-DE" sz="1400" b="1" dirty="0">
+              <a:solidFill>
+                <a:schemeClr val="tx1"/>
+              </a:solidFill>
+              <a:latin typeface="Arial" panose="020B0604020202020204" pitchFamily="34" charset="0"/>
+            </a:endParaRPr>
           </a:p>
           <a:p>
-            <a:pPr algn="ctr"/>
-            <a:endParaRPr lang="de-DE" dirty="0"/>
+            <a:pPr algn="ctr" fontAlgn="base"/>
+            <a:endParaRPr lang="de-DE" sz="1400" b="1" dirty="0">
+              <a:solidFill>
+                <a:schemeClr val="tx1"/>
+              </a:solidFill>
+              <a:latin typeface="Arial" panose="020B0604020202020204" pitchFamily="34" charset="0"/>
+            </a:endParaRPr>
           </a:p>
           <a:p>
-            <a:pPr algn="ctr"/>
+            <a:pPr algn="ctr" fontAlgn="base"/>
+            <a:endParaRPr lang="de-DE" sz="1400" b="1" dirty="0">
+              <a:solidFill>
+                <a:schemeClr val="tx1"/>
+              </a:solidFill>
+              <a:latin typeface="Arial" panose="020B0604020202020204" pitchFamily="34" charset="0"/>
+            </a:endParaRPr>
+          </a:p>
+          <a:p>
+            <a:pPr algn="ctr" fontAlgn="base"/>
             <a:r>
-              <a:rPr lang="de-DE" dirty="0"/>
+              <a:rPr lang="de-DE" sz="1400" b="1" dirty="0">
+                <a:solidFill>
+                  <a:schemeClr val="tx1"/>
+                </a:solidFill>
+                <a:latin typeface="Arial" panose="020B0604020202020204" pitchFamily="34" charset="0"/>
+              </a:rPr>
               <a:t>Docker</a:t>
             </a:r>
           </a:p>
@@ -13016,86 +13081,44 @@
           <a:prstGeom prst="rect">
             <a:avLst/>
           </a:prstGeom>
-          <a:noFill/>
-          <a:ln w="57150">
+          <a:gradFill flip="none" rotWithShape="1">
+            <a:gsLst>
+              <a:gs pos="0">
+                <a:schemeClr val="accent5">
+                  <a:lumMod val="60000"/>
+                  <a:lumOff val="40000"/>
+                  <a:shade val="30000"/>
+                  <a:satMod val="115000"/>
+                  <a:alpha val="3783"/>
+                </a:schemeClr>
+              </a:gs>
+              <a:gs pos="50000">
+                <a:schemeClr val="accent5">
+                  <a:lumMod val="60000"/>
+                  <a:lumOff val="40000"/>
+                  <a:shade val="67500"/>
+                  <a:satMod val="115000"/>
+                </a:schemeClr>
+              </a:gs>
+              <a:gs pos="100000">
+                <a:schemeClr val="accent5">
+                  <a:lumMod val="60000"/>
+                  <a:lumOff val="40000"/>
+                  <a:shade val="100000"/>
+                  <a:satMod val="115000"/>
+                </a:schemeClr>
+              </a:gs>
+            </a:gsLst>
+            <a:lin ang="16200000" scaled="1"/>
+            <a:tileRect/>
+          </a:gradFill>
+          <a:ln>
             <a:solidFill>
-              <a:schemeClr val="accent5">
-                <a:lumMod val="60000"/>
-                <a:lumOff val="40000"/>
-                <a:alpha val="50000"/>
+              <a:schemeClr val="bg2">
+                <a:lumMod val="40000"/>
+                <a:lumOff val="60000"/>
               </a:schemeClr>
             </a:solidFill>
-            <a:extLst>
-              <a:ext uri="{C807C97D-BFC1-408E-A445-0C87EB9F89A2}">
-                <ask:lineSketchStyleProps xmlns:ask="http://schemas.microsoft.com/office/drawing/2018/sketchyshapes" sd="4266498984">
-                  <a:custGeom>
-                    <a:avLst/>
-                    <a:gdLst>
-                      <a:gd name="connsiteX0" fmla="*/ 0 w 1408385"/>
-                      <a:gd name="connsiteY0" fmla="*/ 0 h 1106213"/>
-                      <a:gd name="connsiteX1" fmla="*/ 1408385 w 1408385"/>
-                      <a:gd name="connsiteY1" fmla="*/ 0 h 1106213"/>
-                      <a:gd name="connsiteX2" fmla="*/ 1408385 w 1408385"/>
-                      <a:gd name="connsiteY2" fmla="*/ 1106213 h 1106213"/>
-                      <a:gd name="connsiteX3" fmla="*/ 0 w 1408385"/>
-                      <a:gd name="connsiteY3" fmla="*/ 1106213 h 1106213"/>
-                      <a:gd name="connsiteX4" fmla="*/ 0 w 1408385"/>
-                      <a:gd name="connsiteY4" fmla="*/ 0 h 1106213"/>
-                    </a:gdLst>
-                    <a:ahLst/>
-                    <a:cxnLst>
-                      <a:cxn ang="0">
-                        <a:pos x="connsiteX0" y="connsiteY0"/>
-                      </a:cxn>
-                      <a:cxn ang="0">
-                        <a:pos x="connsiteX1" y="connsiteY1"/>
-                      </a:cxn>
-                      <a:cxn ang="0">
-                        <a:pos x="connsiteX2" y="connsiteY2"/>
-                      </a:cxn>
-                      <a:cxn ang="0">
-                        <a:pos x="connsiteX3" y="connsiteY3"/>
-                      </a:cxn>
-                      <a:cxn ang="0">
-                        <a:pos x="connsiteX4" y="connsiteY4"/>
-                      </a:cxn>
-                    </a:cxnLst>
-                    <a:rect l="l" t="t" r="r" b="b"/>
-                    <a:pathLst>
-                      <a:path w="1408385" h="1106213" extrusionOk="0">
-                        <a:moveTo>
-                          <a:pt x="0" y="0"/>
-                        </a:moveTo>
-                        <a:cubicBezTo>
-                          <a:pt x="284530" y="18225"/>
-                          <a:pt x="1068136" y="-120993"/>
-                          <a:pt x="1408385" y="0"/>
-                        </a:cubicBezTo>
-                        <a:cubicBezTo>
-                          <a:pt x="1420333" y="114018"/>
-                          <a:pt x="1419684" y="829492"/>
-                          <a:pt x="1408385" y="1106213"/>
-                        </a:cubicBezTo>
-                        <a:cubicBezTo>
-                          <a:pt x="996270" y="1025650"/>
-                          <a:pt x="345175" y="1012487"/>
-                          <a:pt x="0" y="1106213"/>
-                        </a:cubicBezTo>
-                        <a:cubicBezTo>
-                          <a:pt x="-25657" y="870576"/>
-                          <a:pt x="-63997" y="406934"/>
-                          <a:pt x="0" y="0"/>
-                        </a:cubicBezTo>
-                        <a:close/>
-                      </a:path>
-                    </a:pathLst>
-                  </a:custGeom>
-                  <ask:type>
-                    <ask:lineSketchNone/>
-                  </ask:type>
-                </ask:lineSketchStyleProps>
-              </a:ext>
-            </a:extLst>
           </a:ln>
         </p:spPr>
         <p:style>
@@ -13115,29 +13138,55 @@
           </a:fontRef>
         </p:style>
         <p:txBody>
-          <a:bodyPr rtlCol="0" anchor="ctr"/>
+          <a:bodyPr rtlCol="0" anchor="t"/>
           <a:lstStyle/>
           <a:p>
-            <a:pPr algn="ctr"/>
+            <a:pPr algn="ctr" fontAlgn="base"/>
             <a:r>
-              <a:rPr lang="de-DE" dirty="0"/>
+              <a:rPr lang="de-DE" sz="1400" b="1" dirty="0">
+                <a:solidFill>
+                  <a:schemeClr val="tx1"/>
+                </a:solidFill>
+                <a:latin typeface="Arial" panose="020B0604020202020204" pitchFamily="34" charset="0"/>
+              </a:rPr>
               <a:t>Datenbank</a:t>
             </a:r>
           </a:p>
           <a:p>
-            <a:pPr algn="ctr"/>
+            <a:pPr algn="ctr" fontAlgn="base"/>
+            <a:endParaRPr lang="de-DE" sz="1400" b="1" dirty="0">
+              <a:solidFill>
+                <a:schemeClr val="tx1"/>
+              </a:solidFill>
+              <a:latin typeface="Arial" panose="020B0604020202020204" pitchFamily="34" charset="0"/>
+            </a:endParaRPr>
+          </a:p>
+          <a:p>
+            <a:pPr algn="ctr" fontAlgn="base"/>
+            <a:endParaRPr lang="de-DE" sz="1400" b="1" dirty="0">
+              <a:solidFill>
+                <a:schemeClr val="tx1"/>
+              </a:solidFill>
+              <a:latin typeface="Arial" panose="020B0604020202020204" pitchFamily="34" charset="0"/>
+            </a:endParaRPr>
+          </a:p>
+          <a:p>
+            <a:pPr algn="ctr" fontAlgn="base"/>
             <a:br>
-              <a:rPr lang="de-DE" dirty="0"/>
+              <a:rPr lang="de-DE" sz="1400" b="1" dirty="0">
+                <a:solidFill>
+                  <a:schemeClr val="tx1"/>
+                </a:solidFill>
+                <a:latin typeface="Arial" panose="020B0604020202020204" pitchFamily="34" charset="0"/>
+              </a:rPr>
             </a:br>
             <a:r>
-              <a:rPr lang="de-DE" dirty="0"/>
-              <a:t>Pgadmin4</a:t>
-            </a:r>
-          </a:p>
-          <a:p>
-            <a:pPr algn="ctr"/>
-            <a:r>
-              <a:rPr lang="de-DE" dirty="0"/>
+              <a:rPr lang="de-DE" sz="1400" b="1" dirty="0">
+                <a:solidFill>
+                  <a:schemeClr val="tx1"/>
+                </a:solidFill>
+                <a:latin typeface="Arial" panose="020B0604020202020204" pitchFamily="34" charset="0"/>
+              </a:rPr>
               <a:t>PostgreSQL</a:t>
             </a:r>
           </a:p>
@@ -13163,86 +13212,44 @@
           <a:prstGeom prst="rect">
             <a:avLst/>
           </a:prstGeom>
-          <a:noFill/>
-          <a:ln w="57150">
+          <a:gradFill flip="none" rotWithShape="1">
+            <a:gsLst>
+              <a:gs pos="0">
+                <a:schemeClr val="accent5">
+                  <a:lumMod val="60000"/>
+                  <a:lumOff val="40000"/>
+                  <a:shade val="30000"/>
+                  <a:satMod val="115000"/>
+                  <a:alpha val="3783"/>
+                </a:schemeClr>
+              </a:gs>
+              <a:gs pos="50000">
+                <a:schemeClr val="accent5">
+                  <a:lumMod val="60000"/>
+                  <a:lumOff val="40000"/>
+                  <a:shade val="67500"/>
+                  <a:satMod val="115000"/>
+                </a:schemeClr>
+              </a:gs>
+              <a:gs pos="100000">
+                <a:schemeClr val="accent5">
+                  <a:lumMod val="60000"/>
+                  <a:lumOff val="40000"/>
+                  <a:shade val="100000"/>
+                  <a:satMod val="115000"/>
+                </a:schemeClr>
+              </a:gs>
+            </a:gsLst>
+            <a:lin ang="16200000" scaled="1"/>
+            <a:tileRect/>
+          </a:gradFill>
+          <a:ln>
             <a:solidFill>
-              <a:schemeClr val="accent5">
-                <a:lumMod val="60000"/>
-                <a:lumOff val="40000"/>
-                <a:alpha val="50000"/>
+              <a:schemeClr val="bg2">
+                <a:lumMod val="40000"/>
+                <a:lumOff val="60000"/>
               </a:schemeClr>
             </a:solidFill>
-            <a:extLst>
-              <a:ext uri="{C807C97D-BFC1-408E-A445-0C87EB9F89A2}">
-                <ask:lineSketchStyleProps xmlns:ask="http://schemas.microsoft.com/office/drawing/2018/sketchyshapes" sd="879248734">
-                  <a:custGeom>
-                    <a:avLst/>
-                    <a:gdLst>
-                      <a:gd name="connsiteX0" fmla="*/ 0 w 1408385"/>
-                      <a:gd name="connsiteY0" fmla="*/ 0 h 1106213"/>
-                      <a:gd name="connsiteX1" fmla="*/ 1408385 w 1408385"/>
-                      <a:gd name="connsiteY1" fmla="*/ 0 h 1106213"/>
-                      <a:gd name="connsiteX2" fmla="*/ 1408385 w 1408385"/>
-                      <a:gd name="connsiteY2" fmla="*/ 1106213 h 1106213"/>
-                      <a:gd name="connsiteX3" fmla="*/ 0 w 1408385"/>
-                      <a:gd name="connsiteY3" fmla="*/ 1106213 h 1106213"/>
-                      <a:gd name="connsiteX4" fmla="*/ 0 w 1408385"/>
-                      <a:gd name="connsiteY4" fmla="*/ 0 h 1106213"/>
-                    </a:gdLst>
-                    <a:ahLst/>
-                    <a:cxnLst>
-                      <a:cxn ang="0">
-                        <a:pos x="connsiteX0" y="connsiteY0"/>
-                      </a:cxn>
-                      <a:cxn ang="0">
-                        <a:pos x="connsiteX1" y="connsiteY1"/>
-                      </a:cxn>
-                      <a:cxn ang="0">
-                        <a:pos x="connsiteX2" y="connsiteY2"/>
-                      </a:cxn>
-                      <a:cxn ang="0">
-                        <a:pos x="connsiteX3" y="connsiteY3"/>
-                      </a:cxn>
-                      <a:cxn ang="0">
-                        <a:pos x="connsiteX4" y="connsiteY4"/>
-                      </a:cxn>
-                    </a:cxnLst>
-                    <a:rect l="l" t="t" r="r" b="b"/>
-                    <a:pathLst>
-                      <a:path w="1408385" h="1106213" extrusionOk="0">
-                        <a:moveTo>
-                          <a:pt x="0" y="0"/>
-                        </a:moveTo>
-                        <a:cubicBezTo>
-                          <a:pt x="148155" y="91373"/>
-                          <a:pt x="1243126" y="82897"/>
-                          <a:pt x="1408385" y="0"/>
-                        </a:cubicBezTo>
-                        <a:cubicBezTo>
-                          <a:pt x="1379958" y="165284"/>
-                          <a:pt x="1355846" y="607562"/>
-                          <a:pt x="1408385" y="1106213"/>
-                        </a:cubicBezTo>
-                        <a:cubicBezTo>
-                          <a:pt x="1259932" y="1115425"/>
-                          <a:pt x="382848" y="1090822"/>
-                          <a:pt x="0" y="1106213"/>
-                        </a:cubicBezTo>
-                        <a:cubicBezTo>
-                          <a:pt x="7629" y="970209"/>
-                          <a:pt x="-24165" y="371664"/>
-                          <a:pt x="0" y="0"/>
-                        </a:cubicBezTo>
-                        <a:close/>
-                      </a:path>
-                    </a:pathLst>
-                  </a:custGeom>
-                  <ask:type>
-                    <ask:lineSketchNone/>
-                  </ask:type>
-                </ask:lineSketchStyleProps>
-              </a:ext>
-            </a:extLst>
           </a:ln>
         </p:spPr>
         <p:style>
@@ -13262,27 +13269,61 @@
           </a:fontRef>
         </p:style>
         <p:txBody>
-          <a:bodyPr rtlCol="0" anchor="ctr"/>
+          <a:bodyPr rtlCol="0" anchor="t"/>
           <a:lstStyle/>
           <a:p>
-            <a:pPr algn="ctr"/>
+            <a:pPr algn="ctr" fontAlgn="base"/>
             <a:r>
-              <a:rPr lang="de-DE" dirty="0" err="1"/>
+              <a:rPr lang="de-DE" sz="1400" b="1" dirty="0" err="1">
+                <a:solidFill>
+                  <a:schemeClr val="tx1"/>
+                </a:solidFill>
+                <a:latin typeface="Arial" panose="020B0604020202020204" pitchFamily="34" charset="0"/>
+              </a:rPr>
               <a:t>RestAPI</a:t>
             </a:r>
-            <a:endParaRPr lang="de-DE" dirty="0"/>
+            <a:endParaRPr lang="de-DE" sz="1400" b="1" dirty="0">
+              <a:solidFill>
+                <a:schemeClr val="tx1"/>
+              </a:solidFill>
+              <a:latin typeface="Arial" panose="020B0604020202020204" pitchFamily="34" charset="0"/>
+            </a:endParaRPr>
           </a:p>
           <a:p>
-            <a:pPr algn="ctr"/>
+            <a:pPr algn="ctr" fontAlgn="base"/>
+            <a:endParaRPr lang="de-DE" sz="1400" b="1" dirty="0">
+              <a:solidFill>
+                <a:schemeClr val="tx1"/>
+              </a:solidFill>
+              <a:latin typeface="Arial" panose="020B0604020202020204" pitchFamily="34" charset="0"/>
+            </a:endParaRPr>
+          </a:p>
+          <a:p>
+            <a:pPr algn="ctr" fontAlgn="base"/>
             <a:br>
-              <a:rPr lang="de-DE" dirty="0"/>
+              <a:rPr lang="de-DE" sz="1400" b="1" dirty="0">
+                <a:solidFill>
+                  <a:schemeClr val="tx1"/>
+                </a:solidFill>
+                <a:latin typeface="Arial" panose="020B0604020202020204" pitchFamily="34" charset="0"/>
+              </a:rPr>
             </a:br>
             <a:r>
-              <a:rPr lang="de-DE" dirty="0" err="1"/>
+              <a:rPr lang="de-DE" sz="1400" b="1" dirty="0" err="1">
+                <a:solidFill>
+                  <a:schemeClr val="tx1"/>
+                </a:solidFill>
+                <a:latin typeface="Arial" panose="020B0604020202020204" pitchFamily="34" charset="0"/>
+              </a:rPr>
               <a:t>Djngo</a:t>
             </a:r>
             <a:r>
-              <a:rPr lang="de-DE" dirty="0"/>
+              <a:rPr lang="de-DE" sz="1400" b="1" dirty="0">
+                <a:solidFill>
+                  <a:schemeClr val="tx1"/>
+                </a:solidFill>
+                <a:latin typeface="Arial" panose="020B0604020202020204" pitchFamily="34" charset="0"/>
+              </a:rPr>
               <a:t> Rest Framework</a:t>
             </a:r>
           </a:p>
@@ -13536,7 +13577,7 @@
 </p:sld>
 </file>
 
-<file path=ppt/slides/slide11.xml><?xml version="1.0" encoding="utf-8"?>
+<file path=ppt/slides/slide12.xml><?xml version="1.0" encoding="utf-8"?>
 <p:sld xmlns:a="http://schemas.openxmlformats.org/drawingml/2006/main" xmlns:r="http://schemas.openxmlformats.org/officeDocument/2006/relationships" xmlns:p="http://schemas.openxmlformats.org/presentationml/2006/main">
   <p:cSld>
     <p:spTree>
@@ -13614,7 +13655,7 @@
 </p:sld>
 </file>
 
-<file path=ppt/slides/slide12.xml><?xml version="1.0" encoding="utf-8"?>
+<file path=ppt/slides/slide13.xml><?xml version="1.0" encoding="utf-8"?>
 <p:sld xmlns:a="http://schemas.openxmlformats.org/drawingml/2006/main" xmlns:r="http://schemas.openxmlformats.org/officeDocument/2006/relationships" xmlns:p="http://schemas.openxmlformats.org/presentationml/2006/main">
   <p:cSld>
     <p:spTree>
@@ -13771,7 +13812,7 @@
 </p:sld>
 </file>
 
-<file path=ppt/slides/slide13.xml><?xml version="1.0" encoding="utf-8"?>
+<file path=ppt/slides/slide14.xml><?xml version="1.0" encoding="utf-8"?>
 <p:sld xmlns:a="http://schemas.openxmlformats.org/drawingml/2006/main" xmlns:r="http://schemas.openxmlformats.org/officeDocument/2006/relationships" xmlns:p="http://schemas.openxmlformats.org/presentationml/2006/main">
   <p:cSld>
     <p:spTree>
@@ -17741,8 +17782,8 @@
         </p:nvSpPr>
         <p:spPr>
           <a:xfrm>
-            <a:off x="6984206" y="2139792"/>
-            <a:ext cx="3957638" cy="923330"/>
+            <a:off x="1801018" y="5532440"/>
+            <a:ext cx="4293394" cy="584775"/>
           </a:xfrm>
           <a:prstGeom prst="rect">
             <a:avLst/>
@@ -17756,8 +17797,8 @@
           <a:lstStyle/>
           <a:p>
             <a:r>
-              <a:rPr lang="de-DE" sz="5400" dirty="0"/>
-              <a:t>Exemplarisch</a:t>
+              <a:rPr lang="de-DE" sz="3200" dirty="0"/>
+              <a:t>(exemplarisch)</a:t>
             </a:r>
           </a:p>
         </p:txBody>
@@ -17908,10 +17949,10 @@
       </p:sp>
       <p:graphicFrame>
         <p:nvGraphicFramePr>
-          <p:cNvPr id="8" name="Tabelle 7">
+          <p:cNvPr id="4" name="Tabelle 3">
             <a:extLst>
               <a:ext uri="{FF2B5EF4-FFF2-40B4-BE49-F238E27FC236}">
-                <a16:creationId xmlns:a16="http://schemas.microsoft.com/office/drawing/2014/main" id="{2E342E14-592D-2CE4-CD53-58464A287ED1}"/>
+                <a16:creationId xmlns:a16="http://schemas.microsoft.com/office/drawing/2014/main" id="{77AC02F0-0925-5AD2-B188-A3E4F2E0B809}"/>
               </a:ext>
             </a:extLst>
           </p:cNvPr>
@@ -17921,14 +17962,14 @@
           <p:nvPr>
             <p:extLst>
               <p:ext uri="{D42A27DB-BD31-4B8C-83A1-F6EECF244321}">
-                <p14:modId xmlns:p14="http://schemas.microsoft.com/office/powerpoint/2010/main" val="4292890052"/>
+                <p14:modId xmlns:p14="http://schemas.microsoft.com/office/powerpoint/2010/main" val="1189901960"/>
               </p:ext>
             </p:extLst>
           </p:nvPr>
         </p:nvGraphicFramePr>
         <p:xfrm>
-          <a:off x="1327807" y="1896825"/>
-          <a:ext cx="9905997" cy="4492764"/>
+          <a:off x="1141413" y="2249488"/>
+          <a:ext cx="9905997" cy="3278437"/>
         </p:xfrm>
         <a:graphic>
           <a:graphicData uri="http://schemas.openxmlformats.org/drawingml/2006/table">
@@ -17940,21 +17981,21 @@
                 <a:gridCol w="3301999">
                   <a:extLst>
                     <a:ext uri="{9D8B030D-6E8A-4147-A177-3AD203B41FA5}">
-                      <a16:colId xmlns:a16="http://schemas.microsoft.com/office/drawing/2014/main" val="2319416199"/>
+                      <a16:colId xmlns:a16="http://schemas.microsoft.com/office/drawing/2014/main" val="1632033787"/>
                     </a:ext>
                   </a:extLst>
                 </a:gridCol>
                 <a:gridCol w="3301999">
                   <a:extLst>
                     <a:ext uri="{9D8B030D-6E8A-4147-A177-3AD203B41FA5}">
-                      <a16:colId xmlns:a16="http://schemas.microsoft.com/office/drawing/2014/main" val="3992258479"/>
+                      <a16:colId xmlns:a16="http://schemas.microsoft.com/office/drawing/2014/main" val="1704208090"/>
                     </a:ext>
                   </a:extLst>
                 </a:gridCol>
                 <a:gridCol w="3301999">
                   <a:extLst>
                     <a:ext uri="{9D8B030D-6E8A-4147-A177-3AD203B41FA5}">
-                      <a16:colId xmlns:a16="http://schemas.microsoft.com/office/drawing/2014/main" val="1367547950"/>
+                      <a16:colId xmlns:a16="http://schemas.microsoft.com/office/drawing/2014/main" val="3637344444"/>
                     </a:ext>
                   </a:extLst>
                 </a:gridCol>
@@ -17965,7 +18006,7 @@
                     <a:bodyPr/>
                     <a:lstStyle/>
                     <a:p>
-                      <a:pPr algn="ctr" rtl="0" fontAlgn="t">
+                      <a:pPr rtl="0" fontAlgn="t">
                         <a:spcBef>
                           <a:spcPts val="0"/>
                         </a:spcBef>
@@ -17974,9 +18015,9 @@
                         </a:spcAft>
                       </a:pPr>
                       <a:r>
-                        <a:rPr lang="de-DE" sz="1200" b="1" i="0" u="none" strike="noStrike" dirty="0">
+                        <a:rPr lang="de-DE" sz="1100" b="1" i="0" u="none" strike="noStrike" dirty="0">
                           <a:solidFill>
-                            <a:schemeClr val="tx1"/>
+                            <a:srgbClr val="000000"/>
                           </a:solidFill>
                           <a:effectLst/>
                           <a:latin typeface="Arial" panose="020B0604020202020204" pitchFamily="34" charset="0"/>
@@ -17984,24 +18025,27 @@
                         </a:rPr>
                         <a:t>Zu schützende Objekte</a:t>
                       </a:r>
-                      <a:endParaRPr lang="de-DE" sz="1200" b="1" dirty="0">
-                        <a:solidFill>
-                          <a:schemeClr val="tx1"/>
-                        </a:solidFill>
+                      <a:endParaRPr lang="de-DE" dirty="0">
                         <a:effectLst/>
                         <a:latin typeface="Arial" panose="020B0604020202020204" pitchFamily="34" charset="0"/>
                         <a:cs typeface="Arial" panose="020B0604020202020204" pitchFamily="34" charset="0"/>
                       </a:endParaRPr>
                     </a:p>
                   </a:txBody>
-                  <a:tcPr marL="63500" marR="63500" marT="63500" marB="63500"/>
+                  <a:tcPr marL="63500" marR="63500" marT="63500" marB="63500">
+                    <a:solidFill>
+                      <a:schemeClr val="accent5">
+                        <a:alpha val="50000"/>
+                      </a:schemeClr>
+                    </a:solidFill>
+                  </a:tcPr>
                 </a:tc>
                 <a:tc>
                   <a:txBody>
                     <a:bodyPr/>
                     <a:lstStyle/>
                     <a:p>
-                      <a:pPr algn="ctr" rtl="0" fontAlgn="t">
+                      <a:pPr rtl="0" fontAlgn="t">
                         <a:spcBef>
                           <a:spcPts val="0"/>
                         </a:spcBef>
@@ -18010,9 +18054,9 @@
                         </a:spcAft>
                       </a:pPr>
                       <a:r>
-                        <a:rPr lang="de-DE" sz="1200" b="1" i="0" u="none" strike="noStrike">
+                        <a:rPr lang="de-DE" sz="1100" b="1" i="0" u="none" strike="noStrike">
                           <a:solidFill>
-                            <a:schemeClr val="tx1"/>
+                            <a:srgbClr val="000000"/>
                           </a:solidFill>
                           <a:effectLst/>
                           <a:latin typeface="Arial" panose="020B0604020202020204" pitchFamily="34" charset="0"/>
@@ -18020,24 +18064,27 @@
                         </a:rPr>
                         <a:t>Schutzziele</a:t>
                       </a:r>
-                      <a:endParaRPr lang="de-DE" sz="1200" b="1">
-                        <a:solidFill>
-                          <a:schemeClr val="tx1"/>
-                        </a:solidFill>
+                      <a:endParaRPr lang="de-DE">
                         <a:effectLst/>
                         <a:latin typeface="Arial" panose="020B0604020202020204" pitchFamily="34" charset="0"/>
                         <a:cs typeface="Arial" panose="020B0604020202020204" pitchFamily="34" charset="0"/>
                       </a:endParaRPr>
                     </a:p>
                   </a:txBody>
-                  <a:tcPr marL="63500" marR="63500" marT="63500" marB="63500"/>
+                  <a:tcPr marL="63500" marR="63500" marT="63500" marB="63500">
+                    <a:solidFill>
+                      <a:schemeClr val="accent5">
+                        <a:alpha val="50000"/>
+                      </a:schemeClr>
+                    </a:solidFill>
+                  </a:tcPr>
                 </a:tc>
                 <a:tc>
                   <a:txBody>
                     <a:bodyPr/>
                     <a:lstStyle/>
                     <a:p>
-                      <a:pPr algn="ctr" rtl="0" fontAlgn="t">
+                      <a:pPr rtl="0" fontAlgn="t">
                         <a:spcBef>
                           <a:spcPts val="0"/>
                         </a:spcBef>
@@ -18046,9 +18093,9 @@
                         </a:spcAft>
                       </a:pPr>
                       <a:r>
-                        <a:rPr lang="de-DE" sz="1200" b="1" i="0" u="none" strike="noStrike" dirty="0">
+                        <a:rPr lang="de-DE" sz="1100" b="1" i="0" u="none" strike="noStrike">
                           <a:solidFill>
-                            <a:schemeClr val="tx1"/>
+                            <a:srgbClr val="000000"/>
                           </a:solidFill>
                           <a:effectLst/>
                           <a:latin typeface="Arial" panose="020B0604020202020204" pitchFamily="34" charset="0"/>
@@ -18056,21 +18103,24 @@
                         </a:rPr>
                         <a:t>Sicherheitsanforderungen</a:t>
                       </a:r>
-                      <a:endParaRPr lang="de-DE" sz="1200" b="1" dirty="0">
-                        <a:solidFill>
-                          <a:schemeClr val="tx1"/>
-                        </a:solidFill>
+                      <a:endParaRPr lang="de-DE">
                         <a:effectLst/>
                         <a:latin typeface="Arial" panose="020B0604020202020204" pitchFamily="34" charset="0"/>
                         <a:cs typeface="Arial" panose="020B0604020202020204" pitchFamily="34" charset="0"/>
                       </a:endParaRPr>
                     </a:p>
                   </a:txBody>
-                  <a:tcPr marL="63500" marR="63500" marT="63500" marB="63500"/>
+                  <a:tcPr marL="63500" marR="63500" marT="63500" marB="63500">
+                    <a:solidFill>
+                      <a:schemeClr val="accent5">
+                        <a:alpha val="50000"/>
+                      </a:schemeClr>
+                    </a:solidFill>
+                  </a:tcPr>
                 </a:tc>
                 <a:extLst>
                   <a:ext uri="{0D108BD9-81ED-4DB2-BD59-A6C34878D82A}">
-                    <a16:rowId xmlns:a16="http://schemas.microsoft.com/office/drawing/2014/main" val="307818175"/>
+                    <a16:rowId xmlns:a16="http://schemas.microsoft.com/office/drawing/2014/main" val="1451905324"/>
                   </a:ext>
                 </a:extLst>
               </a:tr>
@@ -18089,21 +18139,31 @@
                         </a:spcAft>
                       </a:pPr>
                       <a:r>
-                        <a:rPr lang="de-DE" sz="1100" b="0" i="0" u="none" strike="noStrike">
+                        <a:rPr lang="de-DE" sz="1100" b="1" i="0" u="none" strike="noStrike" dirty="0">
                           <a:solidFill>
                             <a:srgbClr val="000000"/>
                           </a:solidFill>
                           <a:effectLst/>
                           <a:latin typeface="Arial" panose="020B0604020202020204" pitchFamily="34" charset="0"/>
+                          <a:cs typeface="Arial" panose="020B0604020202020204" pitchFamily="34" charset="0"/>
                         </a:rPr>
                         <a:t>Persönliche Kundendaten</a:t>
                       </a:r>
-                      <a:endParaRPr lang="de-DE">
+                      <a:endParaRPr lang="de-DE" b="1" dirty="0">
                         <a:effectLst/>
+                        <a:latin typeface="Arial" panose="020B0604020202020204" pitchFamily="34" charset="0"/>
+                        <a:cs typeface="Arial" panose="020B0604020202020204" pitchFamily="34" charset="0"/>
                       </a:endParaRPr>
                     </a:p>
                   </a:txBody>
-                  <a:tcPr marL="63500" marR="63500" marT="63500" marB="63500"/>
+                  <a:tcPr marL="63500" marR="63500" marT="63500" marB="63500">
+                    <a:solidFill>
+                      <a:schemeClr val="accent5">
+                        <a:tint val="40000"/>
+                        <a:alpha val="50000"/>
+                      </a:schemeClr>
+                    </a:solidFill>
+                  </a:tcPr>
                 </a:tc>
                 <a:tc>
                   <a:txBody>
@@ -18125,117 +18185,16 @@
                           </a:solidFill>
                           <a:effectLst/>
                           <a:latin typeface="Arial" panose="020B0604020202020204" pitchFamily="34" charset="0"/>
+                          <a:cs typeface="Arial" panose="020B0604020202020204" pitchFamily="34" charset="0"/>
                         </a:rPr>
-                        <a:t>C/I/A</a:t>
+                        <a:t>Vertraulichkeit, Verfügbarkeit, Integrität,</a:t>
                       </a:r>
                       <a:endParaRPr lang="de-DE" dirty="0">
                         <a:effectLst/>
+                        <a:latin typeface="Arial" panose="020B0604020202020204" pitchFamily="34" charset="0"/>
+                        <a:cs typeface="Arial" panose="020B0604020202020204" pitchFamily="34" charset="0"/>
                       </a:endParaRPr>
                     </a:p>
-                  </a:txBody>
-                  <a:tcPr marL="63500" marR="63500" marT="63500" marB="63500"/>
-                </a:tc>
-                <a:tc>
-                  <a:txBody>
-                    <a:bodyPr/>
-                    <a:lstStyle/>
-                    <a:p>
-                      <a:pPr rtl="0" fontAlgn="t">
-                        <a:spcBef>
-                          <a:spcPts val="0"/>
-                        </a:spcBef>
-                        <a:spcAft>
-                          <a:spcPts val="0"/>
-                        </a:spcAft>
-                      </a:pPr>
-                      <a:r>
-                        <a:rPr lang="de-DE" sz="1100" b="0" i="0" u="none" strike="noStrike">
-                          <a:solidFill>
-                            <a:srgbClr val="000000"/>
-                          </a:solidFill>
-                          <a:effectLst/>
-                          <a:latin typeface="Arial" panose="020B0604020202020204" pitchFamily="34" charset="0"/>
-                        </a:rPr>
-                        <a:t>Die Daten können nur vom Kunden und autorisiertem Personal bearbeitet werden</a:t>
-                      </a:r>
-                      <a:endParaRPr lang="de-DE">
-                        <a:effectLst/>
-                      </a:endParaRPr>
-                    </a:p>
-                  </a:txBody>
-                  <a:tcPr marL="63500" marR="63500" marT="63500" marB="63500"/>
-                </a:tc>
-                <a:extLst>
-                  <a:ext uri="{0D108BD9-81ED-4DB2-BD59-A6C34878D82A}">
-                    <a16:rowId xmlns:a16="http://schemas.microsoft.com/office/drawing/2014/main" val="1112100574"/>
-                  </a:ext>
-                </a:extLst>
-              </a:tr>
-              <a:tr h="584890">
-                <a:tc>
-                  <a:txBody>
-                    <a:bodyPr/>
-                    <a:lstStyle/>
-                    <a:p>
-                      <a:pPr rtl="0" fontAlgn="t">
-                        <a:spcBef>
-                          <a:spcPts val="0"/>
-                        </a:spcBef>
-                        <a:spcAft>
-                          <a:spcPts val="0"/>
-                        </a:spcAft>
-                      </a:pPr>
-                      <a:r>
-                        <a:rPr lang="de-DE" sz="1100" b="0" i="0" u="none" strike="noStrike">
-                          <a:solidFill>
-                            <a:srgbClr val="000000"/>
-                          </a:solidFill>
-                          <a:effectLst/>
-                          <a:latin typeface="Arial" panose="020B0604020202020204" pitchFamily="34" charset="0"/>
-                        </a:rPr>
-                        <a:t>Bankdaten</a:t>
-                      </a:r>
-                      <a:endParaRPr lang="de-DE">
-                        <a:effectLst/>
-                      </a:endParaRPr>
-                    </a:p>
-                  </a:txBody>
-                  <a:tcPr marL="63500" marR="63500" marT="63500" marB="63500"/>
-                </a:tc>
-                <a:tc>
-                  <a:txBody>
-                    <a:bodyPr/>
-                    <a:lstStyle/>
-                    <a:p>
-                      <a:pPr rtl="0" fontAlgn="t">
-                        <a:spcBef>
-                          <a:spcPts val="0"/>
-                        </a:spcBef>
-                        <a:spcAft>
-                          <a:spcPts val="0"/>
-                        </a:spcAft>
-                      </a:pPr>
-                      <a:r>
-                        <a:rPr lang="de-DE" sz="1100" b="0" i="0" u="none" strike="noStrike">
-                          <a:solidFill>
-                            <a:srgbClr val="000000"/>
-                          </a:solidFill>
-                          <a:effectLst/>
-                          <a:latin typeface="Arial" panose="020B0604020202020204" pitchFamily="34" charset="0"/>
-                        </a:rPr>
-                        <a:t>C/I/A</a:t>
-                      </a:r>
-                      <a:endParaRPr lang="de-DE">
-                        <a:effectLst/>
-                      </a:endParaRPr>
-                    </a:p>
-                  </a:txBody>
-                  <a:tcPr marL="63500" marR="63500" marT="63500" marB="63500"/>
-                </a:tc>
-                <a:tc>
-                  <a:txBody>
-                    <a:bodyPr/>
-                    <a:lstStyle/>
                     <a:p>
                       <a:pPr rtl="0" fontAlgn="t">
                         <a:spcBef>
@@ -18252,493 +18211,51 @@
                           </a:solidFill>
                           <a:effectLst/>
                           <a:latin typeface="Arial" panose="020B0604020202020204" pitchFamily="34" charset="0"/>
+                          <a:cs typeface="Arial" panose="020B0604020202020204" pitchFamily="34" charset="0"/>
                         </a:rPr>
-                        <a:t>Die Daten können nur vom Kunden und autorisiertem Personal bearbeitet werden</a:t>
+                        <a:t>Authentizität, Identität</a:t>
                       </a:r>
                       <a:endParaRPr lang="de-DE" dirty="0">
                         <a:effectLst/>
+                        <a:latin typeface="Arial" panose="020B0604020202020204" pitchFamily="34" charset="0"/>
+                        <a:cs typeface="Arial" panose="020B0604020202020204" pitchFamily="34" charset="0"/>
                       </a:endParaRPr>
                     </a:p>
                   </a:txBody>
-                  <a:tcPr marL="63500" marR="63500" marT="63500" marB="63500"/>
+                  <a:tcPr marL="63500" marR="63500" marT="63500" marB="63500">
+                    <a:solidFill>
+                      <a:schemeClr val="accent5">
+                        <a:tint val="40000"/>
+                        <a:alpha val="50000"/>
+                      </a:schemeClr>
+                    </a:solidFill>
+                  </a:tcPr>
                 </a:tc>
-                <a:extLst>
-                  <a:ext uri="{0D108BD9-81ED-4DB2-BD59-A6C34878D82A}">
-                    <a16:rowId xmlns:a16="http://schemas.microsoft.com/office/drawing/2014/main" val="3132672430"/>
-                  </a:ext>
-                </a:extLst>
-              </a:tr>
-              <a:tr h="584890">
                 <a:tc>
                   <a:txBody>
                     <a:bodyPr/>
                     <a:lstStyle/>
                     <a:p>
-                      <a:pPr rtl="0" fontAlgn="t">
+                      <a:pPr rtl="0" fontAlgn="base">
                         <a:spcBef>
                           <a:spcPts val="0"/>
                         </a:spcBef>
                         <a:spcAft>
                           <a:spcPts val="0"/>
                         </a:spcAft>
+                        <a:buFont typeface="Arial" panose="020B0604020202020204" pitchFamily="34" charset="0"/>
+                        <a:buChar char="•"/>
                       </a:pPr>
                       <a:r>
-                        <a:rPr lang="de-DE" sz="1100" b="0" i="0" u="none" strike="noStrike">
+                        <a:rPr lang="de-DE" sz="1100" b="1" i="0" u="none" strike="noStrike" dirty="0">
                           <a:solidFill>
                             <a:srgbClr val="000000"/>
                           </a:solidFill>
                           <a:effectLst/>
                           <a:latin typeface="Arial" panose="020B0604020202020204" pitchFamily="34" charset="0"/>
+                          <a:cs typeface="Arial" panose="020B0604020202020204" pitchFamily="34" charset="0"/>
                         </a:rPr>
-                        <a:t>Vertragsdaten</a:t>
-                      </a:r>
-                      <a:endParaRPr lang="de-DE">
-                        <a:effectLst/>
-                      </a:endParaRPr>
-                    </a:p>
-                  </a:txBody>
-                  <a:tcPr marL="63500" marR="63500" marT="63500" marB="63500"/>
-                </a:tc>
-                <a:tc>
-                  <a:txBody>
-                    <a:bodyPr/>
-                    <a:lstStyle/>
-                    <a:p>
-                      <a:pPr rtl="0" fontAlgn="t">
-                        <a:spcBef>
-                          <a:spcPts val="0"/>
-                        </a:spcBef>
-                        <a:spcAft>
-                          <a:spcPts val="0"/>
-                        </a:spcAft>
-                      </a:pPr>
-                      <a:r>
-                        <a:rPr lang="de-DE" sz="1100" b="0" i="0" u="none" strike="noStrike">
-                          <a:solidFill>
-                            <a:srgbClr val="000000"/>
-                          </a:solidFill>
-                          <a:effectLst/>
-                          <a:latin typeface="Arial" panose="020B0604020202020204" pitchFamily="34" charset="0"/>
-                        </a:rPr>
-                        <a:t>C/I/A</a:t>
-                      </a:r>
-                      <a:endParaRPr lang="de-DE">
-                        <a:effectLst/>
-                      </a:endParaRPr>
-                    </a:p>
-                  </a:txBody>
-                  <a:tcPr marL="63500" marR="63500" marT="63500" marB="63500"/>
-                </a:tc>
-                <a:tc>
-                  <a:txBody>
-                    <a:bodyPr/>
-                    <a:lstStyle/>
-                    <a:p>
-                      <a:pPr rtl="0" fontAlgn="t">
-                        <a:spcBef>
-                          <a:spcPts val="0"/>
-                        </a:spcBef>
-                        <a:spcAft>
-                          <a:spcPts val="0"/>
-                        </a:spcAft>
-                      </a:pPr>
-                      <a:r>
-                        <a:rPr lang="de-DE" sz="1100" b="0" i="0" u="none" strike="noStrike" dirty="0">
-                          <a:solidFill>
-                            <a:srgbClr val="000000"/>
-                          </a:solidFill>
-                          <a:effectLst/>
-                          <a:latin typeface="Arial" panose="020B0604020202020204" pitchFamily="34" charset="0"/>
-                        </a:rPr>
-                        <a:t>Die Daten können nur vom Kunden eingesehen und autorisiertem Personal bearbeitet werden</a:t>
-                      </a:r>
-                      <a:endParaRPr lang="de-DE" dirty="0">
-                        <a:effectLst/>
-                      </a:endParaRPr>
-                    </a:p>
-                  </a:txBody>
-                  <a:tcPr marL="63500" marR="63500" marT="63500" marB="63500"/>
-                </a:tc>
-                <a:extLst>
-                  <a:ext uri="{0D108BD9-81ED-4DB2-BD59-A6C34878D82A}">
-                    <a16:rowId xmlns:a16="http://schemas.microsoft.com/office/drawing/2014/main" val="2786068541"/>
-                  </a:ext>
-                </a:extLst>
-              </a:tr>
-              <a:tr h="584890">
-                <a:tc>
-                  <a:txBody>
-                    <a:bodyPr/>
-                    <a:lstStyle/>
-                    <a:p>
-                      <a:pPr rtl="0" fontAlgn="t">
-                        <a:spcBef>
-                          <a:spcPts val="0"/>
-                        </a:spcBef>
-                        <a:spcAft>
-                          <a:spcPts val="0"/>
-                        </a:spcAft>
-                      </a:pPr>
-                      <a:r>
-                        <a:rPr lang="de-DE" sz="1100" b="0" i="0" u="none" strike="noStrike">
-                          <a:solidFill>
-                            <a:srgbClr val="000000"/>
-                          </a:solidFill>
-                          <a:effectLst/>
-                          <a:latin typeface="Arial" panose="020B0604020202020204" pitchFamily="34" charset="0"/>
-                        </a:rPr>
-                        <a:t>Messdaten</a:t>
-                      </a:r>
-                      <a:endParaRPr lang="de-DE">
-                        <a:effectLst/>
-                      </a:endParaRPr>
-                    </a:p>
-                  </a:txBody>
-                  <a:tcPr marL="63500" marR="63500" marT="63500" marB="63500"/>
-                </a:tc>
-                <a:tc>
-                  <a:txBody>
-                    <a:bodyPr/>
-                    <a:lstStyle/>
-                    <a:p>
-                      <a:pPr rtl="0" fontAlgn="t">
-                        <a:spcBef>
-                          <a:spcPts val="0"/>
-                        </a:spcBef>
-                        <a:spcAft>
-                          <a:spcPts val="0"/>
-                        </a:spcAft>
-                      </a:pPr>
-                      <a:r>
-                        <a:rPr lang="de-DE" sz="1100" b="0" i="0" u="none" strike="noStrike">
-                          <a:solidFill>
-                            <a:srgbClr val="000000"/>
-                          </a:solidFill>
-                          <a:effectLst/>
-                          <a:latin typeface="Arial" panose="020B0604020202020204" pitchFamily="34" charset="0"/>
-                        </a:rPr>
-                        <a:t>C/I/A</a:t>
-                      </a:r>
-                      <a:endParaRPr lang="de-DE">
-                        <a:effectLst/>
-                      </a:endParaRPr>
-                    </a:p>
-                  </a:txBody>
-                  <a:tcPr marL="63500" marR="63500" marT="63500" marB="63500"/>
-                </a:tc>
-                <a:tc>
-                  <a:txBody>
-                    <a:bodyPr/>
-                    <a:lstStyle/>
-                    <a:p>
-                      <a:pPr rtl="0" fontAlgn="t">
-                        <a:spcBef>
-                          <a:spcPts val="0"/>
-                        </a:spcBef>
-                        <a:spcAft>
-                          <a:spcPts val="0"/>
-                        </a:spcAft>
-                      </a:pPr>
-                      <a:r>
-                        <a:rPr lang="de-DE" sz="1100" b="0" i="0" u="none" strike="noStrike">
-                          <a:solidFill>
-                            <a:srgbClr val="000000"/>
-                          </a:solidFill>
-                          <a:effectLst/>
-                          <a:latin typeface="Arial" panose="020B0604020202020204" pitchFamily="34" charset="0"/>
-                        </a:rPr>
-                        <a:t>Die Daten können nur vom Kunden und autorisiertem Personal eingesehen werden</a:t>
-                      </a:r>
-                      <a:endParaRPr lang="de-DE">
-                        <a:effectLst/>
-                      </a:endParaRPr>
-                    </a:p>
-                  </a:txBody>
-                  <a:tcPr marL="63500" marR="63500" marT="63500" marB="63500"/>
-                </a:tc>
-                <a:extLst>
-                  <a:ext uri="{0D108BD9-81ED-4DB2-BD59-A6C34878D82A}">
-                    <a16:rowId xmlns:a16="http://schemas.microsoft.com/office/drawing/2014/main" val="2985612028"/>
-                  </a:ext>
-                </a:extLst>
-              </a:tr>
-              <a:tr h="584890">
-                <a:tc>
-                  <a:txBody>
-                    <a:bodyPr/>
-                    <a:lstStyle/>
-                    <a:p>
-                      <a:pPr rtl="0" fontAlgn="t">
-                        <a:spcBef>
-                          <a:spcPts val="0"/>
-                        </a:spcBef>
-                        <a:spcAft>
-                          <a:spcPts val="0"/>
-                        </a:spcAft>
-                      </a:pPr>
-                      <a:r>
-                        <a:rPr lang="de-DE" sz="1100" b="0" i="0" u="none" strike="noStrike">
-                          <a:solidFill>
-                            <a:srgbClr val="000000"/>
-                          </a:solidFill>
-                          <a:effectLst/>
-                          <a:latin typeface="Arial" panose="020B0604020202020204" pitchFamily="34" charset="0"/>
-                        </a:rPr>
-                        <a:t>Systemschnittstellen</a:t>
-                      </a:r>
-                      <a:endParaRPr lang="de-DE">
-                        <a:effectLst/>
-                      </a:endParaRPr>
-                    </a:p>
-                  </a:txBody>
-                  <a:tcPr marL="63500" marR="63500" marT="63500" marB="63500"/>
-                </a:tc>
-                <a:tc>
-                  <a:txBody>
-                    <a:bodyPr/>
-                    <a:lstStyle/>
-                    <a:p>
-                      <a:pPr rtl="0" fontAlgn="t">
-                        <a:spcBef>
-                          <a:spcPts val="0"/>
-                        </a:spcBef>
-                        <a:spcAft>
-                          <a:spcPts val="0"/>
-                        </a:spcAft>
-                      </a:pPr>
-                      <a:r>
-                        <a:rPr lang="de-DE" sz="1100" b="0" i="0" u="none" strike="noStrike">
-                          <a:solidFill>
-                            <a:srgbClr val="000000"/>
-                          </a:solidFill>
-                          <a:effectLst/>
-                          <a:latin typeface="Arial" panose="020B0604020202020204" pitchFamily="34" charset="0"/>
-                        </a:rPr>
-                        <a:t>C/I/A</a:t>
-                      </a:r>
-                      <a:endParaRPr lang="de-DE">
-                        <a:effectLst/>
-                      </a:endParaRPr>
-                    </a:p>
-                  </a:txBody>
-                  <a:tcPr marL="63500" marR="63500" marT="63500" marB="63500"/>
-                </a:tc>
-                <a:tc>
-                  <a:txBody>
-                    <a:bodyPr/>
-                    <a:lstStyle/>
-                    <a:p>
-                      <a:pPr rtl="0" fontAlgn="t">
-                        <a:spcBef>
-                          <a:spcPts val="0"/>
-                        </a:spcBef>
-                        <a:spcAft>
-                          <a:spcPts val="0"/>
-                        </a:spcAft>
-                      </a:pPr>
-                      <a:r>
-                        <a:rPr lang="de-DE" sz="1100" b="0" i="0" u="none" strike="noStrike" dirty="0">
-                          <a:solidFill>
-                            <a:srgbClr val="000000"/>
-                          </a:solidFill>
-                          <a:effectLst/>
-                          <a:latin typeface="Arial" panose="020B0604020202020204" pitchFamily="34" charset="0"/>
-                        </a:rPr>
-                        <a:t>Schnittstellen dürfen nur von Authentifizierten Parteien verwendet werden</a:t>
-                      </a:r>
-                      <a:endParaRPr lang="de-DE" dirty="0">
-                        <a:effectLst/>
-                      </a:endParaRPr>
-                    </a:p>
-                  </a:txBody>
-                  <a:tcPr marL="63500" marR="63500" marT="63500" marB="63500"/>
-                </a:tc>
-                <a:extLst>
-                  <a:ext uri="{0D108BD9-81ED-4DB2-BD59-A6C34878D82A}">
-                    <a16:rowId xmlns:a16="http://schemas.microsoft.com/office/drawing/2014/main" val="2992059505"/>
-                  </a:ext>
-                </a:extLst>
-              </a:tr>
-              <a:tr h="469197">
-                <a:tc>
-                  <a:txBody>
-                    <a:bodyPr/>
-                    <a:lstStyle/>
-                    <a:p>
-                      <a:pPr rtl="0" fontAlgn="t">
-                        <a:spcBef>
-                          <a:spcPts val="0"/>
-                        </a:spcBef>
-                        <a:spcAft>
-                          <a:spcPts val="0"/>
-                        </a:spcAft>
-                      </a:pPr>
-                      <a:r>
-                        <a:rPr lang="de-DE" sz="1100" b="0" i="0" u="none" strike="noStrike" dirty="0">
-                          <a:solidFill>
-                            <a:srgbClr val="000000"/>
-                          </a:solidFill>
-                          <a:effectLst/>
-                          <a:latin typeface="Arial" panose="020B0604020202020204" pitchFamily="34" charset="0"/>
-                        </a:rPr>
-                        <a:t>Produktivsystem</a:t>
-                      </a:r>
-                      <a:endParaRPr lang="de-DE" dirty="0">
-                        <a:effectLst/>
-                      </a:endParaRPr>
-                    </a:p>
-                  </a:txBody>
-                  <a:tcPr marL="63500" marR="63500" marT="63500" marB="63500"/>
-                </a:tc>
-                <a:tc>
-                  <a:txBody>
-                    <a:bodyPr/>
-                    <a:lstStyle/>
-                    <a:p>
-                      <a:pPr rtl="0" fontAlgn="t">
-                        <a:spcBef>
-                          <a:spcPts val="0"/>
-                        </a:spcBef>
-                        <a:spcAft>
-                          <a:spcPts val="0"/>
-                        </a:spcAft>
-                      </a:pPr>
-                      <a:r>
-                        <a:rPr lang="de-DE" sz="1100" b="0" i="0" u="none" strike="noStrike" dirty="0">
-                          <a:solidFill>
-                            <a:srgbClr val="000000"/>
-                          </a:solidFill>
-                          <a:effectLst/>
-                          <a:latin typeface="Arial" panose="020B0604020202020204" pitchFamily="34" charset="0"/>
-                        </a:rPr>
-                        <a:t>C/I/A</a:t>
-                      </a:r>
-                      <a:endParaRPr lang="de-DE" dirty="0">
-                        <a:effectLst/>
-                      </a:endParaRPr>
-                    </a:p>
-                  </a:txBody>
-                  <a:tcPr marL="63500" marR="63500" marT="63500" marB="63500"/>
-                </a:tc>
-                <a:tc>
-                  <a:txBody>
-                    <a:bodyPr/>
-                    <a:lstStyle/>
-                    <a:p>
-                      <a:pPr rtl="0" fontAlgn="t">
-                        <a:spcBef>
-                          <a:spcPts val="0"/>
-                        </a:spcBef>
-                        <a:spcAft>
-                          <a:spcPts val="0"/>
-                        </a:spcAft>
-                      </a:pPr>
-                      <a:endParaRPr lang="de-DE" dirty="0">
-                        <a:effectLst/>
-                      </a:endParaRPr>
-                    </a:p>
-                  </a:txBody>
-                  <a:tcPr marL="63500" marR="63500" marT="63500" marB="63500"/>
-                </a:tc>
-                <a:extLst>
-                  <a:ext uri="{0D108BD9-81ED-4DB2-BD59-A6C34878D82A}">
-                    <a16:rowId xmlns:a16="http://schemas.microsoft.com/office/drawing/2014/main" val="1500506784"/>
-                  </a:ext>
-                </a:extLst>
-              </a:tr>
-              <a:tr h="469197">
-                <a:tc>
-                  <a:txBody>
-                    <a:bodyPr/>
-                    <a:lstStyle/>
-                    <a:p>
-                      <a:pPr rtl="0" fontAlgn="t">
-                        <a:spcBef>
-                          <a:spcPts val="0"/>
-                        </a:spcBef>
-                        <a:spcAft>
-                          <a:spcPts val="0"/>
-                        </a:spcAft>
-                      </a:pPr>
-                      <a:r>
-                        <a:rPr lang="de-DE" sz="1100" b="0" i="0" u="none" strike="noStrike">
-                          <a:solidFill>
-                            <a:srgbClr val="000000"/>
-                          </a:solidFill>
-                          <a:effectLst/>
-                          <a:latin typeface="Arial" panose="020B0604020202020204" pitchFamily="34" charset="0"/>
-                        </a:rPr>
-                        <a:t>Testsystem</a:t>
-                      </a:r>
-                      <a:endParaRPr lang="de-DE">
-                        <a:effectLst/>
-                      </a:endParaRPr>
-                    </a:p>
-                  </a:txBody>
-                  <a:tcPr marL="63500" marR="63500" marT="63500" marB="63500"/>
-                </a:tc>
-                <a:tc>
-                  <a:txBody>
-                    <a:bodyPr/>
-                    <a:lstStyle/>
-                    <a:p>
-                      <a:pPr rtl="0" fontAlgn="t">
-                        <a:spcBef>
-                          <a:spcPts val="0"/>
-                        </a:spcBef>
-                        <a:spcAft>
-                          <a:spcPts val="0"/>
-                        </a:spcAft>
-                      </a:pPr>
-                      <a:r>
-                        <a:rPr lang="de-DE" sz="1100" b="0" i="0" u="none" strike="noStrike">
-                          <a:solidFill>
-                            <a:srgbClr val="000000"/>
-                          </a:solidFill>
-                          <a:effectLst/>
-                          <a:latin typeface="Arial" panose="020B0604020202020204" pitchFamily="34" charset="0"/>
-                        </a:rPr>
-                        <a:t>C</a:t>
-                      </a:r>
-                      <a:endParaRPr lang="de-DE">
-                        <a:effectLst/>
-                      </a:endParaRPr>
-                    </a:p>
-                  </a:txBody>
-                  <a:tcPr marL="63500" marR="63500" marT="63500" marB="63500"/>
-                </a:tc>
-                <a:tc>
-                  <a:txBody>
-                    <a:bodyPr/>
-                    <a:lstStyle/>
-                    <a:p>
-                      <a:pPr rtl="0" fontAlgn="t">
-                        <a:spcBef>
-                          <a:spcPts val="0"/>
-                        </a:spcBef>
-                        <a:spcAft>
-                          <a:spcPts val="0"/>
-                        </a:spcAft>
-                      </a:pPr>
-                      <a:r>
-                        <a:rPr lang="de-DE" sz="1100" b="0" i="0" u="none" strike="noStrike" dirty="0">
-                          <a:solidFill>
-                            <a:srgbClr val="000000"/>
-                          </a:solidFill>
-                          <a:effectLst/>
-                          <a:latin typeface="Arial" panose="020B0604020202020204" pitchFamily="34" charset="0"/>
-                        </a:rPr>
-                        <a:t>Testsystem darf nur mit verfremdeten Daten arbeiten. Nur autorisierte Nutzer dürfen das </a:t>
-                      </a:r>
-                      <a:r>
-                        <a:rPr lang="de-DE" sz="1100" b="0" i="0" u="none" strike="noStrike" dirty="0" err="1">
-                          <a:solidFill>
-                            <a:srgbClr val="000000"/>
-                          </a:solidFill>
-                          <a:effectLst/>
-                          <a:latin typeface="Arial" panose="020B0604020202020204" pitchFamily="34" charset="0"/>
-                        </a:rPr>
-                        <a:t>Teststystem</a:t>
+                        <a:t>Zugriffskontrolle</a:t>
                       </a:r>
                       <a:r>
                         <a:rPr lang="de-DE" sz="1100" b="0" i="0" u="none" strike="noStrike" dirty="0">
@@ -18747,19 +18264,194 @@
                           </a:solidFill>
                           <a:effectLst/>
                           <a:latin typeface="Arial" panose="020B0604020202020204" pitchFamily="34" charset="0"/>
+                          <a:cs typeface="Arial" panose="020B0604020202020204" pitchFamily="34" charset="0"/>
                         </a:rPr>
-                        <a:t> nutzen</a:t>
+                        <a:t>: Die Daten können nur vom Kunden und autorisiertem Personal bearbeitet werden</a:t>
                       </a:r>
-                      <a:endParaRPr lang="de-DE" dirty="0">
-                        <a:effectLst/>
-                      </a:endParaRPr>
+                    </a:p>
+                    <a:p>
+                      <a:pPr rtl="0" fontAlgn="base">
+                        <a:spcBef>
+                          <a:spcPts val="0"/>
+                        </a:spcBef>
+                        <a:spcAft>
+                          <a:spcPts val="0"/>
+                        </a:spcAft>
+                        <a:buFont typeface="Arial" panose="020B0604020202020204" pitchFamily="34" charset="0"/>
+                        <a:buChar char="•"/>
+                      </a:pPr>
+                      <a:r>
+                        <a:rPr lang="de-DE" sz="1100" b="1" i="0" u="none" strike="noStrike" dirty="0">
+                          <a:solidFill>
+                            <a:srgbClr val="000000"/>
+                          </a:solidFill>
+                          <a:effectLst/>
+                          <a:latin typeface="Arial" panose="020B0604020202020204" pitchFamily="34" charset="0"/>
+                          <a:cs typeface="Arial" panose="020B0604020202020204" pitchFamily="34" charset="0"/>
+                        </a:rPr>
+                        <a:t>Verschlüsselung</a:t>
+                      </a:r>
+                      <a:r>
+                        <a:rPr lang="de-DE" sz="1100" b="0" i="0" u="none" strike="noStrike" dirty="0">
+                          <a:solidFill>
+                            <a:srgbClr val="000000"/>
+                          </a:solidFill>
+                          <a:effectLst/>
+                          <a:latin typeface="Arial" panose="020B0604020202020204" pitchFamily="34" charset="0"/>
+                          <a:cs typeface="Arial" panose="020B0604020202020204" pitchFamily="34" charset="0"/>
+                        </a:rPr>
+                        <a:t>: Datenverschlüsselung während der Übertragung &amp; Ruhezustand</a:t>
+                      </a:r>
+                    </a:p>
+                    <a:p>
+                      <a:pPr rtl="0" fontAlgn="base">
+                        <a:spcBef>
+                          <a:spcPts val="0"/>
+                        </a:spcBef>
+                        <a:spcAft>
+                          <a:spcPts val="0"/>
+                        </a:spcAft>
+                        <a:buFont typeface="Arial" panose="020B0604020202020204" pitchFamily="34" charset="0"/>
+                        <a:buChar char="•"/>
+                      </a:pPr>
+                      <a:r>
+                        <a:rPr lang="de-DE" sz="1100" b="1" i="0" u="none" strike="noStrike" dirty="0">
+                          <a:solidFill>
+                            <a:srgbClr val="000000"/>
+                          </a:solidFill>
+                          <a:effectLst/>
+                          <a:latin typeface="Arial" panose="020B0604020202020204" pitchFamily="34" charset="0"/>
+                          <a:cs typeface="Arial" panose="020B0604020202020204" pitchFamily="34" charset="0"/>
+                        </a:rPr>
+                        <a:t>Datensicherung &amp; Wiederherstellung</a:t>
+                      </a:r>
+                      <a:r>
+                        <a:rPr lang="de-DE" sz="1100" b="0" i="0" u="none" strike="noStrike" dirty="0">
+                          <a:solidFill>
+                            <a:srgbClr val="000000"/>
+                          </a:solidFill>
+                          <a:effectLst/>
+                          <a:latin typeface="Arial" panose="020B0604020202020204" pitchFamily="34" charset="0"/>
+                          <a:cs typeface="Arial" panose="020B0604020202020204" pitchFamily="34" charset="0"/>
+                        </a:rPr>
+                        <a:t>: regelmäßige Sicherung zur Vorbeugung von Datenverlusten, Notfallwiederherstellungspläne</a:t>
+                      </a:r>
+                    </a:p>
+                    <a:p>
+                      <a:pPr rtl="0" fontAlgn="base">
+                        <a:spcBef>
+                          <a:spcPts val="0"/>
+                        </a:spcBef>
+                        <a:spcAft>
+                          <a:spcPts val="0"/>
+                        </a:spcAft>
+                        <a:buFont typeface="Arial" panose="020B0604020202020204" pitchFamily="34" charset="0"/>
+                        <a:buChar char="•"/>
+                      </a:pPr>
+                      <a:r>
+                        <a:rPr lang="de-DE" sz="1100" b="1" i="0" u="none" strike="noStrike" dirty="0">
+                          <a:solidFill>
+                            <a:srgbClr val="000000"/>
+                          </a:solidFill>
+                          <a:effectLst/>
+                          <a:latin typeface="Arial" panose="020B0604020202020204" pitchFamily="34" charset="0"/>
+                          <a:cs typeface="Arial" panose="020B0604020202020204" pitchFamily="34" charset="0"/>
+                        </a:rPr>
+                        <a:t>Überwachung, Protokollierung</a:t>
+                      </a:r>
+                      <a:r>
+                        <a:rPr lang="de-DE" sz="1100" b="0" i="0" u="none" strike="noStrike" dirty="0">
+                          <a:solidFill>
+                            <a:srgbClr val="000000"/>
+                          </a:solidFill>
+                          <a:effectLst/>
+                          <a:latin typeface="Arial" panose="020B0604020202020204" pitchFamily="34" charset="0"/>
+                          <a:cs typeface="Arial" panose="020B0604020202020204" pitchFamily="34" charset="0"/>
+                        </a:rPr>
+                        <a:t>: Überwachungssysteme, Protokollierung zur Erkennung nicht autorisierter Aktivitäten</a:t>
+                      </a:r>
+                    </a:p>
+                    <a:p>
+                      <a:pPr rtl="0" fontAlgn="base">
+                        <a:spcBef>
+                          <a:spcPts val="0"/>
+                        </a:spcBef>
+                        <a:spcAft>
+                          <a:spcPts val="0"/>
+                        </a:spcAft>
+                        <a:buFont typeface="Arial" panose="020B0604020202020204" pitchFamily="34" charset="0"/>
+                        <a:buChar char="•"/>
+                      </a:pPr>
+                      <a:r>
+                        <a:rPr lang="de-DE" sz="1100" b="1" i="0" u="none" strike="noStrike" dirty="0">
+                          <a:solidFill>
+                            <a:srgbClr val="000000"/>
+                          </a:solidFill>
+                          <a:effectLst/>
+                          <a:latin typeface="Arial" panose="020B0604020202020204" pitchFamily="34" charset="0"/>
+                          <a:cs typeface="Arial" panose="020B0604020202020204" pitchFamily="34" charset="0"/>
+                        </a:rPr>
+                        <a:t>DPIA</a:t>
+                      </a:r>
+                      <a:r>
+                        <a:rPr lang="de-DE" sz="1100" b="0" i="0" u="none" strike="noStrike" dirty="0">
+                          <a:solidFill>
+                            <a:srgbClr val="000000"/>
+                          </a:solidFill>
+                          <a:effectLst/>
+                          <a:latin typeface="Arial" panose="020B0604020202020204" pitchFamily="34" charset="0"/>
+                          <a:cs typeface="Arial" panose="020B0604020202020204" pitchFamily="34" charset="0"/>
+                        </a:rPr>
+                        <a:t> - Datenschutz-Folgeabschätzung</a:t>
+                      </a:r>
+                    </a:p>
+                    <a:p>
+                      <a:pPr rtl="0" fontAlgn="base">
+                        <a:spcBef>
+                          <a:spcPts val="0"/>
+                        </a:spcBef>
+                        <a:spcAft>
+                          <a:spcPts val="0"/>
+                        </a:spcAft>
+                        <a:buFont typeface="Arial" panose="020B0604020202020204" pitchFamily="34" charset="0"/>
+                        <a:buChar char="•"/>
+                      </a:pPr>
+                      <a:r>
+                        <a:rPr lang="de-DE" sz="1100" b="1" i="0" u="none" strike="noStrike" dirty="0">
+                          <a:solidFill>
+                            <a:srgbClr val="000000"/>
+                          </a:solidFill>
+                          <a:effectLst/>
+                          <a:latin typeface="Arial" panose="020B0604020202020204" pitchFamily="34" charset="0"/>
+                          <a:cs typeface="Arial" panose="020B0604020202020204" pitchFamily="34" charset="0"/>
+                        </a:rPr>
+                        <a:t>Transparenz, Informationspflichten</a:t>
+                      </a:r>
+                      <a:r>
+                        <a:rPr lang="de-DE" sz="1100" b="0" i="0" u="none" strike="noStrike" dirty="0">
+                          <a:solidFill>
+                            <a:srgbClr val="000000"/>
+                          </a:solidFill>
+                          <a:effectLst/>
+                          <a:latin typeface="Arial" panose="020B0604020202020204" pitchFamily="34" charset="0"/>
+                          <a:cs typeface="Arial" panose="020B0604020202020204" pitchFamily="34" charset="0"/>
+                        </a:rPr>
+                        <a:t>: Betroffene müssen über Erhebung, Verarbeitung der Daten informiert werden, mit Angabe des Verwendungszweckes (EnWG)</a:t>
+                      </a:r>
                     </a:p>
                   </a:txBody>
-                  <a:tcPr marL="63500" marR="63500" marT="63500" marB="63500"/>
+                  <a:tcPr marL="63500" marR="63500" marT="63500" marB="63500">
+                    <a:solidFill>
+                      <a:schemeClr val="accent5">
+                        <a:tint val="40000"/>
+                        <a:alpha val="50000"/>
+                      </a:schemeClr>
+                    </a:solidFill>
+                  </a:tcPr>
                 </a:tc>
                 <a:extLst>
                   <a:ext uri="{0D108BD9-81ED-4DB2-BD59-A6C34878D82A}">
-                    <a16:rowId xmlns:a16="http://schemas.microsoft.com/office/drawing/2014/main" val="3414143935"/>
+                    <a16:rowId xmlns:a16="http://schemas.microsoft.com/office/drawing/2014/main" val="2525607918"/>
                   </a:ext>
                 </a:extLst>
               </a:tr>
@@ -18829,321 +18521,757 @@
                 <a:ea typeface="+mj-ea"/>
                 <a:cs typeface="+mj-cs"/>
               </a:rPr>
-              <a:t>1. Geschäftsumfeld - Regularien</a:t>
+              <a:t>1. Geschäftsumfeld - Schutzziele</a:t>
             </a:r>
             <a:endParaRPr lang="de-DE" dirty="0"/>
           </a:p>
         </p:txBody>
       </p:sp>
-      <p:sp>
-        <p:nvSpPr>
-          <p:cNvPr id="4" name="Textfeld 3">
+      <p:graphicFrame>
+        <p:nvGraphicFramePr>
+          <p:cNvPr id="8" name="Tabelle 7">
             <a:extLst>
               <a:ext uri="{FF2B5EF4-FFF2-40B4-BE49-F238E27FC236}">
-                <a16:creationId xmlns:a16="http://schemas.microsoft.com/office/drawing/2014/main" id="{D82D69AE-0AEE-3331-8919-05625A2DCDD2}"/>
+                <a16:creationId xmlns:a16="http://schemas.microsoft.com/office/drawing/2014/main" id="{2E342E14-592D-2CE4-CD53-58464A287ED1}"/>
               </a:ext>
             </a:extLst>
           </p:cNvPr>
-          <p:cNvSpPr txBox="1"/>
-          <p:nvPr/>
-        </p:nvSpPr>
-        <p:spPr>
-          <a:xfrm>
-            <a:off x="1141413" y="1896825"/>
-            <a:ext cx="7740869" cy="3693319"/>
-          </a:xfrm>
-          <a:prstGeom prst="rect">
-            <a:avLst/>
-          </a:prstGeom>
-          <a:noFill/>
-        </p:spPr>
-        <p:txBody>
-          <a:bodyPr wrap="square">
-            <a:spAutoFit/>
-          </a:bodyPr>
-          <a:lstStyle/>
-          <a:p>
-            <a:pPr marL="285750" indent="-285750" rtl="0">
-              <a:spcBef>
-                <a:spcPts val="0"/>
-              </a:spcBef>
-              <a:spcAft>
-                <a:spcPts val="0"/>
-              </a:spcAft>
-              <a:buFont typeface="Arial" panose="020B0604020202020204" pitchFamily="34" charset="0"/>
-              <a:buChar char="•"/>
-            </a:pPr>
-            <a:r>
-              <a:rPr lang="de-DE" sz="1800" b="0" i="0" u="none" strike="noStrike" dirty="0">
-                <a:effectLst/>
-                <a:latin typeface="Arial" panose="020B0604020202020204" pitchFamily="34" charset="0"/>
-              </a:rPr>
-              <a:t>KRITIS</a:t>
-            </a:r>
-            <a:endParaRPr lang="de-DE" b="0" dirty="0">
-              <a:effectLst/>
-            </a:endParaRPr>
-          </a:p>
-          <a:p>
-            <a:pPr marL="285750" indent="-285750" rtl="0">
-              <a:spcBef>
-                <a:spcPts val="0"/>
-              </a:spcBef>
-              <a:spcAft>
-                <a:spcPts val="0"/>
-              </a:spcAft>
-              <a:buFont typeface="Arial" panose="020B0604020202020204" pitchFamily="34" charset="0"/>
-              <a:buChar char="•"/>
-            </a:pPr>
-            <a:r>
-              <a:rPr lang="de-DE" sz="1800" b="0" i="0" u="none" strike="noStrike" dirty="0">
-                <a:effectLst/>
-                <a:latin typeface="Arial" panose="020B0604020202020204" pitchFamily="34" charset="0"/>
-              </a:rPr>
-              <a:t>DSGVO/ BDSG</a:t>
-            </a:r>
-            <a:endParaRPr lang="de-DE" b="0" dirty="0">
-              <a:effectLst/>
-            </a:endParaRPr>
-          </a:p>
-          <a:p>
-            <a:pPr marL="285750" indent="-285750" rtl="0">
-              <a:spcBef>
-                <a:spcPts val="0"/>
-              </a:spcBef>
-              <a:spcAft>
-                <a:spcPts val="0"/>
-              </a:spcAft>
-              <a:buFont typeface="Arial" panose="020B0604020202020204" pitchFamily="34" charset="0"/>
-              <a:buChar char="•"/>
-            </a:pPr>
-            <a:r>
-              <a:rPr lang="de-DE" sz="1800" b="0" i="0" u="none" strike="noStrike" dirty="0">
-                <a:effectLst/>
-                <a:latin typeface="Arial" panose="020B0604020202020204" pitchFamily="34" charset="0"/>
-              </a:rPr>
-              <a:t>PCIDSS</a:t>
-            </a:r>
-            <a:endParaRPr lang="de-DE" b="0" dirty="0">
-              <a:effectLst/>
-            </a:endParaRPr>
-          </a:p>
-          <a:p>
-            <a:pPr marL="285750" indent="-285750" rtl="0">
-              <a:spcBef>
-                <a:spcPts val="0"/>
-              </a:spcBef>
-              <a:spcAft>
-                <a:spcPts val="0"/>
-              </a:spcAft>
-              <a:buFont typeface="Arial" panose="020B0604020202020204" pitchFamily="34" charset="0"/>
-              <a:buChar char="•"/>
-            </a:pPr>
-            <a:r>
-              <a:rPr lang="de-DE" sz="1800" b="0" i="0" u="none" strike="noStrike" dirty="0">
-                <a:effectLst/>
-                <a:latin typeface="Arial" panose="020B0604020202020204" pitchFamily="34" charset="0"/>
-              </a:rPr>
-              <a:t>Energiemarkt auf Grundlage des Energiewirtschaftsgesetzes (EnWG)</a:t>
-            </a:r>
-            <a:endParaRPr lang="de-DE" b="0" dirty="0">
-              <a:effectLst/>
-            </a:endParaRPr>
-          </a:p>
-          <a:p>
-            <a:pPr marL="285750" indent="-285750" rtl="0">
-              <a:spcBef>
-                <a:spcPts val="0"/>
-              </a:spcBef>
-              <a:spcAft>
-                <a:spcPts val="0"/>
-              </a:spcAft>
-              <a:buFont typeface="Arial" panose="020B0604020202020204" pitchFamily="34" charset="0"/>
-              <a:buChar char="•"/>
-            </a:pPr>
-            <a:r>
-              <a:rPr lang="de-DE" sz="1800" b="0" i="0" u="none" strike="noStrike" dirty="0">
-                <a:effectLst/>
-                <a:latin typeface="Arial" panose="020B0604020202020204" pitchFamily="34" charset="0"/>
-              </a:rPr>
-              <a:t>NIS2</a:t>
-            </a:r>
-            <a:endParaRPr lang="de-DE" b="0" dirty="0">
-              <a:effectLst/>
-            </a:endParaRPr>
-          </a:p>
-          <a:p>
-            <a:pPr marL="285750" indent="-285750" rtl="0">
-              <a:spcBef>
-                <a:spcPts val="0"/>
-              </a:spcBef>
-              <a:spcAft>
-                <a:spcPts val="0"/>
-              </a:spcAft>
-              <a:buFont typeface="Arial" panose="020B0604020202020204" pitchFamily="34" charset="0"/>
-              <a:buChar char="•"/>
-            </a:pPr>
-            <a:r>
-              <a:rPr lang="de-DE" sz="1800" b="0" i="0" u="none" strike="noStrike" dirty="0">
-                <a:effectLst/>
-                <a:latin typeface="Arial" panose="020B0604020202020204" pitchFamily="34" charset="0"/>
-              </a:rPr>
-              <a:t>ISO 27001</a:t>
-            </a:r>
-            <a:endParaRPr lang="de-DE" b="0" dirty="0">
-              <a:effectLst/>
-            </a:endParaRPr>
-          </a:p>
-          <a:p>
-            <a:pPr marL="285750" indent="-285750" rtl="0">
-              <a:spcBef>
-                <a:spcPts val="0"/>
-              </a:spcBef>
-              <a:spcAft>
-                <a:spcPts val="0"/>
-              </a:spcAft>
-              <a:buFont typeface="Arial" panose="020B0604020202020204" pitchFamily="34" charset="0"/>
-              <a:buChar char="•"/>
-            </a:pPr>
-            <a:r>
-              <a:rPr lang="de-DE" sz="1800" b="0" i="0" u="none" strike="noStrike" dirty="0">
-                <a:effectLst/>
-                <a:latin typeface="Arial" panose="020B0604020202020204" pitchFamily="34" charset="0"/>
-              </a:rPr>
-              <a:t>ISO/IEC 27034-1</a:t>
-            </a:r>
-            <a:endParaRPr lang="de-DE" b="0" dirty="0">
-              <a:effectLst/>
-            </a:endParaRPr>
-          </a:p>
-          <a:p>
-            <a:pPr marL="285750" indent="-285750" rtl="0">
-              <a:spcBef>
-                <a:spcPts val="0"/>
-              </a:spcBef>
-              <a:spcAft>
-                <a:spcPts val="0"/>
-              </a:spcAft>
-              <a:buFont typeface="Arial" panose="020B0604020202020204" pitchFamily="34" charset="0"/>
-              <a:buChar char="•"/>
-            </a:pPr>
-            <a:r>
-              <a:rPr lang="de-DE" sz="1800" b="0" i="0" u="none" strike="noStrike" dirty="0">
-                <a:effectLst/>
-                <a:latin typeface="Arial" panose="020B0604020202020204" pitchFamily="34" charset="0"/>
-              </a:rPr>
-              <a:t>EU </a:t>
-            </a:r>
-            <a:r>
-              <a:rPr lang="de-DE" sz="1800" b="0" i="0" u="none" strike="noStrike" dirty="0" err="1">
-                <a:effectLst/>
-                <a:latin typeface="Arial" panose="020B0604020202020204" pitchFamily="34" charset="0"/>
-              </a:rPr>
-              <a:t>Cyber</a:t>
-            </a:r>
-            <a:r>
-              <a:rPr lang="de-DE" sz="1800" b="0" i="0" u="none" strike="noStrike" dirty="0">
-                <a:effectLst/>
-                <a:latin typeface="Arial" panose="020B0604020202020204" pitchFamily="34" charset="0"/>
-              </a:rPr>
-              <a:t> </a:t>
-            </a:r>
-            <a:r>
-              <a:rPr lang="de-DE" sz="1800" b="0" i="0" u="none" strike="noStrike" dirty="0" err="1">
-                <a:effectLst/>
-                <a:latin typeface="Arial" panose="020B0604020202020204" pitchFamily="34" charset="0"/>
-              </a:rPr>
-              <a:t>Resilience</a:t>
-            </a:r>
-            <a:r>
-              <a:rPr lang="de-DE" sz="1800" b="0" i="0" u="none" strike="noStrike" dirty="0">
-                <a:effectLst/>
-                <a:latin typeface="Arial" panose="020B0604020202020204" pitchFamily="34" charset="0"/>
-              </a:rPr>
-              <a:t> Act</a:t>
-            </a:r>
-            <a:endParaRPr lang="de-DE" b="0" dirty="0">
-              <a:effectLst/>
-            </a:endParaRPr>
-          </a:p>
-          <a:p>
-            <a:pPr marL="285750" indent="-285750" rtl="0">
-              <a:spcBef>
-                <a:spcPts val="0"/>
-              </a:spcBef>
-              <a:spcAft>
-                <a:spcPts val="0"/>
-              </a:spcAft>
-              <a:buFont typeface="Arial" panose="020B0604020202020204" pitchFamily="34" charset="0"/>
-              <a:buChar char="•"/>
-            </a:pPr>
-            <a:r>
-              <a:rPr lang="de-DE" sz="1800" b="0" i="0" u="none" strike="noStrike" dirty="0">
-                <a:effectLst/>
-                <a:latin typeface="Arial" panose="020B0604020202020204" pitchFamily="34" charset="0"/>
-              </a:rPr>
-              <a:t>NIST</a:t>
-            </a:r>
-            <a:endParaRPr lang="de-DE" b="0" dirty="0">
-              <a:effectLst/>
-            </a:endParaRPr>
-          </a:p>
-          <a:p>
-            <a:pPr marL="285750" indent="-285750" rtl="0">
-              <a:spcBef>
-                <a:spcPts val="0"/>
-              </a:spcBef>
-              <a:spcAft>
-                <a:spcPts val="0"/>
-              </a:spcAft>
-              <a:buFont typeface="Arial" panose="020B0604020202020204" pitchFamily="34" charset="0"/>
-              <a:buChar char="•"/>
-            </a:pPr>
-            <a:r>
-              <a:rPr lang="de-DE" sz="1800" b="0" i="0" u="none" strike="noStrike" dirty="0">
-                <a:effectLst/>
-                <a:latin typeface="Arial" panose="020B0604020202020204" pitchFamily="34" charset="0"/>
-              </a:rPr>
-              <a:t>ISO 15408</a:t>
-            </a:r>
-            <a:endParaRPr lang="de-DE" b="0" dirty="0">
-              <a:effectLst/>
-            </a:endParaRPr>
-          </a:p>
-          <a:p>
-            <a:pPr marL="285750" indent="-285750" rtl="0">
-              <a:spcBef>
-                <a:spcPts val="0"/>
-              </a:spcBef>
-              <a:spcAft>
-                <a:spcPts val="0"/>
-              </a:spcAft>
-              <a:buFont typeface="Arial" panose="020B0604020202020204" pitchFamily="34" charset="0"/>
-              <a:buChar char="•"/>
-            </a:pPr>
-            <a:r>
-              <a:rPr lang="de-DE" sz="1800" b="0" i="0" u="none" strike="noStrike" dirty="0">
-                <a:effectLst/>
-                <a:latin typeface="Arial" panose="020B0604020202020204" pitchFamily="34" charset="0"/>
-              </a:rPr>
-              <a:t>BSI - TR-03109-1</a:t>
-            </a:r>
-            <a:endParaRPr lang="de-DE" b="0" dirty="0">
-              <a:effectLst/>
-            </a:endParaRPr>
-          </a:p>
-          <a:p>
-            <a:br>
-              <a:rPr lang="de-DE" dirty="0"/>
-            </a:br>
-            <a:endParaRPr lang="de-DE" dirty="0"/>
-          </a:p>
-        </p:txBody>
-      </p:sp>
+          <p:cNvGraphicFramePr>
+            <a:graphicFrameLocks noGrp="1"/>
+          </p:cNvGraphicFramePr>
+          <p:nvPr>
+            <p:extLst>
+              <p:ext uri="{D42A27DB-BD31-4B8C-83A1-F6EECF244321}">
+                <p14:modId xmlns:p14="http://schemas.microsoft.com/office/powerpoint/2010/main" val="3817208995"/>
+              </p:ext>
+            </p:extLst>
+          </p:nvPr>
+        </p:nvGraphicFramePr>
+        <p:xfrm>
+          <a:off x="1141414" y="1739171"/>
+          <a:ext cx="9905997" cy="4746557"/>
+        </p:xfrm>
+        <a:graphic>
+          <a:graphicData uri="http://schemas.openxmlformats.org/drawingml/2006/table">
+            <a:tbl>
+              <a:tblPr firstRow="1" bandRow="1">
+                <a:tableStyleId>{7DF18680-E054-41AD-8BC1-D1AEF772440D}</a:tableStyleId>
+              </a:tblPr>
+              <a:tblGrid>
+                <a:gridCol w="3301999">
+                  <a:extLst>
+                    <a:ext uri="{9D8B030D-6E8A-4147-A177-3AD203B41FA5}">
+                      <a16:colId xmlns:a16="http://schemas.microsoft.com/office/drawing/2014/main" val="2319416199"/>
+                    </a:ext>
+                  </a:extLst>
+                </a:gridCol>
+                <a:gridCol w="3301999">
+                  <a:extLst>
+                    <a:ext uri="{9D8B030D-6E8A-4147-A177-3AD203B41FA5}">
+                      <a16:colId xmlns:a16="http://schemas.microsoft.com/office/drawing/2014/main" val="3992258479"/>
+                    </a:ext>
+                  </a:extLst>
+                </a:gridCol>
+                <a:gridCol w="3301999">
+                  <a:extLst>
+                    <a:ext uri="{9D8B030D-6E8A-4147-A177-3AD203B41FA5}">
+                      <a16:colId xmlns:a16="http://schemas.microsoft.com/office/drawing/2014/main" val="1367547950"/>
+                    </a:ext>
+                  </a:extLst>
+                </a:gridCol>
+              </a:tblGrid>
+              <a:tr h="469197">
+                <a:tc>
+                  <a:txBody>
+                    <a:bodyPr/>
+                    <a:lstStyle/>
+                    <a:p>
+                      <a:pPr rtl="0" fontAlgn="t">
+                        <a:spcBef>
+                          <a:spcPts val="0"/>
+                        </a:spcBef>
+                        <a:spcAft>
+                          <a:spcPts val="0"/>
+                        </a:spcAft>
+                      </a:pPr>
+                      <a:r>
+                        <a:rPr lang="de-DE" sz="1100" b="1" i="0" u="none" strike="noStrike" dirty="0">
+                          <a:solidFill>
+                            <a:srgbClr val="000000"/>
+                          </a:solidFill>
+                          <a:effectLst/>
+                          <a:latin typeface="Arial" panose="020B0604020202020204" pitchFamily="34" charset="0"/>
+                        </a:rPr>
+                        <a:t>Zu schützende Objekte</a:t>
+                      </a:r>
+                      <a:endParaRPr lang="de-DE" dirty="0">
+                        <a:effectLst/>
+                      </a:endParaRPr>
+                    </a:p>
+                  </a:txBody>
+                  <a:tcPr marL="63500" marR="63500" marT="63500" marB="63500">
+                    <a:solidFill>
+                      <a:schemeClr val="accent5">
+                        <a:alpha val="50000"/>
+                      </a:schemeClr>
+                    </a:solidFill>
+                  </a:tcPr>
+                </a:tc>
+                <a:tc>
+                  <a:txBody>
+                    <a:bodyPr/>
+                    <a:lstStyle/>
+                    <a:p>
+                      <a:pPr rtl="0" fontAlgn="t">
+                        <a:spcBef>
+                          <a:spcPts val="0"/>
+                        </a:spcBef>
+                        <a:spcAft>
+                          <a:spcPts val="0"/>
+                        </a:spcAft>
+                      </a:pPr>
+                      <a:r>
+                        <a:rPr lang="de-DE" sz="1100" b="1" i="0" u="none" strike="noStrike">
+                          <a:solidFill>
+                            <a:srgbClr val="000000"/>
+                          </a:solidFill>
+                          <a:effectLst/>
+                          <a:latin typeface="Arial" panose="020B0604020202020204" pitchFamily="34" charset="0"/>
+                        </a:rPr>
+                        <a:t>Schutzziele</a:t>
+                      </a:r>
+                      <a:endParaRPr lang="de-DE">
+                        <a:effectLst/>
+                      </a:endParaRPr>
+                    </a:p>
+                  </a:txBody>
+                  <a:tcPr marL="63500" marR="63500" marT="63500" marB="63500">
+                    <a:solidFill>
+                      <a:schemeClr val="accent5">
+                        <a:alpha val="50000"/>
+                      </a:schemeClr>
+                    </a:solidFill>
+                  </a:tcPr>
+                </a:tc>
+                <a:tc>
+                  <a:txBody>
+                    <a:bodyPr/>
+                    <a:lstStyle/>
+                    <a:p>
+                      <a:pPr rtl="0" fontAlgn="t">
+                        <a:spcBef>
+                          <a:spcPts val="0"/>
+                        </a:spcBef>
+                        <a:spcAft>
+                          <a:spcPts val="0"/>
+                        </a:spcAft>
+                      </a:pPr>
+                      <a:r>
+                        <a:rPr lang="de-DE" sz="1100" b="1" i="0" u="none" strike="noStrike">
+                          <a:solidFill>
+                            <a:srgbClr val="000000"/>
+                          </a:solidFill>
+                          <a:effectLst/>
+                          <a:latin typeface="Arial" panose="020B0604020202020204" pitchFamily="34" charset="0"/>
+                        </a:rPr>
+                        <a:t>Sicherheitsanforderungen</a:t>
+                      </a:r>
+                      <a:endParaRPr lang="de-DE">
+                        <a:effectLst/>
+                      </a:endParaRPr>
+                    </a:p>
+                  </a:txBody>
+                  <a:tcPr marL="63500" marR="63500" marT="63500" marB="63500">
+                    <a:solidFill>
+                      <a:schemeClr val="accent5">
+                        <a:alpha val="50000"/>
+                      </a:schemeClr>
+                    </a:solidFill>
+                  </a:tcPr>
+                </a:tc>
+                <a:extLst>
+                  <a:ext uri="{0D108BD9-81ED-4DB2-BD59-A6C34878D82A}">
+                    <a16:rowId xmlns:a16="http://schemas.microsoft.com/office/drawing/2014/main" val="307818175"/>
+                  </a:ext>
+                </a:extLst>
+              </a:tr>
+              <a:tr h="584890">
+                <a:tc>
+                  <a:txBody>
+                    <a:bodyPr/>
+                    <a:lstStyle/>
+                    <a:p>
+                      <a:pPr rtl="0" fontAlgn="t">
+                        <a:spcBef>
+                          <a:spcPts val="0"/>
+                        </a:spcBef>
+                        <a:spcAft>
+                          <a:spcPts val="0"/>
+                        </a:spcAft>
+                      </a:pPr>
+                      <a:r>
+                        <a:rPr lang="de-DE" sz="1100" b="1" i="0" u="none" strike="noStrike" dirty="0">
+                          <a:solidFill>
+                            <a:srgbClr val="000000"/>
+                          </a:solidFill>
+                          <a:effectLst/>
+                          <a:latin typeface="Arial" panose="020B0604020202020204" pitchFamily="34" charset="0"/>
+                        </a:rPr>
+                        <a:t>Bankdaten</a:t>
+                      </a:r>
+                      <a:endParaRPr lang="de-DE" b="1" dirty="0">
+                        <a:effectLst/>
+                      </a:endParaRPr>
+                    </a:p>
+                  </a:txBody>
+                  <a:tcPr marL="63500" marR="63500" marT="63500" marB="63500">
+                    <a:solidFill>
+                      <a:schemeClr val="accent5">
+                        <a:tint val="40000"/>
+                        <a:alpha val="50000"/>
+                      </a:schemeClr>
+                    </a:solidFill>
+                  </a:tcPr>
+                </a:tc>
+                <a:tc>
+                  <a:txBody>
+                    <a:bodyPr/>
+                    <a:lstStyle/>
+                    <a:p>
+                      <a:pPr rtl="0" fontAlgn="t">
+                        <a:spcBef>
+                          <a:spcPts val="0"/>
+                        </a:spcBef>
+                        <a:spcAft>
+                          <a:spcPts val="0"/>
+                        </a:spcAft>
+                      </a:pPr>
+                      <a:r>
+                        <a:rPr lang="de-DE" sz="1100" b="0" i="0" u="none" strike="noStrike" dirty="0">
+                          <a:solidFill>
+                            <a:srgbClr val="000000"/>
+                          </a:solidFill>
+                          <a:effectLst/>
+                          <a:latin typeface="Arial" panose="020B0604020202020204" pitchFamily="34" charset="0"/>
+                        </a:rPr>
+                        <a:t>Vertraulichkeit, Verfügbarkeit, Integrität,</a:t>
+                      </a:r>
+                      <a:endParaRPr lang="de-DE" sz="1100" dirty="0">
+                        <a:effectLst/>
+                      </a:endParaRPr>
+                    </a:p>
+                    <a:p>
+                      <a:pPr rtl="0" fontAlgn="t">
+                        <a:spcBef>
+                          <a:spcPts val="0"/>
+                        </a:spcBef>
+                        <a:spcAft>
+                          <a:spcPts val="0"/>
+                        </a:spcAft>
+                      </a:pPr>
+                      <a:r>
+                        <a:rPr lang="de-DE" sz="1100" b="0" i="0" u="none" strike="noStrike" dirty="0">
+                          <a:solidFill>
+                            <a:srgbClr val="000000"/>
+                          </a:solidFill>
+                          <a:effectLst/>
+                          <a:latin typeface="Arial" panose="020B0604020202020204" pitchFamily="34" charset="0"/>
+                        </a:rPr>
+                        <a:t>Authentizität, Identität</a:t>
+                      </a:r>
+                      <a:endParaRPr lang="de-DE" sz="1100" dirty="0">
+                        <a:effectLst/>
+                      </a:endParaRPr>
+                    </a:p>
+                  </a:txBody>
+                  <a:tcPr marL="63500" marR="63500" marT="63500" marB="63500">
+                    <a:solidFill>
+                      <a:schemeClr val="accent5">
+                        <a:tint val="40000"/>
+                        <a:alpha val="50000"/>
+                      </a:schemeClr>
+                    </a:solidFill>
+                  </a:tcPr>
+                </a:tc>
+                <a:tc>
+                  <a:txBody>
+                    <a:bodyPr/>
+                    <a:lstStyle/>
+                    <a:p>
+                      <a:pPr rtl="0" fontAlgn="base">
+                        <a:spcBef>
+                          <a:spcPts val="0"/>
+                        </a:spcBef>
+                        <a:spcAft>
+                          <a:spcPts val="0"/>
+                        </a:spcAft>
+                        <a:buFont typeface="Arial" panose="020B0604020202020204" pitchFamily="34" charset="0"/>
+                        <a:buChar char="•"/>
+                      </a:pPr>
+                      <a:r>
+                        <a:rPr lang="de-DE" sz="1100" b="1" i="0" u="none" strike="noStrike" dirty="0">
+                          <a:solidFill>
+                            <a:srgbClr val="000000"/>
+                          </a:solidFill>
+                          <a:effectLst/>
+                          <a:latin typeface="Arial" panose="020B0604020202020204" pitchFamily="34" charset="0"/>
+                        </a:rPr>
+                        <a:t>Zugriffskontrolle: </a:t>
+                      </a:r>
+                      <a:r>
+                        <a:rPr lang="de-DE" sz="1100" b="0" i="0" u="none" strike="noStrike" dirty="0">
+                          <a:solidFill>
+                            <a:srgbClr val="000000"/>
+                          </a:solidFill>
+                          <a:effectLst/>
+                          <a:latin typeface="Arial" panose="020B0604020202020204" pitchFamily="34" charset="0"/>
+                        </a:rPr>
+                        <a:t>Die Daten können nur vom Kunden und autorisiertem Personal bearbeitet werden</a:t>
+                      </a:r>
+                    </a:p>
+                    <a:p>
+                      <a:pPr rtl="0" fontAlgn="base">
+                        <a:spcBef>
+                          <a:spcPts val="0"/>
+                        </a:spcBef>
+                        <a:spcAft>
+                          <a:spcPts val="0"/>
+                        </a:spcAft>
+                        <a:buFont typeface="Arial" panose="020B0604020202020204" pitchFamily="34" charset="0"/>
+                        <a:buChar char="•"/>
+                      </a:pPr>
+                      <a:r>
+                        <a:rPr lang="de-DE" sz="1100" b="1" i="0" u="none" strike="noStrike" dirty="0">
+                          <a:solidFill>
+                            <a:srgbClr val="000000"/>
+                          </a:solidFill>
+                          <a:effectLst/>
+                          <a:latin typeface="Arial" panose="020B0604020202020204" pitchFamily="34" charset="0"/>
+                        </a:rPr>
+                        <a:t>Verschlüsselung: </a:t>
+                      </a:r>
+                      <a:r>
+                        <a:rPr lang="de-DE" sz="1100" b="0" i="0" u="none" strike="noStrike" dirty="0">
+                          <a:solidFill>
+                            <a:srgbClr val="000000"/>
+                          </a:solidFill>
+                          <a:effectLst/>
+                          <a:latin typeface="Arial" panose="020B0604020202020204" pitchFamily="34" charset="0"/>
+                        </a:rPr>
+                        <a:t>Datenverschlüsselung während der Übertragung &amp; Ruhezustand</a:t>
+                      </a:r>
+                    </a:p>
+                    <a:p>
+                      <a:pPr rtl="0" fontAlgn="base">
+                        <a:spcBef>
+                          <a:spcPts val="0"/>
+                        </a:spcBef>
+                        <a:spcAft>
+                          <a:spcPts val="0"/>
+                        </a:spcAft>
+                        <a:buFont typeface="Arial" panose="020B0604020202020204" pitchFamily="34" charset="0"/>
+                        <a:buChar char="•"/>
+                      </a:pPr>
+                      <a:r>
+                        <a:rPr lang="de-DE" sz="1100" b="1" i="0" u="none" strike="noStrike" dirty="0">
+                          <a:solidFill>
+                            <a:srgbClr val="000000"/>
+                          </a:solidFill>
+                          <a:effectLst/>
+                          <a:latin typeface="Arial" panose="020B0604020202020204" pitchFamily="34" charset="0"/>
+                        </a:rPr>
+                        <a:t>Datensicherung &amp; Wiederherstellung: </a:t>
+                      </a:r>
+                      <a:r>
+                        <a:rPr lang="de-DE" sz="1100" b="0" i="0" u="none" strike="noStrike" dirty="0">
+                          <a:solidFill>
+                            <a:srgbClr val="000000"/>
+                          </a:solidFill>
+                          <a:effectLst/>
+                          <a:latin typeface="Arial" panose="020B0604020202020204" pitchFamily="34" charset="0"/>
+                        </a:rPr>
+                        <a:t>regelmäßige Sicherung zur Vorbeugung von Datenverlusten, Notfallwiederherstellungspläne</a:t>
+                      </a:r>
+                    </a:p>
+                    <a:p>
+                      <a:pPr rtl="0" fontAlgn="base">
+                        <a:spcBef>
+                          <a:spcPts val="0"/>
+                        </a:spcBef>
+                        <a:spcAft>
+                          <a:spcPts val="0"/>
+                        </a:spcAft>
+                        <a:buFont typeface="Arial" panose="020B0604020202020204" pitchFamily="34" charset="0"/>
+                        <a:buChar char="•"/>
+                      </a:pPr>
+                      <a:r>
+                        <a:rPr lang="de-DE" sz="1100" b="1" i="0" u="none" strike="noStrike" dirty="0">
+                          <a:solidFill>
+                            <a:srgbClr val="000000"/>
+                          </a:solidFill>
+                          <a:effectLst/>
+                          <a:latin typeface="Arial" panose="020B0604020202020204" pitchFamily="34" charset="0"/>
+                        </a:rPr>
+                        <a:t>Überwachung, Protokollierung: </a:t>
+                      </a:r>
+                      <a:r>
+                        <a:rPr lang="de-DE" sz="1100" b="0" i="0" u="none" strike="noStrike" dirty="0">
+                          <a:solidFill>
+                            <a:srgbClr val="000000"/>
+                          </a:solidFill>
+                          <a:effectLst/>
+                          <a:latin typeface="Arial" panose="020B0604020202020204" pitchFamily="34" charset="0"/>
+                        </a:rPr>
+                        <a:t>Überwachungssysteme, Protokollierung zur Erkennung nicht autorisierter Aktivitäten</a:t>
+                      </a:r>
+                    </a:p>
+                    <a:p>
+                      <a:pPr rtl="0" fontAlgn="base">
+                        <a:spcBef>
+                          <a:spcPts val="0"/>
+                        </a:spcBef>
+                        <a:spcAft>
+                          <a:spcPts val="0"/>
+                        </a:spcAft>
+                        <a:buFont typeface="Arial" panose="020B0604020202020204" pitchFamily="34" charset="0"/>
+                        <a:buChar char="•"/>
+                      </a:pPr>
+                      <a:r>
+                        <a:rPr lang="de-DE" sz="1100" b="1" i="0" u="none" strike="noStrike" dirty="0">
+                          <a:solidFill>
+                            <a:srgbClr val="000000"/>
+                          </a:solidFill>
+                          <a:effectLst/>
+                          <a:latin typeface="Arial" panose="020B0604020202020204" pitchFamily="34" charset="0"/>
+                        </a:rPr>
+                        <a:t>DPIA - Datenschutz-Folgeabschätzung</a:t>
+                      </a:r>
+                    </a:p>
+                  </a:txBody>
+                  <a:tcPr marL="63500" marR="63500" marT="63500" marB="63500">
+                    <a:solidFill>
+                      <a:schemeClr val="accent5">
+                        <a:tint val="40000"/>
+                        <a:alpha val="50000"/>
+                      </a:schemeClr>
+                    </a:solidFill>
+                  </a:tcPr>
+                </a:tc>
+                <a:extLst>
+                  <a:ext uri="{0D108BD9-81ED-4DB2-BD59-A6C34878D82A}">
+                    <a16:rowId xmlns:a16="http://schemas.microsoft.com/office/drawing/2014/main" val="3132672430"/>
+                  </a:ext>
+                </a:extLst>
+              </a:tr>
+              <a:tr h="584890">
+                <a:tc>
+                  <a:txBody>
+                    <a:bodyPr/>
+                    <a:lstStyle/>
+                    <a:p>
+                      <a:pPr rtl="0" fontAlgn="t">
+                        <a:spcBef>
+                          <a:spcPts val="0"/>
+                        </a:spcBef>
+                        <a:spcAft>
+                          <a:spcPts val="0"/>
+                        </a:spcAft>
+                      </a:pPr>
+                      <a:r>
+                        <a:rPr lang="de-DE" sz="1100" b="1" i="0" u="none" strike="noStrike" dirty="0">
+                          <a:solidFill>
+                            <a:srgbClr val="000000"/>
+                          </a:solidFill>
+                          <a:effectLst/>
+                          <a:latin typeface="Arial" panose="020B0604020202020204" pitchFamily="34" charset="0"/>
+                        </a:rPr>
+                        <a:t>Vertragsdaten</a:t>
+                      </a:r>
+                      <a:endParaRPr lang="de-DE" b="1" dirty="0">
+                        <a:effectLst/>
+                      </a:endParaRPr>
+                    </a:p>
+                  </a:txBody>
+                  <a:tcPr marL="63500" marR="63500" marT="63500" marB="63500">
+                    <a:solidFill>
+                      <a:schemeClr val="accent5">
+                        <a:tint val="20000"/>
+                        <a:alpha val="50000"/>
+                      </a:schemeClr>
+                    </a:solidFill>
+                  </a:tcPr>
+                </a:tc>
+                <a:tc>
+                  <a:txBody>
+                    <a:bodyPr/>
+                    <a:lstStyle/>
+                    <a:p>
+                      <a:pPr rtl="0" fontAlgn="t">
+                        <a:spcBef>
+                          <a:spcPts val="0"/>
+                        </a:spcBef>
+                        <a:spcAft>
+                          <a:spcPts val="0"/>
+                        </a:spcAft>
+                      </a:pPr>
+                      <a:r>
+                        <a:rPr lang="de-DE" sz="1100" b="0" i="0" u="none" strike="noStrike" dirty="0">
+                          <a:solidFill>
+                            <a:srgbClr val="000000"/>
+                          </a:solidFill>
+                          <a:effectLst/>
+                          <a:latin typeface="Arial" panose="020B0604020202020204" pitchFamily="34" charset="0"/>
+                        </a:rPr>
+                        <a:t>Vertraulichkeit, Verfügbarkeit, Integrität,</a:t>
+                      </a:r>
+                      <a:endParaRPr lang="de-DE" sz="1100" dirty="0">
+                        <a:effectLst/>
+                      </a:endParaRPr>
+                    </a:p>
+                    <a:p>
+                      <a:pPr rtl="0" fontAlgn="t">
+                        <a:spcBef>
+                          <a:spcPts val="0"/>
+                        </a:spcBef>
+                        <a:spcAft>
+                          <a:spcPts val="0"/>
+                        </a:spcAft>
+                      </a:pPr>
+                      <a:r>
+                        <a:rPr lang="de-DE" sz="1100" b="0" i="0" u="none" strike="noStrike" dirty="0">
+                          <a:solidFill>
+                            <a:srgbClr val="000000"/>
+                          </a:solidFill>
+                          <a:effectLst/>
+                          <a:latin typeface="Arial" panose="020B0604020202020204" pitchFamily="34" charset="0"/>
+                        </a:rPr>
+                        <a:t>Authentizität, Verbindlichkeit,</a:t>
+                      </a:r>
+                      <a:endParaRPr lang="de-DE" dirty="0">
+                        <a:effectLst/>
+                      </a:endParaRPr>
+                    </a:p>
+                    <a:p>
+                      <a:pPr rtl="0" fontAlgn="t">
+                        <a:spcBef>
+                          <a:spcPts val="0"/>
+                        </a:spcBef>
+                        <a:spcAft>
+                          <a:spcPts val="0"/>
+                        </a:spcAft>
+                      </a:pPr>
+                      <a:r>
+                        <a:rPr lang="de-DE" sz="1100" b="0" i="0" u="none" strike="noStrike" dirty="0">
+                          <a:solidFill>
+                            <a:srgbClr val="000000"/>
+                          </a:solidFill>
+                          <a:effectLst/>
+                          <a:latin typeface="Arial" panose="020B0604020202020204" pitchFamily="34" charset="0"/>
+                        </a:rPr>
+                        <a:t>Identität </a:t>
+                      </a:r>
+                      <a:endParaRPr lang="de-DE" dirty="0">
+                        <a:effectLst/>
+                      </a:endParaRPr>
+                    </a:p>
+                  </a:txBody>
+                  <a:tcPr marL="63500" marR="63500" marT="63500" marB="63500">
+                    <a:solidFill>
+                      <a:schemeClr val="accent5">
+                        <a:tint val="20000"/>
+                        <a:alpha val="50000"/>
+                      </a:schemeClr>
+                    </a:solidFill>
+                  </a:tcPr>
+                </a:tc>
+                <a:tc>
+                  <a:txBody>
+                    <a:bodyPr/>
+                    <a:lstStyle/>
+                    <a:p>
+                      <a:pPr rtl="0" fontAlgn="base">
+                        <a:spcBef>
+                          <a:spcPts val="0"/>
+                        </a:spcBef>
+                        <a:spcAft>
+                          <a:spcPts val="0"/>
+                        </a:spcAft>
+                        <a:buFont typeface="Arial" panose="020B0604020202020204" pitchFamily="34" charset="0"/>
+                        <a:buChar char="•"/>
+                      </a:pPr>
+                      <a:r>
+                        <a:rPr lang="de-DE" sz="1100" b="1" i="0" u="none" strike="noStrike" dirty="0">
+                          <a:solidFill>
+                            <a:srgbClr val="000000"/>
+                          </a:solidFill>
+                          <a:effectLst/>
+                          <a:latin typeface="Arial" panose="020B0604020202020204" pitchFamily="34" charset="0"/>
+                        </a:rPr>
+                        <a:t>Zugriffskontrolle: </a:t>
+                      </a:r>
+                      <a:r>
+                        <a:rPr lang="de-DE" sz="1100" b="0" i="0" u="none" strike="noStrike" dirty="0">
+                          <a:solidFill>
+                            <a:srgbClr val="000000"/>
+                          </a:solidFill>
+                          <a:effectLst/>
+                          <a:latin typeface="Arial" panose="020B0604020202020204" pitchFamily="34" charset="0"/>
+                        </a:rPr>
+                        <a:t>Die Daten können nur von autorisiertem Personal bearbeitet und vom Kunden eingesehen werden</a:t>
+                      </a:r>
+                    </a:p>
+                    <a:p>
+                      <a:pPr rtl="0" fontAlgn="base">
+                        <a:spcBef>
+                          <a:spcPts val="0"/>
+                        </a:spcBef>
+                        <a:spcAft>
+                          <a:spcPts val="0"/>
+                        </a:spcAft>
+                        <a:buFont typeface="Arial" panose="020B0604020202020204" pitchFamily="34" charset="0"/>
+                        <a:buChar char="•"/>
+                      </a:pPr>
+                      <a:r>
+                        <a:rPr lang="de-DE" sz="1100" b="1" i="0" u="none" strike="noStrike" dirty="0">
+                          <a:solidFill>
+                            <a:srgbClr val="000000"/>
+                          </a:solidFill>
+                          <a:effectLst/>
+                          <a:latin typeface="Arial" panose="020B0604020202020204" pitchFamily="34" charset="0"/>
+                        </a:rPr>
+                        <a:t>Verschlüsselung</a:t>
+                      </a:r>
+                      <a:r>
+                        <a:rPr lang="de-DE" sz="1100" b="0" i="0" u="none" strike="noStrike" dirty="0">
+                          <a:solidFill>
+                            <a:srgbClr val="000000"/>
+                          </a:solidFill>
+                          <a:effectLst/>
+                          <a:latin typeface="Arial" panose="020B0604020202020204" pitchFamily="34" charset="0"/>
+                        </a:rPr>
+                        <a:t>: Datenverschlüsselung während der Übertragung &amp; Ruhezustand</a:t>
+                      </a:r>
+                    </a:p>
+                    <a:p>
+                      <a:pPr rtl="0" fontAlgn="base">
+                        <a:spcBef>
+                          <a:spcPts val="0"/>
+                        </a:spcBef>
+                        <a:spcAft>
+                          <a:spcPts val="0"/>
+                        </a:spcAft>
+                        <a:buFont typeface="Arial" panose="020B0604020202020204" pitchFamily="34" charset="0"/>
+                        <a:buChar char="•"/>
+                      </a:pPr>
+                      <a:r>
+                        <a:rPr lang="de-DE" sz="1100" b="1" i="0" u="none" strike="noStrike" dirty="0">
+                          <a:solidFill>
+                            <a:srgbClr val="000000"/>
+                          </a:solidFill>
+                          <a:effectLst/>
+                          <a:latin typeface="Arial" panose="020B0604020202020204" pitchFamily="34" charset="0"/>
+                        </a:rPr>
+                        <a:t>Datensicherung &amp; Wiederherstellung</a:t>
+                      </a:r>
+                      <a:r>
+                        <a:rPr lang="de-DE" sz="1100" b="0" i="0" u="none" strike="noStrike" dirty="0">
+                          <a:solidFill>
+                            <a:srgbClr val="000000"/>
+                          </a:solidFill>
+                          <a:effectLst/>
+                          <a:latin typeface="Arial" panose="020B0604020202020204" pitchFamily="34" charset="0"/>
+                        </a:rPr>
+                        <a:t>: regelmäßige Sicherung zur Vorbeugung von Datenverlusten, Notfallwiederherstellungspläne</a:t>
+                      </a:r>
+                    </a:p>
+                    <a:p>
+                      <a:pPr rtl="0" fontAlgn="base">
+                        <a:spcBef>
+                          <a:spcPts val="0"/>
+                        </a:spcBef>
+                        <a:spcAft>
+                          <a:spcPts val="0"/>
+                        </a:spcAft>
+                        <a:buFont typeface="Arial" panose="020B0604020202020204" pitchFamily="34" charset="0"/>
+                        <a:buChar char="•"/>
+                      </a:pPr>
+                      <a:r>
+                        <a:rPr lang="de-DE" sz="1100" b="1" i="0" u="none" strike="noStrike" dirty="0">
+                          <a:solidFill>
+                            <a:srgbClr val="000000"/>
+                          </a:solidFill>
+                          <a:effectLst/>
+                          <a:latin typeface="Arial" panose="020B0604020202020204" pitchFamily="34" charset="0"/>
+                        </a:rPr>
+                        <a:t>Überwachung, Protokollierung</a:t>
+                      </a:r>
+                      <a:r>
+                        <a:rPr lang="de-DE" sz="1100" b="0" i="0" u="none" strike="noStrike" dirty="0">
+                          <a:solidFill>
+                            <a:srgbClr val="000000"/>
+                          </a:solidFill>
+                          <a:effectLst/>
+                          <a:latin typeface="Arial" panose="020B0604020202020204" pitchFamily="34" charset="0"/>
+                        </a:rPr>
+                        <a:t>: Überwachungssysteme, Protokollierung zur Erkennung nicht autorisierter Aktivitäten</a:t>
+                      </a:r>
+                    </a:p>
+                    <a:p>
+                      <a:pPr rtl="0" fontAlgn="base">
+                        <a:spcBef>
+                          <a:spcPts val="0"/>
+                        </a:spcBef>
+                        <a:spcAft>
+                          <a:spcPts val="0"/>
+                        </a:spcAft>
+                        <a:buFont typeface="Arial" panose="020B0604020202020204" pitchFamily="34" charset="0"/>
+                        <a:buChar char="•"/>
+                      </a:pPr>
+                      <a:r>
+                        <a:rPr lang="de-DE" sz="1100" b="1" i="0" u="none" strike="noStrike" dirty="0">
+                          <a:solidFill>
+                            <a:srgbClr val="000000"/>
+                          </a:solidFill>
+                          <a:effectLst/>
+                          <a:latin typeface="Arial" panose="020B0604020202020204" pitchFamily="34" charset="0"/>
+                        </a:rPr>
+                        <a:t>DPIA</a:t>
+                      </a:r>
+                      <a:r>
+                        <a:rPr lang="de-DE" sz="1100" b="0" i="0" u="none" strike="noStrike" dirty="0">
+                          <a:solidFill>
+                            <a:srgbClr val="000000"/>
+                          </a:solidFill>
+                          <a:effectLst/>
+                          <a:latin typeface="Arial" panose="020B0604020202020204" pitchFamily="34" charset="0"/>
+                        </a:rPr>
+                        <a:t> - Datenschutz-Folgeabschätzung</a:t>
+                      </a:r>
+                    </a:p>
+                  </a:txBody>
+                  <a:tcPr marL="63500" marR="63500" marT="63500" marB="63500">
+                    <a:solidFill>
+                      <a:schemeClr val="accent5">
+                        <a:tint val="20000"/>
+                        <a:alpha val="50000"/>
+                      </a:schemeClr>
+                    </a:solidFill>
+                  </a:tcPr>
+                </a:tc>
+                <a:extLst>
+                  <a:ext uri="{0D108BD9-81ED-4DB2-BD59-A6C34878D82A}">
+                    <a16:rowId xmlns:a16="http://schemas.microsoft.com/office/drawing/2014/main" val="2786068541"/>
+                  </a:ext>
+                </a:extLst>
+              </a:tr>
+            </a:tbl>
+          </a:graphicData>
+        </a:graphic>
+      </p:graphicFrame>
     </p:spTree>
     <p:extLst>
       <p:ext uri="{BB962C8B-B14F-4D97-AF65-F5344CB8AC3E}">
-        <p14:creationId xmlns:p14="http://schemas.microsoft.com/office/powerpoint/2010/main" val="702132762"/>
+        <p14:creationId xmlns:p14="http://schemas.microsoft.com/office/powerpoint/2010/main" val="3366711049"/>
       </p:ext>
     </p:extLst>
   </p:cSld>
@@ -19202,70 +19330,965 @@
                 <a:ea typeface="+mj-ea"/>
                 <a:cs typeface="+mj-cs"/>
               </a:rPr>
-              <a:t>1. Geschäftsumfeld - Regularien</a:t>
+              <a:t>1. Geschäftsumfeld - Schutzziele</a:t>
             </a:r>
             <a:endParaRPr lang="de-DE" dirty="0"/>
           </a:p>
         </p:txBody>
       </p:sp>
-      <p:sp>
-        <p:nvSpPr>
-          <p:cNvPr id="4" name="Textfeld 3">
+      <p:graphicFrame>
+        <p:nvGraphicFramePr>
+          <p:cNvPr id="8" name="Tabelle 7">
             <a:extLst>
               <a:ext uri="{FF2B5EF4-FFF2-40B4-BE49-F238E27FC236}">
-                <a16:creationId xmlns:a16="http://schemas.microsoft.com/office/drawing/2014/main" id="{D82D69AE-0AEE-3331-8919-05625A2DCDD2}"/>
+                <a16:creationId xmlns:a16="http://schemas.microsoft.com/office/drawing/2014/main" id="{2E342E14-592D-2CE4-CD53-58464A287ED1}"/>
               </a:ext>
             </a:extLst>
           </p:cNvPr>
-          <p:cNvSpPr txBox="1"/>
-          <p:nvPr/>
-        </p:nvSpPr>
-        <p:spPr>
-          <a:xfrm>
-            <a:off x="1141413" y="2958370"/>
-            <a:ext cx="9905998" cy="4154984"/>
-          </a:xfrm>
-          <a:prstGeom prst="rect">
-            <a:avLst/>
-          </a:prstGeom>
-          <a:noFill/>
-        </p:spPr>
-        <p:txBody>
-          <a:bodyPr wrap="square">
-            <a:spAutoFit/>
-          </a:bodyPr>
-          <a:lstStyle/>
-          <a:p>
-            <a:pPr rtl="0">
-              <a:spcBef>
-                <a:spcPts val="0"/>
-              </a:spcBef>
-              <a:spcAft>
-                <a:spcPts val="0"/>
-              </a:spcAft>
-            </a:pPr>
-            <a:r>
-              <a:rPr lang="de-DE" sz="6600" dirty="0">
-                <a:latin typeface="Arial" panose="020B0604020202020204" pitchFamily="34" charset="0"/>
-              </a:rPr>
-              <a:t>CYNTHIA AUFLISTEN REGULARIEN IM DETAIL</a:t>
-            </a:r>
-            <a:endParaRPr lang="de-DE" sz="6600" b="0" dirty="0">
-              <a:effectLst/>
-            </a:endParaRPr>
-          </a:p>
-          <a:p>
-            <a:br>
-              <a:rPr lang="de-DE" sz="6600" dirty="0"/>
-            </a:br>
-            <a:endParaRPr lang="de-DE" sz="6600" dirty="0"/>
-          </a:p>
-        </p:txBody>
-      </p:sp>
+          <p:cNvGraphicFramePr>
+            <a:graphicFrameLocks noGrp="1"/>
+          </p:cNvGraphicFramePr>
+          <p:nvPr>
+            <p:extLst>
+              <p:ext uri="{D42A27DB-BD31-4B8C-83A1-F6EECF244321}">
+                <p14:modId xmlns:p14="http://schemas.microsoft.com/office/powerpoint/2010/main" val="2460067780"/>
+              </p:ext>
+            </p:extLst>
+          </p:nvPr>
+        </p:nvGraphicFramePr>
+        <p:xfrm>
+          <a:off x="1141414" y="1476412"/>
+          <a:ext cx="9905997" cy="5343444"/>
+        </p:xfrm>
+        <a:graphic>
+          <a:graphicData uri="http://schemas.openxmlformats.org/drawingml/2006/table">
+            <a:tbl>
+              <a:tblPr firstRow="1" bandRow="1">
+                <a:tableStyleId>{7DF18680-E054-41AD-8BC1-D1AEF772440D}</a:tableStyleId>
+              </a:tblPr>
+              <a:tblGrid>
+                <a:gridCol w="3301999">
+                  <a:extLst>
+                    <a:ext uri="{9D8B030D-6E8A-4147-A177-3AD203B41FA5}">
+                      <a16:colId xmlns:a16="http://schemas.microsoft.com/office/drawing/2014/main" val="2319416199"/>
+                    </a:ext>
+                  </a:extLst>
+                </a:gridCol>
+                <a:gridCol w="3301999">
+                  <a:extLst>
+                    <a:ext uri="{9D8B030D-6E8A-4147-A177-3AD203B41FA5}">
+                      <a16:colId xmlns:a16="http://schemas.microsoft.com/office/drawing/2014/main" val="3992258479"/>
+                    </a:ext>
+                  </a:extLst>
+                </a:gridCol>
+                <a:gridCol w="3301999">
+                  <a:extLst>
+                    <a:ext uri="{9D8B030D-6E8A-4147-A177-3AD203B41FA5}">
+                      <a16:colId xmlns:a16="http://schemas.microsoft.com/office/drawing/2014/main" val="1367547950"/>
+                    </a:ext>
+                  </a:extLst>
+                </a:gridCol>
+              </a:tblGrid>
+              <a:tr h="469197">
+                <a:tc>
+                  <a:txBody>
+                    <a:bodyPr/>
+                    <a:lstStyle/>
+                    <a:p>
+                      <a:pPr rtl="0" fontAlgn="t">
+                        <a:spcBef>
+                          <a:spcPts val="0"/>
+                        </a:spcBef>
+                        <a:spcAft>
+                          <a:spcPts val="0"/>
+                        </a:spcAft>
+                      </a:pPr>
+                      <a:r>
+                        <a:rPr lang="de-DE" sz="1100" b="1" i="0" u="none" strike="noStrike" dirty="0">
+                          <a:solidFill>
+                            <a:srgbClr val="000000"/>
+                          </a:solidFill>
+                          <a:effectLst/>
+                          <a:latin typeface="Arial" panose="020B0604020202020204" pitchFamily="34" charset="0"/>
+                        </a:rPr>
+                        <a:t>Zu schützende Objekte</a:t>
+                      </a:r>
+                      <a:endParaRPr lang="de-DE" dirty="0">
+                        <a:effectLst/>
+                      </a:endParaRPr>
+                    </a:p>
+                  </a:txBody>
+                  <a:tcPr marL="63500" marR="63500" marT="63500" marB="63500">
+                    <a:solidFill>
+                      <a:schemeClr val="accent5">
+                        <a:alpha val="50000"/>
+                      </a:schemeClr>
+                    </a:solidFill>
+                  </a:tcPr>
+                </a:tc>
+                <a:tc>
+                  <a:txBody>
+                    <a:bodyPr/>
+                    <a:lstStyle/>
+                    <a:p>
+                      <a:pPr rtl="0" fontAlgn="t">
+                        <a:spcBef>
+                          <a:spcPts val="0"/>
+                        </a:spcBef>
+                        <a:spcAft>
+                          <a:spcPts val="0"/>
+                        </a:spcAft>
+                      </a:pPr>
+                      <a:r>
+                        <a:rPr lang="de-DE" sz="1100" b="1" i="0" u="none" strike="noStrike">
+                          <a:solidFill>
+                            <a:srgbClr val="000000"/>
+                          </a:solidFill>
+                          <a:effectLst/>
+                          <a:latin typeface="Arial" panose="020B0604020202020204" pitchFamily="34" charset="0"/>
+                        </a:rPr>
+                        <a:t>Schutzziele</a:t>
+                      </a:r>
+                      <a:endParaRPr lang="de-DE">
+                        <a:effectLst/>
+                      </a:endParaRPr>
+                    </a:p>
+                  </a:txBody>
+                  <a:tcPr marL="63500" marR="63500" marT="63500" marB="63500">
+                    <a:solidFill>
+                      <a:schemeClr val="accent5">
+                        <a:alpha val="50000"/>
+                      </a:schemeClr>
+                    </a:solidFill>
+                  </a:tcPr>
+                </a:tc>
+                <a:tc>
+                  <a:txBody>
+                    <a:bodyPr/>
+                    <a:lstStyle/>
+                    <a:p>
+                      <a:pPr rtl="0" fontAlgn="t">
+                        <a:spcBef>
+                          <a:spcPts val="0"/>
+                        </a:spcBef>
+                        <a:spcAft>
+                          <a:spcPts val="0"/>
+                        </a:spcAft>
+                      </a:pPr>
+                      <a:r>
+                        <a:rPr lang="de-DE" sz="1100" b="1" i="0" u="none" strike="noStrike">
+                          <a:solidFill>
+                            <a:srgbClr val="000000"/>
+                          </a:solidFill>
+                          <a:effectLst/>
+                          <a:latin typeface="Arial" panose="020B0604020202020204" pitchFamily="34" charset="0"/>
+                        </a:rPr>
+                        <a:t>Sicherheitsanforderungen</a:t>
+                      </a:r>
+                      <a:endParaRPr lang="de-DE">
+                        <a:effectLst/>
+                      </a:endParaRPr>
+                    </a:p>
+                  </a:txBody>
+                  <a:tcPr marL="63500" marR="63500" marT="63500" marB="63500">
+                    <a:solidFill>
+                      <a:schemeClr val="accent5">
+                        <a:alpha val="50000"/>
+                      </a:schemeClr>
+                    </a:solidFill>
+                  </a:tcPr>
+                </a:tc>
+                <a:extLst>
+                  <a:ext uri="{0D108BD9-81ED-4DB2-BD59-A6C34878D82A}">
+                    <a16:rowId xmlns:a16="http://schemas.microsoft.com/office/drawing/2014/main" val="307818175"/>
+                  </a:ext>
+                </a:extLst>
+              </a:tr>
+              <a:tr h="584890">
+                <a:tc>
+                  <a:txBody>
+                    <a:bodyPr/>
+                    <a:lstStyle/>
+                    <a:p>
+                      <a:pPr rtl="0" fontAlgn="t">
+                        <a:spcBef>
+                          <a:spcPts val="0"/>
+                        </a:spcBef>
+                        <a:spcAft>
+                          <a:spcPts val="0"/>
+                        </a:spcAft>
+                      </a:pPr>
+                      <a:r>
+                        <a:rPr lang="de-DE" sz="1100" b="1" i="0" u="none" strike="noStrike" dirty="0">
+                          <a:solidFill>
+                            <a:srgbClr val="000000"/>
+                          </a:solidFill>
+                          <a:effectLst/>
+                          <a:latin typeface="Arial" panose="020B0604020202020204" pitchFamily="34" charset="0"/>
+                        </a:rPr>
+                        <a:t>Messdaten</a:t>
+                      </a:r>
+                      <a:endParaRPr lang="de-DE" b="1" dirty="0">
+                        <a:effectLst/>
+                      </a:endParaRPr>
+                    </a:p>
+                  </a:txBody>
+                  <a:tcPr marL="63500" marR="63500" marT="63500" marB="63500">
+                    <a:solidFill>
+                      <a:schemeClr val="accent5">
+                        <a:tint val="40000"/>
+                        <a:alpha val="50000"/>
+                      </a:schemeClr>
+                    </a:solidFill>
+                  </a:tcPr>
+                </a:tc>
+                <a:tc>
+                  <a:txBody>
+                    <a:bodyPr/>
+                    <a:lstStyle/>
+                    <a:p>
+                      <a:pPr rtl="0" fontAlgn="t">
+                        <a:spcBef>
+                          <a:spcPts val="0"/>
+                        </a:spcBef>
+                        <a:spcAft>
+                          <a:spcPts val="0"/>
+                        </a:spcAft>
+                      </a:pPr>
+                      <a:r>
+                        <a:rPr lang="de-DE" sz="1100" b="0" i="0" u="none" strike="noStrike" dirty="0">
+                          <a:solidFill>
+                            <a:srgbClr val="000000"/>
+                          </a:solidFill>
+                          <a:effectLst/>
+                          <a:latin typeface="Arial" panose="020B0604020202020204" pitchFamily="34" charset="0"/>
+                        </a:rPr>
+                        <a:t>Vertraulichkeit, Verfügbarkeit, Integrität,</a:t>
+                      </a:r>
+                      <a:endParaRPr lang="de-DE" sz="1100" dirty="0">
+                        <a:effectLst/>
+                      </a:endParaRPr>
+                    </a:p>
+                    <a:p>
+                      <a:pPr rtl="0" fontAlgn="t">
+                        <a:spcBef>
+                          <a:spcPts val="0"/>
+                        </a:spcBef>
+                        <a:spcAft>
+                          <a:spcPts val="0"/>
+                        </a:spcAft>
+                      </a:pPr>
+                      <a:r>
+                        <a:rPr lang="de-DE" sz="1100" b="0" i="0" u="none" strike="noStrike" dirty="0">
+                          <a:solidFill>
+                            <a:srgbClr val="000000"/>
+                          </a:solidFill>
+                          <a:effectLst/>
+                          <a:latin typeface="Arial" panose="020B0604020202020204" pitchFamily="34" charset="0"/>
+                        </a:rPr>
+                        <a:t>Identität</a:t>
+                      </a:r>
+                      <a:endParaRPr lang="de-DE" dirty="0">
+                        <a:effectLst/>
+                      </a:endParaRPr>
+                    </a:p>
+                  </a:txBody>
+                  <a:tcPr marL="63500" marR="63500" marT="63500" marB="63500">
+                    <a:solidFill>
+                      <a:schemeClr val="accent5">
+                        <a:tint val="40000"/>
+                        <a:alpha val="50000"/>
+                      </a:schemeClr>
+                    </a:solidFill>
+                  </a:tcPr>
+                </a:tc>
+                <a:tc>
+                  <a:txBody>
+                    <a:bodyPr/>
+                    <a:lstStyle/>
+                    <a:p>
+                      <a:pPr rtl="0" fontAlgn="base">
+                        <a:spcBef>
+                          <a:spcPts val="0"/>
+                        </a:spcBef>
+                        <a:spcAft>
+                          <a:spcPts val="0"/>
+                        </a:spcAft>
+                        <a:buFont typeface="Arial" panose="020B0604020202020204" pitchFamily="34" charset="0"/>
+                        <a:buChar char="•"/>
+                      </a:pPr>
+                      <a:r>
+                        <a:rPr lang="de-DE" sz="1100" b="1" i="0" u="none" strike="noStrike" dirty="0">
+                          <a:solidFill>
+                            <a:srgbClr val="000000"/>
+                          </a:solidFill>
+                          <a:effectLst/>
+                          <a:latin typeface="Arial" panose="020B0604020202020204" pitchFamily="34" charset="0"/>
+                        </a:rPr>
+                        <a:t>Datenschutz</a:t>
+                      </a:r>
+                      <a:r>
+                        <a:rPr lang="de-DE" sz="1100" b="0" i="0" u="none" strike="noStrike" dirty="0">
+                          <a:solidFill>
+                            <a:srgbClr val="000000"/>
+                          </a:solidFill>
+                          <a:effectLst/>
+                          <a:latin typeface="Arial" panose="020B0604020202020204" pitchFamily="34" charset="0"/>
+                        </a:rPr>
+                        <a:t>: Schutz der Messdaten vor unbefugtem Zugriff, Diebstahl; Zugriffskontrollen (Daten können nur von autorisiertem Personal &amp; Kunden eingesehen werden)</a:t>
+                      </a:r>
+                    </a:p>
+                    <a:p>
+                      <a:pPr rtl="0" fontAlgn="base">
+                        <a:spcBef>
+                          <a:spcPts val="0"/>
+                        </a:spcBef>
+                        <a:spcAft>
+                          <a:spcPts val="0"/>
+                        </a:spcAft>
+                        <a:buFont typeface="Arial" panose="020B0604020202020204" pitchFamily="34" charset="0"/>
+                        <a:buChar char="•"/>
+                      </a:pPr>
+                      <a:r>
+                        <a:rPr lang="de-DE" sz="1100" b="1" i="0" u="none" strike="noStrike" dirty="0">
+                          <a:solidFill>
+                            <a:srgbClr val="000000"/>
+                          </a:solidFill>
+                          <a:effectLst/>
+                          <a:latin typeface="Arial" panose="020B0604020202020204" pitchFamily="34" charset="0"/>
+                        </a:rPr>
+                        <a:t>Datensparsamkeit</a:t>
+                      </a:r>
+                      <a:r>
+                        <a:rPr lang="de-DE" sz="1100" b="0" i="0" u="none" strike="noStrike" dirty="0">
+                          <a:solidFill>
+                            <a:srgbClr val="000000"/>
+                          </a:solidFill>
+                          <a:effectLst/>
+                          <a:latin typeface="Arial" panose="020B0604020202020204" pitchFamily="34" charset="0"/>
+                        </a:rPr>
+                        <a:t>: Erfassung, Speicherung nur von notwendigen Messdaten</a:t>
+                      </a:r>
+                    </a:p>
+                    <a:p>
+                      <a:pPr rtl="0" fontAlgn="base">
+                        <a:spcBef>
+                          <a:spcPts val="0"/>
+                        </a:spcBef>
+                        <a:spcAft>
+                          <a:spcPts val="0"/>
+                        </a:spcAft>
+                        <a:buFont typeface="Arial" panose="020B0604020202020204" pitchFamily="34" charset="0"/>
+                        <a:buChar char="•"/>
+                      </a:pPr>
+                      <a:r>
+                        <a:rPr lang="de-DE" sz="1100" b="1" i="0" u="none" strike="noStrike" dirty="0">
+                          <a:solidFill>
+                            <a:srgbClr val="000000"/>
+                          </a:solidFill>
+                          <a:effectLst/>
+                          <a:latin typeface="Arial" panose="020B0604020202020204" pitchFamily="34" charset="0"/>
+                        </a:rPr>
+                        <a:t>Transparenz, Informationspflichten</a:t>
+                      </a:r>
+                      <a:r>
+                        <a:rPr lang="de-DE" sz="1100" b="0" i="0" u="none" strike="noStrike" dirty="0">
+                          <a:solidFill>
+                            <a:srgbClr val="000000"/>
+                          </a:solidFill>
+                          <a:effectLst/>
+                          <a:latin typeface="Arial" panose="020B0604020202020204" pitchFamily="34" charset="0"/>
+                        </a:rPr>
+                        <a:t>: Betroffene müssen über Erhebung, Verarbeitung der Daten informiert werden, mit Angabe des Verwendungszweckes (EnWG)</a:t>
+                      </a:r>
+                    </a:p>
+                    <a:p>
+                      <a:pPr rtl="0" fontAlgn="base">
+                        <a:spcBef>
+                          <a:spcPts val="0"/>
+                        </a:spcBef>
+                        <a:spcAft>
+                          <a:spcPts val="0"/>
+                        </a:spcAft>
+                        <a:buFont typeface="Arial" panose="020B0604020202020204" pitchFamily="34" charset="0"/>
+                        <a:buChar char="•"/>
+                      </a:pPr>
+                      <a:r>
+                        <a:rPr lang="de-DE" sz="1100" b="1" i="0" u="none" strike="noStrike" dirty="0">
+                          <a:solidFill>
+                            <a:srgbClr val="000000"/>
+                          </a:solidFill>
+                          <a:effectLst/>
+                          <a:latin typeface="Arial" panose="020B0604020202020204" pitchFamily="34" charset="0"/>
+                        </a:rPr>
+                        <a:t>Rechte der Betroffenen </a:t>
+                      </a:r>
+                      <a:r>
+                        <a:rPr lang="de-DE" sz="1100" b="1" i="0" u="none" strike="noStrike" kern="1200" dirty="0">
+                          <a:solidFill>
+                            <a:srgbClr val="000000"/>
+                          </a:solidFill>
+                          <a:effectLst/>
+                          <a:latin typeface="Arial" panose="020B0604020202020204" pitchFamily="34" charset="0"/>
+                          <a:ea typeface="+mn-ea"/>
+                          <a:cs typeface="+mn-cs"/>
+                        </a:rPr>
+                        <a:t>(DSGVO): </a:t>
+                      </a:r>
+                      <a:r>
+                        <a:rPr lang="de-DE" sz="1100" b="0" i="0" u="none" strike="noStrike" kern="1200" dirty="0">
+                          <a:solidFill>
+                            <a:srgbClr val="000000"/>
+                          </a:solidFill>
+                          <a:effectLst/>
+                          <a:latin typeface="Arial" panose="020B0604020202020204" pitchFamily="34" charset="0"/>
+                          <a:ea typeface="+mn-ea"/>
+                          <a:cs typeface="+mn-cs"/>
+                        </a:rPr>
+                        <a:t>Recht auf Auskunft, Recht auf Berichtigung und Löschung, Recht auf Verarbeitungseinschränkung der Daten, Recht auf Widerspruch der Datenverarbeitung und Recht auf Datenübertragbarkeit</a:t>
+                      </a:r>
+                    </a:p>
+                    <a:p>
+                      <a:pPr rtl="0" fontAlgn="base">
+                        <a:spcBef>
+                          <a:spcPts val="0"/>
+                        </a:spcBef>
+                        <a:spcAft>
+                          <a:spcPts val="0"/>
+                        </a:spcAft>
+                        <a:buFont typeface="Arial" panose="020B0604020202020204" pitchFamily="34" charset="0"/>
+                        <a:buChar char="•"/>
+                      </a:pPr>
+                      <a:r>
+                        <a:rPr lang="de-DE" sz="1100" b="1" i="0" u="none" strike="noStrike" dirty="0">
+                          <a:solidFill>
+                            <a:srgbClr val="000000"/>
+                          </a:solidFill>
+                          <a:effectLst/>
+                          <a:latin typeface="Arial" panose="020B0604020202020204" pitchFamily="34" charset="0"/>
+                        </a:rPr>
+                        <a:t>DPIA</a:t>
+                      </a:r>
+                      <a:r>
+                        <a:rPr lang="de-DE" sz="1100" b="0" i="0" u="none" strike="noStrike" dirty="0">
+                          <a:solidFill>
+                            <a:srgbClr val="000000"/>
+                          </a:solidFill>
+                          <a:effectLst/>
+                          <a:latin typeface="Arial" panose="020B0604020202020204" pitchFamily="34" charset="0"/>
+                        </a:rPr>
+                        <a:t> - Datenschutz-Folgeabschätzung</a:t>
+                      </a:r>
+                    </a:p>
+                  </a:txBody>
+                  <a:tcPr marL="63500" marR="63500" marT="63500" marB="63500">
+                    <a:solidFill>
+                      <a:schemeClr val="accent5">
+                        <a:tint val="40000"/>
+                        <a:alpha val="50000"/>
+                      </a:schemeClr>
+                    </a:solidFill>
+                  </a:tcPr>
+                </a:tc>
+                <a:extLst>
+                  <a:ext uri="{0D108BD9-81ED-4DB2-BD59-A6C34878D82A}">
+                    <a16:rowId xmlns:a16="http://schemas.microsoft.com/office/drawing/2014/main" val="2985612028"/>
+                  </a:ext>
+                </a:extLst>
+              </a:tr>
+              <a:tr h="584890">
+                <a:tc>
+                  <a:txBody>
+                    <a:bodyPr/>
+                    <a:lstStyle/>
+                    <a:p>
+                      <a:pPr rtl="0" fontAlgn="t">
+                        <a:spcBef>
+                          <a:spcPts val="0"/>
+                        </a:spcBef>
+                        <a:spcAft>
+                          <a:spcPts val="0"/>
+                        </a:spcAft>
+                      </a:pPr>
+                      <a:r>
+                        <a:rPr lang="de-DE" sz="1100" b="1" i="0" u="none" strike="noStrike">
+                          <a:solidFill>
+                            <a:srgbClr val="000000"/>
+                          </a:solidFill>
+                          <a:effectLst/>
+                          <a:latin typeface="Arial" panose="020B0604020202020204" pitchFamily="34" charset="0"/>
+                        </a:rPr>
+                        <a:t>Systemschnittstellen</a:t>
+                      </a:r>
+                      <a:endParaRPr lang="de-DE" b="1">
+                        <a:effectLst/>
+                      </a:endParaRPr>
+                    </a:p>
+                  </a:txBody>
+                  <a:tcPr marL="63500" marR="63500" marT="63500" marB="63500">
+                    <a:solidFill>
+                      <a:schemeClr val="accent5">
+                        <a:tint val="20000"/>
+                        <a:alpha val="50000"/>
+                      </a:schemeClr>
+                    </a:solidFill>
+                  </a:tcPr>
+                </a:tc>
+                <a:tc>
+                  <a:txBody>
+                    <a:bodyPr/>
+                    <a:lstStyle/>
+                    <a:p>
+                      <a:pPr rtl="0" fontAlgn="t">
+                        <a:spcBef>
+                          <a:spcPts val="0"/>
+                        </a:spcBef>
+                        <a:spcAft>
+                          <a:spcPts val="0"/>
+                        </a:spcAft>
+                      </a:pPr>
+                      <a:r>
+                        <a:rPr lang="de-DE" sz="1100" b="0" i="0" u="none" strike="noStrike" dirty="0">
+                          <a:solidFill>
+                            <a:srgbClr val="000000"/>
+                          </a:solidFill>
+                          <a:effectLst/>
+                          <a:latin typeface="Arial" panose="020B0604020202020204" pitchFamily="34" charset="0"/>
+                        </a:rPr>
+                        <a:t>Vertraulichkeit, Verfügbarkeit, Integrität,</a:t>
+                      </a:r>
+                      <a:endParaRPr lang="de-DE" sz="1100" dirty="0">
+                        <a:effectLst/>
+                      </a:endParaRPr>
+                    </a:p>
+                    <a:p>
+                      <a:pPr rtl="0" fontAlgn="t">
+                        <a:spcBef>
+                          <a:spcPts val="0"/>
+                        </a:spcBef>
+                        <a:spcAft>
+                          <a:spcPts val="0"/>
+                        </a:spcAft>
+                      </a:pPr>
+                      <a:r>
+                        <a:rPr lang="de-DE" sz="1100" b="0" i="0" u="none" strike="noStrike" dirty="0">
+                          <a:solidFill>
+                            <a:srgbClr val="000000"/>
+                          </a:solidFill>
+                          <a:effectLst/>
+                          <a:latin typeface="Arial" panose="020B0604020202020204" pitchFamily="34" charset="0"/>
+                        </a:rPr>
+                        <a:t>Widerstandsfähigkeit</a:t>
+                      </a:r>
+                      <a:endParaRPr lang="de-DE" dirty="0">
+                        <a:effectLst/>
+                      </a:endParaRPr>
+                    </a:p>
+                  </a:txBody>
+                  <a:tcPr marL="63500" marR="63500" marT="63500" marB="63500">
+                    <a:solidFill>
+                      <a:schemeClr val="accent5">
+                        <a:tint val="20000"/>
+                        <a:alpha val="50000"/>
+                      </a:schemeClr>
+                    </a:solidFill>
+                  </a:tcPr>
+                </a:tc>
+                <a:tc>
+                  <a:txBody>
+                    <a:bodyPr/>
+                    <a:lstStyle/>
+                    <a:p>
+                      <a:pPr rtl="0" fontAlgn="t">
+                        <a:spcBef>
+                          <a:spcPts val="0"/>
+                        </a:spcBef>
+                        <a:spcAft>
+                          <a:spcPts val="0"/>
+                        </a:spcAft>
+                      </a:pPr>
+                      <a:r>
+                        <a:rPr lang="de-DE" sz="1100" b="0" i="0" u="none" strike="noStrike">
+                          <a:solidFill>
+                            <a:srgbClr val="000000"/>
+                          </a:solidFill>
+                          <a:effectLst/>
+                          <a:latin typeface="Arial" panose="020B0604020202020204" pitchFamily="34" charset="0"/>
+                        </a:rPr>
+                        <a:t>Schnittstellen dürfen nur von Authentifizierten Parteien verwendet werden</a:t>
+                      </a:r>
+                      <a:endParaRPr lang="de-DE">
+                        <a:effectLst/>
+                      </a:endParaRPr>
+                    </a:p>
+                  </a:txBody>
+                  <a:tcPr marL="63500" marR="63500" marT="63500" marB="63500">
+                    <a:solidFill>
+                      <a:schemeClr val="accent5">
+                        <a:tint val="20000"/>
+                        <a:alpha val="50000"/>
+                      </a:schemeClr>
+                    </a:solidFill>
+                  </a:tcPr>
+                </a:tc>
+                <a:extLst>
+                  <a:ext uri="{0D108BD9-81ED-4DB2-BD59-A6C34878D82A}">
+                    <a16:rowId xmlns:a16="http://schemas.microsoft.com/office/drawing/2014/main" val="2992059505"/>
+                  </a:ext>
+                </a:extLst>
+              </a:tr>
+              <a:tr h="469197">
+                <a:tc>
+                  <a:txBody>
+                    <a:bodyPr/>
+                    <a:lstStyle/>
+                    <a:p>
+                      <a:pPr rtl="0" fontAlgn="t">
+                        <a:spcBef>
+                          <a:spcPts val="0"/>
+                        </a:spcBef>
+                        <a:spcAft>
+                          <a:spcPts val="0"/>
+                        </a:spcAft>
+                      </a:pPr>
+                      <a:r>
+                        <a:rPr lang="de-DE" sz="1100" b="1" i="0" u="none" strike="noStrike">
+                          <a:solidFill>
+                            <a:srgbClr val="000000"/>
+                          </a:solidFill>
+                          <a:effectLst/>
+                          <a:latin typeface="Arial" panose="020B0604020202020204" pitchFamily="34" charset="0"/>
+                        </a:rPr>
+                        <a:t>Produktivsystem</a:t>
+                      </a:r>
+                      <a:endParaRPr lang="de-DE" b="1">
+                        <a:effectLst/>
+                      </a:endParaRPr>
+                    </a:p>
+                  </a:txBody>
+                  <a:tcPr marL="63500" marR="63500" marT="63500" marB="63500">
+                    <a:solidFill>
+                      <a:schemeClr val="accent5">
+                        <a:tint val="40000"/>
+                        <a:alpha val="50000"/>
+                      </a:schemeClr>
+                    </a:solidFill>
+                  </a:tcPr>
+                </a:tc>
+                <a:tc>
+                  <a:txBody>
+                    <a:bodyPr/>
+                    <a:lstStyle/>
+                    <a:p>
+                      <a:pPr rtl="0" fontAlgn="t">
+                        <a:spcBef>
+                          <a:spcPts val="0"/>
+                        </a:spcBef>
+                        <a:spcAft>
+                          <a:spcPts val="0"/>
+                        </a:spcAft>
+                      </a:pPr>
+                      <a:r>
+                        <a:rPr lang="de-DE" sz="1100" b="0" i="0" u="none" strike="noStrike" dirty="0">
+                          <a:solidFill>
+                            <a:srgbClr val="000000"/>
+                          </a:solidFill>
+                          <a:effectLst/>
+                          <a:latin typeface="Arial" panose="020B0604020202020204" pitchFamily="34" charset="0"/>
+                        </a:rPr>
+                        <a:t>Vertraulichkeit, Verfügbarkeit, Integrität,</a:t>
+                      </a:r>
+                      <a:endParaRPr lang="de-DE" sz="1100" dirty="0">
+                        <a:effectLst/>
+                      </a:endParaRPr>
+                    </a:p>
+                    <a:p>
+                      <a:pPr rtl="0" fontAlgn="t">
+                        <a:spcBef>
+                          <a:spcPts val="0"/>
+                        </a:spcBef>
+                        <a:spcAft>
+                          <a:spcPts val="0"/>
+                        </a:spcAft>
+                      </a:pPr>
+                      <a:r>
+                        <a:rPr lang="de-DE" sz="1100" b="0" i="0" u="none" strike="noStrike" dirty="0">
+                          <a:solidFill>
+                            <a:srgbClr val="000000"/>
+                          </a:solidFill>
+                          <a:effectLst/>
+                          <a:latin typeface="Arial" panose="020B0604020202020204" pitchFamily="34" charset="0"/>
+                        </a:rPr>
+                        <a:t>Verbindlichkeit, Widerstandsfähigkeit,</a:t>
+                      </a:r>
+                      <a:endParaRPr lang="de-DE" dirty="0">
+                        <a:effectLst/>
+                      </a:endParaRPr>
+                    </a:p>
+                    <a:p>
+                      <a:pPr fontAlgn="t"/>
+                      <a:br>
+                        <a:rPr lang="de-DE" dirty="0">
+                          <a:effectLst/>
+                        </a:rPr>
+                      </a:br>
+                      <a:endParaRPr lang="de-DE" dirty="0">
+                        <a:effectLst/>
+                      </a:endParaRPr>
+                    </a:p>
+                  </a:txBody>
+                  <a:tcPr marL="63500" marR="63500" marT="63500" marB="63500">
+                    <a:solidFill>
+                      <a:schemeClr val="accent5">
+                        <a:tint val="40000"/>
+                        <a:alpha val="50000"/>
+                      </a:schemeClr>
+                    </a:solidFill>
+                  </a:tcPr>
+                </a:tc>
+                <a:tc>
+                  <a:txBody>
+                    <a:bodyPr/>
+                    <a:lstStyle/>
+                    <a:p>
+                      <a:pPr rtl="0" fontAlgn="base">
+                        <a:spcBef>
+                          <a:spcPts val="0"/>
+                        </a:spcBef>
+                        <a:spcAft>
+                          <a:spcPts val="0"/>
+                        </a:spcAft>
+                        <a:buFont typeface="Arial" panose="020B0604020202020204" pitchFamily="34" charset="0"/>
+                        <a:buChar char="•"/>
+                      </a:pPr>
+                      <a:r>
+                        <a:rPr lang="de-DE" sz="1100" b="0" i="0" u="none" strike="noStrike" dirty="0">
+                          <a:solidFill>
+                            <a:srgbClr val="000000"/>
+                          </a:solidFill>
+                          <a:effectLst/>
+                          <a:latin typeface="Arial" panose="020B0604020202020204" pitchFamily="34" charset="0"/>
+                        </a:rPr>
+                        <a:t>Zugriffskontrolle/Rollenverteilung</a:t>
+                      </a:r>
+                    </a:p>
+                    <a:p>
+                      <a:pPr rtl="0" fontAlgn="base">
+                        <a:spcBef>
+                          <a:spcPts val="0"/>
+                        </a:spcBef>
+                        <a:spcAft>
+                          <a:spcPts val="0"/>
+                        </a:spcAft>
+                        <a:buFont typeface="Arial" panose="020B0604020202020204" pitchFamily="34" charset="0"/>
+                        <a:buChar char="•"/>
+                      </a:pPr>
+                      <a:r>
+                        <a:rPr lang="de-DE" sz="1100" b="0" i="0" u="none" strike="noStrike" dirty="0">
+                          <a:solidFill>
+                            <a:srgbClr val="000000"/>
+                          </a:solidFill>
+                          <a:effectLst/>
+                          <a:latin typeface="Arial" panose="020B0604020202020204" pitchFamily="34" charset="0"/>
+                        </a:rPr>
+                        <a:t>Validierung/Bereinigung User Eingaben</a:t>
+                      </a:r>
+                    </a:p>
+                    <a:p>
+                      <a:pPr rtl="0" fontAlgn="base">
+                        <a:spcBef>
+                          <a:spcPts val="0"/>
+                        </a:spcBef>
+                        <a:spcAft>
+                          <a:spcPts val="0"/>
+                        </a:spcAft>
+                        <a:buFont typeface="Arial" panose="020B0604020202020204" pitchFamily="34" charset="0"/>
+                        <a:buChar char="•"/>
+                      </a:pPr>
+                      <a:r>
+                        <a:rPr lang="de-DE" sz="1100" b="0" i="0" u="none" strike="noStrike" dirty="0">
+                          <a:solidFill>
+                            <a:srgbClr val="000000"/>
+                          </a:solidFill>
+                          <a:effectLst/>
+                          <a:latin typeface="Arial" panose="020B0604020202020204" pitchFamily="34" charset="0"/>
+                        </a:rPr>
+                        <a:t>Schutz vor DDOS-Angriffen</a:t>
+                      </a:r>
+                    </a:p>
+                  </a:txBody>
+                  <a:tcPr marL="63500" marR="63500" marT="63500" marB="63500">
+                    <a:solidFill>
+                      <a:schemeClr val="accent5">
+                        <a:tint val="40000"/>
+                        <a:alpha val="50000"/>
+                      </a:schemeClr>
+                    </a:solidFill>
+                  </a:tcPr>
+                </a:tc>
+                <a:extLst>
+                  <a:ext uri="{0D108BD9-81ED-4DB2-BD59-A6C34878D82A}">
+                    <a16:rowId xmlns:a16="http://schemas.microsoft.com/office/drawing/2014/main" val="1500506784"/>
+                  </a:ext>
+                </a:extLst>
+              </a:tr>
+              <a:tr h="469197">
+                <a:tc>
+                  <a:txBody>
+                    <a:bodyPr/>
+                    <a:lstStyle/>
+                    <a:p>
+                      <a:pPr rtl="0" fontAlgn="t">
+                        <a:spcBef>
+                          <a:spcPts val="0"/>
+                        </a:spcBef>
+                        <a:spcAft>
+                          <a:spcPts val="0"/>
+                        </a:spcAft>
+                      </a:pPr>
+                      <a:r>
+                        <a:rPr lang="de-DE" sz="1100" b="1" i="0" u="none" strike="noStrike" dirty="0">
+                          <a:solidFill>
+                            <a:srgbClr val="000000"/>
+                          </a:solidFill>
+                          <a:effectLst/>
+                          <a:latin typeface="Arial" panose="020B0604020202020204" pitchFamily="34" charset="0"/>
+                        </a:rPr>
+                        <a:t>Testsystem</a:t>
+                      </a:r>
+                      <a:endParaRPr lang="de-DE" b="1" dirty="0">
+                        <a:effectLst/>
+                      </a:endParaRPr>
+                    </a:p>
+                  </a:txBody>
+                  <a:tcPr marL="63500" marR="63500" marT="63500" marB="63500">
+                    <a:solidFill>
+                      <a:schemeClr val="accent5">
+                        <a:tint val="20000"/>
+                        <a:alpha val="50000"/>
+                      </a:schemeClr>
+                    </a:solidFill>
+                  </a:tcPr>
+                </a:tc>
+                <a:tc>
+                  <a:txBody>
+                    <a:bodyPr/>
+                    <a:lstStyle/>
+                    <a:p>
+                      <a:pPr rtl="0" fontAlgn="t">
+                        <a:spcBef>
+                          <a:spcPts val="0"/>
+                        </a:spcBef>
+                        <a:spcAft>
+                          <a:spcPts val="0"/>
+                        </a:spcAft>
+                      </a:pPr>
+                      <a:r>
+                        <a:rPr lang="de-DE" sz="1100" b="0" i="0" u="none" strike="noStrike" dirty="0" err="1">
+                          <a:solidFill>
+                            <a:srgbClr val="000000"/>
+                          </a:solidFill>
+                          <a:effectLst/>
+                          <a:latin typeface="Arial" panose="020B0604020202020204" pitchFamily="34" charset="0"/>
+                        </a:rPr>
+                        <a:t>Vertraulichkeit,Anonymität</a:t>
+                      </a:r>
+                      <a:r>
+                        <a:rPr lang="de-DE" sz="1100" b="0" i="0" u="none" strike="noStrike" dirty="0">
+                          <a:solidFill>
+                            <a:srgbClr val="000000"/>
+                          </a:solidFill>
+                          <a:effectLst/>
+                          <a:latin typeface="Arial" panose="020B0604020202020204" pitchFamily="34" charset="0"/>
+                        </a:rPr>
+                        <a:t> </a:t>
+                      </a:r>
+                      <a:endParaRPr lang="de-DE" dirty="0">
+                        <a:effectLst/>
+                      </a:endParaRPr>
+                    </a:p>
+                  </a:txBody>
+                  <a:tcPr marL="63500" marR="63500" marT="63500" marB="63500">
+                    <a:solidFill>
+                      <a:schemeClr val="accent5">
+                        <a:tint val="20000"/>
+                        <a:alpha val="50000"/>
+                      </a:schemeClr>
+                    </a:solidFill>
+                  </a:tcPr>
+                </a:tc>
+                <a:tc>
+                  <a:txBody>
+                    <a:bodyPr/>
+                    <a:lstStyle/>
+                    <a:p>
+                      <a:pPr rtl="0" fontAlgn="base">
+                        <a:spcBef>
+                          <a:spcPts val="0"/>
+                        </a:spcBef>
+                        <a:spcAft>
+                          <a:spcPts val="0"/>
+                        </a:spcAft>
+                        <a:buFont typeface="Arial" panose="020B0604020202020204" pitchFamily="34" charset="0"/>
+                        <a:buChar char="•"/>
+                      </a:pPr>
+                      <a:r>
+                        <a:rPr lang="de-DE" sz="1100" b="0" i="0" u="none" strike="noStrike" dirty="0">
+                          <a:solidFill>
+                            <a:srgbClr val="000000"/>
+                          </a:solidFill>
+                          <a:effectLst/>
+                          <a:latin typeface="Arial" panose="020B0604020202020204" pitchFamily="34" charset="0"/>
+                        </a:rPr>
+                        <a:t>Zugriffskontrollen</a:t>
+                      </a:r>
+                    </a:p>
+                    <a:p>
+                      <a:pPr rtl="0" fontAlgn="base">
+                        <a:spcBef>
+                          <a:spcPts val="0"/>
+                        </a:spcBef>
+                        <a:spcAft>
+                          <a:spcPts val="0"/>
+                        </a:spcAft>
+                        <a:buFont typeface="Arial" panose="020B0604020202020204" pitchFamily="34" charset="0"/>
+                        <a:buChar char="•"/>
+                      </a:pPr>
+                      <a:r>
+                        <a:rPr lang="de-DE" sz="1100" b="0" i="0" u="none" strike="noStrike" dirty="0">
+                          <a:solidFill>
+                            <a:srgbClr val="000000"/>
+                          </a:solidFill>
+                          <a:effectLst/>
+                          <a:latin typeface="Arial" panose="020B0604020202020204" pitchFamily="34" charset="0"/>
+                        </a:rPr>
+                        <a:t>System darf nur mit verfremdeten Daten arbeiten</a:t>
+                      </a:r>
+                    </a:p>
+                  </a:txBody>
+                  <a:tcPr marL="63500" marR="63500" marT="63500" marB="63500">
+                    <a:solidFill>
+                      <a:schemeClr val="accent5">
+                        <a:tint val="20000"/>
+                        <a:alpha val="50000"/>
+                      </a:schemeClr>
+                    </a:solidFill>
+                  </a:tcPr>
+                </a:tc>
+                <a:extLst>
+                  <a:ext uri="{0D108BD9-81ED-4DB2-BD59-A6C34878D82A}">
+                    <a16:rowId xmlns:a16="http://schemas.microsoft.com/office/drawing/2014/main" val="3414143935"/>
+                  </a:ext>
+                </a:extLst>
+              </a:tr>
+            </a:tbl>
+          </a:graphicData>
+        </a:graphic>
+      </p:graphicFrame>
     </p:spTree>
     <p:extLst>
       <p:ext uri="{BB962C8B-B14F-4D97-AF65-F5344CB8AC3E}">
-        <p14:creationId xmlns:p14="http://schemas.microsoft.com/office/powerpoint/2010/main" val="2186135854"/>
+        <p14:creationId xmlns:p14="http://schemas.microsoft.com/office/powerpoint/2010/main" val="920178131"/>
       </p:ext>
     </p:extLst>
   </p:cSld>
@@ -19276,6 +20299,1477 @@
 </file>
 
 <file path=ppt/slides/slide6.xml><?xml version="1.0" encoding="utf-8"?>
+<p:sld xmlns:a="http://schemas.openxmlformats.org/drawingml/2006/main" xmlns:r="http://schemas.openxmlformats.org/officeDocument/2006/relationships" xmlns:p="http://schemas.openxmlformats.org/presentationml/2006/main">
+  <p:cSld>
+    <p:spTree>
+      <p:nvGrpSpPr>
+        <p:cNvPr id="1" name=""/>
+        <p:cNvGrpSpPr/>
+        <p:nvPr/>
+      </p:nvGrpSpPr>
+      <p:grpSpPr>
+        <a:xfrm>
+          <a:off x="0" y="0"/>
+          <a:ext cx="0" cy="0"/>
+          <a:chOff x="0" y="0"/>
+          <a:chExt cx="0" cy="0"/>
+        </a:xfrm>
+      </p:grpSpPr>
+      <p:sp>
+        <p:nvSpPr>
+          <p:cNvPr id="2" name="Titel 1">
+            <a:extLst>
+              <a:ext uri="{FF2B5EF4-FFF2-40B4-BE49-F238E27FC236}">
+                <a16:creationId xmlns:a16="http://schemas.microsoft.com/office/drawing/2014/main" id="{D277A161-9F26-8665-1BCA-FC75F1983597}"/>
+              </a:ext>
+            </a:extLst>
+          </p:cNvPr>
+          <p:cNvSpPr>
+            <a:spLocks noGrp="1"/>
+          </p:cNvSpPr>
+          <p:nvPr>
+            <p:ph type="title"/>
+          </p:nvPr>
+        </p:nvSpPr>
+        <p:spPr/>
+        <p:txBody>
+          <a:bodyPr/>
+          <a:lstStyle/>
+          <a:p>
+            <a:r>
+              <a:rPr lang="de-DE" sz="3600" cap="all" dirty="0">
+                <a:latin typeface="+mj-lt"/>
+                <a:ea typeface="+mj-ea"/>
+                <a:cs typeface="+mj-cs"/>
+              </a:rPr>
+              <a:t>1. Geschäftsumfeld - Regularien</a:t>
+            </a:r>
+            <a:endParaRPr lang="de-DE" dirty="0"/>
+          </a:p>
+        </p:txBody>
+      </p:sp>
+      <p:sp>
+        <p:nvSpPr>
+          <p:cNvPr id="4" name="Rechteck 3">
+            <a:extLst>
+              <a:ext uri="{FF2B5EF4-FFF2-40B4-BE49-F238E27FC236}">
+                <a16:creationId xmlns:a16="http://schemas.microsoft.com/office/drawing/2014/main" id="{C864E119-EECF-56F2-31E5-9E9E066CE83B}"/>
+              </a:ext>
+            </a:extLst>
+          </p:cNvPr>
+          <p:cNvSpPr/>
+          <p:nvPr/>
+        </p:nvSpPr>
+        <p:spPr>
+          <a:xfrm>
+            <a:off x="820845" y="1975945"/>
+            <a:ext cx="2200877" cy="819807"/>
+          </a:xfrm>
+          <a:prstGeom prst="rect">
+            <a:avLst/>
+          </a:prstGeom>
+          <a:gradFill flip="none" rotWithShape="1">
+            <a:gsLst>
+              <a:gs pos="0">
+                <a:schemeClr val="accent5">
+                  <a:lumMod val="60000"/>
+                  <a:lumOff val="40000"/>
+                  <a:shade val="30000"/>
+                  <a:satMod val="115000"/>
+                  <a:alpha val="3783"/>
+                </a:schemeClr>
+              </a:gs>
+              <a:gs pos="50000">
+                <a:schemeClr val="accent5">
+                  <a:lumMod val="60000"/>
+                  <a:lumOff val="40000"/>
+                  <a:shade val="67500"/>
+                  <a:satMod val="115000"/>
+                </a:schemeClr>
+              </a:gs>
+              <a:gs pos="100000">
+                <a:schemeClr val="accent5">
+                  <a:lumMod val="60000"/>
+                  <a:lumOff val="40000"/>
+                  <a:shade val="100000"/>
+                  <a:satMod val="115000"/>
+                </a:schemeClr>
+              </a:gs>
+            </a:gsLst>
+            <a:lin ang="13500000" scaled="1"/>
+            <a:tileRect/>
+          </a:gradFill>
+          <a:ln>
+            <a:solidFill>
+              <a:schemeClr val="bg2">
+                <a:lumMod val="40000"/>
+                <a:lumOff val="60000"/>
+              </a:schemeClr>
+            </a:solidFill>
+          </a:ln>
+        </p:spPr>
+        <p:style>
+          <a:lnRef idx="2">
+            <a:schemeClr val="accent1">
+              <a:shade val="15000"/>
+            </a:schemeClr>
+          </a:lnRef>
+          <a:fillRef idx="1">
+            <a:schemeClr val="accent1"/>
+          </a:fillRef>
+          <a:effectRef idx="0">
+            <a:schemeClr val="accent1"/>
+          </a:effectRef>
+          <a:fontRef idx="minor">
+            <a:schemeClr val="lt1"/>
+          </a:fontRef>
+        </p:style>
+        <p:txBody>
+          <a:bodyPr rtlCol="0" anchor="ctr"/>
+          <a:lstStyle/>
+          <a:p>
+            <a:pPr algn="ctr"/>
+            <a:r>
+              <a:rPr lang="de-DE" sz="1800" b="1" i="0" u="none" strike="noStrike" dirty="0">
+                <a:solidFill>
+                  <a:schemeClr val="tx1"/>
+                </a:solidFill>
+                <a:effectLst/>
+                <a:latin typeface="Arial" panose="020B0604020202020204" pitchFamily="34" charset="0"/>
+              </a:rPr>
+              <a:t>DSGVO/ BDSG: </a:t>
+            </a:r>
+            <a:r>
+              <a:rPr lang="de-DE" sz="1800" b="0" i="0" u="none" strike="noStrike" dirty="0">
+                <a:solidFill>
+                  <a:schemeClr val="tx1"/>
+                </a:solidFill>
+                <a:effectLst/>
+                <a:latin typeface="Arial" panose="020B0604020202020204" pitchFamily="34" charset="0"/>
+              </a:rPr>
+              <a:t>Datenschutz</a:t>
+            </a:r>
+            <a:endParaRPr lang="de-DE" dirty="0">
+              <a:solidFill>
+                <a:schemeClr val="tx1"/>
+              </a:solidFill>
+            </a:endParaRPr>
+          </a:p>
+        </p:txBody>
+      </p:sp>
+      <p:sp>
+        <p:nvSpPr>
+          <p:cNvPr id="5" name="Rechteck 4">
+            <a:extLst>
+              <a:ext uri="{FF2B5EF4-FFF2-40B4-BE49-F238E27FC236}">
+                <a16:creationId xmlns:a16="http://schemas.microsoft.com/office/drawing/2014/main" id="{5E0142CF-E741-5910-54E6-E8A896316D5B}"/>
+              </a:ext>
+            </a:extLst>
+          </p:cNvPr>
+          <p:cNvSpPr/>
+          <p:nvPr/>
+        </p:nvSpPr>
+        <p:spPr>
+          <a:xfrm>
+            <a:off x="1109881" y="2884816"/>
+            <a:ext cx="2200877" cy="819807"/>
+          </a:xfrm>
+          <a:prstGeom prst="rect">
+            <a:avLst/>
+          </a:prstGeom>
+          <a:gradFill flip="none" rotWithShape="1">
+            <a:gsLst>
+              <a:gs pos="0">
+                <a:schemeClr val="accent5">
+                  <a:lumMod val="60000"/>
+                  <a:lumOff val="40000"/>
+                  <a:shade val="30000"/>
+                  <a:satMod val="115000"/>
+                  <a:alpha val="3783"/>
+                </a:schemeClr>
+              </a:gs>
+              <a:gs pos="50000">
+                <a:schemeClr val="accent5">
+                  <a:lumMod val="60000"/>
+                  <a:lumOff val="40000"/>
+                  <a:shade val="67500"/>
+                  <a:satMod val="115000"/>
+                </a:schemeClr>
+              </a:gs>
+              <a:gs pos="100000">
+                <a:schemeClr val="accent5">
+                  <a:lumMod val="60000"/>
+                  <a:lumOff val="40000"/>
+                  <a:shade val="100000"/>
+                  <a:satMod val="115000"/>
+                </a:schemeClr>
+              </a:gs>
+            </a:gsLst>
+            <a:lin ang="13500000" scaled="1"/>
+            <a:tileRect/>
+          </a:gradFill>
+          <a:ln>
+            <a:solidFill>
+              <a:schemeClr val="bg2">
+                <a:lumMod val="40000"/>
+                <a:lumOff val="60000"/>
+              </a:schemeClr>
+            </a:solidFill>
+          </a:ln>
+        </p:spPr>
+        <p:style>
+          <a:lnRef idx="2">
+            <a:schemeClr val="accent1">
+              <a:shade val="15000"/>
+            </a:schemeClr>
+          </a:lnRef>
+          <a:fillRef idx="1">
+            <a:schemeClr val="accent1"/>
+          </a:fillRef>
+          <a:effectRef idx="0">
+            <a:schemeClr val="accent1"/>
+          </a:effectRef>
+          <a:fontRef idx="minor">
+            <a:schemeClr val="lt1"/>
+          </a:fontRef>
+        </p:style>
+        <p:txBody>
+          <a:bodyPr rtlCol="0" anchor="ctr"/>
+          <a:lstStyle/>
+          <a:p>
+            <a:pPr rtl="0" fontAlgn="base">
+              <a:spcBef>
+                <a:spcPts val="0"/>
+              </a:spcBef>
+              <a:spcAft>
+                <a:spcPts val="0"/>
+              </a:spcAft>
+            </a:pPr>
+            <a:r>
+              <a:rPr lang="de-DE" sz="1800" b="1" i="0" u="none" strike="noStrike" dirty="0">
+                <a:solidFill>
+                  <a:schemeClr val="tx1"/>
+                </a:solidFill>
+                <a:effectLst/>
+                <a:latin typeface="Arial" panose="020B0604020202020204" pitchFamily="34" charset="0"/>
+              </a:rPr>
+              <a:t>PCIDSS: </a:t>
+            </a:r>
+            <a:br>
+              <a:rPr lang="de-DE" sz="1800" b="0" i="0" u="none" strike="noStrike" dirty="0">
+                <a:solidFill>
+                  <a:schemeClr val="tx1"/>
+                </a:solidFill>
+                <a:effectLst/>
+                <a:latin typeface="Arial" panose="020B0604020202020204" pitchFamily="34" charset="0"/>
+              </a:rPr>
+            </a:br>
+            <a:r>
+              <a:rPr lang="de-DE" sz="1600" b="0" i="0" u="none" strike="noStrike" dirty="0">
+                <a:solidFill>
+                  <a:schemeClr val="tx1"/>
+                </a:solidFill>
+                <a:effectLst/>
+                <a:latin typeface="Arial" panose="020B0604020202020204" pitchFamily="34" charset="0"/>
+              </a:rPr>
+              <a:t>Umgang Bankdaten</a:t>
+            </a:r>
+            <a:endParaRPr lang="de-DE" sz="1800" b="0" i="0" u="none" strike="noStrike" dirty="0">
+              <a:solidFill>
+                <a:schemeClr val="tx1"/>
+              </a:solidFill>
+              <a:effectLst/>
+              <a:latin typeface="Arial" panose="020B0604020202020204" pitchFamily="34" charset="0"/>
+            </a:endParaRPr>
+          </a:p>
+        </p:txBody>
+      </p:sp>
+      <p:sp>
+        <p:nvSpPr>
+          <p:cNvPr id="6" name="Rechteck 5">
+            <a:extLst>
+              <a:ext uri="{FF2B5EF4-FFF2-40B4-BE49-F238E27FC236}">
+                <a16:creationId xmlns:a16="http://schemas.microsoft.com/office/drawing/2014/main" id="{DD9290F9-DA7A-7DB9-511A-1D96D2F15113}"/>
+              </a:ext>
+            </a:extLst>
+          </p:cNvPr>
+          <p:cNvSpPr/>
+          <p:nvPr/>
+        </p:nvSpPr>
+        <p:spPr>
+          <a:xfrm>
+            <a:off x="965363" y="3793687"/>
+            <a:ext cx="2200877" cy="819807"/>
+          </a:xfrm>
+          <a:prstGeom prst="rect">
+            <a:avLst/>
+          </a:prstGeom>
+          <a:gradFill flip="none" rotWithShape="1">
+            <a:gsLst>
+              <a:gs pos="0">
+                <a:schemeClr val="accent5">
+                  <a:lumMod val="60000"/>
+                  <a:lumOff val="40000"/>
+                  <a:shade val="30000"/>
+                  <a:satMod val="115000"/>
+                  <a:alpha val="3783"/>
+                </a:schemeClr>
+              </a:gs>
+              <a:gs pos="50000">
+                <a:schemeClr val="accent5">
+                  <a:lumMod val="60000"/>
+                  <a:lumOff val="40000"/>
+                  <a:shade val="67500"/>
+                  <a:satMod val="115000"/>
+                </a:schemeClr>
+              </a:gs>
+              <a:gs pos="100000">
+                <a:schemeClr val="accent5">
+                  <a:lumMod val="60000"/>
+                  <a:lumOff val="40000"/>
+                  <a:shade val="100000"/>
+                  <a:satMod val="115000"/>
+                </a:schemeClr>
+              </a:gs>
+            </a:gsLst>
+            <a:lin ang="13500000" scaled="1"/>
+            <a:tileRect/>
+          </a:gradFill>
+          <a:ln>
+            <a:solidFill>
+              <a:schemeClr val="bg2">
+                <a:lumMod val="40000"/>
+                <a:lumOff val="60000"/>
+              </a:schemeClr>
+            </a:solidFill>
+          </a:ln>
+        </p:spPr>
+        <p:style>
+          <a:lnRef idx="2">
+            <a:schemeClr val="accent1">
+              <a:shade val="15000"/>
+            </a:schemeClr>
+          </a:lnRef>
+          <a:fillRef idx="1">
+            <a:schemeClr val="accent1"/>
+          </a:fillRef>
+          <a:effectRef idx="0">
+            <a:schemeClr val="accent1"/>
+          </a:effectRef>
+          <a:fontRef idx="minor">
+            <a:schemeClr val="lt1"/>
+          </a:fontRef>
+        </p:style>
+        <p:txBody>
+          <a:bodyPr rtlCol="0" anchor="ctr"/>
+          <a:lstStyle/>
+          <a:p>
+            <a:pPr rtl="0" fontAlgn="base">
+              <a:spcBef>
+                <a:spcPts val="0"/>
+              </a:spcBef>
+              <a:spcAft>
+                <a:spcPts val="0"/>
+              </a:spcAft>
+            </a:pPr>
+            <a:r>
+              <a:rPr lang="de-DE" sz="1800" b="1" i="0" u="none" strike="noStrike" dirty="0">
+                <a:solidFill>
+                  <a:schemeClr val="tx1"/>
+                </a:solidFill>
+                <a:effectLst/>
+                <a:latin typeface="Arial" panose="020B0604020202020204" pitchFamily="34" charset="0"/>
+              </a:rPr>
+              <a:t>NIS2:</a:t>
+            </a:r>
+            <a:br>
+              <a:rPr lang="de-DE" sz="1800" b="0" i="0" u="none" strike="noStrike" dirty="0">
+                <a:solidFill>
+                  <a:schemeClr val="tx1"/>
+                </a:solidFill>
+                <a:effectLst/>
+                <a:latin typeface="Arial" panose="020B0604020202020204" pitchFamily="34" charset="0"/>
+              </a:rPr>
+            </a:br>
+            <a:r>
+              <a:rPr lang="de-DE" sz="1800" b="0" i="0" u="none" strike="noStrike" dirty="0">
+                <a:solidFill>
+                  <a:schemeClr val="tx1"/>
+                </a:solidFill>
+                <a:effectLst/>
+                <a:latin typeface="Arial" panose="020B0604020202020204" pitchFamily="34" charset="0"/>
+              </a:rPr>
+              <a:t>Cybersicherheit</a:t>
+            </a:r>
+          </a:p>
+        </p:txBody>
+      </p:sp>
+      <p:sp>
+        <p:nvSpPr>
+          <p:cNvPr id="7" name="Rechteck 6">
+            <a:extLst>
+              <a:ext uri="{FF2B5EF4-FFF2-40B4-BE49-F238E27FC236}">
+                <a16:creationId xmlns:a16="http://schemas.microsoft.com/office/drawing/2014/main" id="{B305FC94-F380-7F2C-8E96-E0F0C1E49623}"/>
+              </a:ext>
+            </a:extLst>
+          </p:cNvPr>
+          <p:cNvSpPr/>
+          <p:nvPr/>
+        </p:nvSpPr>
+        <p:spPr>
+          <a:xfrm>
+            <a:off x="676327" y="4702558"/>
+            <a:ext cx="3399057" cy="819807"/>
+          </a:xfrm>
+          <a:prstGeom prst="rect">
+            <a:avLst/>
+          </a:prstGeom>
+          <a:gradFill flip="none" rotWithShape="1">
+            <a:gsLst>
+              <a:gs pos="0">
+                <a:schemeClr val="accent5">
+                  <a:lumMod val="60000"/>
+                  <a:lumOff val="40000"/>
+                  <a:shade val="30000"/>
+                  <a:satMod val="115000"/>
+                  <a:alpha val="3783"/>
+                </a:schemeClr>
+              </a:gs>
+              <a:gs pos="50000">
+                <a:schemeClr val="accent5">
+                  <a:lumMod val="60000"/>
+                  <a:lumOff val="40000"/>
+                  <a:shade val="67500"/>
+                  <a:satMod val="115000"/>
+                </a:schemeClr>
+              </a:gs>
+              <a:gs pos="100000">
+                <a:schemeClr val="accent5">
+                  <a:lumMod val="60000"/>
+                  <a:lumOff val="40000"/>
+                  <a:shade val="100000"/>
+                  <a:satMod val="115000"/>
+                </a:schemeClr>
+              </a:gs>
+            </a:gsLst>
+            <a:lin ang="13500000" scaled="1"/>
+            <a:tileRect/>
+          </a:gradFill>
+          <a:ln>
+            <a:solidFill>
+              <a:schemeClr val="bg2">
+                <a:lumMod val="40000"/>
+                <a:lumOff val="60000"/>
+              </a:schemeClr>
+            </a:solidFill>
+          </a:ln>
+        </p:spPr>
+        <p:style>
+          <a:lnRef idx="2">
+            <a:schemeClr val="accent1">
+              <a:shade val="15000"/>
+            </a:schemeClr>
+          </a:lnRef>
+          <a:fillRef idx="1">
+            <a:schemeClr val="accent1"/>
+          </a:fillRef>
+          <a:effectRef idx="0">
+            <a:schemeClr val="accent1"/>
+          </a:effectRef>
+          <a:fontRef idx="minor">
+            <a:schemeClr val="lt1"/>
+          </a:fontRef>
+        </p:style>
+        <p:txBody>
+          <a:bodyPr rtlCol="0" anchor="ctr"/>
+          <a:lstStyle/>
+          <a:p>
+            <a:pPr rtl="0" fontAlgn="base">
+              <a:spcBef>
+                <a:spcPts val="0"/>
+              </a:spcBef>
+              <a:spcAft>
+                <a:spcPts val="0"/>
+              </a:spcAft>
+            </a:pPr>
+            <a:r>
+              <a:rPr lang="de-DE" sz="1800" b="1" i="0" u="none" strike="noStrike" dirty="0">
+                <a:solidFill>
+                  <a:schemeClr val="tx1"/>
+                </a:solidFill>
+                <a:effectLst/>
+                <a:latin typeface="Arial" panose="020B0604020202020204" pitchFamily="34" charset="0"/>
+              </a:rPr>
+              <a:t>ISO 27001: </a:t>
+            </a:r>
+            <a:br>
+              <a:rPr lang="de-DE" sz="1800" b="0" i="0" u="none" strike="noStrike" dirty="0">
+                <a:solidFill>
+                  <a:schemeClr val="tx1"/>
+                </a:solidFill>
+                <a:effectLst/>
+                <a:latin typeface="Arial" panose="020B0604020202020204" pitchFamily="34" charset="0"/>
+              </a:rPr>
+            </a:br>
+            <a:r>
+              <a:rPr lang="de-DE" sz="1800" b="0" i="0" u="none" strike="noStrike" dirty="0">
+                <a:solidFill>
+                  <a:schemeClr val="tx1"/>
+                </a:solidFill>
+                <a:effectLst/>
+                <a:latin typeface="Arial" panose="020B0604020202020204" pitchFamily="34" charset="0"/>
+              </a:rPr>
+              <a:t>Entwicklung, Umsetzung, Instandhaltung eines ISMS</a:t>
+            </a:r>
+          </a:p>
+        </p:txBody>
+      </p:sp>
+      <p:sp>
+        <p:nvSpPr>
+          <p:cNvPr id="8" name="Rechteck 7">
+            <a:extLst>
+              <a:ext uri="{FF2B5EF4-FFF2-40B4-BE49-F238E27FC236}">
+                <a16:creationId xmlns:a16="http://schemas.microsoft.com/office/drawing/2014/main" id="{3EEECEB5-2E58-49D5-EE9C-B24DAC2701A1}"/>
+              </a:ext>
+            </a:extLst>
+          </p:cNvPr>
+          <p:cNvSpPr/>
+          <p:nvPr/>
+        </p:nvSpPr>
+        <p:spPr>
+          <a:xfrm>
+            <a:off x="1729989" y="5631628"/>
+            <a:ext cx="3399057" cy="819807"/>
+          </a:xfrm>
+          <a:prstGeom prst="rect">
+            <a:avLst/>
+          </a:prstGeom>
+          <a:gradFill flip="none" rotWithShape="1">
+            <a:gsLst>
+              <a:gs pos="0">
+                <a:schemeClr val="accent5">
+                  <a:lumMod val="60000"/>
+                  <a:lumOff val="40000"/>
+                  <a:shade val="30000"/>
+                  <a:satMod val="115000"/>
+                  <a:alpha val="3783"/>
+                </a:schemeClr>
+              </a:gs>
+              <a:gs pos="50000">
+                <a:schemeClr val="accent5">
+                  <a:lumMod val="60000"/>
+                  <a:lumOff val="40000"/>
+                  <a:shade val="67500"/>
+                  <a:satMod val="115000"/>
+                </a:schemeClr>
+              </a:gs>
+              <a:gs pos="100000">
+                <a:schemeClr val="accent5">
+                  <a:lumMod val="60000"/>
+                  <a:lumOff val="40000"/>
+                  <a:shade val="100000"/>
+                  <a:satMod val="115000"/>
+                </a:schemeClr>
+              </a:gs>
+            </a:gsLst>
+            <a:lin ang="13500000" scaled="1"/>
+            <a:tileRect/>
+          </a:gradFill>
+          <a:ln>
+            <a:solidFill>
+              <a:schemeClr val="bg2">
+                <a:lumMod val="40000"/>
+                <a:lumOff val="60000"/>
+              </a:schemeClr>
+            </a:solidFill>
+          </a:ln>
+        </p:spPr>
+        <p:style>
+          <a:lnRef idx="2">
+            <a:schemeClr val="accent1">
+              <a:shade val="15000"/>
+            </a:schemeClr>
+          </a:lnRef>
+          <a:fillRef idx="1">
+            <a:schemeClr val="accent1"/>
+          </a:fillRef>
+          <a:effectRef idx="0">
+            <a:schemeClr val="accent1"/>
+          </a:effectRef>
+          <a:fontRef idx="minor">
+            <a:schemeClr val="lt1"/>
+          </a:fontRef>
+        </p:style>
+        <p:txBody>
+          <a:bodyPr rtlCol="0" anchor="ctr"/>
+          <a:lstStyle/>
+          <a:p>
+            <a:pPr rtl="0" fontAlgn="base">
+              <a:spcBef>
+                <a:spcPts val="0"/>
+              </a:spcBef>
+              <a:spcAft>
+                <a:spcPts val="0"/>
+              </a:spcAft>
+            </a:pPr>
+            <a:r>
+              <a:rPr lang="de-DE" sz="1400" b="1" i="0" u="none" strike="noStrike" dirty="0">
+                <a:solidFill>
+                  <a:schemeClr val="tx1"/>
+                </a:solidFill>
+                <a:effectLst/>
+                <a:latin typeface="Arial" panose="020B0604020202020204" pitchFamily="34" charset="0"/>
+              </a:rPr>
+              <a:t>ISO/IEC 27034-1: Informationstechnik </a:t>
+            </a:r>
+            <a:r>
+              <a:rPr lang="de-DE" sz="1400" b="0" i="0" u="none" strike="noStrike" dirty="0">
+                <a:solidFill>
+                  <a:schemeClr val="tx1"/>
+                </a:solidFill>
+                <a:effectLst/>
+                <a:latin typeface="Arial" panose="020B0604020202020204" pitchFamily="34" charset="0"/>
+              </a:rPr>
+              <a:t>- IT Sicherheitsverfahren - Sicherheit von Anwendungen</a:t>
+            </a:r>
+          </a:p>
+        </p:txBody>
+      </p:sp>
+      <p:sp>
+        <p:nvSpPr>
+          <p:cNvPr id="9" name="Rechteck 8">
+            <a:extLst>
+              <a:ext uri="{FF2B5EF4-FFF2-40B4-BE49-F238E27FC236}">
+                <a16:creationId xmlns:a16="http://schemas.microsoft.com/office/drawing/2014/main" id="{83C4CB84-FC7A-EBB6-FF59-CED55B290B0E}"/>
+              </a:ext>
+            </a:extLst>
+          </p:cNvPr>
+          <p:cNvSpPr/>
+          <p:nvPr/>
+        </p:nvSpPr>
+        <p:spPr>
+          <a:xfrm>
+            <a:off x="3493481" y="3773486"/>
+            <a:ext cx="3399057" cy="819807"/>
+          </a:xfrm>
+          <a:prstGeom prst="rect">
+            <a:avLst/>
+          </a:prstGeom>
+          <a:gradFill flip="none" rotWithShape="1">
+            <a:gsLst>
+              <a:gs pos="0">
+                <a:schemeClr val="accent5">
+                  <a:lumMod val="60000"/>
+                  <a:lumOff val="40000"/>
+                  <a:shade val="30000"/>
+                  <a:satMod val="115000"/>
+                  <a:alpha val="3783"/>
+                </a:schemeClr>
+              </a:gs>
+              <a:gs pos="50000">
+                <a:schemeClr val="accent5">
+                  <a:lumMod val="60000"/>
+                  <a:lumOff val="40000"/>
+                  <a:shade val="67500"/>
+                  <a:satMod val="115000"/>
+                </a:schemeClr>
+              </a:gs>
+              <a:gs pos="100000">
+                <a:schemeClr val="accent5">
+                  <a:lumMod val="60000"/>
+                  <a:lumOff val="40000"/>
+                  <a:shade val="100000"/>
+                  <a:satMod val="115000"/>
+                </a:schemeClr>
+              </a:gs>
+            </a:gsLst>
+            <a:lin ang="13500000" scaled="1"/>
+            <a:tileRect/>
+          </a:gradFill>
+          <a:ln>
+            <a:solidFill>
+              <a:schemeClr val="bg2">
+                <a:lumMod val="40000"/>
+                <a:lumOff val="60000"/>
+              </a:schemeClr>
+            </a:solidFill>
+          </a:ln>
+        </p:spPr>
+        <p:style>
+          <a:lnRef idx="2">
+            <a:schemeClr val="accent1">
+              <a:shade val="15000"/>
+            </a:schemeClr>
+          </a:lnRef>
+          <a:fillRef idx="1">
+            <a:schemeClr val="accent1"/>
+          </a:fillRef>
+          <a:effectRef idx="0">
+            <a:schemeClr val="accent1"/>
+          </a:effectRef>
+          <a:fontRef idx="minor">
+            <a:schemeClr val="lt1"/>
+          </a:fontRef>
+        </p:style>
+        <p:txBody>
+          <a:bodyPr rtlCol="0" anchor="ctr"/>
+          <a:lstStyle/>
+          <a:p>
+            <a:pPr rtl="0" fontAlgn="base">
+              <a:spcBef>
+                <a:spcPts val="0"/>
+              </a:spcBef>
+              <a:spcAft>
+                <a:spcPts val="0"/>
+              </a:spcAft>
+            </a:pPr>
+            <a:r>
+              <a:rPr lang="de-DE" sz="1400" b="1" i="0" u="none" strike="noStrike" dirty="0">
+                <a:solidFill>
+                  <a:schemeClr val="tx1"/>
+                </a:solidFill>
+                <a:effectLst/>
+                <a:latin typeface="Arial" panose="020B0604020202020204" pitchFamily="34" charset="0"/>
+              </a:rPr>
+              <a:t>EU </a:t>
+            </a:r>
+            <a:r>
+              <a:rPr lang="de-DE" sz="1400" b="1" i="0" u="none" strike="noStrike" dirty="0" err="1">
+                <a:solidFill>
+                  <a:schemeClr val="tx1"/>
+                </a:solidFill>
+                <a:effectLst/>
+                <a:latin typeface="Arial" panose="020B0604020202020204" pitchFamily="34" charset="0"/>
+              </a:rPr>
+              <a:t>Cyber</a:t>
+            </a:r>
+            <a:r>
+              <a:rPr lang="de-DE" sz="1400" b="1" i="0" u="none" strike="noStrike" dirty="0">
+                <a:solidFill>
+                  <a:schemeClr val="tx1"/>
+                </a:solidFill>
+                <a:effectLst/>
+                <a:latin typeface="Arial" panose="020B0604020202020204" pitchFamily="34" charset="0"/>
+              </a:rPr>
+              <a:t> </a:t>
+            </a:r>
+            <a:r>
+              <a:rPr lang="de-DE" sz="1400" b="1" i="0" u="none" strike="noStrike" dirty="0" err="1">
+                <a:solidFill>
+                  <a:schemeClr val="tx1"/>
+                </a:solidFill>
+                <a:effectLst/>
+                <a:latin typeface="Arial" panose="020B0604020202020204" pitchFamily="34" charset="0"/>
+              </a:rPr>
+              <a:t>Resilience</a:t>
+            </a:r>
+            <a:r>
+              <a:rPr lang="de-DE" sz="1400" b="1" i="0" u="none" strike="noStrike" dirty="0">
+                <a:solidFill>
+                  <a:schemeClr val="tx1"/>
+                </a:solidFill>
+                <a:effectLst/>
+                <a:latin typeface="Arial" panose="020B0604020202020204" pitchFamily="34" charset="0"/>
+              </a:rPr>
+              <a:t> Act: </a:t>
+            </a:r>
+            <a:r>
+              <a:rPr lang="de-DE" sz="1400" b="0" i="0" u="none" strike="noStrike" dirty="0">
+                <a:solidFill>
+                  <a:schemeClr val="tx1"/>
+                </a:solidFill>
+                <a:effectLst/>
+                <a:latin typeface="Arial" panose="020B0604020202020204" pitchFamily="34" charset="0"/>
+              </a:rPr>
+              <a:t>Anforderungen an </a:t>
+            </a:r>
+            <a:r>
+              <a:rPr lang="de-DE" sz="1400" b="0" i="0" u="none" strike="noStrike" dirty="0" err="1">
+                <a:solidFill>
+                  <a:schemeClr val="tx1"/>
+                </a:solidFill>
+                <a:effectLst/>
+                <a:latin typeface="Arial" panose="020B0604020202020204" pitchFamily="34" charset="0"/>
+              </a:rPr>
+              <a:t>Cybersecurity</a:t>
+            </a:r>
+            <a:r>
+              <a:rPr lang="de-DE" sz="1400" b="0" i="0" u="none" strike="noStrike" dirty="0">
+                <a:solidFill>
+                  <a:schemeClr val="tx1"/>
+                </a:solidFill>
+                <a:effectLst/>
+                <a:latin typeface="Arial" panose="020B0604020202020204" pitchFamily="34" charset="0"/>
+              </a:rPr>
+              <a:t> für Produkte mit digitalen Elementen</a:t>
+            </a:r>
+            <a:endParaRPr lang="de-DE" sz="1100" b="0" i="0" u="none" strike="noStrike" dirty="0">
+              <a:solidFill>
+                <a:schemeClr val="tx1"/>
+              </a:solidFill>
+              <a:effectLst/>
+              <a:latin typeface="Arial" panose="020B0604020202020204" pitchFamily="34" charset="0"/>
+            </a:endParaRPr>
+          </a:p>
+        </p:txBody>
+      </p:sp>
+      <p:sp>
+        <p:nvSpPr>
+          <p:cNvPr id="12" name="Rechteck 11">
+            <a:extLst>
+              <a:ext uri="{FF2B5EF4-FFF2-40B4-BE49-F238E27FC236}">
+                <a16:creationId xmlns:a16="http://schemas.microsoft.com/office/drawing/2014/main" id="{21EB3AEC-447D-9169-FF12-2A9A086C0F0E}"/>
+              </a:ext>
+            </a:extLst>
+          </p:cNvPr>
+          <p:cNvSpPr/>
+          <p:nvPr/>
+        </p:nvSpPr>
+        <p:spPr>
+          <a:xfrm>
+            <a:off x="3837313" y="1975945"/>
+            <a:ext cx="3399057" cy="1728678"/>
+          </a:xfrm>
+          <a:prstGeom prst="rect">
+            <a:avLst/>
+          </a:prstGeom>
+          <a:gradFill flip="none" rotWithShape="1">
+            <a:gsLst>
+              <a:gs pos="0">
+                <a:schemeClr val="accent5">
+                  <a:lumMod val="60000"/>
+                  <a:lumOff val="40000"/>
+                  <a:shade val="30000"/>
+                  <a:satMod val="115000"/>
+                  <a:alpha val="3783"/>
+                </a:schemeClr>
+              </a:gs>
+              <a:gs pos="50000">
+                <a:schemeClr val="accent5">
+                  <a:lumMod val="60000"/>
+                  <a:lumOff val="40000"/>
+                  <a:shade val="67500"/>
+                  <a:satMod val="115000"/>
+                </a:schemeClr>
+              </a:gs>
+              <a:gs pos="100000">
+                <a:schemeClr val="accent5">
+                  <a:lumMod val="60000"/>
+                  <a:lumOff val="40000"/>
+                  <a:shade val="100000"/>
+                  <a:satMod val="115000"/>
+                </a:schemeClr>
+              </a:gs>
+            </a:gsLst>
+            <a:lin ang="13500000" scaled="1"/>
+            <a:tileRect/>
+          </a:gradFill>
+          <a:ln>
+            <a:solidFill>
+              <a:schemeClr val="bg2">
+                <a:lumMod val="40000"/>
+                <a:lumOff val="60000"/>
+              </a:schemeClr>
+            </a:solidFill>
+          </a:ln>
+        </p:spPr>
+        <p:style>
+          <a:lnRef idx="2">
+            <a:schemeClr val="accent1">
+              <a:shade val="15000"/>
+            </a:schemeClr>
+          </a:lnRef>
+          <a:fillRef idx="1">
+            <a:schemeClr val="accent1"/>
+          </a:fillRef>
+          <a:effectRef idx="0">
+            <a:schemeClr val="accent1"/>
+          </a:effectRef>
+          <a:fontRef idx="minor">
+            <a:schemeClr val="lt1"/>
+          </a:fontRef>
+        </p:style>
+        <p:txBody>
+          <a:bodyPr rtlCol="0" anchor="ctr"/>
+          <a:lstStyle/>
+          <a:p>
+            <a:pPr rtl="0" fontAlgn="base">
+              <a:spcBef>
+                <a:spcPts val="0"/>
+              </a:spcBef>
+              <a:spcAft>
+                <a:spcPts val="0"/>
+              </a:spcAft>
+            </a:pPr>
+            <a:r>
+              <a:rPr lang="de-DE" sz="1200" b="1" i="0" u="none" strike="noStrike" dirty="0">
+                <a:solidFill>
+                  <a:schemeClr val="tx1"/>
+                </a:solidFill>
+                <a:effectLst/>
+                <a:latin typeface="Arial" panose="020B0604020202020204" pitchFamily="34" charset="0"/>
+              </a:rPr>
+              <a:t>NIST:</a:t>
+            </a:r>
+          </a:p>
+          <a:p>
+            <a:pPr lvl="1" rtl="0" fontAlgn="base">
+              <a:spcBef>
+                <a:spcPts val="0"/>
+              </a:spcBef>
+              <a:spcAft>
+                <a:spcPts val="0"/>
+              </a:spcAft>
+            </a:pPr>
+            <a:r>
+              <a:rPr lang="de-DE" sz="1200" b="0" i="0" u="none" strike="noStrike" dirty="0">
+                <a:solidFill>
+                  <a:schemeClr val="tx1"/>
+                </a:solidFill>
+                <a:effectLst/>
+                <a:latin typeface="Arial" panose="020B0604020202020204" pitchFamily="34" charset="0"/>
+              </a:rPr>
+              <a:t>NIST </a:t>
+            </a:r>
+            <a:r>
+              <a:rPr lang="de-DE" sz="1200" b="0" i="0" u="none" strike="noStrike" dirty="0" err="1">
+                <a:solidFill>
+                  <a:schemeClr val="tx1"/>
+                </a:solidFill>
+                <a:effectLst/>
+                <a:latin typeface="Arial" panose="020B0604020202020204" pitchFamily="34" charset="0"/>
+              </a:rPr>
+              <a:t>Cybersecurity</a:t>
+            </a:r>
+            <a:r>
+              <a:rPr lang="de-DE" sz="1200" b="0" i="0" u="none" strike="noStrike" dirty="0">
+                <a:solidFill>
+                  <a:schemeClr val="tx1"/>
+                </a:solidFill>
+                <a:effectLst/>
+                <a:latin typeface="Arial" panose="020B0604020202020204" pitchFamily="34" charset="0"/>
+              </a:rPr>
+              <a:t> Framework: bietet Praktiken zur Verbesserung Cybersicherheit an</a:t>
+            </a:r>
+          </a:p>
+          <a:p>
+            <a:pPr lvl="1" rtl="0" fontAlgn="base">
+              <a:spcBef>
+                <a:spcPts val="0"/>
+              </a:spcBef>
+              <a:spcAft>
+                <a:spcPts val="0"/>
+              </a:spcAft>
+            </a:pPr>
+            <a:endParaRPr lang="de-DE" sz="1200" b="0" i="0" u="none" strike="noStrike" dirty="0">
+              <a:solidFill>
+                <a:schemeClr val="tx1"/>
+              </a:solidFill>
+              <a:effectLst/>
+              <a:latin typeface="Arial" panose="020B0604020202020204" pitchFamily="34" charset="0"/>
+            </a:endParaRPr>
+          </a:p>
+          <a:p>
+            <a:pPr lvl="1" rtl="0" fontAlgn="base">
+              <a:spcBef>
+                <a:spcPts val="0"/>
+              </a:spcBef>
+              <a:spcAft>
+                <a:spcPts val="0"/>
+              </a:spcAft>
+            </a:pPr>
+            <a:r>
+              <a:rPr lang="de-DE" sz="1200" b="0" i="0" u="none" strike="noStrike" dirty="0">
+                <a:solidFill>
+                  <a:schemeClr val="tx1"/>
+                </a:solidFill>
+                <a:effectLst/>
+                <a:latin typeface="Arial" panose="020B0604020202020204" pitchFamily="34" charset="0"/>
+              </a:rPr>
+              <a:t>NIST SP 800-82: Leitlinien zur Sicherung von Industriesteuerungssystemen (ICS)</a:t>
+            </a:r>
+          </a:p>
+        </p:txBody>
+      </p:sp>
+      <p:sp>
+        <p:nvSpPr>
+          <p:cNvPr id="15" name="Rechteck 14">
+            <a:extLst>
+              <a:ext uri="{FF2B5EF4-FFF2-40B4-BE49-F238E27FC236}">
+                <a16:creationId xmlns:a16="http://schemas.microsoft.com/office/drawing/2014/main" id="{57538121-B196-D276-9C7C-AC743D6B5A00}"/>
+              </a:ext>
+            </a:extLst>
+          </p:cNvPr>
+          <p:cNvSpPr/>
+          <p:nvPr/>
+        </p:nvSpPr>
+        <p:spPr>
+          <a:xfrm>
+            <a:off x="4364144" y="4702557"/>
+            <a:ext cx="3399057" cy="819807"/>
+          </a:xfrm>
+          <a:prstGeom prst="rect">
+            <a:avLst/>
+          </a:prstGeom>
+          <a:gradFill flip="none" rotWithShape="1">
+            <a:gsLst>
+              <a:gs pos="0">
+                <a:schemeClr val="accent5">
+                  <a:lumMod val="60000"/>
+                  <a:lumOff val="40000"/>
+                  <a:shade val="30000"/>
+                  <a:satMod val="115000"/>
+                </a:schemeClr>
+              </a:gs>
+              <a:gs pos="50000">
+                <a:schemeClr val="accent5">
+                  <a:lumMod val="60000"/>
+                  <a:lumOff val="40000"/>
+                  <a:shade val="67500"/>
+                  <a:satMod val="115000"/>
+                </a:schemeClr>
+              </a:gs>
+              <a:gs pos="100000">
+                <a:schemeClr val="accent5">
+                  <a:lumMod val="60000"/>
+                  <a:lumOff val="40000"/>
+                  <a:shade val="100000"/>
+                  <a:satMod val="115000"/>
+                </a:schemeClr>
+              </a:gs>
+            </a:gsLst>
+            <a:lin ang="13500000" scaled="1"/>
+            <a:tileRect/>
+          </a:gradFill>
+          <a:ln>
+            <a:solidFill>
+              <a:schemeClr val="bg2">
+                <a:lumMod val="40000"/>
+                <a:lumOff val="60000"/>
+              </a:schemeClr>
+            </a:solidFill>
+          </a:ln>
+        </p:spPr>
+        <p:style>
+          <a:lnRef idx="2">
+            <a:schemeClr val="accent1">
+              <a:shade val="15000"/>
+            </a:schemeClr>
+          </a:lnRef>
+          <a:fillRef idx="1">
+            <a:schemeClr val="accent1"/>
+          </a:fillRef>
+          <a:effectRef idx="0">
+            <a:schemeClr val="accent1"/>
+          </a:effectRef>
+          <a:fontRef idx="minor">
+            <a:schemeClr val="lt1"/>
+          </a:fontRef>
+        </p:style>
+        <p:txBody>
+          <a:bodyPr rtlCol="0" anchor="ctr"/>
+          <a:lstStyle/>
+          <a:p>
+            <a:r>
+              <a:rPr lang="de-DE" sz="1400" b="1" i="0" u="none" strike="noStrike" dirty="0">
+                <a:solidFill>
+                  <a:schemeClr val="tx1"/>
+                </a:solidFill>
+                <a:effectLst/>
+                <a:latin typeface="Arial" panose="020B0604020202020204" pitchFamily="34" charset="0"/>
+              </a:rPr>
+              <a:t>ISO 15408: </a:t>
+            </a:r>
+            <a:r>
+              <a:rPr lang="de-DE" sz="1400" b="0" i="0" u="none" strike="noStrike" dirty="0">
+                <a:solidFill>
+                  <a:schemeClr val="tx1"/>
+                </a:solidFill>
+                <a:effectLst/>
+                <a:latin typeface="Arial" panose="020B0604020202020204" pitchFamily="34" charset="0"/>
+              </a:rPr>
+              <a:t>steht für die Durchführung von Evaluierungen und Zertifizierungen von IT-Produkten zur Verfügung</a:t>
+            </a:r>
+            <a:endParaRPr lang="de-DE" sz="1400" dirty="0">
+              <a:solidFill>
+                <a:schemeClr val="tx1"/>
+              </a:solidFill>
+            </a:endParaRPr>
+          </a:p>
+        </p:txBody>
+      </p:sp>
+      <p:sp>
+        <p:nvSpPr>
+          <p:cNvPr id="18" name="Rechteck 17">
+            <a:extLst>
+              <a:ext uri="{FF2B5EF4-FFF2-40B4-BE49-F238E27FC236}">
+                <a16:creationId xmlns:a16="http://schemas.microsoft.com/office/drawing/2014/main" id="{FDCC2F9B-4B1B-7B86-9A80-AD7240D677D8}"/>
+              </a:ext>
+            </a:extLst>
+          </p:cNvPr>
+          <p:cNvSpPr/>
+          <p:nvPr/>
+        </p:nvSpPr>
+        <p:spPr>
+          <a:xfrm>
+            <a:off x="5944637" y="5631628"/>
+            <a:ext cx="3399057" cy="819807"/>
+          </a:xfrm>
+          <a:prstGeom prst="rect">
+            <a:avLst/>
+          </a:prstGeom>
+          <a:gradFill flip="none" rotWithShape="1">
+            <a:gsLst>
+              <a:gs pos="0">
+                <a:schemeClr val="accent5">
+                  <a:lumMod val="60000"/>
+                  <a:lumOff val="40000"/>
+                  <a:shade val="30000"/>
+                  <a:satMod val="115000"/>
+                  <a:alpha val="3783"/>
+                </a:schemeClr>
+              </a:gs>
+              <a:gs pos="50000">
+                <a:schemeClr val="accent5">
+                  <a:lumMod val="60000"/>
+                  <a:lumOff val="40000"/>
+                  <a:shade val="67500"/>
+                  <a:satMod val="115000"/>
+                </a:schemeClr>
+              </a:gs>
+              <a:gs pos="100000">
+                <a:schemeClr val="accent5">
+                  <a:lumMod val="60000"/>
+                  <a:lumOff val="40000"/>
+                  <a:shade val="100000"/>
+                  <a:satMod val="115000"/>
+                </a:schemeClr>
+              </a:gs>
+            </a:gsLst>
+            <a:lin ang="13500000" scaled="1"/>
+            <a:tileRect/>
+          </a:gradFill>
+          <a:ln>
+            <a:solidFill>
+              <a:schemeClr val="bg2">
+                <a:lumMod val="40000"/>
+                <a:lumOff val="60000"/>
+              </a:schemeClr>
+            </a:solidFill>
+          </a:ln>
+        </p:spPr>
+        <p:style>
+          <a:lnRef idx="2">
+            <a:schemeClr val="accent1">
+              <a:shade val="15000"/>
+            </a:schemeClr>
+          </a:lnRef>
+          <a:fillRef idx="1">
+            <a:schemeClr val="accent1"/>
+          </a:fillRef>
+          <a:effectRef idx="0">
+            <a:schemeClr val="accent1"/>
+          </a:effectRef>
+          <a:fontRef idx="minor">
+            <a:schemeClr val="lt1"/>
+          </a:fontRef>
+        </p:style>
+        <p:txBody>
+          <a:bodyPr rtlCol="0" anchor="ctr"/>
+          <a:lstStyle/>
+          <a:p>
+            <a:r>
+              <a:rPr lang="de-DE" sz="1400" b="1" i="0" u="none" strike="noStrike" dirty="0">
+                <a:solidFill>
+                  <a:schemeClr val="tx1"/>
+                </a:solidFill>
+                <a:effectLst/>
+                <a:latin typeface="Arial" panose="020B0604020202020204" pitchFamily="34" charset="0"/>
+              </a:rPr>
+              <a:t>BSI - TR-03109-1: </a:t>
+            </a:r>
+            <a:r>
+              <a:rPr lang="de-DE" sz="1400" b="0" i="0" u="none" strike="noStrike" dirty="0">
+                <a:solidFill>
+                  <a:schemeClr val="tx1"/>
+                </a:solidFill>
+                <a:effectLst/>
+                <a:latin typeface="Arial" panose="020B0604020202020204" pitchFamily="34" charset="0"/>
+              </a:rPr>
+              <a:t>Regulierungen für Smartmeter</a:t>
+            </a:r>
+          </a:p>
+        </p:txBody>
+      </p:sp>
+      <p:sp>
+        <p:nvSpPr>
+          <p:cNvPr id="19" name="Rechteck 18">
+            <a:extLst>
+              <a:ext uri="{FF2B5EF4-FFF2-40B4-BE49-F238E27FC236}">
+                <a16:creationId xmlns:a16="http://schemas.microsoft.com/office/drawing/2014/main" id="{0A855C6A-EC23-996F-AD11-A285F826867E}"/>
+              </a:ext>
+            </a:extLst>
+          </p:cNvPr>
+          <p:cNvSpPr/>
+          <p:nvPr/>
+        </p:nvSpPr>
+        <p:spPr>
+          <a:xfrm>
+            <a:off x="7481775" y="1975945"/>
+            <a:ext cx="3399057" cy="1728678"/>
+          </a:xfrm>
+          <a:prstGeom prst="rect">
+            <a:avLst/>
+          </a:prstGeom>
+          <a:gradFill flip="none" rotWithShape="1">
+            <a:gsLst>
+              <a:gs pos="0">
+                <a:schemeClr val="accent5">
+                  <a:lumMod val="60000"/>
+                  <a:lumOff val="40000"/>
+                  <a:shade val="30000"/>
+                  <a:satMod val="115000"/>
+                  <a:alpha val="3783"/>
+                </a:schemeClr>
+              </a:gs>
+              <a:gs pos="50000">
+                <a:schemeClr val="accent5">
+                  <a:lumMod val="60000"/>
+                  <a:lumOff val="40000"/>
+                  <a:shade val="67500"/>
+                  <a:satMod val="115000"/>
+                </a:schemeClr>
+              </a:gs>
+              <a:gs pos="100000">
+                <a:schemeClr val="accent5">
+                  <a:lumMod val="60000"/>
+                  <a:lumOff val="40000"/>
+                  <a:shade val="100000"/>
+                  <a:satMod val="115000"/>
+                </a:schemeClr>
+              </a:gs>
+            </a:gsLst>
+            <a:lin ang="13500000" scaled="1"/>
+            <a:tileRect/>
+          </a:gradFill>
+          <a:ln>
+            <a:solidFill>
+              <a:schemeClr val="bg2">
+                <a:lumMod val="40000"/>
+                <a:lumOff val="60000"/>
+              </a:schemeClr>
+            </a:solidFill>
+          </a:ln>
+        </p:spPr>
+        <p:style>
+          <a:lnRef idx="2">
+            <a:schemeClr val="accent1">
+              <a:shade val="15000"/>
+            </a:schemeClr>
+          </a:lnRef>
+          <a:fillRef idx="1">
+            <a:schemeClr val="accent1"/>
+          </a:fillRef>
+          <a:effectRef idx="0">
+            <a:schemeClr val="accent1"/>
+          </a:effectRef>
+          <a:fontRef idx="minor">
+            <a:schemeClr val="lt1"/>
+          </a:fontRef>
+        </p:style>
+        <p:txBody>
+          <a:bodyPr rtlCol="0" anchor="ctr"/>
+          <a:lstStyle/>
+          <a:p>
+            <a:pPr rtl="0" fontAlgn="base">
+              <a:spcBef>
+                <a:spcPts val="0"/>
+              </a:spcBef>
+              <a:spcAft>
+                <a:spcPts val="0"/>
+              </a:spcAft>
+            </a:pPr>
+            <a:r>
+              <a:rPr lang="de-DE" sz="1400" b="1" i="0" u="none" strike="noStrike" dirty="0">
+                <a:solidFill>
+                  <a:schemeClr val="tx1"/>
+                </a:solidFill>
+                <a:effectLst/>
+                <a:latin typeface="Arial" panose="020B0604020202020204" pitchFamily="34" charset="0"/>
+              </a:rPr>
+              <a:t>IT-Sicherheitsgesetz 2.0: </a:t>
+            </a:r>
+            <a:r>
+              <a:rPr lang="de-DE" sz="1400" b="0" i="0" u="none" strike="noStrike" dirty="0">
+                <a:solidFill>
+                  <a:schemeClr val="tx1"/>
+                </a:solidFill>
+                <a:effectLst/>
+                <a:latin typeface="Arial" panose="020B0604020202020204" pitchFamily="34" charset="0"/>
+              </a:rPr>
+              <a:t>Sicherheitsmindestanforderungen, Meldepflicht von Sicherheitsvorfällen, Notwendigkeit zur Einrichtung von Security Information und Event </a:t>
+            </a:r>
+            <a:r>
+              <a:rPr lang="de-DE" sz="1400" dirty="0">
+                <a:solidFill>
+                  <a:schemeClr val="tx1"/>
+                </a:solidFill>
+                <a:latin typeface="Arial" panose="020B0604020202020204" pitchFamily="34" charset="0"/>
+              </a:rPr>
+              <a:t>Management Systemen (SIEM-Systemen) zur Angriffserkennung </a:t>
+            </a:r>
+            <a:r>
+              <a:rPr lang="de-DE" sz="1400" b="0" i="0" u="none" strike="noStrike" dirty="0">
+                <a:solidFill>
+                  <a:schemeClr val="tx1"/>
+                </a:solidFill>
+                <a:effectLst/>
+                <a:latin typeface="Arial" panose="020B0604020202020204" pitchFamily="34" charset="0"/>
+              </a:rPr>
+              <a:t>und Angriffsbewältigung</a:t>
+            </a:r>
+            <a:endParaRPr lang="de-DE" sz="1050" b="0" i="0" u="none" strike="noStrike" dirty="0">
+              <a:solidFill>
+                <a:schemeClr val="tx1"/>
+              </a:solidFill>
+              <a:effectLst/>
+              <a:latin typeface="Arial" panose="020B0604020202020204" pitchFamily="34" charset="0"/>
+            </a:endParaRPr>
+          </a:p>
+        </p:txBody>
+      </p:sp>
+      <p:sp>
+        <p:nvSpPr>
+          <p:cNvPr id="20" name="Rechteck 19">
+            <a:extLst>
+              <a:ext uri="{FF2B5EF4-FFF2-40B4-BE49-F238E27FC236}">
+                <a16:creationId xmlns:a16="http://schemas.microsoft.com/office/drawing/2014/main" id="{6DD37606-E0D2-0019-2E01-086B8589C3B2}"/>
+              </a:ext>
+            </a:extLst>
+          </p:cNvPr>
+          <p:cNvSpPr/>
+          <p:nvPr/>
+        </p:nvSpPr>
+        <p:spPr>
+          <a:xfrm>
+            <a:off x="8051961" y="3813270"/>
+            <a:ext cx="3399057" cy="1728678"/>
+          </a:xfrm>
+          <a:prstGeom prst="rect">
+            <a:avLst/>
+          </a:prstGeom>
+          <a:gradFill flip="none" rotWithShape="1">
+            <a:gsLst>
+              <a:gs pos="0">
+                <a:schemeClr val="accent5">
+                  <a:lumMod val="60000"/>
+                  <a:lumOff val="40000"/>
+                  <a:shade val="30000"/>
+                  <a:satMod val="115000"/>
+                  <a:alpha val="3783"/>
+                </a:schemeClr>
+              </a:gs>
+              <a:gs pos="50000">
+                <a:schemeClr val="accent5">
+                  <a:lumMod val="60000"/>
+                  <a:lumOff val="40000"/>
+                  <a:shade val="67500"/>
+                  <a:satMod val="115000"/>
+                </a:schemeClr>
+              </a:gs>
+              <a:gs pos="100000">
+                <a:schemeClr val="accent5">
+                  <a:lumMod val="60000"/>
+                  <a:lumOff val="40000"/>
+                  <a:shade val="100000"/>
+                  <a:satMod val="115000"/>
+                </a:schemeClr>
+              </a:gs>
+            </a:gsLst>
+            <a:lin ang="13500000" scaled="1"/>
+            <a:tileRect/>
+          </a:gradFill>
+          <a:ln>
+            <a:solidFill>
+              <a:schemeClr val="bg2">
+                <a:lumMod val="40000"/>
+                <a:lumOff val="60000"/>
+              </a:schemeClr>
+            </a:solidFill>
+          </a:ln>
+        </p:spPr>
+        <p:style>
+          <a:lnRef idx="2">
+            <a:schemeClr val="accent1">
+              <a:shade val="15000"/>
+            </a:schemeClr>
+          </a:lnRef>
+          <a:fillRef idx="1">
+            <a:schemeClr val="accent1"/>
+          </a:fillRef>
+          <a:effectRef idx="0">
+            <a:schemeClr val="accent1"/>
+          </a:effectRef>
+          <a:fontRef idx="minor">
+            <a:schemeClr val="lt1"/>
+          </a:fontRef>
+        </p:style>
+        <p:txBody>
+          <a:bodyPr rtlCol="0" anchor="ctr"/>
+          <a:lstStyle/>
+          <a:p>
+            <a:pPr rtl="0" fontAlgn="base">
+              <a:spcBef>
+                <a:spcPts val="0"/>
+              </a:spcBef>
+              <a:spcAft>
+                <a:spcPts val="0"/>
+              </a:spcAft>
+            </a:pPr>
+            <a:r>
+              <a:rPr lang="de-DE" sz="1600" b="1" i="0" u="none" strike="noStrike" dirty="0">
+                <a:solidFill>
+                  <a:schemeClr val="tx1"/>
+                </a:solidFill>
+                <a:effectLst/>
+                <a:latin typeface="Arial" panose="020B0604020202020204" pitchFamily="34" charset="0"/>
+              </a:rPr>
+              <a:t>Energiemarkt auf Grundlage des Energiewirtschaftsgesetzes (EnWG): </a:t>
+            </a:r>
+            <a:r>
+              <a:rPr lang="de-DE" sz="1600" b="0" i="0" u="none" strike="noStrike" dirty="0">
+                <a:solidFill>
+                  <a:schemeClr val="tx1"/>
+                </a:solidFill>
+                <a:effectLst/>
+                <a:latin typeface="Arial" panose="020B0604020202020204" pitchFamily="34" charset="0"/>
+              </a:rPr>
+              <a:t>Regelung des Energiemarktes, nur wichtig Umgang mit erhobenen Daten(Infos); Überschneidung DSGVO</a:t>
+            </a:r>
+            <a:endParaRPr lang="de-DE" sz="1100" b="0" i="0" u="none" strike="noStrike" dirty="0">
+              <a:solidFill>
+                <a:schemeClr val="tx1"/>
+              </a:solidFill>
+              <a:effectLst/>
+              <a:latin typeface="Arial" panose="020B0604020202020204" pitchFamily="34" charset="0"/>
+            </a:endParaRPr>
+          </a:p>
+        </p:txBody>
+      </p:sp>
+    </p:spTree>
+    <p:extLst>
+      <p:ext uri="{BB962C8B-B14F-4D97-AF65-F5344CB8AC3E}">
+        <p14:creationId xmlns:p14="http://schemas.microsoft.com/office/powerpoint/2010/main" val="66749916"/>
+      </p:ext>
+    </p:extLst>
+  </p:cSld>
+  <p:clrMapOvr>
+    <a:masterClrMapping/>
+  </p:clrMapOvr>
+</p:sld>
+</file>
+
+<file path=ppt/slides/slide7.xml><?xml version="1.0" encoding="utf-8"?>
 <p:sld xmlns:a="http://schemas.openxmlformats.org/drawingml/2006/main" xmlns:r="http://schemas.openxmlformats.org/officeDocument/2006/relationships" xmlns:p="http://schemas.openxmlformats.org/presentationml/2006/main">
   <p:cSld>
     <p:spTree>
@@ -19484,7 +21978,7 @@
 </p:sld>
 </file>
 
-<file path=ppt/slides/slide7.xml><?xml version="1.0" encoding="utf-8"?>
+<file path=ppt/slides/slide8.xml><?xml version="1.0" encoding="utf-8"?>
 <p:sld xmlns:a="http://schemas.openxmlformats.org/drawingml/2006/main" xmlns:r="http://schemas.openxmlformats.org/officeDocument/2006/relationships" xmlns:p="http://schemas.openxmlformats.org/presentationml/2006/main">
   <p:cSld>
     <p:spTree>
@@ -19693,7 +22187,7 @@
 </p:sld>
 </file>
 
-<file path=ppt/slides/slide8.xml><?xml version="1.0" encoding="utf-8"?>
+<file path=ppt/slides/slide9.xml><?xml version="1.0" encoding="utf-8"?>
 <p:sld xmlns:a="http://schemas.openxmlformats.org/drawingml/2006/main" xmlns:r="http://schemas.openxmlformats.org/officeDocument/2006/relationships" xmlns:p="http://schemas.openxmlformats.org/presentationml/2006/main">
   <p:cSld>
     <p:spTree>
@@ -19893,84 +22387,6 @@
     <p:extLst>
       <p:ext uri="{BB962C8B-B14F-4D97-AF65-F5344CB8AC3E}">
         <p14:creationId xmlns:p14="http://schemas.microsoft.com/office/powerpoint/2010/main" val="4148373651"/>
-      </p:ext>
-    </p:extLst>
-  </p:cSld>
-  <p:clrMapOvr>
-    <a:masterClrMapping/>
-  </p:clrMapOvr>
-</p:sld>
-</file>
-
-<file path=ppt/slides/slide9.xml><?xml version="1.0" encoding="utf-8"?>
-<p:sld xmlns:a="http://schemas.openxmlformats.org/drawingml/2006/main" xmlns:r="http://schemas.openxmlformats.org/officeDocument/2006/relationships" xmlns:p="http://schemas.openxmlformats.org/presentationml/2006/main">
-  <p:cSld>
-    <p:spTree>
-      <p:nvGrpSpPr>
-        <p:cNvPr id="1" name=""/>
-        <p:cNvGrpSpPr/>
-        <p:nvPr/>
-      </p:nvGrpSpPr>
-      <p:grpSpPr>
-        <a:xfrm>
-          <a:off x="0" y="0"/>
-          <a:ext cx="0" cy="0"/>
-          <a:chOff x="0" y="0"/>
-          <a:chExt cx="0" cy="0"/>
-        </a:xfrm>
-      </p:grpSpPr>
-      <p:sp>
-        <p:nvSpPr>
-          <p:cNvPr id="3" name="Inhaltsplatzhalter 2">
-            <a:extLst>
-              <a:ext uri="{FF2B5EF4-FFF2-40B4-BE49-F238E27FC236}">
-                <a16:creationId xmlns:a16="http://schemas.microsoft.com/office/drawing/2014/main" id="{5512088A-9C6B-2370-886E-BF4620E5C241}"/>
-              </a:ext>
-            </a:extLst>
-          </p:cNvPr>
-          <p:cNvSpPr>
-            <a:spLocks noGrp="1"/>
-          </p:cNvSpPr>
-          <p:nvPr>
-            <p:ph idx="1"/>
-          </p:nvPr>
-        </p:nvSpPr>
-        <p:spPr>
-          <a:xfrm>
-            <a:off x="0" y="2785241"/>
-            <a:ext cx="12192000" cy="809297"/>
-          </a:xfrm>
-        </p:spPr>
-        <p:txBody>
-          <a:bodyPr>
-            <a:normAutofit fontScale="92500"/>
-          </a:bodyPr>
-          <a:lstStyle/>
-          <a:p>
-            <a:pPr marL="0" indent="0" algn="ctr">
-              <a:lnSpc>
-                <a:spcPct val="90000"/>
-              </a:lnSpc>
-              <a:spcBef>
-                <a:spcPct val="0"/>
-              </a:spcBef>
-              <a:buNone/>
-            </a:pPr>
-            <a:r>
-              <a:rPr lang="de-DE" sz="4800" cap="all" dirty="0">
-                <a:latin typeface="+mj-lt"/>
-                <a:ea typeface="+mj-ea"/>
-                <a:cs typeface="+mj-cs"/>
-              </a:rPr>
-              <a:t>2. Implementierung, Plattform, Komponenten</a:t>
-            </a:r>
-          </a:p>
-        </p:txBody>
-      </p:sp>
-    </p:spTree>
-    <p:extLst>
-      <p:ext uri="{BB962C8B-B14F-4D97-AF65-F5344CB8AC3E}">
-        <p14:creationId xmlns:p14="http://schemas.microsoft.com/office/powerpoint/2010/main" val="989712216"/>
       </p:ext>
     </p:extLst>
   </p:cSld>

--- a/Documentation/2023_10_26_SBD_Präsentation.pptx
+++ b/Documentation/2023_10_26_SBD_Präsentation.pptx
@@ -175,7 +175,7 @@
           <a:noFill/>
           <a:extLst>
             <a:ext uri="{909E8E84-426E-40dd-AFC4-6F175D3DCCD1}">
-              <a14:hiddenFill xmlns="" xmlns:a14="http://schemas.microsoft.com/office/drawing/2010/main">
+              <a14:hiddenFill xmlns:a14="http://schemas.microsoft.com/office/drawing/2010/main" xmlns="">
                 <a:solidFill>
                   <a:srgbClr val="FFFFFF"/>
                 </a:solidFill>
@@ -235,7 +235,7 @@
             </a:ln>
             <a:extLst>
               <a:ext uri="{91240B29-F687-4f45-9708-019B960494DF}">
-                <a14:hiddenLine xmlns="" xmlns:a14="http://schemas.microsoft.com/office/drawing/2010/main" w="9525">
+                <a14:hiddenLine xmlns:a14="http://schemas.microsoft.com/office/drawing/2010/main" xmlns="" w="9525">
                   <a:solidFill>
                     <a:srgbClr val="000000"/>
                   </a:solidFill>
@@ -325,7 +325,7 @@
             </a:ln>
             <a:extLst>
               <a:ext uri="{91240B29-F687-4f45-9708-019B960494DF}">
-                <a14:hiddenLine xmlns="" xmlns:a14="http://schemas.microsoft.com/office/drawing/2010/main" w="9525">
+                <a14:hiddenLine xmlns:a14="http://schemas.microsoft.com/office/drawing/2010/main" xmlns="" w="9525">
                   <a:solidFill>
                     <a:srgbClr val="000000"/>
                   </a:solidFill>
@@ -415,7 +415,7 @@
             </a:ln>
             <a:extLst>
               <a:ext uri="{91240B29-F687-4f45-9708-019B960494DF}">
-                <a14:hiddenLine xmlns="" xmlns:a14="http://schemas.microsoft.com/office/drawing/2010/main" w="9525">
+                <a14:hiddenLine xmlns:a14="http://schemas.microsoft.com/office/drawing/2010/main" xmlns="" w="9525">
                   <a:solidFill>
                     <a:srgbClr val="000000"/>
                   </a:solidFill>
@@ -449,7 +449,7 @@
             </a:ln>
             <a:extLst>
               <a:ext uri="{91240B29-F687-4f45-9708-019B960494DF}">
-                <a14:hiddenLine xmlns="" xmlns:a14="http://schemas.microsoft.com/office/drawing/2010/main" w="9525">
+                <a14:hiddenLine xmlns:a14="http://schemas.microsoft.com/office/drawing/2010/main" xmlns="" w="9525">
                   <a:solidFill>
                     <a:srgbClr val="000000"/>
                   </a:solidFill>
@@ -539,7 +539,7 @@
             </a:ln>
             <a:extLst>
               <a:ext uri="{91240B29-F687-4f45-9708-019B960494DF}">
-                <a14:hiddenLine xmlns="" xmlns:a14="http://schemas.microsoft.com/office/drawing/2010/main" w="9525">
+                <a14:hiddenLine xmlns:a14="http://schemas.microsoft.com/office/drawing/2010/main" xmlns="" w="9525">
                   <a:solidFill>
                     <a:srgbClr val="000000"/>
                   </a:solidFill>
@@ -601,7 +601,7 @@
             </a:ln>
             <a:extLst>
               <a:ext uri="{91240B29-F687-4f45-9708-019B960494DF}">
-                <a14:hiddenLine xmlns="" xmlns:a14="http://schemas.microsoft.com/office/drawing/2010/main" w="9525">
+                <a14:hiddenLine xmlns:a14="http://schemas.microsoft.com/office/drawing/2010/main" xmlns="" w="9525">
                   <a:solidFill>
                     <a:srgbClr val="000000"/>
                   </a:solidFill>
@@ -663,7 +663,7 @@
             </a:ln>
             <a:extLst>
               <a:ext uri="{91240B29-F687-4f45-9708-019B960494DF}">
-                <a14:hiddenLine xmlns="" xmlns:a14="http://schemas.microsoft.com/office/drawing/2010/main" w="9525">
+                <a14:hiddenLine xmlns:a14="http://schemas.microsoft.com/office/drawing/2010/main" xmlns="" w="9525">
                   <a:solidFill>
                     <a:srgbClr val="000000"/>
                   </a:solidFill>
@@ -753,7 +753,7 @@
             </a:ln>
             <a:extLst>
               <a:ext uri="{91240B29-F687-4f45-9708-019B960494DF}">
-                <a14:hiddenLine xmlns="" xmlns:a14="http://schemas.microsoft.com/office/drawing/2010/main" w="9525">
+                <a14:hiddenLine xmlns:a14="http://schemas.microsoft.com/office/drawing/2010/main" xmlns="" w="9525">
                   <a:solidFill>
                     <a:srgbClr val="000000"/>
                   </a:solidFill>
@@ -815,7 +815,7 @@
             </a:ln>
             <a:extLst>
               <a:ext uri="{91240B29-F687-4f45-9708-019B960494DF}">
-                <a14:hiddenLine xmlns="" xmlns:a14="http://schemas.microsoft.com/office/drawing/2010/main" w="9525">
+                <a14:hiddenLine xmlns:a14="http://schemas.microsoft.com/office/drawing/2010/main" xmlns="" w="9525">
                   <a:solidFill>
                     <a:srgbClr val="000000"/>
                   </a:solidFill>
@@ -877,7 +877,7 @@
             </a:ln>
             <a:extLst>
               <a:ext uri="{91240B29-F687-4f45-9708-019B960494DF}">
-                <a14:hiddenLine xmlns="" xmlns:a14="http://schemas.microsoft.com/office/drawing/2010/main" w="9525">
+                <a14:hiddenLine xmlns:a14="http://schemas.microsoft.com/office/drawing/2010/main" xmlns="" w="9525">
                   <a:solidFill>
                     <a:srgbClr val="000000"/>
                   </a:solidFill>
@@ -967,7 +967,7 @@
             </a:ln>
             <a:extLst>
               <a:ext uri="{91240B29-F687-4f45-9708-019B960494DF}">
-                <a14:hiddenLine xmlns="" xmlns:a14="http://schemas.microsoft.com/office/drawing/2010/main" w="9525">
+                <a14:hiddenLine xmlns:a14="http://schemas.microsoft.com/office/drawing/2010/main" xmlns="" w="9525">
                   <a:solidFill>
                     <a:srgbClr val="000000"/>
                   </a:solidFill>
@@ -1057,7 +1057,7 @@
             </a:ln>
             <a:extLst>
               <a:ext uri="{91240B29-F687-4f45-9708-019B960494DF}">
-                <a14:hiddenLine xmlns="" xmlns:a14="http://schemas.microsoft.com/office/drawing/2010/main" w="9525">
+                <a14:hiddenLine xmlns:a14="http://schemas.microsoft.com/office/drawing/2010/main" xmlns="" w="9525">
                   <a:solidFill>
                     <a:srgbClr val="000000"/>
                   </a:solidFill>
@@ -1119,7 +1119,7 @@
             </a:ln>
             <a:extLst>
               <a:ext uri="{91240B29-F687-4f45-9708-019B960494DF}">
-                <a14:hiddenLine xmlns="" xmlns:a14="http://schemas.microsoft.com/office/drawing/2010/main" w="9525">
+                <a14:hiddenLine xmlns:a14="http://schemas.microsoft.com/office/drawing/2010/main" xmlns="" w="9525">
                   <a:solidFill>
                     <a:srgbClr val="000000"/>
                   </a:solidFill>
@@ -1229,7 +1229,7 @@
             </a:ln>
             <a:extLst>
               <a:ext uri="{91240B29-F687-4f45-9708-019B960494DF}">
-                <a14:hiddenLine xmlns="" xmlns:a14="http://schemas.microsoft.com/office/drawing/2010/main" w="9525">
+                <a14:hiddenLine xmlns:a14="http://schemas.microsoft.com/office/drawing/2010/main" xmlns="" w="9525">
                   <a:solidFill>
                     <a:srgbClr val="000000"/>
                   </a:solidFill>
@@ -1291,7 +1291,7 @@
             </a:ln>
             <a:extLst>
               <a:ext uri="{91240B29-F687-4f45-9708-019B960494DF}">
-                <a14:hiddenLine xmlns="" xmlns:a14="http://schemas.microsoft.com/office/drawing/2010/main" w="9525">
+                <a14:hiddenLine xmlns:a14="http://schemas.microsoft.com/office/drawing/2010/main" xmlns="" w="9525">
                   <a:solidFill>
                     <a:srgbClr val="000000"/>
                   </a:solidFill>
@@ -1381,7 +1381,7 @@
             </a:ln>
             <a:extLst>
               <a:ext uri="{91240B29-F687-4f45-9708-019B960494DF}">
-                <a14:hiddenLine xmlns="" xmlns:a14="http://schemas.microsoft.com/office/drawing/2010/main" w="9525">
+                <a14:hiddenLine xmlns:a14="http://schemas.microsoft.com/office/drawing/2010/main" xmlns="" w="9525">
                   <a:solidFill>
                     <a:srgbClr val="000000"/>
                   </a:solidFill>
@@ -1471,7 +1471,7 @@
             </a:ln>
             <a:extLst>
               <a:ext uri="{91240B29-F687-4f45-9708-019B960494DF}">
-                <a14:hiddenLine xmlns="" xmlns:a14="http://schemas.microsoft.com/office/drawing/2010/main" w="9525">
+                <a14:hiddenLine xmlns:a14="http://schemas.microsoft.com/office/drawing/2010/main" xmlns="" w="9525">
                   <a:solidFill>
                     <a:srgbClr val="000000"/>
                   </a:solidFill>
@@ -1533,7 +1533,7 @@
             </a:ln>
             <a:extLst>
               <a:ext uri="{91240B29-F687-4f45-9708-019B960494DF}">
-                <a14:hiddenLine xmlns="" xmlns:a14="http://schemas.microsoft.com/office/drawing/2010/main" w="9525">
+                <a14:hiddenLine xmlns:a14="http://schemas.microsoft.com/office/drawing/2010/main" xmlns="" w="9525">
                   <a:solidFill>
                     <a:srgbClr val="000000"/>
                   </a:solidFill>
@@ -1623,7 +1623,7 @@
             </a:ln>
             <a:extLst>
               <a:ext uri="{91240B29-F687-4f45-9708-019B960494DF}">
-                <a14:hiddenLine xmlns="" xmlns:a14="http://schemas.microsoft.com/office/drawing/2010/main" w="9525">
+                <a14:hiddenLine xmlns:a14="http://schemas.microsoft.com/office/drawing/2010/main" xmlns="" w="9525">
                   <a:solidFill>
                     <a:srgbClr val="000000"/>
                   </a:solidFill>
@@ -1713,7 +1713,7 @@
             </a:ln>
             <a:extLst>
               <a:ext uri="{91240B29-F687-4f45-9708-019B960494DF}">
-                <a14:hiddenLine xmlns="" xmlns:a14="http://schemas.microsoft.com/office/drawing/2010/main" w="9525">
+                <a14:hiddenLine xmlns:a14="http://schemas.microsoft.com/office/drawing/2010/main" xmlns="" w="9525">
                   <a:solidFill>
                     <a:srgbClr val="000000"/>
                   </a:solidFill>
@@ -1769,7 +1769,7 @@
             </a:ln>
             <a:extLst>
               <a:ext uri="{91240B29-F687-4f45-9708-019B960494DF}">
-                <a14:hiddenLine xmlns="" xmlns:a14="http://schemas.microsoft.com/office/drawing/2010/main" w="9525">
+                <a14:hiddenLine xmlns:a14="http://schemas.microsoft.com/office/drawing/2010/main" xmlns="" w="9525">
                   <a:solidFill>
                     <a:srgbClr val="000000"/>
                   </a:solidFill>
@@ -1859,7 +1859,7 @@
             </a:ln>
             <a:extLst>
               <a:ext uri="{91240B29-F687-4f45-9708-019B960494DF}">
-                <a14:hiddenLine xmlns="" xmlns:a14="http://schemas.microsoft.com/office/drawing/2010/main" w="9525">
+                <a14:hiddenLine xmlns:a14="http://schemas.microsoft.com/office/drawing/2010/main" xmlns="" w="9525">
                   <a:solidFill>
                     <a:srgbClr val="000000"/>
                   </a:solidFill>
@@ -1915,7 +1915,7 @@
             </a:ln>
             <a:extLst>
               <a:ext uri="{91240B29-F687-4f45-9708-019B960494DF}">
-                <a14:hiddenLine xmlns="" xmlns:a14="http://schemas.microsoft.com/office/drawing/2010/main" w="9525">
+                <a14:hiddenLine xmlns:a14="http://schemas.microsoft.com/office/drawing/2010/main" xmlns="" w="9525">
                   <a:solidFill>
                     <a:srgbClr val="000000"/>
                   </a:solidFill>
@@ -2005,7 +2005,7 @@
             </a:ln>
             <a:extLst>
               <a:ext uri="{91240B29-F687-4f45-9708-019B960494DF}">
-                <a14:hiddenLine xmlns="" xmlns:a14="http://schemas.microsoft.com/office/drawing/2010/main" w="9525">
+                <a14:hiddenLine xmlns:a14="http://schemas.microsoft.com/office/drawing/2010/main" xmlns="" w="9525">
                   <a:solidFill>
                     <a:srgbClr val="000000"/>
                   </a:solidFill>
@@ -2073,7 +2073,7 @@
             </a:ln>
             <a:extLst>
               <a:ext uri="{91240B29-F687-4f45-9708-019B960494DF}">
-                <a14:hiddenLine xmlns="" xmlns:a14="http://schemas.microsoft.com/office/drawing/2010/main" w="9525">
+                <a14:hiddenLine xmlns:a14="http://schemas.microsoft.com/office/drawing/2010/main" xmlns="" w="9525">
                   <a:solidFill>
                     <a:srgbClr val="000000"/>
                   </a:solidFill>
@@ -2163,7 +2163,7 @@
             </a:ln>
             <a:extLst>
               <a:ext uri="{91240B29-F687-4f45-9708-019B960494DF}">
-                <a14:hiddenLine xmlns="" xmlns:a14="http://schemas.microsoft.com/office/drawing/2010/main" w="9525">
+                <a14:hiddenLine xmlns:a14="http://schemas.microsoft.com/office/drawing/2010/main" xmlns="" w="9525">
                   <a:solidFill>
                     <a:srgbClr val="000000"/>
                   </a:solidFill>
@@ -2231,7 +2231,7 @@
             </a:ln>
             <a:extLst>
               <a:ext uri="{91240B29-F687-4f45-9708-019B960494DF}">
-                <a14:hiddenLine xmlns="" xmlns:a14="http://schemas.microsoft.com/office/drawing/2010/main" w="9525">
+                <a14:hiddenLine xmlns:a14="http://schemas.microsoft.com/office/drawing/2010/main" xmlns="" w="9525">
                   <a:solidFill>
                     <a:srgbClr val="000000"/>
                   </a:solidFill>
@@ -2321,7 +2321,7 @@
             </a:ln>
             <a:extLst>
               <a:ext uri="{91240B29-F687-4f45-9708-019B960494DF}">
-                <a14:hiddenLine xmlns="" xmlns:a14="http://schemas.microsoft.com/office/drawing/2010/main" w="9525">
+                <a14:hiddenLine xmlns:a14="http://schemas.microsoft.com/office/drawing/2010/main" xmlns="" w="9525">
                   <a:solidFill>
                     <a:srgbClr val="000000"/>
                   </a:solidFill>
@@ -2355,7 +2355,7 @@
             </a:ln>
             <a:extLst>
               <a:ext uri="{91240B29-F687-4f45-9708-019B960494DF}">
-                <a14:hiddenLine xmlns="" xmlns:a14="http://schemas.microsoft.com/office/drawing/2010/main" w="9525">
+                <a14:hiddenLine xmlns:a14="http://schemas.microsoft.com/office/drawing/2010/main" xmlns="" w="9525">
                   <a:solidFill>
                     <a:srgbClr val="000000"/>
                   </a:solidFill>
@@ -2445,7 +2445,7 @@
             </a:ln>
             <a:extLst>
               <a:ext uri="{91240B29-F687-4f45-9708-019B960494DF}">
-                <a14:hiddenLine xmlns="" xmlns:a14="http://schemas.microsoft.com/office/drawing/2010/main" w="9525">
+                <a14:hiddenLine xmlns:a14="http://schemas.microsoft.com/office/drawing/2010/main" xmlns="" w="9525">
                   <a:solidFill>
                     <a:srgbClr val="000000"/>
                   </a:solidFill>
@@ -2507,7 +2507,7 @@
             </a:ln>
             <a:extLst>
               <a:ext uri="{91240B29-F687-4f45-9708-019B960494DF}">
-                <a14:hiddenLine xmlns="" xmlns:a14="http://schemas.microsoft.com/office/drawing/2010/main" w="9525">
+                <a14:hiddenLine xmlns:a14="http://schemas.microsoft.com/office/drawing/2010/main" xmlns="" w="9525">
                   <a:solidFill>
                     <a:srgbClr val="000000"/>
                   </a:solidFill>
@@ -2569,7 +2569,7 @@
             </a:ln>
             <a:extLst>
               <a:ext uri="{91240B29-F687-4f45-9708-019B960494DF}">
-                <a14:hiddenLine xmlns="" xmlns:a14="http://schemas.microsoft.com/office/drawing/2010/main" w="9525">
+                <a14:hiddenLine xmlns:a14="http://schemas.microsoft.com/office/drawing/2010/main" xmlns="" w="9525">
                   <a:solidFill>
                     <a:srgbClr val="000000"/>
                   </a:solidFill>
@@ -2659,7 +2659,7 @@
             </a:ln>
             <a:extLst>
               <a:ext uri="{91240B29-F687-4f45-9708-019B960494DF}">
-                <a14:hiddenLine xmlns="" xmlns:a14="http://schemas.microsoft.com/office/drawing/2010/main" w="9525">
+                <a14:hiddenLine xmlns:a14="http://schemas.microsoft.com/office/drawing/2010/main" xmlns="" w="9525">
                   <a:solidFill>
                     <a:srgbClr val="000000"/>
                   </a:solidFill>
@@ -2727,7 +2727,7 @@
             </a:ln>
             <a:extLst>
               <a:ext uri="{91240B29-F687-4f45-9708-019B960494DF}">
-                <a14:hiddenLine xmlns="" xmlns:a14="http://schemas.microsoft.com/office/drawing/2010/main" w="9525">
+                <a14:hiddenLine xmlns:a14="http://schemas.microsoft.com/office/drawing/2010/main" xmlns="" w="9525">
                   <a:solidFill>
                     <a:srgbClr val="000000"/>
                   </a:solidFill>
@@ -2789,7 +2789,7 @@
             </a:ln>
             <a:extLst>
               <a:ext uri="{91240B29-F687-4f45-9708-019B960494DF}">
-                <a14:hiddenLine xmlns="" xmlns:a14="http://schemas.microsoft.com/office/drawing/2010/main" w="9525">
+                <a14:hiddenLine xmlns:a14="http://schemas.microsoft.com/office/drawing/2010/main" xmlns="" w="9525">
                   <a:solidFill>
                     <a:srgbClr val="000000"/>
                   </a:solidFill>
@@ -2879,7 +2879,7 @@
             </a:ln>
             <a:extLst>
               <a:ext uri="{91240B29-F687-4f45-9708-019B960494DF}">
-                <a14:hiddenLine xmlns="" xmlns:a14="http://schemas.microsoft.com/office/drawing/2010/main" w="9525">
+                <a14:hiddenLine xmlns:a14="http://schemas.microsoft.com/office/drawing/2010/main" xmlns="" w="9525">
                   <a:solidFill>
                     <a:srgbClr val="000000"/>
                   </a:solidFill>
@@ -2941,7 +2941,7 @@
             </a:ln>
             <a:extLst>
               <a:ext uri="{91240B29-F687-4f45-9708-019B960494DF}">
-                <a14:hiddenLine xmlns="" xmlns:a14="http://schemas.microsoft.com/office/drawing/2010/main" w="9525">
+                <a14:hiddenLine xmlns:a14="http://schemas.microsoft.com/office/drawing/2010/main" xmlns="" w="9525">
                   <a:solidFill>
                     <a:srgbClr val="000000"/>
                   </a:solidFill>
@@ -3031,7 +3031,7 @@
             </a:ln>
             <a:extLst>
               <a:ext uri="{91240B29-F687-4f45-9708-019B960494DF}">
-                <a14:hiddenLine xmlns="" xmlns:a14="http://schemas.microsoft.com/office/drawing/2010/main" w="9525">
+                <a14:hiddenLine xmlns:a14="http://schemas.microsoft.com/office/drawing/2010/main" xmlns="" w="9525">
                   <a:solidFill>
                     <a:srgbClr val="000000"/>
                   </a:solidFill>
@@ -3093,7 +3093,7 @@
             </a:ln>
             <a:extLst>
               <a:ext uri="{91240B29-F687-4f45-9708-019B960494DF}">
-                <a14:hiddenLine xmlns="" xmlns:a14="http://schemas.microsoft.com/office/drawing/2010/main" w="9525">
+                <a14:hiddenLine xmlns:a14="http://schemas.microsoft.com/office/drawing/2010/main" xmlns="" w="9525">
                   <a:solidFill>
                     <a:srgbClr val="000000"/>
                   </a:solidFill>
@@ -3183,7 +3183,7 @@
             </a:ln>
             <a:extLst>
               <a:ext uri="{91240B29-F687-4f45-9708-019B960494DF}">
-                <a14:hiddenLine xmlns="" xmlns:a14="http://schemas.microsoft.com/office/drawing/2010/main" w="9525">
+                <a14:hiddenLine xmlns:a14="http://schemas.microsoft.com/office/drawing/2010/main" xmlns="" w="9525">
                   <a:solidFill>
                     <a:srgbClr val="000000"/>
                   </a:solidFill>
@@ -3217,7 +3217,7 @@
             </a:ln>
             <a:extLst>
               <a:ext uri="{91240B29-F687-4f45-9708-019B960494DF}">
-                <a14:hiddenLine xmlns="" xmlns:a14="http://schemas.microsoft.com/office/drawing/2010/main" w="9525">
+                <a14:hiddenLine xmlns:a14="http://schemas.microsoft.com/office/drawing/2010/main" xmlns="" w="9525">
                   <a:solidFill>
                     <a:srgbClr val="000000"/>
                   </a:solidFill>
@@ -3282,7 +3282,7 @@
             </a:ln>
             <a:extLst>
               <a:ext uri="{91240B29-F687-4f45-9708-019B960494DF}">
-                <a14:hiddenLine xmlns="" xmlns:a14="http://schemas.microsoft.com/office/drawing/2010/main" w="9525">
+                <a14:hiddenLine xmlns:a14="http://schemas.microsoft.com/office/drawing/2010/main" xmlns="" w="9525">
                   <a:solidFill>
                     <a:srgbClr val="000000"/>
                   </a:solidFill>
@@ -3372,7 +3372,7 @@
             </a:ln>
             <a:extLst>
               <a:ext uri="{91240B29-F687-4f45-9708-019B960494DF}">
-                <a14:hiddenLine xmlns="" xmlns:a14="http://schemas.microsoft.com/office/drawing/2010/main" w="9525">
+                <a14:hiddenLine xmlns:a14="http://schemas.microsoft.com/office/drawing/2010/main" xmlns="" w="9525">
                   <a:solidFill>
                     <a:srgbClr val="000000"/>
                   </a:solidFill>
@@ -3434,7 +3434,7 @@
             </a:ln>
             <a:extLst>
               <a:ext uri="{91240B29-F687-4f45-9708-019B960494DF}">
-                <a14:hiddenLine xmlns="" xmlns:a14="http://schemas.microsoft.com/office/drawing/2010/main" w="9525">
+                <a14:hiddenLine xmlns:a14="http://schemas.microsoft.com/office/drawing/2010/main" xmlns="" w="9525">
                   <a:solidFill>
                     <a:srgbClr val="000000"/>
                   </a:solidFill>
@@ -3524,7 +3524,7 @@
             </a:ln>
             <a:extLst>
               <a:ext uri="{91240B29-F687-4f45-9708-019B960494DF}">
-                <a14:hiddenLine xmlns="" xmlns:a14="http://schemas.microsoft.com/office/drawing/2010/main" w="9525">
+                <a14:hiddenLine xmlns:a14="http://schemas.microsoft.com/office/drawing/2010/main" xmlns="" w="9525">
                   <a:solidFill>
                     <a:srgbClr val="000000"/>
                   </a:solidFill>
@@ -3614,7 +3614,7 @@
             </a:ln>
             <a:extLst>
               <a:ext uri="{91240B29-F687-4f45-9708-019B960494DF}">
-                <a14:hiddenLine xmlns="" xmlns:a14="http://schemas.microsoft.com/office/drawing/2010/main" w="9525">
+                <a14:hiddenLine xmlns:a14="http://schemas.microsoft.com/office/drawing/2010/main" xmlns="" w="9525">
                   <a:solidFill>
                     <a:srgbClr val="000000"/>
                   </a:solidFill>
@@ -3679,7 +3679,7 @@
             </a:ln>
             <a:extLst>
               <a:ext uri="{91240B29-F687-4f45-9708-019B960494DF}">
-                <a14:hiddenLine xmlns="" xmlns:a14="http://schemas.microsoft.com/office/drawing/2010/main" w="9525">
+                <a14:hiddenLine xmlns:a14="http://schemas.microsoft.com/office/drawing/2010/main" xmlns="" w="9525">
                   <a:solidFill>
                     <a:srgbClr val="000000"/>
                   </a:solidFill>
@@ -3741,7 +3741,7 @@
             </a:ln>
             <a:extLst>
               <a:ext uri="{91240B29-F687-4f45-9708-019B960494DF}">
-                <a14:hiddenLine xmlns="" xmlns:a14="http://schemas.microsoft.com/office/drawing/2010/main" w="9525">
+                <a14:hiddenLine xmlns:a14="http://schemas.microsoft.com/office/drawing/2010/main" xmlns="" w="9525">
                   <a:solidFill>
                     <a:srgbClr val="000000"/>
                   </a:solidFill>
@@ -3831,7 +3831,7 @@
             </a:ln>
             <a:extLst>
               <a:ext uri="{91240B29-F687-4f45-9708-019B960494DF}">
-                <a14:hiddenLine xmlns="" xmlns:a14="http://schemas.microsoft.com/office/drawing/2010/main" w="9525">
+                <a14:hiddenLine xmlns:a14="http://schemas.microsoft.com/office/drawing/2010/main" xmlns="" w="9525">
                   <a:solidFill>
                     <a:srgbClr val="000000"/>
                   </a:solidFill>
@@ -3921,7 +3921,7 @@
             </a:ln>
             <a:extLst>
               <a:ext uri="{91240B29-F687-4f45-9708-019B960494DF}">
-                <a14:hiddenLine xmlns="" xmlns:a14="http://schemas.microsoft.com/office/drawing/2010/main" w="9525">
+                <a14:hiddenLine xmlns:a14="http://schemas.microsoft.com/office/drawing/2010/main" xmlns="" w="9525">
                   <a:solidFill>
                     <a:srgbClr val="000000"/>
                   </a:solidFill>
@@ -3983,7 +3983,7 @@
             </a:ln>
             <a:extLst>
               <a:ext uri="{91240B29-F687-4f45-9708-019B960494DF}">
-                <a14:hiddenLine xmlns="" xmlns:a14="http://schemas.microsoft.com/office/drawing/2010/main" w="9525">
+                <a14:hiddenLine xmlns:a14="http://schemas.microsoft.com/office/drawing/2010/main" xmlns="" w="9525">
                   <a:solidFill>
                     <a:srgbClr val="000000"/>
                   </a:solidFill>
@@ -4103,7 +4103,7 @@
             </a:ln>
             <a:extLst>
               <a:ext uri="{91240B29-F687-4f45-9708-019B960494DF}">
-                <a14:hiddenLine xmlns="" xmlns:a14="http://schemas.microsoft.com/office/drawing/2010/main" w="9525">
+                <a14:hiddenLine xmlns:a14="http://schemas.microsoft.com/office/drawing/2010/main" xmlns="" w="9525">
                   <a:solidFill>
                     <a:srgbClr val="000000"/>
                   </a:solidFill>
@@ -4171,7 +4171,7 @@
             </a:ln>
             <a:extLst>
               <a:ext uri="{91240B29-F687-4f45-9708-019B960494DF}">
-                <a14:hiddenLine xmlns="" xmlns:a14="http://schemas.microsoft.com/office/drawing/2010/main" w="9525">
+                <a14:hiddenLine xmlns:a14="http://schemas.microsoft.com/office/drawing/2010/main" xmlns="" w="9525">
                   <a:solidFill>
                     <a:srgbClr val="000000"/>
                   </a:solidFill>
@@ -4261,7 +4261,7 @@
             </a:ln>
             <a:extLst>
               <a:ext uri="{91240B29-F687-4f45-9708-019B960494DF}">
-                <a14:hiddenLine xmlns="" xmlns:a14="http://schemas.microsoft.com/office/drawing/2010/main" w="9525">
+                <a14:hiddenLine xmlns:a14="http://schemas.microsoft.com/office/drawing/2010/main" xmlns="" w="9525">
                   <a:solidFill>
                     <a:srgbClr val="000000"/>
                   </a:solidFill>
@@ -8983,7 +8983,7 @@
           <a:noFill/>
           <a:extLst>
             <a:ext uri="{909E8E84-426E-40dd-AFC4-6F175D3DCCD1}">
-              <a14:hiddenFill xmlns="" xmlns:a14="http://schemas.microsoft.com/office/drawing/2010/main">
+              <a14:hiddenFill xmlns:a14="http://schemas.microsoft.com/office/drawing/2010/main" xmlns="">
                 <a:solidFill>
                   <a:srgbClr val="FFFFFF"/>
                 </a:solidFill>
@@ -9057,7 +9057,7 @@
               </a:ln>
               <a:extLst>
                 <a:ext uri="{91240B29-F687-4f45-9708-019B960494DF}">
-                  <a14:hiddenLine xmlns="" xmlns:a14="http://schemas.microsoft.com/office/drawing/2010/main" w="9525">
+                  <a14:hiddenLine xmlns:a14="http://schemas.microsoft.com/office/drawing/2010/main" xmlns="" w="9525">
                     <a:solidFill>
                       <a:srgbClr val="000000"/>
                     </a:solidFill>
@@ -9147,7 +9147,7 @@
               </a:ln>
               <a:extLst>
                 <a:ext uri="{91240B29-F687-4f45-9708-019B960494DF}">
-                  <a14:hiddenLine xmlns="" xmlns:a14="http://schemas.microsoft.com/office/drawing/2010/main" w="9525">
+                  <a14:hiddenLine xmlns:a14="http://schemas.microsoft.com/office/drawing/2010/main" xmlns="" w="9525">
                     <a:solidFill>
                       <a:srgbClr val="000000"/>
                     </a:solidFill>
@@ -9237,7 +9237,7 @@
               </a:ln>
               <a:extLst>
                 <a:ext uri="{91240B29-F687-4f45-9708-019B960494DF}">
-                  <a14:hiddenLine xmlns="" xmlns:a14="http://schemas.microsoft.com/office/drawing/2010/main" w="9525">
+                  <a14:hiddenLine xmlns:a14="http://schemas.microsoft.com/office/drawing/2010/main" xmlns="" w="9525">
                     <a:solidFill>
                       <a:srgbClr val="000000"/>
                     </a:solidFill>
@@ -9299,7 +9299,7 @@
               </a:ln>
               <a:extLst>
                 <a:ext uri="{91240B29-F687-4f45-9708-019B960494DF}">
-                  <a14:hiddenLine xmlns="" xmlns:a14="http://schemas.microsoft.com/office/drawing/2010/main" w="9525">
+                  <a14:hiddenLine xmlns:a14="http://schemas.microsoft.com/office/drawing/2010/main" xmlns="" w="9525">
                     <a:solidFill>
                       <a:srgbClr val="000000"/>
                     </a:solidFill>
@@ -9389,7 +9389,7 @@
               </a:ln>
               <a:extLst>
                 <a:ext uri="{91240B29-F687-4f45-9708-019B960494DF}">
-                  <a14:hiddenLine xmlns="" xmlns:a14="http://schemas.microsoft.com/office/drawing/2010/main" w="9525">
+                  <a14:hiddenLine xmlns:a14="http://schemas.microsoft.com/office/drawing/2010/main" xmlns="" w="9525">
                     <a:solidFill>
                       <a:srgbClr val="000000"/>
                     </a:solidFill>
@@ -9451,7 +9451,7 @@
               </a:ln>
               <a:extLst>
                 <a:ext uri="{91240B29-F687-4f45-9708-019B960494DF}">
-                  <a14:hiddenLine xmlns="" xmlns:a14="http://schemas.microsoft.com/office/drawing/2010/main" w="9525">
+                  <a14:hiddenLine xmlns:a14="http://schemas.microsoft.com/office/drawing/2010/main" xmlns="" w="9525">
                     <a:solidFill>
                       <a:srgbClr val="000000"/>
                     </a:solidFill>
@@ -9513,7 +9513,7 @@
               </a:ln>
               <a:extLst>
                 <a:ext uri="{91240B29-F687-4f45-9708-019B960494DF}">
-                  <a14:hiddenLine xmlns="" xmlns:a14="http://schemas.microsoft.com/office/drawing/2010/main" w="9525">
+                  <a14:hiddenLine xmlns:a14="http://schemas.microsoft.com/office/drawing/2010/main" xmlns="" w="9525">
                     <a:solidFill>
                       <a:srgbClr val="000000"/>
                     </a:solidFill>
@@ -9603,7 +9603,7 @@
               </a:ln>
               <a:extLst>
                 <a:ext uri="{91240B29-F687-4f45-9708-019B960494DF}">
-                  <a14:hiddenLine xmlns="" xmlns:a14="http://schemas.microsoft.com/office/drawing/2010/main" w="9525">
+                  <a14:hiddenLine xmlns:a14="http://schemas.microsoft.com/office/drawing/2010/main" xmlns="" w="9525">
                     <a:solidFill>
                       <a:srgbClr val="000000"/>
                     </a:solidFill>
@@ -9693,7 +9693,7 @@
               </a:ln>
               <a:extLst>
                 <a:ext uri="{91240B29-F687-4f45-9708-019B960494DF}">
-                  <a14:hiddenLine xmlns="" xmlns:a14="http://schemas.microsoft.com/office/drawing/2010/main" w="9525">
+                  <a14:hiddenLine xmlns:a14="http://schemas.microsoft.com/office/drawing/2010/main" xmlns="" w="9525">
                     <a:solidFill>
                       <a:srgbClr val="000000"/>
                     </a:solidFill>
@@ -9755,7 +9755,7 @@
               </a:ln>
               <a:extLst>
                 <a:ext uri="{91240B29-F687-4f45-9708-019B960494DF}">
-                  <a14:hiddenLine xmlns="" xmlns:a14="http://schemas.microsoft.com/office/drawing/2010/main" w="9525">
+                  <a14:hiddenLine xmlns:a14="http://schemas.microsoft.com/office/drawing/2010/main" xmlns="" w="9525">
                     <a:solidFill>
                       <a:srgbClr val="000000"/>
                     </a:solidFill>
@@ -9865,7 +9865,7 @@
               </a:ln>
               <a:extLst>
                 <a:ext uri="{91240B29-F687-4f45-9708-019B960494DF}">
-                  <a14:hiddenLine xmlns="" xmlns:a14="http://schemas.microsoft.com/office/drawing/2010/main" w="9525">
+                  <a14:hiddenLine xmlns:a14="http://schemas.microsoft.com/office/drawing/2010/main" xmlns="" w="9525">
                     <a:solidFill>
                       <a:srgbClr val="000000"/>
                     </a:solidFill>
@@ -9949,7 +9949,7 @@
               </a:ln>
               <a:extLst>
                 <a:ext uri="{91240B29-F687-4f45-9708-019B960494DF}">
-                  <a14:hiddenLine xmlns="" xmlns:a14="http://schemas.microsoft.com/office/drawing/2010/main" w="9525">
+                  <a14:hiddenLine xmlns:a14="http://schemas.microsoft.com/office/drawing/2010/main" xmlns="" w="9525">
                     <a:solidFill>
                       <a:srgbClr val="000000"/>
                     </a:solidFill>
@@ -10011,7 +10011,7 @@
               </a:ln>
               <a:extLst>
                 <a:ext uri="{91240B29-F687-4f45-9708-019B960494DF}">
-                  <a14:hiddenLine xmlns="" xmlns:a14="http://schemas.microsoft.com/office/drawing/2010/main" w="9525">
+                  <a14:hiddenLine xmlns:a14="http://schemas.microsoft.com/office/drawing/2010/main" xmlns="" w="9525">
                     <a:solidFill>
                       <a:srgbClr val="000000"/>
                     </a:solidFill>
@@ -10073,7 +10073,7 @@
               </a:ln>
               <a:extLst>
                 <a:ext uri="{91240B29-F687-4f45-9708-019B960494DF}">
-                  <a14:hiddenLine xmlns="" xmlns:a14="http://schemas.microsoft.com/office/drawing/2010/main" w="9525">
+                  <a14:hiddenLine xmlns:a14="http://schemas.microsoft.com/office/drawing/2010/main" xmlns="" w="9525">
                     <a:solidFill>
                       <a:srgbClr val="000000"/>
                     </a:solidFill>
@@ -10163,7 +10163,7 @@
               </a:ln>
               <a:extLst>
                 <a:ext uri="{91240B29-F687-4f45-9708-019B960494DF}">
-                  <a14:hiddenLine xmlns="" xmlns:a14="http://schemas.microsoft.com/office/drawing/2010/main" w="9525">
+                  <a14:hiddenLine xmlns:a14="http://schemas.microsoft.com/office/drawing/2010/main" xmlns="" w="9525">
                     <a:solidFill>
                       <a:srgbClr val="000000"/>
                     </a:solidFill>
@@ -10197,7 +10197,7 @@
               </a:ln>
               <a:extLst>
                 <a:ext uri="{91240B29-F687-4f45-9708-019B960494DF}">
-                  <a14:hiddenLine xmlns="" xmlns:a14="http://schemas.microsoft.com/office/drawing/2010/main" w="9525">
+                  <a14:hiddenLine xmlns:a14="http://schemas.microsoft.com/office/drawing/2010/main" xmlns="" w="9525">
                     <a:solidFill>
                       <a:srgbClr val="000000"/>
                     </a:solidFill>
@@ -10262,7 +10262,7 @@
               </a:ln>
               <a:extLst>
                 <a:ext uri="{91240B29-F687-4f45-9708-019B960494DF}">
-                  <a14:hiddenLine xmlns="" xmlns:a14="http://schemas.microsoft.com/office/drawing/2010/main" w="9525">
+                  <a14:hiddenLine xmlns:a14="http://schemas.microsoft.com/office/drawing/2010/main" xmlns="" w="9525">
                     <a:solidFill>
                       <a:srgbClr val="000000"/>
                     </a:solidFill>
@@ -10352,7 +10352,7 @@
               </a:ln>
               <a:extLst>
                 <a:ext uri="{91240B29-F687-4f45-9708-019B960494DF}">
-                  <a14:hiddenLine xmlns="" xmlns:a14="http://schemas.microsoft.com/office/drawing/2010/main" w="9525">
+                  <a14:hiddenLine xmlns:a14="http://schemas.microsoft.com/office/drawing/2010/main" xmlns="" w="9525">
                     <a:solidFill>
                       <a:srgbClr val="000000"/>
                     </a:solidFill>
@@ -10414,7 +10414,7 @@
               </a:ln>
               <a:extLst>
                 <a:ext uri="{91240B29-F687-4f45-9708-019B960494DF}">
-                  <a14:hiddenLine xmlns="" xmlns:a14="http://schemas.microsoft.com/office/drawing/2010/main" w="9525">
+                  <a14:hiddenLine xmlns:a14="http://schemas.microsoft.com/office/drawing/2010/main" xmlns="" w="9525">
                     <a:solidFill>
                       <a:srgbClr val="000000"/>
                     </a:solidFill>
@@ -10504,7 +10504,7 @@
               </a:ln>
               <a:extLst>
                 <a:ext uri="{91240B29-F687-4f45-9708-019B960494DF}">
-                  <a14:hiddenLine xmlns="" xmlns:a14="http://schemas.microsoft.com/office/drawing/2010/main" w="9525">
+                  <a14:hiddenLine xmlns:a14="http://schemas.microsoft.com/office/drawing/2010/main" xmlns="" w="9525">
                     <a:solidFill>
                       <a:srgbClr val="000000"/>
                     </a:solidFill>
@@ -10569,7 +10569,7 @@
               </a:ln>
               <a:extLst>
                 <a:ext uri="{91240B29-F687-4f45-9708-019B960494DF}">
-                  <a14:hiddenLine xmlns="" xmlns:a14="http://schemas.microsoft.com/office/drawing/2010/main" w="9525">
+                  <a14:hiddenLine xmlns:a14="http://schemas.microsoft.com/office/drawing/2010/main" xmlns="" w="9525">
                     <a:solidFill>
                       <a:srgbClr val="000000"/>
                     </a:solidFill>
@@ -10631,7 +10631,7 @@
               </a:ln>
               <a:extLst>
                 <a:ext uri="{91240B29-F687-4f45-9708-019B960494DF}">
-                  <a14:hiddenLine xmlns="" xmlns:a14="http://schemas.microsoft.com/office/drawing/2010/main" w="9525">
+                  <a14:hiddenLine xmlns:a14="http://schemas.microsoft.com/office/drawing/2010/main" xmlns="" w="9525">
                     <a:solidFill>
                       <a:srgbClr val="000000"/>
                     </a:solidFill>
@@ -10721,7 +10721,7 @@
               </a:ln>
               <a:extLst>
                 <a:ext uri="{91240B29-F687-4f45-9708-019B960494DF}">
-                  <a14:hiddenLine xmlns="" xmlns:a14="http://schemas.microsoft.com/office/drawing/2010/main" w="9525">
+                  <a14:hiddenLine xmlns:a14="http://schemas.microsoft.com/office/drawing/2010/main" xmlns="" w="9525">
                     <a:solidFill>
                       <a:srgbClr val="000000"/>
                     </a:solidFill>
@@ -10811,7 +10811,7 @@
               </a:ln>
               <a:extLst>
                 <a:ext uri="{91240B29-F687-4f45-9708-019B960494DF}">
-                  <a14:hiddenLine xmlns="" xmlns:a14="http://schemas.microsoft.com/office/drawing/2010/main" w="9525">
+                  <a14:hiddenLine xmlns:a14="http://schemas.microsoft.com/office/drawing/2010/main" xmlns="" w="9525">
                     <a:solidFill>
                       <a:srgbClr val="000000"/>
                     </a:solidFill>
@@ -10876,7 +10876,7 @@
               </a:ln>
               <a:extLst>
                 <a:ext uri="{91240B29-F687-4f45-9708-019B960494DF}">
-                  <a14:hiddenLine xmlns="" xmlns:a14="http://schemas.microsoft.com/office/drawing/2010/main" w="9525">
+                  <a14:hiddenLine xmlns:a14="http://schemas.microsoft.com/office/drawing/2010/main" xmlns="" w="9525">
                     <a:solidFill>
                       <a:srgbClr val="000000"/>
                     </a:solidFill>
@@ -10996,7 +10996,7 @@
               </a:ln>
               <a:extLst>
                 <a:ext uri="{91240B29-F687-4f45-9708-019B960494DF}">
-                  <a14:hiddenLine xmlns="" xmlns:a14="http://schemas.microsoft.com/office/drawing/2010/main" w="9525">
+                  <a14:hiddenLine xmlns:a14="http://schemas.microsoft.com/office/drawing/2010/main" xmlns="" w="9525">
                     <a:solidFill>
                       <a:srgbClr val="000000"/>
                     </a:solidFill>
@@ -11094,7 +11094,7 @@
               </a:ln>
               <a:extLst>
                 <a:ext uri="{91240B29-F687-4f45-9708-019B960494DF}">
-                  <a14:hiddenLine xmlns="" xmlns:a14="http://schemas.microsoft.com/office/drawing/2010/main" w="9525">
+                  <a14:hiddenLine xmlns:a14="http://schemas.microsoft.com/office/drawing/2010/main" xmlns="" w="9525">
                     <a:solidFill>
                       <a:srgbClr val="000000"/>
                     </a:solidFill>
@@ -11209,7 +11209,7 @@
               </a:ln>
               <a:extLst>
                 <a:ext uri="{91240B29-F687-4f45-9708-019B960494DF}">
-                  <a14:hiddenLine xmlns="" xmlns:a14="http://schemas.microsoft.com/office/drawing/2010/main" w="9525">
+                  <a14:hiddenLine xmlns:a14="http://schemas.microsoft.com/office/drawing/2010/main" xmlns="" w="9525">
                     <a:solidFill>
                       <a:srgbClr val="000000"/>
                     </a:solidFill>
@@ -11299,7 +11299,7 @@
               </a:ln>
               <a:extLst>
                 <a:ext uri="{91240B29-F687-4f45-9708-019B960494DF}">
-                  <a14:hiddenLine xmlns="" xmlns:a14="http://schemas.microsoft.com/office/drawing/2010/main" w="9525">
+                  <a14:hiddenLine xmlns:a14="http://schemas.microsoft.com/office/drawing/2010/main" xmlns="" w="9525">
                     <a:solidFill>
                       <a:srgbClr val="000000"/>
                     </a:solidFill>
@@ -11364,7 +11364,7 @@
               </a:ln>
               <a:extLst>
                 <a:ext uri="{91240B29-F687-4f45-9708-019B960494DF}">
-                  <a14:hiddenLine xmlns="" xmlns:a14="http://schemas.microsoft.com/office/drawing/2010/main" w="9525">
+                  <a14:hiddenLine xmlns:a14="http://schemas.microsoft.com/office/drawing/2010/main" xmlns="" w="9525">
                     <a:solidFill>
                       <a:srgbClr val="000000"/>
                     </a:solidFill>
@@ -11454,7 +11454,7 @@
               </a:ln>
               <a:extLst>
                 <a:ext uri="{91240B29-F687-4f45-9708-019B960494DF}">
-                  <a14:hiddenLine xmlns="" xmlns:a14="http://schemas.microsoft.com/office/drawing/2010/main" w="9525">
+                  <a14:hiddenLine xmlns:a14="http://schemas.microsoft.com/office/drawing/2010/main" xmlns="" w="9525">
                     <a:solidFill>
                       <a:srgbClr val="000000"/>
                     </a:solidFill>
@@ -11522,7 +11522,7 @@
               </a:ln>
               <a:extLst>
                 <a:ext uri="{91240B29-F687-4f45-9708-019B960494DF}">
-                  <a14:hiddenLine xmlns="" xmlns:a14="http://schemas.microsoft.com/office/drawing/2010/main" w="9525">
+                  <a14:hiddenLine xmlns:a14="http://schemas.microsoft.com/office/drawing/2010/main" xmlns="" w="9525">
                     <a:solidFill>
                       <a:srgbClr val="000000"/>
                     </a:solidFill>
@@ -11612,7 +11612,7 @@
               </a:ln>
               <a:extLst>
                 <a:ext uri="{91240B29-F687-4f45-9708-019B960494DF}">
-                  <a14:hiddenLine xmlns="" xmlns:a14="http://schemas.microsoft.com/office/drawing/2010/main" w="9525">
+                  <a14:hiddenLine xmlns:a14="http://schemas.microsoft.com/office/drawing/2010/main" xmlns="" w="9525">
                     <a:solidFill>
                       <a:srgbClr val="000000"/>
                     </a:solidFill>
@@ -11680,7 +11680,7 @@
               </a:ln>
               <a:extLst>
                 <a:ext uri="{91240B29-F687-4f45-9708-019B960494DF}">
-                  <a14:hiddenLine xmlns="" xmlns:a14="http://schemas.microsoft.com/office/drawing/2010/main" w="9525">
+                  <a14:hiddenLine xmlns:a14="http://schemas.microsoft.com/office/drawing/2010/main" xmlns="" w="9525">
                     <a:solidFill>
                       <a:srgbClr val="000000"/>
                     </a:solidFill>
@@ -11770,7 +11770,7 @@
               </a:ln>
               <a:extLst>
                 <a:ext uri="{91240B29-F687-4f45-9708-019B960494DF}">
-                  <a14:hiddenLine xmlns="" xmlns:a14="http://schemas.microsoft.com/office/drawing/2010/main" w="9525">
+                  <a14:hiddenLine xmlns:a14="http://schemas.microsoft.com/office/drawing/2010/main" xmlns="" w="9525">
                     <a:solidFill>
                       <a:srgbClr val="000000"/>
                     </a:solidFill>
@@ -11804,7 +11804,7 @@
               </a:ln>
               <a:extLst>
                 <a:ext uri="{91240B29-F687-4f45-9708-019B960494DF}">
-                  <a14:hiddenLine xmlns="" xmlns:a14="http://schemas.microsoft.com/office/drawing/2010/main" w="9525">
+                  <a14:hiddenLine xmlns:a14="http://schemas.microsoft.com/office/drawing/2010/main" xmlns="" w="9525">
                     <a:solidFill>
                       <a:srgbClr val="000000"/>
                     </a:solidFill>
